--- a/Hotels in Madison Area.pptx
+++ b/Hotels in Madison Area.pptx
@@ -8,7 +8,11 @@
     <p:sldId id="256" r:id="rId2"/>
     <p:sldId id="257" r:id="rId3"/>
     <p:sldId id="259" r:id="rId4"/>
-    <p:sldId id="258" r:id="rId5"/>
+    <p:sldId id="260" r:id="rId5"/>
+    <p:sldId id="258" r:id="rId6"/>
+    <p:sldId id="261" r:id="rId7"/>
+    <p:sldId id="262" r:id="rId8"/>
+    <p:sldId id="263" r:id="rId9"/>
   </p:sldIdLst>
   <p:sldSz cx="12192000" cy="6858000"/>
   <p:notesSz cx="6858000" cy="9144000"/>
@@ -107,7 +111,38 @@
       </a:defRPr>
     </a:lvl9pPr>
   </p:defaultTextStyle>
+  <p:extLst>
+    <p:ext uri="{EFAFB233-063F-42B5-8137-9DF3F51BA10A}">
+      <p15:sldGuideLst xmlns:p15="http://schemas.microsoft.com/office/powerpoint/2012/main"/>
+    </p:ext>
+  </p:extLst>
 </p:presentation>
+</file>
+
+<file path=ppt/commentAuthors.xml><?xml version="1.0" encoding="utf-8"?>
+<p:cmAuthorLst xmlns:a="http://schemas.openxmlformats.org/drawingml/2006/main" xmlns:r="http://schemas.openxmlformats.org/officeDocument/2006/relationships" xmlns:p="http://schemas.openxmlformats.org/presentationml/2006/main">
+  <p:cmAuthor id="1" name="HanGyu KANG" initials="HK" lastIdx="1" clrIdx="0">
+    <p:extLst>
+      <p:ext uri="{19B8F6BF-5375-455C-9EA6-DF929625EA0E}">
+        <p15:presenceInfo xmlns:p15="http://schemas.microsoft.com/office/powerpoint/2012/main" userId="HanGyu KANG" providerId="None"/>
+      </p:ext>
+    </p:extLst>
+  </p:cmAuthor>
+</p:cmAuthorLst>
+</file>
+
+<file path=ppt/comments/comment1.xml><?xml version="1.0" encoding="utf-8"?>
+<p:cmLst xmlns:a="http://schemas.openxmlformats.org/drawingml/2006/main" xmlns:r="http://schemas.openxmlformats.org/officeDocument/2006/relationships" xmlns:p="http://schemas.openxmlformats.org/presentationml/2006/main">
+  <p:cm authorId="1" dt="2020-11-26T23:40:38.966" idx="1">
+    <p:pos x="10" y="10"/>
+    <p:text/>
+    <p:extLst>
+      <p:ext uri="{C676402C-5697-4E1C-873F-D02D1690AC5C}">
+        <p15:threadingInfo xmlns:p15="http://schemas.microsoft.com/office/powerpoint/2012/main" timeZoneBias="360"/>
+      </p:ext>
+    </p:extLst>
+  </p:cm>
+</p:cmLst>
 </file>
 
 <file path=ppt/slideLayouts/slideLayout1.xml><?xml version="1.0" encoding="utf-8"?>
@@ -3425,7 +3460,7 @@
         </p:nvSpPr>
         <p:spPr>
           <a:xfrm>
-            <a:off x="838200" y="170384"/>
+            <a:off x="838200" y="534456"/>
             <a:ext cx="10515600" cy="1325563"/>
           </a:xfrm>
         </p:spPr>
@@ -3458,7 +3493,7 @@
         </p:nvSpPr>
         <p:spPr>
           <a:xfrm>
-            <a:off x="838200" y="1253331"/>
+            <a:off x="838200" y="1795198"/>
             <a:ext cx="10515600" cy="3225536"/>
           </a:xfrm>
         </p:spPr>
@@ -3525,36 +3560,6 @@
           </a:p>
         </p:txBody>
       </p:sp>
-      <p:pic>
-        <p:nvPicPr>
-          <p:cNvPr id="6" name="Picture 5">
-            <a:extLst>
-              <a:ext uri="{FF2B5EF4-FFF2-40B4-BE49-F238E27FC236}">
-                <a16:creationId xmlns:a16="http://schemas.microsoft.com/office/drawing/2014/main" id="{F058E774-7C42-4A13-8FB2-21C006F9C996}"/>
-              </a:ext>
-            </a:extLst>
-          </p:cNvPr>
-          <p:cNvPicPr>
-            <a:picLocks noChangeAspect="1"/>
-          </p:cNvPicPr>
-          <p:nvPr/>
-        </p:nvPicPr>
-        <p:blipFill>
-          <a:blip r:embed="rId2"/>
-          <a:stretch>
-            <a:fillRect/>
-          </a:stretch>
-        </p:blipFill>
-        <p:spPr>
-          <a:xfrm>
-            <a:off x="6702041" y="4554102"/>
-            <a:ext cx="4029599" cy="1716070"/>
-          </a:xfrm>
-          <a:prstGeom prst="rect">
-            <a:avLst/>
-          </a:prstGeom>
-        </p:spPr>
-      </p:pic>
     </p:spTree>
     <p:extLst>
       <p:ext uri="{BB962C8B-B14F-4D97-AF65-F5344CB8AC3E}">
@@ -3762,38 +3767,358 @@
         </p:nvSpPr>
         <p:spPr/>
         <p:txBody>
-          <a:bodyPr/>
-          <a:lstStyle/>
-          <a:p>
+          <a:bodyPr>
+            <a:normAutofit/>
+          </a:bodyPr>
+          <a:lstStyle/>
+          <a:p>
+            <a:r>
+              <a:rPr lang="en-US" sz="3600" dirty="0"/>
+              <a:t>Data Analysis Process (Manipulating Cleaned Dataset)</a:t>
+            </a:r>
+          </a:p>
+        </p:txBody>
+      </p:sp>
+      <p:pic>
+        <p:nvPicPr>
+          <p:cNvPr id="4" name="Picture 3">
+            <a:extLst>
+              <a:ext uri="{FF2B5EF4-FFF2-40B4-BE49-F238E27FC236}">
+                <a16:creationId xmlns:a16="http://schemas.microsoft.com/office/drawing/2014/main" id="{EF592FD3-22FA-4B99-81B5-90811D72F947}"/>
+              </a:ext>
+            </a:extLst>
+          </p:cNvPr>
+          <p:cNvPicPr>
+            <a:picLocks noChangeAspect="1"/>
+          </p:cNvPicPr>
+          <p:nvPr/>
+        </p:nvPicPr>
+        <p:blipFill>
+          <a:blip r:embed="rId2"/>
+          <a:stretch>
+            <a:fillRect/>
+          </a:stretch>
+        </p:blipFill>
+        <p:spPr>
+          <a:xfrm>
+            <a:off x="838200" y="1419382"/>
+            <a:ext cx="8299363" cy="2790877"/>
+          </a:xfrm>
+          <a:prstGeom prst="rect">
+            <a:avLst/>
+          </a:prstGeom>
+        </p:spPr>
+      </p:pic>
+      <p:sp>
+        <p:nvSpPr>
+          <p:cNvPr id="6" name="Content Placeholder 5">
+            <a:extLst>
+              <a:ext uri="{FF2B5EF4-FFF2-40B4-BE49-F238E27FC236}">
+                <a16:creationId xmlns:a16="http://schemas.microsoft.com/office/drawing/2014/main" id="{CD1678C4-48FF-4118-A818-91AD1E08575A}"/>
+              </a:ext>
+            </a:extLst>
+          </p:cNvPr>
+          <p:cNvSpPr>
+            <a:spLocks noGrp="1"/>
+          </p:cNvSpPr>
+          <p:nvPr>
+            <p:ph idx="1"/>
+          </p:nvPr>
+        </p:nvSpPr>
+        <p:spPr>
+          <a:xfrm>
+            <a:off x="838200" y="4372165"/>
+            <a:ext cx="10114503" cy="2038683"/>
+          </a:xfrm>
+        </p:spPr>
+        <p:txBody>
+          <a:bodyPr>
+            <a:normAutofit/>
+          </a:bodyPr>
+          <a:lstStyle/>
+          <a:p>
+            <a:pPr marL="0" indent="0">
+              <a:buNone/>
+            </a:pPr>
             <a:r>
               <a:rPr lang="en-US" dirty="0"/>
-              <a:t>Data Analysis Process</a:t>
-            </a:r>
-          </a:p>
-        </p:txBody>
-      </p:sp>
-      <p:sp>
-        <p:nvSpPr>
-          <p:cNvPr id="3" name="Content Placeholder 2">
-            <a:extLst>
-              <a:ext uri="{FF2B5EF4-FFF2-40B4-BE49-F238E27FC236}">
-                <a16:creationId xmlns:a16="http://schemas.microsoft.com/office/drawing/2014/main" id="{8BA08ECA-E81A-4A3B-A287-8E2D97F5B3A8}"/>
-              </a:ext>
-            </a:extLst>
-          </p:cNvPr>
-          <p:cNvSpPr>
-            <a:spLocks noGrp="1"/>
-          </p:cNvSpPr>
-          <p:nvPr>
-            <p:ph idx="1"/>
+              <a:t>1532 x 1405</a:t>
+            </a:r>
+          </a:p>
+          <a:p>
+            <a:pPr marL="0" indent="0">
+              <a:buNone/>
+            </a:pPr>
+            <a:r>
+              <a:rPr lang="en-US" dirty="0"/>
+              <a:t>1532 rows =&gt; reviews about hotels in Madison</a:t>
+            </a:r>
+          </a:p>
+          <a:p>
+            <a:pPr marL="0" indent="0">
+              <a:buNone/>
+            </a:pPr>
+            <a:r>
+              <a:rPr lang="en-US" dirty="0"/>
+              <a:t>1395 columns =&gt; Word Frequency</a:t>
+            </a:r>
+          </a:p>
+          <a:p>
+            <a:pPr marL="0" indent="0">
+              <a:buNone/>
+            </a:pPr>
+            <a:r>
+              <a:rPr lang="en-US" dirty="0"/>
+              <a:t>10 columns =&gt; About business </a:t>
+            </a:r>
+          </a:p>
+          <a:p>
+            <a:pPr marL="0" indent="0">
+              <a:buNone/>
+            </a:pPr>
+            <a:endParaRPr lang="en-US" dirty="0"/>
+          </a:p>
+        </p:txBody>
+      </p:sp>
+    </p:spTree>
+    <p:extLst>
+      <p:ext uri="{BB962C8B-B14F-4D97-AF65-F5344CB8AC3E}">
+        <p14:creationId xmlns:p14="http://schemas.microsoft.com/office/powerpoint/2010/main" val="4012451063"/>
+      </p:ext>
+    </p:extLst>
+  </p:cSld>
+  <p:clrMapOvr>
+    <a:masterClrMapping/>
+  </p:clrMapOvr>
+</p:sld>
+</file>
+
+<file path=ppt/slides/slide5.xml><?xml version="1.0" encoding="utf-8"?>
+<p:sld xmlns:a="http://schemas.openxmlformats.org/drawingml/2006/main" xmlns:r="http://schemas.openxmlformats.org/officeDocument/2006/relationships" xmlns:p="http://schemas.openxmlformats.org/presentationml/2006/main">
+  <p:cSld>
+    <p:spTree>
+      <p:nvGrpSpPr>
+        <p:cNvPr id="1" name=""/>
+        <p:cNvGrpSpPr/>
+        <p:nvPr/>
+      </p:nvGrpSpPr>
+      <p:grpSpPr>
+        <a:xfrm>
+          <a:off x="0" y="0"/>
+          <a:ext cx="0" cy="0"/>
+          <a:chOff x="0" y="0"/>
+          <a:chExt cx="0" cy="0"/>
+        </a:xfrm>
+      </p:grpSpPr>
+      <p:sp>
+        <p:nvSpPr>
+          <p:cNvPr id="2" name="Title 1">
+            <a:extLst>
+              <a:ext uri="{FF2B5EF4-FFF2-40B4-BE49-F238E27FC236}">
+                <a16:creationId xmlns:a16="http://schemas.microsoft.com/office/drawing/2014/main" id="{417E78FE-553A-426A-9575-6CD0E7C8D12E}"/>
+              </a:ext>
+            </a:extLst>
+          </p:cNvPr>
+          <p:cNvSpPr>
+            <a:spLocks noGrp="1"/>
+          </p:cNvSpPr>
+          <p:nvPr>
+            <p:ph type="title"/>
           </p:nvPr>
         </p:nvSpPr>
         <p:spPr/>
         <p:txBody>
-          <a:bodyPr/>
-          <a:lstStyle/>
-          <a:p>
+          <a:bodyPr>
+            <a:normAutofit/>
+          </a:bodyPr>
+          <a:lstStyle/>
+          <a:p>
+            <a:r>
+              <a:rPr lang="en-US" sz="3600" dirty="0"/>
+              <a:t>Data Analysis Process (Manipulating Cleaned Dataset)</a:t>
+            </a:r>
+          </a:p>
+        </p:txBody>
+      </p:sp>
+      <p:pic>
+        <p:nvPicPr>
+          <p:cNvPr id="4" name="Picture 3">
+            <a:extLst>
+              <a:ext uri="{FF2B5EF4-FFF2-40B4-BE49-F238E27FC236}">
+                <a16:creationId xmlns:a16="http://schemas.microsoft.com/office/drawing/2014/main" id="{EF592FD3-22FA-4B99-81B5-90811D72F947}"/>
+              </a:ext>
+            </a:extLst>
+          </p:cNvPr>
+          <p:cNvPicPr>
+            <a:picLocks noChangeAspect="1"/>
+          </p:cNvPicPr>
+          <p:nvPr/>
+        </p:nvPicPr>
+        <p:blipFill>
+          <a:blip r:embed="rId2"/>
+          <a:stretch>
+            <a:fillRect/>
+          </a:stretch>
+        </p:blipFill>
+        <p:spPr>
+          <a:xfrm>
+            <a:off x="838201" y="1419382"/>
+            <a:ext cx="6832140" cy="2297485"/>
+          </a:xfrm>
+          <a:prstGeom prst="rect">
+            <a:avLst/>
+          </a:prstGeom>
+        </p:spPr>
+      </p:pic>
+      <p:pic>
+        <p:nvPicPr>
+          <p:cNvPr id="8" name="Picture 7">
+            <a:extLst>
+              <a:ext uri="{FF2B5EF4-FFF2-40B4-BE49-F238E27FC236}">
+                <a16:creationId xmlns:a16="http://schemas.microsoft.com/office/drawing/2014/main" id="{3F9DF906-5E10-44C9-81D0-C25915AB58E2}"/>
+              </a:ext>
+            </a:extLst>
+          </p:cNvPr>
+          <p:cNvPicPr>
+            <a:picLocks noChangeAspect="1"/>
+          </p:cNvPicPr>
+          <p:nvPr/>
+        </p:nvPicPr>
+        <p:blipFill>
+          <a:blip r:embed="rId3"/>
+          <a:stretch>
+            <a:fillRect/>
+          </a:stretch>
+        </p:blipFill>
+        <p:spPr>
+          <a:xfrm>
+            <a:off x="1183217" y="4042461"/>
+            <a:ext cx="9334500" cy="1457325"/>
+          </a:xfrm>
+          <a:prstGeom prst="rect">
+            <a:avLst/>
+          </a:prstGeom>
+        </p:spPr>
+      </p:pic>
+      <p:sp>
+        <p:nvSpPr>
+          <p:cNvPr id="9" name="Arrow: Right 8">
+            <a:extLst>
+              <a:ext uri="{FF2B5EF4-FFF2-40B4-BE49-F238E27FC236}">
+                <a16:creationId xmlns:a16="http://schemas.microsoft.com/office/drawing/2014/main" id="{6D82207A-2EE6-40C4-978C-7FD6C79FB29D}"/>
+              </a:ext>
+            </a:extLst>
+          </p:cNvPr>
+          <p:cNvSpPr/>
+          <p:nvPr/>
+        </p:nvSpPr>
+        <p:spPr>
+          <a:xfrm>
+            <a:off x="9417820" y="2563189"/>
+            <a:ext cx="813917" cy="403155"/>
+          </a:xfrm>
+          <a:prstGeom prst="rightArrow">
+            <a:avLst/>
+          </a:prstGeom>
+        </p:spPr>
+        <p:style>
+          <a:lnRef idx="2">
+            <a:schemeClr val="accent1">
+              <a:shade val="50000"/>
+            </a:schemeClr>
+          </a:lnRef>
+          <a:fillRef idx="1">
+            <a:schemeClr val="accent1"/>
+          </a:fillRef>
+          <a:effectRef idx="0">
+            <a:schemeClr val="accent1"/>
+          </a:effectRef>
+          <a:fontRef idx="minor">
+            <a:schemeClr val="lt1"/>
+          </a:fontRef>
+        </p:style>
+        <p:txBody>
+          <a:bodyPr rtlCol="0" anchor="ctr"/>
+          <a:lstStyle/>
+          <a:p>
+            <a:pPr algn="ctr"/>
             <a:endParaRPr lang="en-US"/>
+          </a:p>
+        </p:txBody>
+      </p:sp>
+      <p:sp>
+        <p:nvSpPr>
+          <p:cNvPr id="11" name="TextBox 10">
+            <a:extLst>
+              <a:ext uri="{FF2B5EF4-FFF2-40B4-BE49-F238E27FC236}">
+                <a16:creationId xmlns:a16="http://schemas.microsoft.com/office/drawing/2014/main" id="{F1553CD4-08A5-41CC-954D-F46D4EA97AB3}"/>
+              </a:ext>
+            </a:extLst>
+          </p:cNvPr>
+          <p:cNvSpPr txBox="1"/>
+          <p:nvPr/>
+        </p:nvSpPr>
+        <p:spPr>
+          <a:xfrm>
+            <a:off x="7841347" y="2580101"/>
+            <a:ext cx="1405467" cy="369332"/>
+          </a:xfrm>
+          <a:prstGeom prst="rect">
+            <a:avLst/>
+          </a:prstGeom>
+          <a:noFill/>
+        </p:spPr>
+        <p:txBody>
+          <a:bodyPr wrap="square">
+            <a:spAutoFit/>
+          </a:bodyPr>
+          <a:lstStyle/>
+          <a:p>
+            <a:pPr marL="0" indent="0">
+              <a:buNone/>
+            </a:pPr>
+            <a:r>
+              <a:rPr lang="en-US" dirty="0"/>
+              <a:t>1532 x 1405</a:t>
+            </a:r>
+          </a:p>
+        </p:txBody>
+      </p:sp>
+      <p:sp>
+        <p:nvSpPr>
+          <p:cNvPr id="12" name="TextBox 11">
+            <a:extLst>
+              <a:ext uri="{FF2B5EF4-FFF2-40B4-BE49-F238E27FC236}">
+                <a16:creationId xmlns:a16="http://schemas.microsoft.com/office/drawing/2014/main" id="{4F18319E-A791-4F2A-8BD8-1A6F56EC1DE7}"/>
+              </a:ext>
+            </a:extLst>
+          </p:cNvPr>
+          <p:cNvSpPr txBox="1"/>
+          <p:nvPr/>
+        </p:nvSpPr>
+        <p:spPr>
+          <a:xfrm>
+            <a:off x="5147733" y="5699308"/>
+            <a:ext cx="1405467" cy="369332"/>
+          </a:xfrm>
+          <a:prstGeom prst="rect">
+            <a:avLst/>
+          </a:prstGeom>
+          <a:noFill/>
+        </p:spPr>
+        <p:txBody>
+          <a:bodyPr wrap="square">
+            <a:spAutoFit/>
+          </a:bodyPr>
+          <a:lstStyle/>
+          <a:p>
+            <a:pPr marL="0" indent="0">
+              <a:buNone/>
+            </a:pPr>
+            <a:r>
+              <a:rPr lang="en-US" dirty="0"/>
+              <a:t>1532 x 344</a:t>
+            </a:r>
           </a:p>
         </p:txBody>
       </p:sp>
@@ -3801,6 +4126,1142 @@
     <p:extLst>
       <p:ext uri="{BB962C8B-B14F-4D97-AF65-F5344CB8AC3E}">
         <p14:creationId xmlns:p14="http://schemas.microsoft.com/office/powerpoint/2010/main" val="3050738572"/>
+      </p:ext>
+    </p:extLst>
+  </p:cSld>
+  <p:clrMapOvr>
+    <a:masterClrMapping/>
+  </p:clrMapOvr>
+</p:sld>
+</file>
+
+<file path=ppt/slides/slide6.xml><?xml version="1.0" encoding="utf-8"?>
+<p:sld xmlns:a="http://schemas.openxmlformats.org/drawingml/2006/main" xmlns:r="http://schemas.openxmlformats.org/officeDocument/2006/relationships" xmlns:p="http://schemas.openxmlformats.org/presentationml/2006/main">
+  <p:cSld>
+    <p:spTree>
+      <p:nvGrpSpPr>
+        <p:cNvPr id="1" name=""/>
+        <p:cNvGrpSpPr/>
+        <p:nvPr/>
+      </p:nvGrpSpPr>
+      <p:grpSpPr>
+        <a:xfrm>
+          <a:off x="0" y="0"/>
+          <a:ext cx="0" cy="0"/>
+          <a:chOff x="0" y="0"/>
+          <a:chExt cx="0" cy="0"/>
+        </a:xfrm>
+      </p:grpSpPr>
+      <p:sp>
+        <p:nvSpPr>
+          <p:cNvPr id="2" name="Title 1">
+            <a:extLst>
+              <a:ext uri="{FF2B5EF4-FFF2-40B4-BE49-F238E27FC236}">
+                <a16:creationId xmlns:a16="http://schemas.microsoft.com/office/drawing/2014/main" id="{417E78FE-553A-426A-9575-6CD0E7C8D12E}"/>
+              </a:ext>
+            </a:extLst>
+          </p:cNvPr>
+          <p:cNvSpPr>
+            <a:spLocks noGrp="1"/>
+          </p:cNvSpPr>
+          <p:nvPr>
+            <p:ph type="title"/>
+          </p:nvPr>
+        </p:nvSpPr>
+        <p:spPr/>
+        <p:txBody>
+          <a:bodyPr>
+            <a:normAutofit/>
+          </a:bodyPr>
+          <a:lstStyle/>
+          <a:p>
+            <a:r>
+              <a:rPr lang="en-US" sz="3600" dirty="0"/>
+              <a:t>Data Analysis Process (Manipulating Cleaned Dataset)</a:t>
+            </a:r>
+          </a:p>
+        </p:txBody>
+      </p:sp>
+      <p:sp>
+        <p:nvSpPr>
+          <p:cNvPr id="9" name="Arrow: Right 8">
+            <a:extLst>
+              <a:ext uri="{FF2B5EF4-FFF2-40B4-BE49-F238E27FC236}">
+                <a16:creationId xmlns:a16="http://schemas.microsoft.com/office/drawing/2014/main" id="{6D82207A-2EE6-40C4-978C-7FD6C79FB29D}"/>
+              </a:ext>
+            </a:extLst>
+          </p:cNvPr>
+          <p:cNvSpPr/>
+          <p:nvPr/>
+        </p:nvSpPr>
+        <p:spPr>
+          <a:xfrm>
+            <a:off x="4845998" y="1547621"/>
+            <a:ext cx="813917" cy="403155"/>
+          </a:xfrm>
+          <a:prstGeom prst="rightArrow">
+            <a:avLst/>
+          </a:prstGeom>
+        </p:spPr>
+        <p:style>
+          <a:lnRef idx="2">
+            <a:schemeClr val="accent1">
+              <a:shade val="50000"/>
+            </a:schemeClr>
+          </a:lnRef>
+          <a:fillRef idx="1">
+            <a:schemeClr val="accent1"/>
+          </a:fillRef>
+          <a:effectRef idx="0">
+            <a:schemeClr val="accent1"/>
+          </a:effectRef>
+          <a:fontRef idx="minor">
+            <a:schemeClr val="lt1"/>
+          </a:fontRef>
+        </p:style>
+        <p:txBody>
+          <a:bodyPr rtlCol="0" anchor="ctr"/>
+          <a:lstStyle/>
+          <a:p>
+            <a:pPr algn="ctr"/>
+            <a:endParaRPr lang="en-US"/>
+          </a:p>
+        </p:txBody>
+      </p:sp>
+      <p:sp>
+        <p:nvSpPr>
+          <p:cNvPr id="11" name="TextBox 10">
+            <a:extLst>
+              <a:ext uri="{FF2B5EF4-FFF2-40B4-BE49-F238E27FC236}">
+                <a16:creationId xmlns:a16="http://schemas.microsoft.com/office/drawing/2014/main" id="{F1553CD4-08A5-41CC-954D-F46D4EA97AB3}"/>
+              </a:ext>
+            </a:extLst>
+          </p:cNvPr>
+          <p:cNvSpPr txBox="1"/>
+          <p:nvPr/>
+        </p:nvSpPr>
+        <p:spPr>
+          <a:xfrm>
+            <a:off x="1931614" y="1615267"/>
+            <a:ext cx="1405467" cy="369332"/>
+          </a:xfrm>
+          <a:prstGeom prst="rect">
+            <a:avLst/>
+          </a:prstGeom>
+          <a:noFill/>
+        </p:spPr>
+        <p:txBody>
+          <a:bodyPr wrap="square">
+            <a:spAutoFit/>
+          </a:bodyPr>
+          <a:lstStyle/>
+          <a:p>
+            <a:pPr marL="0" indent="0">
+              <a:buNone/>
+            </a:pPr>
+            <a:r>
+              <a:rPr lang="en-US" dirty="0"/>
+              <a:t>1532 x 1405</a:t>
+            </a:r>
+          </a:p>
+        </p:txBody>
+      </p:sp>
+      <p:sp>
+        <p:nvSpPr>
+          <p:cNvPr id="12" name="TextBox 11">
+            <a:extLst>
+              <a:ext uri="{FF2B5EF4-FFF2-40B4-BE49-F238E27FC236}">
+                <a16:creationId xmlns:a16="http://schemas.microsoft.com/office/drawing/2014/main" id="{4F18319E-A791-4F2A-8BD8-1A6F56EC1DE7}"/>
+              </a:ext>
+            </a:extLst>
+          </p:cNvPr>
+          <p:cNvSpPr txBox="1"/>
+          <p:nvPr/>
+        </p:nvSpPr>
+        <p:spPr>
+          <a:xfrm>
+            <a:off x="6255650" y="1581444"/>
+            <a:ext cx="1405467" cy="369332"/>
+          </a:xfrm>
+          <a:prstGeom prst="rect">
+            <a:avLst/>
+          </a:prstGeom>
+          <a:noFill/>
+        </p:spPr>
+        <p:txBody>
+          <a:bodyPr wrap="square">
+            <a:spAutoFit/>
+          </a:bodyPr>
+          <a:lstStyle/>
+          <a:p>
+            <a:pPr marL="0" indent="0">
+              <a:buNone/>
+            </a:pPr>
+            <a:r>
+              <a:rPr lang="en-US" dirty="0"/>
+              <a:t>1532 x 344</a:t>
+            </a:r>
+          </a:p>
+        </p:txBody>
+      </p:sp>
+      <p:pic>
+        <p:nvPicPr>
+          <p:cNvPr id="5" name="Picture 4">
+            <a:extLst>
+              <a:ext uri="{FF2B5EF4-FFF2-40B4-BE49-F238E27FC236}">
+                <a16:creationId xmlns:a16="http://schemas.microsoft.com/office/drawing/2014/main" id="{40444E67-5DCD-4264-93E8-BD9F4D3C9936}"/>
+              </a:ext>
+            </a:extLst>
+          </p:cNvPr>
+          <p:cNvPicPr>
+            <a:picLocks noChangeAspect="1"/>
+          </p:cNvPicPr>
+          <p:nvPr/>
+        </p:nvPicPr>
+        <p:blipFill>
+          <a:blip r:embed="rId2"/>
+          <a:stretch>
+            <a:fillRect/>
+          </a:stretch>
+        </p:blipFill>
+        <p:spPr>
+          <a:xfrm>
+            <a:off x="1684870" y="3529876"/>
+            <a:ext cx="6822917" cy="1996439"/>
+          </a:xfrm>
+          <a:prstGeom prst="rect">
+            <a:avLst/>
+          </a:prstGeom>
+        </p:spPr>
+      </p:pic>
+      <p:sp>
+        <p:nvSpPr>
+          <p:cNvPr id="6" name="TextBox 5">
+            <a:extLst>
+              <a:ext uri="{FF2B5EF4-FFF2-40B4-BE49-F238E27FC236}">
+                <a16:creationId xmlns:a16="http://schemas.microsoft.com/office/drawing/2014/main" id="{BFE11F84-790A-489E-8B4F-48B46E920277}"/>
+              </a:ext>
+            </a:extLst>
+          </p:cNvPr>
+          <p:cNvSpPr txBox="1"/>
+          <p:nvPr/>
+        </p:nvSpPr>
+        <p:spPr>
+          <a:xfrm>
+            <a:off x="3089116" y="3171945"/>
+            <a:ext cx="4361551" cy="369332"/>
+          </a:xfrm>
+          <a:prstGeom prst="rect">
+            <a:avLst/>
+          </a:prstGeom>
+          <a:noFill/>
+        </p:spPr>
+        <p:txBody>
+          <a:bodyPr wrap="square" rtlCol="0">
+            <a:spAutoFit/>
+          </a:bodyPr>
+          <a:lstStyle/>
+          <a:p>
+            <a:r>
+              <a:rPr lang="en-US" dirty="0"/>
+              <a:t>First, we reduced the overlapping count to 1 </a:t>
+            </a:r>
+          </a:p>
+        </p:txBody>
+      </p:sp>
+      <p:pic>
+        <p:nvPicPr>
+          <p:cNvPr id="14" name="Picture 13">
+            <a:extLst>
+              <a:ext uri="{FF2B5EF4-FFF2-40B4-BE49-F238E27FC236}">
+                <a16:creationId xmlns:a16="http://schemas.microsoft.com/office/drawing/2014/main" id="{98EC555C-A2EC-4C0F-9BEC-EA7E209BDCB3}"/>
+              </a:ext>
+            </a:extLst>
+          </p:cNvPr>
+          <p:cNvPicPr>
+            <a:picLocks noChangeAspect="1"/>
+          </p:cNvPicPr>
+          <p:nvPr/>
+        </p:nvPicPr>
+        <p:blipFill>
+          <a:blip r:embed="rId3"/>
+          <a:stretch>
+            <a:fillRect/>
+          </a:stretch>
+        </p:blipFill>
+        <p:spPr>
+          <a:xfrm>
+            <a:off x="1231899" y="2079206"/>
+            <a:ext cx="3124200" cy="981075"/>
+          </a:xfrm>
+          <a:prstGeom prst="rect">
+            <a:avLst/>
+          </a:prstGeom>
+        </p:spPr>
+      </p:pic>
+      <p:pic>
+        <p:nvPicPr>
+          <p:cNvPr id="16" name="Picture 15">
+            <a:extLst>
+              <a:ext uri="{FF2B5EF4-FFF2-40B4-BE49-F238E27FC236}">
+                <a16:creationId xmlns:a16="http://schemas.microsoft.com/office/drawing/2014/main" id="{CCF3F9AC-EB5A-4BCF-ACB5-43D57A0B2407}"/>
+              </a:ext>
+            </a:extLst>
+          </p:cNvPr>
+          <p:cNvPicPr>
+            <a:picLocks noChangeAspect="1"/>
+          </p:cNvPicPr>
+          <p:nvPr/>
+        </p:nvPicPr>
+        <p:blipFill>
+          <a:blip r:embed="rId4"/>
+          <a:stretch>
+            <a:fillRect/>
+          </a:stretch>
+        </p:blipFill>
+        <p:spPr>
+          <a:xfrm>
+            <a:off x="5746592" y="2098980"/>
+            <a:ext cx="3829050" cy="1000125"/>
+          </a:xfrm>
+          <a:prstGeom prst="rect">
+            <a:avLst/>
+          </a:prstGeom>
+        </p:spPr>
+      </p:pic>
+      <p:sp>
+        <p:nvSpPr>
+          <p:cNvPr id="17" name="TextBox 16">
+            <a:extLst>
+              <a:ext uri="{FF2B5EF4-FFF2-40B4-BE49-F238E27FC236}">
+                <a16:creationId xmlns:a16="http://schemas.microsoft.com/office/drawing/2014/main" id="{C42F2419-2BA6-4F17-8305-A445ADC31840}"/>
+              </a:ext>
+            </a:extLst>
+          </p:cNvPr>
+          <p:cNvSpPr txBox="1"/>
+          <p:nvPr/>
+        </p:nvSpPr>
+        <p:spPr>
+          <a:xfrm>
+            <a:off x="2106983" y="5535847"/>
+            <a:ext cx="6822917" cy="646331"/>
+          </a:xfrm>
+          <a:prstGeom prst="rect">
+            <a:avLst/>
+          </a:prstGeom>
+          <a:noFill/>
+        </p:spPr>
+        <p:txBody>
+          <a:bodyPr wrap="square" rtlCol="0">
+            <a:spAutoFit/>
+          </a:bodyPr>
+          <a:lstStyle/>
+          <a:p>
+            <a:r>
+              <a:rPr lang="en-US" dirty="0"/>
+              <a:t>Second, we removed unmeaningful words, by selected out the words more used than 3</a:t>
+            </a:r>
+            <a:r>
+              <a:rPr lang="en-US" baseline="30000" dirty="0"/>
+              <a:t>rd</a:t>
+            </a:r>
+            <a:r>
+              <a:rPr lang="en-US" dirty="0"/>
+              <a:t> quantile()reduced the repeated count to 1 </a:t>
+            </a:r>
+          </a:p>
+        </p:txBody>
+      </p:sp>
+      <p:pic>
+        <p:nvPicPr>
+          <p:cNvPr id="19" name="Picture 18">
+            <a:extLst>
+              <a:ext uri="{FF2B5EF4-FFF2-40B4-BE49-F238E27FC236}">
+                <a16:creationId xmlns:a16="http://schemas.microsoft.com/office/drawing/2014/main" id="{4512867E-10FB-451A-AF5B-93DCB7F02CFE}"/>
+              </a:ext>
+            </a:extLst>
+          </p:cNvPr>
+          <p:cNvPicPr>
+            <a:picLocks noChangeAspect="1"/>
+          </p:cNvPicPr>
+          <p:nvPr/>
+        </p:nvPicPr>
+        <p:blipFill>
+          <a:blip r:embed="rId5"/>
+          <a:stretch>
+            <a:fillRect/>
+          </a:stretch>
+        </p:blipFill>
+        <p:spPr>
+          <a:xfrm>
+            <a:off x="3793484" y="6134882"/>
+            <a:ext cx="3019425" cy="361950"/>
+          </a:xfrm>
+          <a:prstGeom prst="rect">
+            <a:avLst/>
+          </a:prstGeom>
+        </p:spPr>
+      </p:pic>
+    </p:spTree>
+    <p:extLst>
+      <p:ext uri="{BB962C8B-B14F-4D97-AF65-F5344CB8AC3E}">
+        <p14:creationId xmlns:p14="http://schemas.microsoft.com/office/powerpoint/2010/main" val="981964778"/>
+      </p:ext>
+    </p:extLst>
+  </p:cSld>
+  <p:clrMapOvr>
+    <a:masterClrMapping/>
+  </p:clrMapOvr>
+</p:sld>
+</file>
+
+<file path=ppt/slides/slide7.xml><?xml version="1.0" encoding="utf-8"?>
+<p:sld xmlns:a="http://schemas.openxmlformats.org/drawingml/2006/main" xmlns:r="http://schemas.openxmlformats.org/officeDocument/2006/relationships" xmlns:p="http://schemas.openxmlformats.org/presentationml/2006/main">
+  <p:cSld>
+    <p:spTree>
+      <p:nvGrpSpPr>
+        <p:cNvPr id="1" name=""/>
+        <p:cNvGrpSpPr/>
+        <p:nvPr/>
+      </p:nvGrpSpPr>
+      <p:grpSpPr>
+        <a:xfrm>
+          <a:off x="0" y="0"/>
+          <a:ext cx="0" cy="0"/>
+          <a:chOff x="0" y="0"/>
+          <a:chExt cx="0" cy="0"/>
+        </a:xfrm>
+      </p:grpSpPr>
+      <p:sp>
+        <p:nvSpPr>
+          <p:cNvPr id="2" name="Title 1">
+            <a:extLst>
+              <a:ext uri="{FF2B5EF4-FFF2-40B4-BE49-F238E27FC236}">
+                <a16:creationId xmlns:a16="http://schemas.microsoft.com/office/drawing/2014/main" id="{417E78FE-553A-426A-9575-6CD0E7C8D12E}"/>
+              </a:ext>
+            </a:extLst>
+          </p:cNvPr>
+          <p:cNvSpPr>
+            <a:spLocks noGrp="1"/>
+          </p:cNvSpPr>
+          <p:nvPr>
+            <p:ph type="title"/>
+          </p:nvPr>
+        </p:nvSpPr>
+        <p:spPr/>
+        <p:txBody>
+          <a:bodyPr>
+            <a:normAutofit/>
+          </a:bodyPr>
+          <a:lstStyle/>
+          <a:p>
+            <a:r>
+              <a:rPr lang="en-US" sz="3600" dirty="0"/>
+              <a:t>Data Analysis Process (EDA)</a:t>
+            </a:r>
+          </a:p>
+        </p:txBody>
+      </p:sp>
+      <p:pic>
+        <p:nvPicPr>
+          <p:cNvPr id="8" name="Picture 7">
+            <a:extLst>
+              <a:ext uri="{FF2B5EF4-FFF2-40B4-BE49-F238E27FC236}">
+                <a16:creationId xmlns:a16="http://schemas.microsoft.com/office/drawing/2014/main" id="{1E8CB853-3FBA-4A3C-9E88-F9BC5DD9C65E}"/>
+              </a:ext>
+            </a:extLst>
+          </p:cNvPr>
+          <p:cNvPicPr>
+            <a:picLocks noChangeAspect="1"/>
+          </p:cNvPicPr>
+          <p:nvPr/>
+        </p:nvPicPr>
+        <p:blipFill>
+          <a:blip r:embed="rId2"/>
+          <a:stretch>
+            <a:fillRect/>
+          </a:stretch>
+        </p:blipFill>
+        <p:spPr>
+          <a:xfrm>
+            <a:off x="973192" y="1534319"/>
+            <a:ext cx="4400567" cy="2873430"/>
+          </a:xfrm>
+          <a:prstGeom prst="rect">
+            <a:avLst/>
+          </a:prstGeom>
+        </p:spPr>
+      </p:pic>
+      <p:sp>
+        <p:nvSpPr>
+          <p:cNvPr id="22" name="TextBox 21">
+            <a:extLst>
+              <a:ext uri="{FF2B5EF4-FFF2-40B4-BE49-F238E27FC236}">
+                <a16:creationId xmlns:a16="http://schemas.microsoft.com/office/drawing/2014/main" id="{6BE5B367-108E-4F3D-BF48-E78804C14058}"/>
+              </a:ext>
+            </a:extLst>
+          </p:cNvPr>
+          <p:cNvSpPr txBox="1"/>
+          <p:nvPr/>
+        </p:nvSpPr>
+        <p:spPr>
+          <a:xfrm>
+            <a:off x="6480044" y="1320353"/>
+            <a:ext cx="4542181" cy="369332"/>
+          </a:xfrm>
+          <a:prstGeom prst="rect">
+            <a:avLst/>
+          </a:prstGeom>
+          <a:noFill/>
+        </p:spPr>
+        <p:txBody>
+          <a:bodyPr wrap="square" rtlCol="0">
+            <a:spAutoFit/>
+          </a:bodyPr>
+          <a:lstStyle/>
+          <a:p>
+            <a:r>
+              <a:rPr lang="en-US" dirty="0"/>
+              <a:t>1. Words associated with service and furniture</a:t>
+            </a:r>
+          </a:p>
+        </p:txBody>
+      </p:sp>
+      <p:sp>
+        <p:nvSpPr>
+          <p:cNvPr id="23" name="TextBox 22">
+            <a:extLst>
+              <a:ext uri="{FF2B5EF4-FFF2-40B4-BE49-F238E27FC236}">
+                <a16:creationId xmlns:a16="http://schemas.microsoft.com/office/drawing/2014/main" id="{600D631E-83FD-44B9-8A55-C4E2B03F3B26}"/>
+              </a:ext>
+            </a:extLst>
+          </p:cNvPr>
+          <p:cNvSpPr txBox="1"/>
+          <p:nvPr/>
+        </p:nvSpPr>
+        <p:spPr>
+          <a:xfrm>
+            <a:off x="6480045" y="2878139"/>
+            <a:ext cx="3577818" cy="369332"/>
+          </a:xfrm>
+          <a:prstGeom prst="rect">
+            <a:avLst/>
+          </a:prstGeom>
+          <a:noFill/>
+        </p:spPr>
+        <p:txBody>
+          <a:bodyPr wrap="square" rtlCol="0">
+            <a:spAutoFit/>
+          </a:bodyPr>
+          <a:lstStyle/>
+          <a:p>
+            <a:r>
+              <a:rPr lang="en-US" dirty="0"/>
+              <a:t>2. Words associated with facility</a:t>
+            </a:r>
+          </a:p>
+        </p:txBody>
+      </p:sp>
+      <p:sp>
+        <p:nvSpPr>
+          <p:cNvPr id="24" name="TextBox 23">
+            <a:extLst>
+              <a:ext uri="{FF2B5EF4-FFF2-40B4-BE49-F238E27FC236}">
+                <a16:creationId xmlns:a16="http://schemas.microsoft.com/office/drawing/2014/main" id="{CA75F733-33E9-49E0-87F1-2AB4E5D66952}"/>
+              </a:ext>
+            </a:extLst>
+          </p:cNvPr>
+          <p:cNvSpPr txBox="1"/>
+          <p:nvPr/>
+        </p:nvSpPr>
+        <p:spPr>
+          <a:xfrm>
+            <a:off x="6480045" y="4223083"/>
+            <a:ext cx="3577818" cy="369332"/>
+          </a:xfrm>
+          <a:prstGeom prst="rect">
+            <a:avLst/>
+          </a:prstGeom>
+          <a:noFill/>
+        </p:spPr>
+        <p:txBody>
+          <a:bodyPr wrap="square" rtlCol="0">
+            <a:spAutoFit/>
+          </a:bodyPr>
+          <a:lstStyle/>
+          <a:p>
+            <a:r>
+              <a:rPr lang="en-US" dirty="0"/>
+              <a:t>3. Words associated with location</a:t>
+            </a:r>
+          </a:p>
+        </p:txBody>
+      </p:sp>
+      <p:sp>
+        <p:nvSpPr>
+          <p:cNvPr id="25" name="TextBox 24">
+            <a:extLst>
+              <a:ext uri="{FF2B5EF4-FFF2-40B4-BE49-F238E27FC236}">
+                <a16:creationId xmlns:a16="http://schemas.microsoft.com/office/drawing/2014/main" id="{D1D21CF0-AEBF-431A-B7B3-250145EF0BAE}"/>
+              </a:ext>
+            </a:extLst>
+          </p:cNvPr>
+          <p:cNvSpPr txBox="1"/>
+          <p:nvPr/>
+        </p:nvSpPr>
+        <p:spPr>
+          <a:xfrm>
+            <a:off x="6480045" y="5208102"/>
+            <a:ext cx="4542182" cy="369332"/>
+          </a:xfrm>
+          <a:prstGeom prst="rect">
+            <a:avLst/>
+          </a:prstGeom>
+          <a:noFill/>
+        </p:spPr>
+        <p:txBody>
+          <a:bodyPr wrap="square" rtlCol="0">
+            <a:spAutoFit/>
+          </a:bodyPr>
+          <a:lstStyle/>
+          <a:p>
+            <a:r>
+              <a:rPr lang="en-US" dirty="0"/>
+              <a:t>4. Words associated with atmosphere of hotels</a:t>
+            </a:r>
+          </a:p>
+        </p:txBody>
+      </p:sp>
+      <p:sp>
+        <p:nvSpPr>
+          <p:cNvPr id="26" name="TextBox 25">
+            <a:extLst>
+              <a:ext uri="{FF2B5EF4-FFF2-40B4-BE49-F238E27FC236}">
+                <a16:creationId xmlns:a16="http://schemas.microsoft.com/office/drawing/2014/main" id="{8FAE4647-5ED4-44E3-8599-AA0AA4109DC2}"/>
+              </a:ext>
+            </a:extLst>
+          </p:cNvPr>
+          <p:cNvSpPr txBox="1"/>
+          <p:nvPr/>
+        </p:nvSpPr>
+        <p:spPr>
+          <a:xfrm>
+            <a:off x="6818242" y="1649898"/>
+            <a:ext cx="4926227" cy="1200329"/>
+          </a:xfrm>
+          <a:prstGeom prst="rect">
+            <a:avLst/>
+          </a:prstGeom>
+          <a:noFill/>
+        </p:spPr>
+        <p:txBody>
+          <a:bodyPr wrap="square" rtlCol="0">
+            <a:spAutoFit/>
+          </a:bodyPr>
+          <a:lstStyle/>
+          <a:p>
+            <a:r>
+              <a:rPr lang="en-US" dirty="0"/>
+              <a:t>Staff, service, manager, reservation, breakfast, coffee, drink, price, suite, bed, desk, </a:t>
+            </a:r>
+            <a:r>
+              <a:rPr lang="en-US" dirty="0" err="1"/>
+              <a:t>wifi</a:t>
+            </a:r>
+            <a:r>
+              <a:rPr lang="en-US" dirty="0"/>
+              <a:t>, tv, fridge, pillow, towel, booked, food, microwave, dinner, money, fruit, buffet, beer</a:t>
+            </a:r>
+          </a:p>
+        </p:txBody>
+      </p:sp>
+      <p:sp>
+        <p:nvSpPr>
+          <p:cNvPr id="27" name="TextBox 26">
+            <a:extLst>
+              <a:ext uri="{FF2B5EF4-FFF2-40B4-BE49-F238E27FC236}">
+                <a16:creationId xmlns:a16="http://schemas.microsoft.com/office/drawing/2014/main" id="{C924AF83-926D-4DA7-B41B-48A3ECFE0F16}"/>
+              </a:ext>
+            </a:extLst>
+          </p:cNvPr>
+          <p:cNvSpPr txBox="1"/>
+          <p:nvPr/>
+        </p:nvSpPr>
+        <p:spPr>
+          <a:xfrm>
+            <a:off x="6818242" y="3273612"/>
+            <a:ext cx="4926227" cy="923330"/>
+          </a:xfrm>
+          <a:prstGeom prst="rect">
+            <a:avLst/>
+          </a:prstGeom>
+          <a:noFill/>
+        </p:spPr>
+        <p:txBody>
+          <a:bodyPr wrap="square" rtlCol="0">
+            <a:spAutoFit/>
+          </a:bodyPr>
+          <a:lstStyle/>
+          <a:p>
+            <a:r>
+              <a:rPr lang="en-US" dirty="0"/>
+              <a:t>Room, bathroom, pool, tub, shower, lobby, elevator, wall, parking, gym, amenity, size, light, car</a:t>
+            </a:r>
+          </a:p>
+        </p:txBody>
+      </p:sp>
+      <p:sp>
+        <p:nvSpPr>
+          <p:cNvPr id="28" name="TextBox 27">
+            <a:extLst>
+              <a:ext uri="{FF2B5EF4-FFF2-40B4-BE49-F238E27FC236}">
+                <a16:creationId xmlns:a16="http://schemas.microsoft.com/office/drawing/2014/main" id="{AB4AD9B7-A2DB-434E-8DD7-98C0C3063B0B}"/>
+              </a:ext>
+            </a:extLst>
+          </p:cNvPr>
+          <p:cNvSpPr txBox="1"/>
+          <p:nvPr/>
+        </p:nvSpPr>
+        <p:spPr>
+          <a:xfrm>
+            <a:off x="6818242" y="4534312"/>
+            <a:ext cx="4926227" cy="646331"/>
+          </a:xfrm>
+          <a:prstGeom prst="rect">
+            <a:avLst/>
+          </a:prstGeom>
+          <a:noFill/>
+        </p:spPr>
+        <p:txBody>
+          <a:bodyPr wrap="square" rtlCol="0">
+            <a:spAutoFit/>
+          </a:bodyPr>
+          <a:lstStyle/>
+          <a:p>
+            <a:r>
+              <a:rPr lang="en-US" dirty="0"/>
+              <a:t>Shuttle, downtown, airport, distance, bar, location, restaurant, park, near, club</a:t>
+            </a:r>
+          </a:p>
+        </p:txBody>
+      </p:sp>
+      <p:sp>
+        <p:nvSpPr>
+          <p:cNvPr id="29" name="TextBox 28">
+            <a:extLst>
+              <a:ext uri="{FF2B5EF4-FFF2-40B4-BE49-F238E27FC236}">
+                <a16:creationId xmlns:a16="http://schemas.microsoft.com/office/drawing/2014/main" id="{FEACDEF4-A496-470B-B3C7-ACC58C934482}"/>
+              </a:ext>
+            </a:extLst>
+          </p:cNvPr>
+          <p:cNvSpPr txBox="1"/>
+          <p:nvPr/>
+        </p:nvSpPr>
+        <p:spPr>
+          <a:xfrm>
+            <a:off x="6818242" y="5629864"/>
+            <a:ext cx="4926227" cy="923330"/>
+          </a:xfrm>
+          <a:prstGeom prst="rect">
+            <a:avLst/>
+          </a:prstGeom>
+          <a:noFill/>
+        </p:spPr>
+        <p:txBody>
+          <a:bodyPr wrap="square" rtlCol="0">
+            <a:spAutoFit/>
+          </a:bodyPr>
+          <a:lstStyle/>
+          <a:p>
+            <a:r>
+              <a:rPr lang="en-US" dirty="0"/>
+              <a:t>Family, kid, business, clean, comfortable, small, pretty, quiet, beautiful, spacious, modern, noise, smell, comfy, week, weekend, dirty</a:t>
+            </a:r>
+          </a:p>
+        </p:txBody>
+      </p:sp>
+    </p:spTree>
+    <p:extLst>
+      <p:ext uri="{BB962C8B-B14F-4D97-AF65-F5344CB8AC3E}">
+        <p14:creationId xmlns:p14="http://schemas.microsoft.com/office/powerpoint/2010/main" val="349986134"/>
+      </p:ext>
+    </p:extLst>
+  </p:cSld>
+  <p:clrMapOvr>
+    <a:masterClrMapping/>
+  </p:clrMapOvr>
+</p:sld>
+</file>
+
+<file path=ppt/slides/slide8.xml><?xml version="1.0" encoding="utf-8"?>
+<p:sld xmlns:a="http://schemas.openxmlformats.org/drawingml/2006/main" xmlns:r="http://schemas.openxmlformats.org/officeDocument/2006/relationships" xmlns:p="http://schemas.openxmlformats.org/presentationml/2006/main">
+  <p:cSld>
+    <p:spTree>
+      <p:nvGrpSpPr>
+        <p:cNvPr id="1" name=""/>
+        <p:cNvGrpSpPr/>
+        <p:nvPr/>
+      </p:nvGrpSpPr>
+      <p:grpSpPr>
+        <a:xfrm>
+          <a:off x="0" y="0"/>
+          <a:ext cx="0" cy="0"/>
+          <a:chOff x="0" y="0"/>
+          <a:chExt cx="0" cy="0"/>
+        </a:xfrm>
+      </p:grpSpPr>
+      <p:sp>
+        <p:nvSpPr>
+          <p:cNvPr id="2" name="Title 1">
+            <a:extLst>
+              <a:ext uri="{FF2B5EF4-FFF2-40B4-BE49-F238E27FC236}">
+                <a16:creationId xmlns:a16="http://schemas.microsoft.com/office/drawing/2014/main" id="{417E78FE-553A-426A-9575-6CD0E7C8D12E}"/>
+              </a:ext>
+            </a:extLst>
+          </p:cNvPr>
+          <p:cNvSpPr>
+            <a:spLocks noGrp="1"/>
+          </p:cNvSpPr>
+          <p:nvPr>
+            <p:ph type="title"/>
+          </p:nvPr>
+        </p:nvSpPr>
+        <p:spPr/>
+        <p:txBody>
+          <a:bodyPr>
+            <a:normAutofit/>
+          </a:bodyPr>
+          <a:lstStyle/>
+          <a:p>
+            <a:r>
+              <a:rPr lang="en-US" sz="3600" dirty="0"/>
+              <a:t>Data Analysis Process (EDA)</a:t>
+            </a:r>
+          </a:p>
+        </p:txBody>
+      </p:sp>
+      <p:sp>
+        <p:nvSpPr>
+          <p:cNvPr id="22" name="TextBox 21">
+            <a:extLst>
+              <a:ext uri="{FF2B5EF4-FFF2-40B4-BE49-F238E27FC236}">
+                <a16:creationId xmlns:a16="http://schemas.microsoft.com/office/drawing/2014/main" id="{6BE5B367-108E-4F3D-BF48-E78804C14058}"/>
+              </a:ext>
+            </a:extLst>
+          </p:cNvPr>
+          <p:cNvSpPr txBox="1"/>
+          <p:nvPr/>
+        </p:nvSpPr>
+        <p:spPr>
+          <a:xfrm>
+            <a:off x="831578" y="1320353"/>
+            <a:ext cx="4542181" cy="369332"/>
+          </a:xfrm>
+          <a:prstGeom prst="rect">
+            <a:avLst/>
+          </a:prstGeom>
+          <a:noFill/>
+        </p:spPr>
+        <p:txBody>
+          <a:bodyPr wrap="square" rtlCol="0">
+            <a:spAutoFit/>
+          </a:bodyPr>
+          <a:lstStyle/>
+          <a:p>
+            <a:r>
+              <a:rPr lang="en-US" dirty="0"/>
+              <a:t>1. Words associated with service and furniture</a:t>
+            </a:r>
+          </a:p>
+        </p:txBody>
+      </p:sp>
+      <p:sp>
+        <p:nvSpPr>
+          <p:cNvPr id="23" name="TextBox 22">
+            <a:extLst>
+              <a:ext uri="{FF2B5EF4-FFF2-40B4-BE49-F238E27FC236}">
+                <a16:creationId xmlns:a16="http://schemas.microsoft.com/office/drawing/2014/main" id="{600D631E-83FD-44B9-8A55-C4E2B03F3B26}"/>
+              </a:ext>
+            </a:extLst>
+          </p:cNvPr>
+          <p:cNvSpPr txBox="1"/>
+          <p:nvPr/>
+        </p:nvSpPr>
+        <p:spPr>
+          <a:xfrm>
+            <a:off x="6480045" y="2878139"/>
+            <a:ext cx="3577818" cy="369332"/>
+          </a:xfrm>
+          <a:prstGeom prst="rect">
+            <a:avLst/>
+          </a:prstGeom>
+          <a:noFill/>
+        </p:spPr>
+        <p:txBody>
+          <a:bodyPr wrap="square" rtlCol="0">
+            <a:spAutoFit/>
+          </a:bodyPr>
+          <a:lstStyle/>
+          <a:p>
+            <a:r>
+              <a:rPr lang="en-US" dirty="0"/>
+              <a:t>2. Words associated with facility</a:t>
+            </a:r>
+          </a:p>
+        </p:txBody>
+      </p:sp>
+      <p:sp>
+        <p:nvSpPr>
+          <p:cNvPr id="24" name="TextBox 23">
+            <a:extLst>
+              <a:ext uri="{FF2B5EF4-FFF2-40B4-BE49-F238E27FC236}">
+                <a16:creationId xmlns:a16="http://schemas.microsoft.com/office/drawing/2014/main" id="{CA75F733-33E9-49E0-87F1-2AB4E5D66952}"/>
+              </a:ext>
+            </a:extLst>
+          </p:cNvPr>
+          <p:cNvSpPr txBox="1"/>
+          <p:nvPr/>
+        </p:nvSpPr>
+        <p:spPr>
+          <a:xfrm>
+            <a:off x="6480045" y="4223083"/>
+            <a:ext cx="3577818" cy="369332"/>
+          </a:xfrm>
+          <a:prstGeom prst="rect">
+            <a:avLst/>
+          </a:prstGeom>
+          <a:noFill/>
+        </p:spPr>
+        <p:txBody>
+          <a:bodyPr wrap="square" rtlCol="0">
+            <a:spAutoFit/>
+          </a:bodyPr>
+          <a:lstStyle/>
+          <a:p>
+            <a:r>
+              <a:rPr lang="en-US" dirty="0"/>
+              <a:t>3. Words associated with location</a:t>
+            </a:r>
+          </a:p>
+        </p:txBody>
+      </p:sp>
+      <p:sp>
+        <p:nvSpPr>
+          <p:cNvPr id="25" name="TextBox 24">
+            <a:extLst>
+              <a:ext uri="{FF2B5EF4-FFF2-40B4-BE49-F238E27FC236}">
+                <a16:creationId xmlns:a16="http://schemas.microsoft.com/office/drawing/2014/main" id="{D1D21CF0-AEBF-431A-B7B3-250145EF0BAE}"/>
+              </a:ext>
+            </a:extLst>
+          </p:cNvPr>
+          <p:cNvSpPr txBox="1"/>
+          <p:nvPr/>
+        </p:nvSpPr>
+        <p:spPr>
+          <a:xfrm>
+            <a:off x="6480045" y="5208102"/>
+            <a:ext cx="4542182" cy="369332"/>
+          </a:xfrm>
+          <a:prstGeom prst="rect">
+            <a:avLst/>
+          </a:prstGeom>
+          <a:noFill/>
+        </p:spPr>
+        <p:txBody>
+          <a:bodyPr wrap="square" rtlCol="0">
+            <a:spAutoFit/>
+          </a:bodyPr>
+          <a:lstStyle/>
+          <a:p>
+            <a:r>
+              <a:rPr lang="en-US" dirty="0"/>
+              <a:t>4. Words associated with atmosphere of hotels</a:t>
+            </a:r>
+          </a:p>
+        </p:txBody>
+      </p:sp>
+      <p:sp>
+        <p:nvSpPr>
+          <p:cNvPr id="26" name="TextBox 25">
+            <a:extLst>
+              <a:ext uri="{FF2B5EF4-FFF2-40B4-BE49-F238E27FC236}">
+                <a16:creationId xmlns:a16="http://schemas.microsoft.com/office/drawing/2014/main" id="{8FAE4647-5ED4-44E3-8599-AA0AA4109DC2}"/>
+              </a:ext>
+            </a:extLst>
+          </p:cNvPr>
+          <p:cNvSpPr txBox="1"/>
+          <p:nvPr/>
+        </p:nvSpPr>
+        <p:spPr>
+          <a:xfrm>
+            <a:off x="974439" y="1649898"/>
+            <a:ext cx="4926227" cy="1200329"/>
+          </a:xfrm>
+          <a:prstGeom prst="rect">
+            <a:avLst/>
+          </a:prstGeom>
+          <a:noFill/>
+        </p:spPr>
+        <p:txBody>
+          <a:bodyPr wrap="square" rtlCol="0">
+            <a:spAutoFit/>
+          </a:bodyPr>
+          <a:lstStyle/>
+          <a:p>
+            <a:r>
+              <a:rPr lang="en-US" dirty="0"/>
+              <a:t>Staff, service, manager, reservation, breakfast, coffee, drink, price, suite, bed, desk, </a:t>
+            </a:r>
+            <a:r>
+              <a:rPr lang="en-US" dirty="0" err="1"/>
+              <a:t>wifi</a:t>
+            </a:r>
+            <a:r>
+              <a:rPr lang="en-US" dirty="0"/>
+              <a:t>, tv, fridge, pillow, towel, booked, food, microwave, dinner, money, fruit, buffet, beer</a:t>
+            </a:r>
+          </a:p>
+        </p:txBody>
+      </p:sp>
+      <p:sp>
+        <p:nvSpPr>
+          <p:cNvPr id="27" name="TextBox 26">
+            <a:extLst>
+              <a:ext uri="{FF2B5EF4-FFF2-40B4-BE49-F238E27FC236}">
+                <a16:creationId xmlns:a16="http://schemas.microsoft.com/office/drawing/2014/main" id="{C924AF83-926D-4DA7-B41B-48A3ECFE0F16}"/>
+              </a:ext>
+            </a:extLst>
+          </p:cNvPr>
+          <p:cNvSpPr txBox="1"/>
+          <p:nvPr/>
+        </p:nvSpPr>
+        <p:spPr>
+          <a:xfrm>
+            <a:off x="6818242" y="3273612"/>
+            <a:ext cx="4926227" cy="923330"/>
+          </a:xfrm>
+          <a:prstGeom prst="rect">
+            <a:avLst/>
+          </a:prstGeom>
+          <a:noFill/>
+        </p:spPr>
+        <p:txBody>
+          <a:bodyPr wrap="square" rtlCol="0">
+            <a:spAutoFit/>
+          </a:bodyPr>
+          <a:lstStyle/>
+          <a:p>
+            <a:r>
+              <a:rPr lang="en-US" dirty="0"/>
+              <a:t>Room, bathroom, pool, tub, shower, lobby, elevator, wall, parking, gym, amenity, size, light, car</a:t>
+            </a:r>
+          </a:p>
+        </p:txBody>
+      </p:sp>
+      <p:sp>
+        <p:nvSpPr>
+          <p:cNvPr id="28" name="TextBox 27">
+            <a:extLst>
+              <a:ext uri="{FF2B5EF4-FFF2-40B4-BE49-F238E27FC236}">
+                <a16:creationId xmlns:a16="http://schemas.microsoft.com/office/drawing/2014/main" id="{AB4AD9B7-A2DB-434E-8DD7-98C0C3063B0B}"/>
+              </a:ext>
+            </a:extLst>
+          </p:cNvPr>
+          <p:cNvSpPr txBox="1"/>
+          <p:nvPr/>
+        </p:nvSpPr>
+        <p:spPr>
+          <a:xfrm>
+            <a:off x="6818242" y="4534312"/>
+            <a:ext cx="4926227" cy="646331"/>
+          </a:xfrm>
+          <a:prstGeom prst="rect">
+            <a:avLst/>
+          </a:prstGeom>
+          <a:noFill/>
+        </p:spPr>
+        <p:txBody>
+          <a:bodyPr wrap="square" rtlCol="0">
+            <a:spAutoFit/>
+          </a:bodyPr>
+          <a:lstStyle/>
+          <a:p>
+            <a:r>
+              <a:rPr lang="en-US" dirty="0"/>
+              <a:t>Shuttle, downtown, airport, distance, bar, location, restaurant, park, near, club</a:t>
+            </a:r>
+          </a:p>
+        </p:txBody>
+      </p:sp>
+      <p:sp>
+        <p:nvSpPr>
+          <p:cNvPr id="29" name="TextBox 28">
+            <a:extLst>
+              <a:ext uri="{FF2B5EF4-FFF2-40B4-BE49-F238E27FC236}">
+                <a16:creationId xmlns:a16="http://schemas.microsoft.com/office/drawing/2014/main" id="{FEACDEF4-A496-470B-B3C7-ACC58C934482}"/>
+              </a:ext>
+            </a:extLst>
+          </p:cNvPr>
+          <p:cNvSpPr txBox="1"/>
+          <p:nvPr/>
+        </p:nvSpPr>
+        <p:spPr>
+          <a:xfrm>
+            <a:off x="6818242" y="5629864"/>
+            <a:ext cx="4926227" cy="923330"/>
+          </a:xfrm>
+          <a:prstGeom prst="rect">
+            <a:avLst/>
+          </a:prstGeom>
+          <a:noFill/>
+        </p:spPr>
+        <p:txBody>
+          <a:bodyPr wrap="square" rtlCol="0">
+            <a:spAutoFit/>
+          </a:bodyPr>
+          <a:lstStyle/>
+          <a:p>
+            <a:r>
+              <a:rPr lang="en-US" dirty="0"/>
+              <a:t>Family, kid, business, clean, comfortable, small, pretty, quiet, beautiful, spacious, modern, noise, smell, comfy, week, weekend, dirty</a:t>
+            </a:r>
+          </a:p>
+        </p:txBody>
+      </p:sp>
+      <p:pic>
+        <p:nvPicPr>
+          <p:cNvPr id="4" name="Picture 3">
+            <a:extLst>
+              <a:ext uri="{FF2B5EF4-FFF2-40B4-BE49-F238E27FC236}">
+                <a16:creationId xmlns:a16="http://schemas.microsoft.com/office/drawing/2014/main" id="{C6E0EFEB-E1E0-4C88-88FB-DA851246A602}"/>
+              </a:ext>
+            </a:extLst>
+          </p:cNvPr>
+          <p:cNvPicPr>
+            <a:picLocks noChangeAspect="1"/>
+          </p:cNvPicPr>
+          <p:nvPr/>
+        </p:nvPicPr>
+        <p:blipFill>
+          <a:blip r:embed="rId2"/>
+          <a:stretch>
+            <a:fillRect/>
+          </a:stretch>
+        </p:blipFill>
+        <p:spPr>
+          <a:xfrm>
+            <a:off x="838200" y="3002123"/>
+            <a:ext cx="3218072" cy="3248648"/>
+          </a:xfrm>
+          <a:prstGeom prst="rect">
+            <a:avLst/>
+          </a:prstGeom>
+        </p:spPr>
+      </p:pic>
+    </p:spTree>
+    <p:extLst>
+      <p:ext uri="{BB962C8B-B14F-4D97-AF65-F5344CB8AC3E}">
+        <p14:creationId xmlns:p14="http://schemas.microsoft.com/office/powerpoint/2010/main" val="233070103"/>
       </p:ext>
     </p:extLst>
   </p:cSld>

--- a/Hotels in Madison Area.pptx
+++ b/Hotels in Madison Area.pptx
@@ -2,7 +2,7 @@
 <file path=ppt/presentation.xml><?xml version="1.0" encoding="utf-8"?>
 <p:presentation xmlns:a="http://schemas.openxmlformats.org/drawingml/2006/main" xmlns:r="http://schemas.openxmlformats.org/officeDocument/2006/relationships" xmlns:p="http://schemas.openxmlformats.org/presentationml/2006/main" saveSubsetFonts="1">
   <p:sldMasterIdLst>
-    <p:sldMasterId id="2147483648" r:id="rId1"/>
+    <p:sldMasterId id="2147483677" r:id="rId1"/>
   </p:sldMasterIdLst>
   <p:sldIdLst>
     <p:sldId id="256" r:id="rId2"/>
@@ -13,6 +13,25 @@
     <p:sldId id="261" r:id="rId7"/>
     <p:sldId id="262" r:id="rId8"/>
     <p:sldId id="263" r:id="rId9"/>
+    <p:sldId id="264" r:id="rId10"/>
+    <p:sldId id="265" r:id="rId11"/>
+    <p:sldId id="266" r:id="rId12"/>
+    <p:sldId id="267" r:id="rId13"/>
+    <p:sldId id="268" r:id="rId14"/>
+    <p:sldId id="269" r:id="rId15"/>
+    <p:sldId id="270" r:id="rId16"/>
+    <p:sldId id="271" r:id="rId17"/>
+    <p:sldId id="272" r:id="rId18"/>
+    <p:sldId id="273" r:id="rId19"/>
+    <p:sldId id="275" r:id="rId20"/>
+    <p:sldId id="274" r:id="rId21"/>
+    <p:sldId id="276" r:id="rId22"/>
+    <p:sldId id="277" r:id="rId23"/>
+    <p:sldId id="278" r:id="rId24"/>
+    <p:sldId id="279" r:id="rId25"/>
+    <p:sldId id="280" r:id="rId26"/>
+    <p:sldId id="281" r:id="rId27"/>
+    <p:sldId id="282" r:id="rId28"/>
   </p:sldIdLst>
   <p:sldSz cx="12192000" cy="6858000"/>
   <p:notesSz cx="6858000" cy="9144000"/>
@@ -20,7 +39,7 @@
     <a:defPPr>
       <a:defRPr lang="en-US"/>
     </a:defPPr>
-    <a:lvl1pPr marL="0" algn="l" defTabSz="914400" rtl="0" eaLnBrk="1" latinLnBrk="0" hangingPunct="1">
+    <a:lvl1pPr marL="0" algn="l" defTabSz="457200" rtl="0" eaLnBrk="1" latinLnBrk="0" hangingPunct="1">
       <a:defRPr sz="1800" kern="1200">
         <a:solidFill>
           <a:schemeClr val="tx1"/>
@@ -30,7 +49,7 @@
         <a:cs typeface="+mn-cs"/>
       </a:defRPr>
     </a:lvl1pPr>
-    <a:lvl2pPr marL="457200" algn="l" defTabSz="914400" rtl="0" eaLnBrk="1" latinLnBrk="0" hangingPunct="1">
+    <a:lvl2pPr marL="457200" algn="l" defTabSz="457200" rtl="0" eaLnBrk="1" latinLnBrk="0" hangingPunct="1">
       <a:defRPr sz="1800" kern="1200">
         <a:solidFill>
           <a:schemeClr val="tx1"/>
@@ -40,7 +59,7 @@
         <a:cs typeface="+mn-cs"/>
       </a:defRPr>
     </a:lvl2pPr>
-    <a:lvl3pPr marL="914400" algn="l" defTabSz="914400" rtl="0" eaLnBrk="1" latinLnBrk="0" hangingPunct="1">
+    <a:lvl3pPr marL="914400" algn="l" defTabSz="457200" rtl="0" eaLnBrk="1" latinLnBrk="0" hangingPunct="1">
       <a:defRPr sz="1800" kern="1200">
         <a:solidFill>
           <a:schemeClr val="tx1"/>
@@ -50,7 +69,7 @@
         <a:cs typeface="+mn-cs"/>
       </a:defRPr>
     </a:lvl3pPr>
-    <a:lvl4pPr marL="1371600" algn="l" defTabSz="914400" rtl="0" eaLnBrk="1" latinLnBrk="0" hangingPunct="1">
+    <a:lvl4pPr marL="1371600" algn="l" defTabSz="457200" rtl="0" eaLnBrk="1" latinLnBrk="0" hangingPunct="1">
       <a:defRPr sz="1800" kern="1200">
         <a:solidFill>
           <a:schemeClr val="tx1"/>
@@ -60,7 +79,7 @@
         <a:cs typeface="+mn-cs"/>
       </a:defRPr>
     </a:lvl4pPr>
-    <a:lvl5pPr marL="1828800" algn="l" defTabSz="914400" rtl="0" eaLnBrk="1" latinLnBrk="0" hangingPunct="1">
+    <a:lvl5pPr marL="1828800" algn="l" defTabSz="457200" rtl="0" eaLnBrk="1" latinLnBrk="0" hangingPunct="1">
       <a:defRPr sz="1800" kern="1200">
         <a:solidFill>
           <a:schemeClr val="tx1"/>
@@ -70,7 +89,7 @@
         <a:cs typeface="+mn-cs"/>
       </a:defRPr>
     </a:lvl5pPr>
-    <a:lvl6pPr marL="2286000" algn="l" defTabSz="914400" rtl="0" eaLnBrk="1" latinLnBrk="0" hangingPunct="1">
+    <a:lvl6pPr marL="2286000" algn="l" defTabSz="457200" rtl="0" eaLnBrk="1" latinLnBrk="0" hangingPunct="1">
       <a:defRPr sz="1800" kern="1200">
         <a:solidFill>
           <a:schemeClr val="tx1"/>
@@ -80,7 +99,7 @@
         <a:cs typeface="+mn-cs"/>
       </a:defRPr>
     </a:lvl6pPr>
-    <a:lvl7pPr marL="2743200" algn="l" defTabSz="914400" rtl="0" eaLnBrk="1" latinLnBrk="0" hangingPunct="1">
+    <a:lvl7pPr marL="2743200" algn="l" defTabSz="457200" rtl="0" eaLnBrk="1" latinLnBrk="0" hangingPunct="1">
       <a:defRPr sz="1800" kern="1200">
         <a:solidFill>
           <a:schemeClr val="tx1"/>
@@ -90,7 +109,7 @@
         <a:cs typeface="+mn-cs"/>
       </a:defRPr>
     </a:lvl7pPr>
-    <a:lvl8pPr marL="3200400" algn="l" defTabSz="914400" rtl="0" eaLnBrk="1" latinLnBrk="0" hangingPunct="1">
+    <a:lvl8pPr marL="3200400" algn="l" defTabSz="457200" rtl="0" eaLnBrk="1" latinLnBrk="0" hangingPunct="1">
       <a:defRPr sz="1800" kern="1200">
         <a:solidFill>
           <a:schemeClr val="tx1"/>
@@ -100,7 +119,7 @@
         <a:cs typeface="+mn-cs"/>
       </a:defRPr>
     </a:lvl8pPr>
-    <a:lvl9pPr marL="3657600" algn="l" defTabSz="914400" rtl="0" eaLnBrk="1" latinLnBrk="0" hangingPunct="1">
+    <a:lvl9pPr marL="3657600" algn="l" defTabSz="457200" rtl="0" eaLnBrk="1" latinLnBrk="0" hangingPunct="1">
       <a:defRPr sz="1800" kern="1200">
         <a:solidFill>
           <a:schemeClr val="tx1"/>
@@ -131,22 +150,8 @@
 </p:cmAuthorLst>
 </file>
 
-<file path=ppt/comments/comment1.xml><?xml version="1.0" encoding="utf-8"?>
-<p:cmLst xmlns:a="http://schemas.openxmlformats.org/drawingml/2006/main" xmlns:r="http://schemas.openxmlformats.org/officeDocument/2006/relationships" xmlns:p="http://schemas.openxmlformats.org/presentationml/2006/main">
-  <p:cm authorId="1" dt="2020-11-26T23:40:38.966" idx="1">
-    <p:pos x="10" y="10"/>
-    <p:text/>
-    <p:extLst>
-      <p:ext uri="{C676402C-5697-4E1C-873F-D02D1690AC5C}">
-        <p15:threadingInfo xmlns:p15="http://schemas.microsoft.com/office/powerpoint/2012/main" timeZoneBias="360"/>
-      </p:ext>
-    </p:extLst>
-  </p:cm>
-</p:cmLst>
-</file>
-
 <file path=ppt/slideLayouts/slideLayout1.xml><?xml version="1.0" encoding="utf-8"?>
-<p:sldLayout xmlns:a="http://schemas.openxmlformats.org/drawingml/2006/main" xmlns:r="http://schemas.openxmlformats.org/officeDocument/2006/relationships" xmlns:p="http://schemas.openxmlformats.org/presentationml/2006/main" type="title" preserve="1">
+<p:sldLayout xmlns:a="http://schemas.openxmlformats.org/drawingml/2006/main" xmlns:r="http://schemas.openxmlformats.org/officeDocument/2006/relationships" xmlns:p="http://schemas.openxmlformats.org/presentationml/2006/main" showMasterSp="0" type="title" preserve="1">
   <p:cSld name="Title Slide">
     <p:spTree>
       <p:nvGrpSpPr>
@@ -164,13 +169,45 @@
       </p:grpSpPr>
       <p:sp>
         <p:nvSpPr>
-          <p:cNvPr id="2" name="Title 1">
-            <a:extLst>
-              <a:ext uri="{FF2B5EF4-FFF2-40B4-BE49-F238E27FC236}">
-                <a16:creationId xmlns:a16="http://schemas.microsoft.com/office/drawing/2014/main" id="{B434C4D9-0B21-4314-8C4B-A1E4D530BC6A}"/>
-              </a:ext>
-            </a:extLst>
-          </p:cNvPr>
+          <p:cNvPr id="7" name="Rectangle 6"/>
+          <p:cNvSpPr/>
+          <p:nvPr/>
+        </p:nvSpPr>
+        <p:spPr>
+          <a:xfrm>
+            <a:off x="-6843" y="2059012"/>
+            <a:ext cx="12195668" cy="1828800"/>
+          </a:xfrm>
+          <a:prstGeom prst="rect">
+            <a:avLst/>
+          </a:prstGeom>
+          <a:solidFill>
+            <a:schemeClr val="tx1"/>
+          </a:solidFill>
+          <a:ln>
+            <a:noFill/>
+          </a:ln>
+        </p:spPr>
+        <p:style>
+          <a:lnRef idx="2">
+            <a:schemeClr val="accent1">
+              <a:shade val="50000"/>
+            </a:schemeClr>
+          </a:lnRef>
+          <a:fillRef idx="1">
+            <a:schemeClr val="accent1"/>
+          </a:fillRef>
+          <a:effectRef idx="0">
+            <a:schemeClr val="accent1"/>
+          </a:effectRef>
+          <a:fontRef idx="minor">
+            <a:schemeClr val="lt1"/>
+          </a:fontRef>
+        </p:style>
+      </p:sp>
+      <p:sp>
+        <p:nvSpPr>
+          <p:cNvPr id="2" name="Title 1"/>
           <p:cNvSpPr>
             <a:spLocks noGrp="1"/>
           </p:cNvSpPr>
@@ -180,15 +217,20 @@
         </p:nvSpPr>
         <p:spPr>
           <a:xfrm>
-            <a:off x="1524000" y="1122363"/>
-            <a:ext cx="9144000" cy="2387600"/>
-          </a:xfrm>
-        </p:spPr>
-        <p:txBody>
-          <a:bodyPr anchor="b"/>
+            <a:off x="365759" y="2166364"/>
+            <a:ext cx="11471565" cy="1739347"/>
+          </a:xfrm>
+        </p:spPr>
+        <p:txBody>
+          <a:bodyPr tIns="45720" bIns="45720" anchor="ctr">
+            <a:normAutofit/>
+          </a:bodyPr>
           <a:lstStyle>
             <a:lvl1pPr algn="ctr">
-              <a:defRPr sz="6000"/>
+              <a:lnSpc>
+                <a:spcPct val="80000"/>
+              </a:lnSpc>
+              <a:defRPr sz="6000" spc="150" baseline="0"/>
             </a:lvl1pPr>
           </a:lstStyle>
           <a:p>
@@ -196,18 +238,13 @@
               <a:rPr lang="en-US"/>
               <a:t>Click to edit Master title style</a:t>
             </a:r>
-          </a:p>
-        </p:txBody>
-      </p:sp>
-      <p:sp>
-        <p:nvSpPr>
-          <p:cNvPr id="3" name="Subtitle 2">
-            <a:extLst>
-              <a:ext uri="{FF2B5EF4-FFF2-40B4-BE49-F238E27FC236}">
-                <a16:creationId xmlns:a16="http://schemas.microsoft.com/office/drawing/2014/main" id="{0EE4E937-3D07-4E0F-9DEF-7A9042C6B9FC}"/>
-              </a:ext>
-            </a:extLst>
-          </p:cNvPr>
+            <a:endParaRPr lang="en-US" dirty="0"/>
+          </a:p>
+        </p:txBody>
+      </p:sp>
+      <p:sp>
+        <p:nvSpPr>
+          <p:cNvPr id="3" name="Subtitle 2"/>
           <p:cNvSpPr>
             <a:spLocks noGrp="1"/>
           </p:cNvSpPr>
@@ -217,16 +254,18 @@
         </p:nvSpPr>
         <p:spPr>
           <a:xfrm>
-            <a:off x="1524000" y="3602038"/>
-            <a:ext cx="9144000" cy="1655762"/>
-          </a:xfrm>
-        </p:spPr>
-        <p:txBody>
-          <a:bodyPr/>
+            <a:off x="1524000" y="3996250"/>
+            <a:ext cx="9144000" cy="1309255"/>
+          </a:xfrm>
+        </p:spPr>
+        <p:txBody>
+          <a:bodyPr>
+            <a:normAutofit/>
+          </a:bodyPr>
           <a:lstStyle>
             <a:lvl1pPr marL="0" indent="0" algn="ctr">
               <a:buNone/>
-              <a:defRPr sz="2400"/>
+              <a:defRPr sz="2000"/>
             </a:lvl1pPr>
             <a:lvl2pPr marL="457200" indent="0" algn="ctr">
               <a:buNone/>
@@ -234,31 +273,31 @@
             </a:lvl2pPr>
             <a:lvl3pPr marL="914400" indent="0" algn="ctr">
               <a:buNone/>
-              <a:defRPr sz="1800"/>
+              <a:defRPr sz="2000"/>
             </a:lvl3pPr>
             <a:lvl4pPr marL="1371600" indent="0" algn="ctr">
               <a:buNone/>
-              <a:defRPr sz="1600"/>
+              <a:defRPr sz="2000"/>
             </a:lvl4pPr>
             <a:lvl5pPr marL="1828800" indent="0" algn="ctr">
               <a:buNone/>
-              <a:defRPr sz="1600"/>
+              <a:defRPr sz="2000"/>
             </a:lvl5pPr>
             <a:lvl6pPr marL="2286000" indent="0" algn="ctr">
               <a:buNone/>
-              <a:defRPr sz="1600"/>
+              <a:defRPr sz="2000"/>
             </a:lvl6pPr>
             <a:lvl7pPr marL="2743200" indent="0" algn="ctr">
               <a:buNone/>
-              <a:defRPr sz="1600"/>
+              <a:defRPr sz="2000"/>
             </a:lvl7pPr>
             <a:lvl8pPr marL="3200400" indent="0" algn="ctr">
               <a:buNone/>
-              <a:defRPr sz="1600"/>
+              <a:defRPr sz="2000"/>
             </a:lvl8pPr>
             <a:lvl9pPr marL="3657600" indent="0" algn="ctr">
               <a:buNone/>
-              <a:defRPr sz="1600"/>
+              <a:defRPr sz="2000"/>
             </a:lvl9pPr>
           </a:lstStyle>
           <a:p>
@@ -266,18 +305,13 @@
               <a:rPr lang="en-US"/>
               <a:t>Click to edit Master subtitle style</a:t>
             </a:r>
-          </a:p>
-        </p:txBody>
-      </p:sp>
-      <p:sp>
-        <p:nvSpPr>
-          <p:cNvPr id="4" name="Date Placeholder 3">
-            <a:extLst>
-              <a:ext uri="{FF2B5EF4-FFF2-40B4-BE49-F238E27FC236}">
-                <a16:creationId xmlns:a16="http://schemas.microsoft.com/office/drawing/2014/main" id="{0E24B31C-3FD3-428C-8E65-9E2E2C91FC25}"/>
-              </a:ext>
-            </a:extLst>
-          </p:cNvPr>
+            <a:endParaRPr lang="en-US" dirty="0"/>
+          </a:p>
+        </p:txBody>
+      </p:sp>
+      <p:sp>
+        <p:nvSpPr>
+          <p:cNvPr id="4" name="Date Placeholder 3"/>
           <p:cNvSpPr>
             <a:spLocks noGrp="1"/>
           </p:cNvSpPr>
@@ -292,7 +326,7 @@
           <a:p>
             <a:fld id="{39193EF1-A1E4-453A-86BD-07CAD0B0C234}" type="datetimeFigureOut">
               <a:rPr lang="en-US" smtClean="0"/>
-              <a:t>11/26/2020</a:t>
+              <a:t>11/27/2020</a:t>
             </a:fld>
             <a:endParaRPr lang="en-US"/>
           </a:p>
@@ -300,13 +334,7 @@
       </p:sp>
       <p:sp>
         <p:nvSpPr>
-          <p:cNvPr id="5" name="Footer Placeholder 4">
-            <a:extLst>
-              <a:ext uri="{FF2B5EF4-FFF2-40B4-BE49-F238E27FC236}">
-                <a16:creationId xmlns:a16="http://schemas.microsoft.com/office/drawing/2014/main" id="{103A0236-355F-4F75-A2DB-F2C953FE53D4}"/>
-              </a:ext>
-            </a:extLst>
-          </p:cNvPr>
+          <p:cNvPr id="5" name="Footer Placeholder 4"/>
           <p:cNvSpPr>
             <a:spLocks noGrp="1"/>
           </p:cNvSpPr>
@@ -325,13 +353,7 @@
       </p:sp>
       <p:sp>
         <p:nvSpPr>
-          <p:cNvPr id="6" name="Slide Number Placeholder 5">
-            <a:extLst>
-              <a:ext uri="{FF2B5EF4-FFF2-40B4-BE49-F238E27FC236}">
-                <a16:creationId xmlns:a16="http://schemas.microsoft.com/office/drawing/2014/main" id="{5F618C3F-8A7A-46A5-A70D-CFC0A2668BDA}"/>
-              </a:ext>
-            </a:extLst>
-          </p:cNvPr>
+          <p:cNvPr id="6" name="Slide Number Placeholder 5"/>
           <p:cNvSpPr>
             <a:spLocks noGrp="1"/>
           </p:cNvSpPr>
@@ -355,7 +377,7 @@
     </p:spTree>
     <p:extLst>
       <p:ext uri="{BB962C8B-B14F-4D97-AF65-F5344CB8AC3E}">
-        <p14:creationId xmlns:p14="http://schemas.microsoft.com/office/powerpoint/2010/main" val="2473430341"/>
+        <p14:creationId xmlns:p14="http://schemas.microsoft.com/office/powerpoint/2010/main" val="2784772196"/>
       </p:ext>
     </p:extLst>
   </p:cSld>
@@ -384,13 +406,7 @@
       </p:grpSpPr>
       <p:sp>
         <p:nvSpPr>
-          <p:cNvPr id="2" name="Title 1">
-            <a:extLst>
-              <a:ext uri="{FF2B5EF4-FFF2-40B4-BE49-F238E27FC236}">
-                <a16:creationId xmlns:a16="http://schemas.microsoft.com/office/drawing/2014/main" id="{8D643A98-E5C5-489B-9778-F6B5AD0253B3}"/>
-              </a:ext>
-            </a:extLst>
-          </p:cNvPr>
+          <p:cNvPr id="2" name="Title 1"/>
           <p:cNvSpPr>
             <a:spLocks noGrp="1"/>
           </p:cNvSpPr>
@@ -407,18 +423,13 @@
               <a:rPr lang="en-US"/>
               <a:t>Click to edit Master title style</a:t>
             </a:r>
-          </a:p>
-        </p:txBody>
-      </p:sp>
-      <p:sp>
-        <p:nvSpPr>
-          <p:cNvPr id="3" name="Vertical Text Placeholder 2">
-            <a:extLst>
-              <a:ext uri="{FF2B5EF4-FFF2-40B4-BE49-F238E27FC236}">
-                <a16:creationId xmlns:a16="http://schemas.microsoft.com/office/drawing/2014/main" id="{64A46FDB-51A2-4F05-A3C1-1EB7E7259DA4}"/>
-              </a:ext>
-            </a:extLst>
-          </p:cNvPr>
+            <a:endParaRPr lang="en-US" dirty="0"/>
+          </a:p>
+        </p:txBody>
+      </p:sp>
+      <p:sp>
+        <p:nvSpPr>
+          <p:cNvPr id="3" name="Vertical Text Placeholder 2"/>
           <p:cNvSpPr>
             <a:spLocks noGrp="1"/>
           </p:cNvSpPr>
@@ -464,18 +475,13 @@
               <a:rPr lang="en-US"/>
               <a:t>Fifth level</a:t>
             </a:r>
-          </a:p>
-        </p:txBody>
-      </p:sp>
-      <p:sp>
-        <p:nvSpPr>
-          <p:cNvPr id="4" name="Date Placeholder 3">
-            <a:extLst>
-              <a:ext uri="{FF2B5EF4-FFF2-40B4-BE49-F238E27FC236}">
-                <a16:creationId xmlns:a16="http://schemas.microsoft.com/office/drawing/2014/main" id="{FB40D3BF-1EC2-4BA1-A57F-F9C13158C497}"/>
-              </a:ext>
-            </a:extLst>
-          </p:cNvPr>
+            <a:endParaRPr lang="en-US" dirty="0"/>
+          </a:p>
+        </p:txBody>
+      </p:sp>
+      <p:sp>
+        <p:nvSpPr>
+          <p:cNvPr id="4" name="Date Placeholder 3"/>
           <p:cNvSpPr>
             <a:spLocks noGrp="1"/>
           </p:cNvSpPr>
@@ -490,7 +496,7 @@
           <a:p>
             <a:fld id="{39193EF1-A1E4-453A-86BD-07CAD0B0C234}" type="datetimeFigureOut">
               <a:rPr lang="en-US" smtClean="0"/>
-              <a:t>11/26/2020</a:t>
+              <a:t>11/27/2020</a:t>
             </a:fld>
             <a:endParaRPr lang="en-US"/>
           </a:p>
@@ -498,13 +504,7 @@
       </p:sp>
       <p:sp>
         <p:nvSpPr>
-          <p:cNvPr id="5" name="Footer Placeholder 4">
-            <a:extLst>
-              <a:ext uri="{FF2B5EF4-FFF2-40B4-BE49-F238E27FC236}">
-                <a16:creationId xmlns:a16="http://schemas.microsoft.com/office/drawing/2014/main" id="{91492F18-FBF9-41CD-956E-8CB8DA1DB2E7}"/>
-              </a:ext>
-            </a:extLst>
-          </p:cNvPr>
+          <p:cNvPr id="5" name="Footer Placeholder 4"/>
           <p:cNvSpPr>
             <a:spLocks noGrp="1"/>
           </p:cNvSpPr>
@@ -523,13 +523,7 @@
       </p:sp>
       <p:sp>
         <p:nvSpPr>
-          <p:cNvPr id="6" name="Slide Number Placeholder 5">
-            <a:extLst>
-              <a:ext uri="{FF2B5EF4-FFF2-40B4-BE49-F238E27FC236}">
-                <a16:creationId xmlns:a16="http://schemas.microsoft.com/office/drawing/2014/main" id="{E98EDA71-2DAF-4ECF-ACBE-71F40C07427A}"/>
-              </a:ext>
-            </a:extLst>
-          </p:cNvPr>
+          <p:cNvPr id="6" name="Slide Number Placeholder 5"/>
           <p:cNvSpPr>
             <a:spLocks noGrp="1"/>
           </p:cNvSpPr>
@@ -553,7 +547,7 @@
     </p:spTree>
     <p:extLst>
       <p:ext uri="{BB962C8B-B14F-4D97-AF65-F5344CB8AC3E}">
-        <p14:creationId xmlns:p14="http://schemas.microsoft.com/office/powerpoint/2010/main" val="1557603563"/>
+        <p14:creationId xmlns:p14="http://schemas.microsoft.com/office/powerpoint/2010/main" val="3430381372"/>
       </p:ext>
     </p:extLst>
   </p:cSld>
@@ -564,7 +558,7 @@
 </file>
 
 <file path=ppt/slideLayouts/slideLayout11.xml><?xml version="1.0" encoding="utf-8"?>
-<p:sldLayout xmlns:a="http://schemas.openxmlformats.org/drawingml/2006/main" xmlns:r="http://schemas.openxmlformats.org/officeDocument/2006/relationships" xmlns:p="http://schemas.openxmlformats.org/presentationml/2006/main" type="vertTitleAndTx" preserve="1">
+<p:sldLayout xmlns:a="http://schemas.openxmlformats.org/drawingml/2006/main" xmlns:r="http://schemas.openxmlformats.org/officeDocument/2006/relationships" xmlns:p="http://schemas.openxmlformats.org/presentationml/2006/main" showMasterSp="0" type="vertTitleAndTx" preserve="1">
   <p:cSld name="Vertical Title and Text">
     <p:spTree>
       <p:nvGrpSpPr>
@@ -582,13 +576,45 @@
       </p:grpSpPr>
       <p:sp>
         <p:nvSpPr>
-          <p:cNvPr id="2" name="Vertical Title 1">
-            <a:extLst>
-              <a:ext uri="{FF2B5EF4-FFF2-40B4-BE49-F238E27FC236}">
-                <a16:creationId xmlns:a16="http://schemas.microsoft.com/office/drawing/2014/main" id="{2926D39F-2A44-40D8-AB6C-65F3BEA65E36}"/>
-              </a:ext>
-            </a:extLst>
-          </p:cNvPr>
+          <p:cNvPr id="7" name="Rectangle 6"/>
+          <p:cNvSpPr/>
+          <p:nvPr/>
+        </p:nvSpPr>
+        <p:spPr>
+          <a:xfrm>
+            <a:off x="9019312" y="0"/>
+            <a:ext cx="2743200" cy="6858000"/>
+          </a:xfrm>
+          <a:prstGeom prst="rect">
+            <a:avLst/>
+          </a:prstGeom>
+          <a:solidFill>
+            <a:schemeClr val="tx1"/>
+          </a:solidFill>
+          <a:ln>
+            <a:noFill/>
+          </a:ln>
+        </p:spPr>
+        <p:style>
+          <a:lnRef idx="2">
+            <a:schemeClr val="accent1">
+              <a:shade val="50000"/>
+            </a:schemeClr>
+          </a:lnRef>
+          <a:fillRef idx="1">
+            <a:schemeClr val="accent1"/>
+          </a:fillRef>
+          <a:effectRef idx="0">
+            <a:schemeClr val="accent1"/>
+          </a:effectRef>
+          <a:fontRef idx="minor">
+            <a:schemeClr val="lt1"/>
+          </a:fontRef>
+        </p:style>
+      </p:sp>
+      <p:sp>
+        <p:nvSpPr>
+          <p:cNvPr id="2" name="Vertical Title 1"/>
           <p:cNvSpPr>
             <a:spLocks noGrp="1"/>
           </p:cNvSpPr>
@@ -598,8 +624,8 @@
         </p:nvSpPr>
         <p:spPr>
           <a:xfrm>
-            <a:off x="8724900" y="365125"/>
-            <a:ext cx="2628900" cy="5811838"/>
+            <a:off x="9160624" y="274638"/>
+            <a:ext cx="2402380" cy="5897562"/>
           </a:xfrm>
         </p:spPr>
         <p:txBody>
@@ -610,18 +636,13 @@
               <a:rPr lang="en-US"/>
               <a:t>Click to edit Master title style</a:t>
             </a:r>
-          </a:p>
-        </p:txBody>
-      </p:sp>
-      <p:sp>
-        <p:nvSpPr>
-          <p:cNvPr id="3" name="Vertical Text Placeholder 2">
-            <a:extLst>
-              <a:ext uri="{FF2B5EF4-FFF2-40B4-BE49-F238E27FC236}">
-                <a16:creationId xmlns:a16="http://schemas.microsoft.com/office/drawing/2014/main" id="{92AF5CDC-E40E-4581-8F1B-84C97EA70B03}"/>
-              </a:ext>
-            </a:extLst>
-          </p:cNvPr>
+            <a:endParaRPr lang="en-US" dirty="0"/>
+          </a:p>
+        </p:txBody>
+      </p:sp>
+      <p:sp>
+        <p:nvSpPr>
+          <p:cNvPr id="3" name="Vertical Text Placeholder 2"/>
           <p:cNvSpPr>
             <a:spLocks noGrp="1"/>
           </p:cNvSpPr>
@@ -631,8 +652,8 @@
         </p:nvSpPr>
         <p:spPr>
           <a:xfrm>
-            <a:off x="838200" y="365125"/>
-            <a:ext cx="7734300" cy="5811838"/>
+            <a:off x="838199" y="274638"/>
+            <a:ext cx="7973291" cy="5897562"/>
           </a:xfrm>
         </p:spPr>
         <p:txBody>
@@ -672,18 +693,13 @@
               <a:rPr lang="en-US"/>
               <a:t>Fifth level</a:t>
             </a:r>
-          </a:p>
-        </p:txBody>
-      </p:sp>
-      <p:sp>
-        <p:nvSpPr>
-          <p:cNvPr id="4" name="Date Placeholder 3">
-            <a:extLst>
-              <a:ext uri="{FF2B5EF4-FFF2-40B4-BE49-F238E27FC236}">
-                <a16:creationId xmlns:a16="http://schemas.microsoft.com/office/drawing/2014/main" id="{6180F7E4-0B57-4AAE-9100-0E035ECFCB51}"/>
-              </a:ext>
-            </a:extLst>
-          </p:cNvPr>
+            <a:endParaRPr lang="en-US" dirty="0"/>
+          </a:p>
+        </p:txBody>
+      </p:sp>
+      <p:sp>
+        <p:nvSpPr>
+          <p:cNvPr id="4" name="Date Placeholder 3"/>
           <p:cNvSpPr>
             <a:spLocks noGrp="1"/>
           </p:cNvSpPr>
@@ -691,14 +707,19 @@
             <p:ph type="dt" sz="half" idx="10"/>
           </p:nvPr>
         </p:nvSpPr>
-        <p:spPr/>
+        <p:spPr>
+          <a:xfrm>
+            <a:off x="838200" y="6422854"/>
+            <a:ext cx="2743196" cy="365125"/>
+          </a:xfrm>
+        </p:spPr>
         <p:txBody>
           <a:bodyPr/>
           <a:lstStyle/>
           <a:p>
             <a:fld id="{39193EF1-A1E4-453A-86BD-07CAD0B0C234}" type="datetimeFigureOut">
               <a:rPr lang="en-US" smtClean="0"/>
-              <a:t>11/26/2020</a:t>
+              <a:t>11/27/2020</a:t>
             </a:fld>
             <a:endParaRPr lang="en-US"/>
           </a:p>
@@ -706,13 +727,7 @@
       </p:sp>
       <p:sp>
         <p:nvSpPr>
-          <p:cNvPr id="5" name="Footer Placeholder 4">
-            <a:extLst>
-              <a:ext uri="{FF2B5EF4-FFF2-40B4-BE49-F238E27FC236}">
-                <a16:creationId xmlns:a16="http://schemas.microsoft.com/office/drawing/2014/main" id="{1458B4F9-9F58-4A87-AB15-30D758E7750D}"/>
-              </a:ext>
-            </a:extLst>
-          </p:cNvPr>
+          <p:cNvPr id="5" name="Footer Placeholder 4"/>
           <p:cNvSpPr>
             <a:spLocks noGrp="1"/>
           </p:cNvSpPr>
@@ -720,7 +735,12 @@
             <p:ph type="ftr" sz="quarter" idx="11"/>
           </p:nvPr>
         </p:nvSpPr>
-        <p:spPr/>
+        <p:spPr>
+          <a:xfrm>
+            <a:off x="3776135" y="6422854"/>
+            <a:ext cx="4279669" cy="365125"/>
+          </a:xfrm>
+        </p:spPr>
         <p:txBody>
           <a:bodyPr/>
           <a:lstStyle/>
@@ -731,13 +751,7 @@
       </p:sp>
       <p:sp>
         <p:nvSpPr>
-          <p:cNvPr id="6" name="Slide Number Placeholder 5">
-            <a:extLst>
-              <a:ext uri="{FF2B5EF4-FFF2-40B4-BE49-F238E27FC236}">
-                <a16:creationId xmlns:a16="http://schemas.microsoft.com/office/drawing/2014/main" id="{DC570638-FA38-4451-BFB1-AEC97F924920}"/>
-              </a:ext>
-            </a:extLst>
-          </p:cNvPr>
+          <p:cNvPr id="6" name="Slide Number Placeholder 5"/>
           <p:cNvSpPr>
             <a:spLocks noGrp="1"/>
           </p:cNvSpPr>
@@ -745,7 +759,12 @@
             <p:ph type="sldNum" sz="quarter" idx="12"/>
           </p:nvPr>
         </p:nvSpPr>
-        <p:spPr/>
+        <p:spPr>
+          <a:xfrm>
+            <a:off x="8073048" y="6422854"/>
+            <a:ext cx="879759" cy="365125"/>
+          </a:xfrm>
+        </p:spPr>
         <p:txBody>
           <a:bodyPr/>
           <a:lstStyle/>
@@ -761,7 +780,7 @@
     </p:spTree>
     <p:extLst>
       <p:ext uri="{BB962C8B-B14F-4D97-AF65-F5344CB8AC3E}">
-        <p14:creationId xmlns:p14="http://schemas.microsoft.com/office/powerpoint/2010/main" val="2948371857"/>
+        <p14:creationId xmlns:p14="http://schemas.microsoft.com/office/powerpoint/2010/main" val="44399616"/>
       </p:ext>
     </p:extLst>
   </p:cSld>
@@ -790,13 +809,7 @@
       </p:grpSpPr>
       <p:sp>
         <p:nvSpPr>
-          <p:cNvPr id="2" name="Title 1">
-            <a:extLst>
-              <a:ext uri="{FF2B5EF4-FFF2-40B4-BE49-F238E27FC236}">
-                <a16:creationId xmlns:a16="http://schemas.microsoft.com/office/drawing/2014/main" id="{E9E87D56-A450-4E84-8942-8F33FFE1761D}"/>
-              </a:ext>
-            </a:extLst>
-          </p:cNvPr>
+          <p:cNvPr id="2" name="Title 1"/>
           <p:cNvSpPr>
             <a:spLocks noGrp="1"/>
           </p:cNvSpPr>
@@ -813,18 +826,13 @@
               <a:rPr lang="en-US"/>
               <a:t>Click to edit Master title style</a:t>
             </a:r>
-          </a:p>
-        </p:txBody>
-      </p:sp>
-      <p:sp>
-        <p:nvSpPr>
-          <p:cNvPr id="3" name="Content Placeholder 2">
-            <a:extLst>
-              <a:ext uri="{FF2B5EF4-FFF2-40B4-BE49-F238E27FC236}">
-                <a16:creationId xmlns:a16="http://schemas.microsoft.com/office/drawing/2014/main" id="{1A6D598A-6B2D-4F23-8987-284C94A1387D}"/>
-              </a:ext>
-            </a:extLst>
-          </p:cNvPr>
+            <a:endParaRPr lang="en-US" dirty="0"/>
+          </a:p>
+        </p:txBody>
+      </p:sp>
+      <p:sp>
+        <p:nvSpPr>
+          <p:cNvPr id="3" name="Content Placeholder 2"/>
           <p:cNvSpPr>
             <a:spLocks noGrp="1"/>
           </p:cNvSpPr>
@@ -870,18 +878,13 @@
               <a:rPr lang="en-US"/>
               <a:t>Fifth level</a:t>
             </a:r>
-          </a:p>
-        </p:txBody>
-      </p:sp>
-      <p:sp>
-        <p:nvSpPr>
-          <p:cNvPr id="4" name="Date Placeholder 3">
-            <a:extLst>
-              <a:ext uri="{FF2B5EF4-FFF2-40B4-BE49-F238E27FC236}">
-                <a16:creationId xmlns:a16="http://schemas.microsoft.com/office/drawing/2014/main" id="{EAAD28BE-CAE5-4913-9B3D-88DF1DA77070}"/>
-              </a:ext>
-            </a:extLst>
-          </p:cNvPr>
+            <a:endParaRPr lang="en-US" dirty="0"/>
+          </a:p>
+        </p:txBody>
+      </p:sp>
+      <p:sp>
+        <p:nvSpPr>
+          <p:cNvPr id="4" name="Date Placeholder 3"/>
           <p:cNvSpPr>
             <a:spLocks noGrp="1"/>
           </p:cNvSpPr>
@@ -896,7 +899,7 @@
           <a:p>
             <a:fld id="{39193EF1-A1E4-453A-86BD-07CAD0B0C234}" type="datetimeFigureOut">
               <a:rPr lang="en-US" smtClean="0"/>
-              <a:t>11/26/2020</a:t>
+              <a:t>11/27/2020</a:t>
             </a:fld>
             <a:endParaRPr lang="en-US"/>
           </a:p>
@@ -904,13 +907,7 @@
       </p:sp>
       <p:sp>
         <p:nvSpPr>
-          <p:cNvPr id="5" name="Footer Placeholder 4">
-            <a:extLst>
-              <a:ext uri="{FF2B5EF4-FFF2-40B4-BE49-F238E27FC236}">
-                <a16:creationId xmlns:a16="http://schemas.microsoft.com/office/drawing/2014/main" id="{03084857-D39F-4D31-A4D8-AC3034CD0DC1}"/>
-              </a:ext>
-            </a:extLst>
-          </p:cNvPr>
+          <p:cNvPr id="5" name="Footer Placeholder 4"/>
           <p:cNvSpPr>
             <a:spLocks noGrp="1"/>
           </p:cNvSpPr>
@@ -929,13 +926,7 @@
       </p:sp>
       <p:sp>
         <p:nvSpPr>
-          <p:cNvPr id="6" name="Slide Number Placeholder 5">
-            <a:extLst>
-              <a:ext uri="{FF2B5EF4-FFF2-40B4-BE49-F238E27FC236}">
-                <a16:creationId xmlns:a16="http://schemas.microsoft.com/office/drawing/2014/main" id="{CD317618-4E50-4915-9333-00402BF2698F}"/>
-              </a:ext>
-            </a:extLst>
-          </p:cNvPr>
+          <p:cNvPr id="6" name="Slide Number Placeholder 5"/>
           <p:cNvSpPr>
             <a:spLocks noGrp="1"/>
           </p:cNvSpPr>
@@ -959,7 +950,7 @@
     </p:spTree>
     <p:extLst>
       <p:ext uri="{BB962C8B-B14F-4D97-AF65-F5344CB8AC3E}">
-        <p14:creationId xmlns:p14="http://schemas.microsoft.com/office/powerpoint/2010/main" val="1728635419"/>
+        <p14:creationId xmlns:p14="http://schemas.microsoft.com/office/powerpoint/2010/main" val="454875"/>
       </p:ext>
     </p:extLst>
   </p:cSld>
@@ -970,8 +961,13 @@
 </file>
 
 <file path=ppt/slideLayouts/slideLayout3.xml><?xml version="1.0" encoding="utf-8"?>
-<p:sldLayout xmlns:a="http://schemas.openxmlformats.org/drawingml/2006/main" xmlns:r="http://schemas.openxmlformats.org/officeDocument/2006/relationships" xmlns:p="http://schemas.openxmlformats.org/presentationml/2006/main" type="secHead" preserve="1">
+<p:sldLayout xmlns:a="http://schemas.openxmlformats.org/drawingml/2006/main" xmlns:r="http://schemas.openxmlformats.org/officeDocument/2006/relationships" xmlns:p="http://schemas.openxmlformats.org/presentationml/2006/main" showMasterSp="0" type="secHead" preserve="1">
   <p:cSld name="Section Header">
+    <p:bg>
+      <p:bgRef idx="1001">
+        <a:schemeClr val="bg1"/>
+      </p:bgRef>
+    </p:bg>
     <p:spTree>
       <p:nvGrpSpPr>
         <p:cNvPr id="1" name=""/>
@@ -988,13 +984,45 @@
       </p:grpSpPr>
       <p:sp>
         <p:nvSpPr>
-          <p:cNvPr id="2" name="Title 1">
-            <a:extLst>
-              <a:ext uri="{FF2B5EF4-FFF2-40B4-BE49-F238E27FC236}">
-                <a16:creationId xmlns:a16="http://schemas.microsoft.com/office/drawing/2014/main" id="{E6EA829B-0F95-4408-A98D-B05B28D61606}"/>
-              </a:ext>
-            </a:extLst>
-          </p:cNvPr>
+          <p:cNvPr id="7" name="Rectangle 6"/>
+          <p:cNvSpPr/>
+          <p:nvPr/>
+        </p:nvSpPr>
+        <p:spPr>
+          <a:xfrm>
+            <a:off x="-6843" y="2059012"/>
+            <a:ext cx="12195668" cy="1828800"/>
+          </a:xfrm>
+          <a:prstGeom prst="rect">
+            <a:avLst/>
+          </a:prstGeom>
+          <a:solidFill>
+            <a:schemeClr val="tx2"/>
+          </a:solidFill>
+          <a:ln>
+            <a:noFill/>
+          </a:ln>
+        </p:spPr>
+        <p:style>
+          <a:lnRef idx="2">
+            <a:schemeClr val="accent1">
+              <a:shade val="50000"/>
+            </a:schemeClr>
+          </a:lnRef>
+          <a:fillRef idx="1">
+            <a:schemeClr val="accent1"/>
+          </a:fillRef>
+          <a:effectRef idx="0">
+            <a:schemeClr val="accent1"/>
+          </a:effectRef>
+          <a:fontRef idx="minor">
+            <a:schemeClr val="lt1"/>
+          </a:fontRef>
+        </p:style>
+      </p:sp>
+      <p:sp>
+        <p:nvSpPr>
+          <p:cNvPr id="2" name="Title 1"/>
           <p:cNvSpPr>
             <a:spLocks noGrp="1"/>
           </p:cNvSpPr>
@@ -1004,15 +1032,24 @@
         </p:nvSpPr>
         <p:spPr>
           <a:xfrm>
-            <a:off x="831850" y="1709738"/>
-            <a:ext cx="10515600" cy="2852737"/>
-          </a:xfrm>
-        </p:spPr>
-        <p:txBody>
-          <a:bodyPr anchor="b"/>
+            <a:off x="833191" y="2208879"/>
+            <a:ext cx="10515600" cy="1676400"/>
+          </a:xfrm>
+        </p:spPr>
+        <p:txBody>
+          <a:bodyPr anchor="ctr">
+            <a:noAutofit/>
+          </a:bodyPr>
           <a:lstStyle>
-            <a:lvl1pPr>
-              <a:defRPr sz="6000"/>
+            <a:lvl1pPr algn="ctr">
+              <a:lnSpc>
+                <a:spcPct val="80000"/>
+              </a:lnSpc>
+              <a:defRPr sz="6000" b="0" spc="150" baseline="0">
+                <a:solidFill>
+                  <a:schemeClr val="bg1"/>
+                </a:solidFill>
+              </a:defRPr>
             </a:lvl1pPr>
           </a:lstStyle>
           <a:p>
@@ -1020,18 +1057,13 @@
               <a:rPr lang="en-US"/>
               <a:t>Click to edit Master title style</a:t>
             </a:r>
-          </a:p>
-        </p:txBody>
-      </p:sp>
-      <p:sp>
-        <p:nvSpPr>
-          <p:cNvPr id="3" name="Text Placeholder 2">
-            <a:extLst>
-              <a:ext uri="{FF2B5EF4-FFF2-40B4-BE49-F238E27FC236}">
-                <a16:creationId xmlns:a16="http://schemas.microsoft.com/office/drawing/2014/main" id="{FAEE2D6D-F803-4692-A023-4369197FC097}"/>
-              </a:ext>
-            </a:extLst>
-          </p:cNvPr>
+            <a:endParaRPr lang="en-US" dirty="0"/>
+          </a:p>
+        </p:txBody>
+      </p:sp>
+      <p:sp>
+        <p:nvSpPr>
+          <p:cNvPr id="3" name="Text Placeholder 2"/>
           <p:cNvSpPr>
             <a:spLocks noGrp="1"/>
           </p:cNvSpPr>
@@ -1041,26 +1073,26 @@
         </p:nvSpPr>
         <p:spPr>
           <a:xfrm>
-            <a:off x="831850" y="4589463"/>
-            <a:ext cx="10515600" cy="1500187"/>
-          </a:xfrm>
-        </p:spPr>
-        <p:txBody>
-          <a:bodyPr/>
+            <a:off x="833191" y="4010334"/>
+            <a:ext cx="10515600" cy="1174639"/>
+          </a:xfrm>
+        </p:spPr>
+        <p:txBody>
+          <a:bodyPr anchor="t">
+            <a:normAutofit/>
+          </a:bodyPr>
           <a:lstStyle>
-            <a:lvl1pPr marL="0" indent="0">
+            <a:lvl1pPr marL="0" indent="0" algn="ctr">
               <a:buNone/>
-              <a:defRPr sz="2400">
+              <a:defRPr sz="2000">
                 <a:solidFill>
-                  <a:schemeClr val="tx1">
-                    <a:tint val="75000"/>
-                  </a:schemeClr>
+                  <a:schemeClr val="tx2"/>
                 </a:solidFill>
               </a:defRPr>
             </a:lvl1pPr>
             <a:lvl2pPr marL="457200" indent="0">
               <a:buNone/>
-              <a:defRPr sz="2000">
+              <a:defRPr sz="1800">
                 <a:solidFill>
                   <a:schemeClr val="tx1">
                     <a:tint val="75000"/>
@@ -1070,7 +1102,7 @@
             </a:lvl2pPr>
             <a:lvl3pPr marL="914400" indent="0">
               <a:buNone/>
-              <a:defRPr sz="1800">
+              <a:defRPr sz="1600">
                 <a:solidFill>
                   <a:schemeClr val="tx1">
                     <a:tint val="75000"/>
@@ -1080,7 +1112,7 @@
             </a:lvl3pPr>
             <a:lvl4pPr marL="1371600" indent="0">
               <a:buNone/>
-              <a:defRPr sz="1600">
+              <a:defRPr sz="1400">
                 <a:solidFill>
                   <a:schemeClr val="tx1">
                     <a:tint val="75000"/>
@@ -1090,7 +1122,7 @@
             </a:lvl4pPr>
             <a:lvl5pPr marL="1828800" indent="0">
               <a:buNone/>
-              <a:defRPr sz="1600">
+              <a:defRPr sz="1400">
                 <a:solidFill>
                   <a:schemeClr val="tx1">
                     <a:tint val="75000"/>
@@ -1100,7 +1132,7 @@
             </a:lvl5pPr>
             <a:lvl6pPr marL="2286000" indent="0">
               <a:buNone/>
-              <a:defRPr sz="1600">
+              <a:defRPr sz="1400">
                 <a:solidFill>
                   <a:schemeClr val="tx1">
                     <a:tint val="75000"/>
@@ -1110,7 +1142,7 @@
             </a:lvl6pPr>
             <a:lvl7pPr marL="2743200" indent="0">
               <a:buNone/>
-              <a:defRPr sz="1600">
+              <a:defRPr sz="1400">
                 <a:solidFill>
                   <a:schemeClr val="tx1">
                     <a:tint val="75000"/>
@@ -1120,7 +1152,7 @@
             </a:lvl7pPr>
             <a:lvl8pPr marL="3200400" indent="0">
               <a:buNone/>
-              <a:defRPr sz="1600">
+              <a:defRPr sz="1400">
                 <a:solidFill>
                   <a:schemeClr val="tx1">
                     <a:tint val="75000"/>
@@ -1130,7 +1162,7 @@
             </a:lvl8pPr>
             <a:lvl9pPr marL="3657600" indent="0">
               <a:buNone/>
-              <a:defRPr sz="1600">
+              <a:defRPr sz="1400">
                 <a:solidFill>
                   <a:schemeClr val="tx1">
                     <a:tint val="75000"/>
@@ -1150,13 +1182,7 @@
       </p:sp>
       <p:sp>
         <p:nvSpPr>
-          <p:cNvPr id="4" name="Date Placeholder 3">
-            <a:extLst>
-              <a:ext uri="{FF2B5EF4-FFF2-40B4-BE49-F238E27FC236}">
-                <a16:creationId xmlns:a16="http://schemas.microsoft.com/office/drawing/2014/main" id="{91FC10E8-DAD1-4744-9C0F-A0DEC535FD51}"/>
-              </a:ext>
-            </a:extLst>
-          </p:cNvPr>
+          <p:cNvPr id="4" name="Date Placeholder 3"/>
           <p:cNvSpPr>
             <a:spLocks noGrp="1"/>
           </p:cNvSpPr>
@@ -1167,11 +1193,19 @@
         <p:spPr/>
         <p:txBody>
           <a:bodyPr/>
-          <a:lstStyle/>
+          <a:lstStyle>
+            <a:lvl1pPr>
+              <a:defRPr>
+                <a:solidFill>
+                  <a:schemeClr val="tx2"/>
+                </a:solidFill>
+              </a:defRPr>
+            </a:lvl1pPr>
+          </a:lstStyle>
           <a:p>
             <a:fld id="{39193EF1-A1E4-453A-86BD-07CAD0B0C234}" type="datetimeFigureOut">
               <a:rPr lang="en-US" smtClean="0"/>
-              <a:t>11/26/2020</a:t>
+              <a:t>11/27/2020</a:t>
             </a:fld>
             <a:endParaRPr lang="en-US"/>
           </a:p>
@@ -1179,13 +1213,7 @@
       </p:sp>
       <p:sp>
         <p:nvSpPr>
-          <p:cNvPr id="5" name="Footer Placeholder 4">
-            <a:extLst>
-              <a:ext uri="{FF2B5EF4-FFF2-40B4-BE49-F238E27FC236}">
-                <a16:creationId xmlns:a16="http://schemas.microsoft.com/office/drawing/2014/main" id="{1272AE0E-D260-4879-A69E-6F27E9798654}"/>
-              </a:ext>
-            </a:extLst>
-          </p:cNvPr>
+          <p:cNvPr id="5" name="Footer Placeholder 4"/>
           <p:cNvSpPr>
             <a:spLocks noGrp="1"/>
           </p:cNvSpPr>
@@ -1196,7 +1224,15 @@
         <p:spPr/>
         <p:txBody>
           <a:bodyPr/>
-          <a:lstStyle/>
+          <a:lstStyle>
+            <a:lvl1pPr>
+              <a:defRPr>
+                <a:solidFill>
+                  <a:schemeClr val="tx2"/>
+                </a:solidFill>
+              </a:defRPr>
+            </a:lvl1pPr>
+          </a:lstStyle>
           <a:p>
             <a:endParaRPr lang="en-US"/>
           </a:p>
@@ -1204,13 +1240,7 @@
       </p:sp>
       <p:sp>
         <p:nvSpPr>
-          <p:cNvPr id="6" name="Slide Number Placeholder 5">
-            <a:extLst>
-              <a:ext uri="{FF2B5EF4-FFF2-40B4-BE49-F238E27FC236}">
-                <a16:creationId xmlns:a16="http://schemas.microsoft.com/office/drawing/2014/main" id="{7B3E97A5-499F-4B04-9941-4A1B4E581E1E}"/>
-              </a:ext>
-            </a:extLst>
-          </p:cNvPr>
+          <p:cNvPr id="6" name="Slide Number Placeholder 5"/>
           <p:cNvSpPr>
             <a:spLocks noGrp="1"/>
           </p:cNvSpPr>
@@ -1221,7 +1251,15 @@
         <p:spPr/>
         <p:txBody>
           <a:bodyPr/>
-          <a:lstStyle/>
+          <a:lstStyle>
+            <a:lvl1pPr>
+              <a:defRPr>
+                <a:solidFill>
+                  <a:schemeClr val="tx2"/>
+                </a:solidFill>
+              </a:defRPr>
+            </a:lvl1pPr>
+          </a:lstStyle>
           <a:p>
             <a:fld id="{ADA7A4B9-4D4B-41E4-B4D9-1437E0D6658C}" type="slidenum">
               <a:rPr lang="en-US" smtClean="0"/>
@@ -1234,12 +1272,12 @@
     </p:spTree>
     <p:extLst>
       <p:ext uri="{BB962C8B-B14F-4D97-AF65-F5344CB8AC3E}">
-        <p14:creationId xmlns:p14="http://schemas.microsoft.com/office/powerpoint/2010/main" val="494747410"/>
+        <p14:creationId xmlns:p14="http://schemas.microsoft.com/office/powerpoint/2010/main" val="2676698797"/>
       </p:ext>
     </p:extLst>
   </p:cSld>
   <p:clrMapOvr>
-    <a:masterClrMapping/>
+    <a:overrideClrMapping bg1="lt1" tx1="dk1" bg2="lt2" tx2="dk2" accent1="accent1" accent2="accent2" accent3="accent3" accent4="accent4" accent5="accent5" accent6="accent6" hlink="hlink" folHlink="folHlink"/>
   </p:clrMapOvr>
 </p:sldLayout>
 </file>
@@ -1263,13 +1301,7 @@
       </p:grpSpPr>
       <p:sp>
         <p:nvSpPr>
-          <p:cNvPr id="2" name="Title 1">
-            <a:extLst>
-              <a:ext uri="{FF2B5EF4-FFF2-40B4-BE49-F238E27FC236}">
-                <a16:creationId xmlns:a16="http://schemas.microsoft.com/office/drawing/2014/main" id="{6D6F3350-CA93-4CCB-85DA-AE3839EABAFF}"/>
-              </a:ext>
-            </a:extLst>
-          </p:cNvPr>
+          <p:cNvPr id="8" name="Title 7"/>
           <p:cNvSpPr>
             <a:spLocks noGrp="1"/>
           </p:cNvSpPr>
@@ -1286,18 +1318,13 @@
               <a:rPr lang="en-US"/>
               <a:t>Click to edit Master title style</a:t>
             </a:r>
-          </a:p>
-        </p:txBody>
-      </p:sp>
-      <p:sp>
-        <p:nvSpPr>
-          <p:cNvPr id="3" name="Content Placeholder 2">
-            <a:extLst>
-              <a:ext uri="{FF2B5EF4-FFF2-40B4-BE49-F238E27FC236}">
-                <a16:creationId xmlns:a16="http://schemas.microsoft.com/office/drawing/2014/main" id="{33FDBE17-C112-42F0-B7D5-AF95937D2C7C}"/>
-              </a:ext>
-            </a:extLst>
-          </p:cNvPr>
+            <a:endParaRPr lang="en-US" dirty="0"/>
+          </a:p>
+        </p:txBody>
+      </p:sp>
+      <p:sp>
+        <p:nvSpPr>
+          <p:cNvPr id="3" name="Content Placeholder 2"/>
           <p:cNvSpPr>
             <a:spLocks noGrp="1"/>
           </p:cNvSpPr>
@@ -1307,13 +1334,41 @@
         </p:nvSpPr>
         <p:spPr>
           <a:xfrm>
-            <a:off x="838200" y="1825625"/>
-            <a:ext cx="5181600" cy="4351338"/>
+            <a:off x="1205344" y="2011680"/>
+            <a:ext cx="4754880" cy="4206240"/>
           </a:xfrm>
         </p:spPr>
         <p:txBody>
           <a:bodyPr/>
-          <a:lstStyle/>
+          <a:lstStyle>
+            <a:lvl1pPr>
+              <a:defRPr sz="2200"/>
+            </a:lvl1pPr>
+            <a:lvl2pPr>
+              <a:defRPr sz="2000"/>
+            </a:lvl2pPr>
+            <a:lvl3pPr>
+              <a:defRPr sz="1800"/>
+            </a:lvl3pPr>
+            <a:lvl4pPr>
+              <a:defRPr sz="1600"/>
+            </a:lvl4pPr>
+            <a:lvl5pPr>
+              <a:defRPr sz="1600"/>
+            </a:lvl5pPr>
+            <a:lvl6pPr>
+              <a:defRPr sz="1600"/>
+            </a:lvl6pPr>
+            <a:lvl7pPr>
+              <a:defRPr sz="1600"/>
+            </a:lvl7pPr>
+            <a:lvl8pPr>
+              <a:defRPr sz="1600"/>
+            </a:lvl8pPr>
+            <a:lvl9pPr>
+              <a:defRPr sz="1600"/>
+            </a:lvl9pPr>
+          </a:lstStyle>
           <a:p>
             <a:pPr lvl="0"/>
             <a:r>
@@ -1348,18 +1403,13 @@
               <a:rPr lang="en-US"/>
               <a:t>Fifth level</a:t>
             </a:r>
-          </a:p>
-        </p:txBody>
-      </p:sp>
-      <p:sp>
-        <p:nvSpPr>
-          <p:cNvPr id="4" name="Content Placeholder 3">
-            <a:extLst>
-              <a:ext uri="{FF2B5EF4-FFF2-40B4-BE49-F238E27FC236}">
-                <a16:creationId xmlns:a16="http://schemas.microsoft.com/office/drawing/2014/main" id="{389BA817-6648-4283-A1CB-8A6030B6918F}"/>
-              </a:ext>
-            </a:extLst>
-          </p:cNvPr>
+            <a:endParaRPr lang="en-US" dirty="0"/>
+          </a:p>
+        </p:txBody>
+      </p:sp>
+      <p:sp>
+        <p:nvSpPr>
+          <p:cNvPr id="4" name="Content Placeholder 3"/>
           <p:cNvSpPr>
             <a:spLocks noGrp="1"/>
           </p:cNvSpPr>
@@ -1369,13 +1419,41 @@
         </p:nvSpPr>
         <p:spPr>
           <a:xfrm>
-            <a:off x="6172200" y="1825625"/>
-            <a:ext cx="5181600" cy="4351338"/>
+            <a:off x="6230391" y="2011680"/>
+            <a:ext cx="4754880" cy="4206240"/>
           </a:xfrm>
         </p:spPr>
         <p:txBody>
           <a:bodyPr/>
-          <a:lstStyle/>
+          <a:lstStyle>
+            <a:lvl1pPr>
+              <a:defRPr sz="2200"/>
+            </a:lvl1pPr>
+            <a:lvl2pPr>
+              <a:defRPr sz="2000"/>
+            </a:lvl2pPr>
+            <a:lvl3pPr>
+              <a:defRPr sz="1800"/>
+            </a:lvl3pPr>
+            <a:lvl4pPr>
+              <a:defRPr sz="1600"/>
+            </a:lvl4pPr>
+            <a:lvl5pPr>
+              <a:defRPr sz="1600"/>
+            </a:lvl5pPr>
+            <a:lvl6pPr>
+              <a:defRPr sz="1600"/>
+            </a:lvl6pPr>
+            <a:lvl7pPr>
+              <a:defRPr sz="1600"/>
+            </a:lvl7pPr>
+            <a:lvl8pPr>
+              <a:defRPr sz="1600"/>
+            </a:lvl8pPr>
+            <a:lvl9pPr>
+              <a:defRPr sz="1600"/>
+            </a:lvl9pPr>
+          </a:lstStyle>
           <a:p>
             <a:pPr lvl="0"/>
             <a:r>
@@ -1410,18 +1488,13 @@
               <a:rPr lang="en-US"/>
               <a:t>Fifth level</a:t>
             </a:r>
-          </a:p>
-        </p:txBody>
-      </p:sp>
-      <p:sp>
-        <p:nvSpPr>
-          <p:cNvPr id="5" name="Date Placeholder 4">
-            <a:extLst>
-              <a:ext uri="{FF2B5EF4-FFF2-40B4-BE49-F238E27FC236}">
-                <a16:creationId xmlns:a16="http://schemas.microsoft.com/office/drawing/2014/main" id="{81C7989C-DFAF-420E-8189-3B8182D51DB9}"/>
-              </a:ext>
-            </a:extLst>
-          </p:cNvPr>
+            <a:endParaRPr lang="en-US" dirty="0"/>
+          </a:p>
+        </p:txBody>
+      </p:sp>
+      <p:sp>
+        <p:nvSpPr>
+          <p:cNvPr id="5" name="Date Placeholder 4"/>
           <p:cNvSpPr>
             <a:spLocks noGrp="1"/>
           </p:cNvSpPr>
@@ -1436,7 +1509,7 @@
           <a:p>
             <a:fld id="{39193EF1-A1E4-453A-86BD-07CAD0B0C234}" type="datetimeFigureOut">
               <a:rPr lang="en-US" smtClean="0"/>
-              <a:t>11/26/2020</a:t>
+              <a:t>11/27/2020</a:t>
             </a:fld>
             <a:endParaRPr lang="en-US"/>
           </a:p>
@@ -1444,13 +1517,7 @@
       </p:sp>
       <p:sp>
         <p:nvSpPr>
-          <p:cNvPr id="6" name="Footer Placeholder 5">
-            <a:extLst>
-              <a:ext uri="{FF2B5EF4-FFF2-40B4-BE49-F238E27FC236}">
-                <a16:creationId xmlns:a16="http://schemas.microsoft.com/office/drawing/2014/main" id="{C29E128D-3810-4E49-B54B-B8123E4B3A12}"/>
-              </a:ext>
-            </a:extLst>
-          </p:cNvPr>
+          <p:cNvPr id="6" name="Footer Placeholder 5"/>
           <p:cNvSpPr>
             <a:spLocks noGrp="1"/>
           </p:cNvSpPr>
@@ -1469,13 +1536,7 @@
       </p:sp>
       <p:sp>
         <p:nvSpPr>
-          <p:cNvPr id="7" name="Slide Number Placeholder 6">
-            <a:extLst>
-              <a:ext uri="{FF2B5EF4-FFF2-40B4-BE49-F238E27FC236}">
-                <a16:creationId xmlns:a16="http://schemas.microsoft.com/office/drawing/2014/main" id="{B03C59A5-BCEE-4487-8255-C5B7643BBCE9}"/>
-              </a:ext>
-            </a:extLst>
-          </p:cNvPr>
+          <p:cNvPr id="7" name="Slide Number Placeholder 6"/>
           <p:cNvSpPr>
             <a:spLocks noGrp="1"/>
           </p:cNvSpPr>
@@ -1499,7 +1560,7 @@
     </p:spTree>
     <p:extLst>
       <p:ext uri="{BB962C8B-B14F-4D97-AF65-F5344CB8AC3E}">
-        <p14:creationId xmlns:p14="http://schemas.microsoft.com/office/powerpoint/2010/main" val="178777265"/>
+        <p14:creationId xmlns:p14="http://schemas.microsoft.com/office/powerpoint/2010/main" val="3526131680"/>
       </p:ext>
     </p:extLst>
   </p:cSld>
@@ -1528,13 +1589,7 @@
       </p:grpSpPr>
       <p:sp>
         <p:nvSpPr>
-          <p:cNvPr id="2" name="Title 1">
-            <a:extLst>
-              <a:ext uri="{FF2B5EF4-FFF2-40B4-BE49-F238E27FC236}">
-                <a16:creationId xmlns:a16="http://schemas.microsoft.com/office/drawing/2014/main" id="{01EB4A64-8104-443A-B6CF-3C00065FE4D9}"/>
-              </a:ext>
-            </a:extLst>
-          </p:cNvPr>
+          <p:cNvPr id="10" name="Title 9"/>
           <p:cNvSpPr>
             <a:spLocks noGrp="1"/>
           </p:cNvSpPr>
@@ -1542,12 +1597,7 @@
             <p:ph type="title"/>
           </p:nvPr>
         </p:nvSpPr>
-        <p:spPr>
-          <a:xfrm>
-            <a:off x="839788" y="365125"/>
-            <a:ext cx="10515600" cy="1325563"/>
-          </a:xfrm>
-        </p:spPr>
+        <p:spPr/>
         <p:txBody>
           <a:bodyPr/>
           <a:lstStyle/>
@@ -1556,18 +1606,13 @@
               <a:rPr lang="en-US"/>
               <a:t>Click to edit Master title style</a:t>
             </a:r>
-          </a:p>
-        </p:txBody>
-      </p:sp>
-      <p:sp>
-        <p:nvSpPr>
-          <p:cNvPr id="3" name="Text Placeholder 2">
-            <a:extLst>
-              <a:ext uri="{FF2B5EF4-FFF2-40B4-BE49-F238E27FC236}">
-                <a16:creationId xmlns:a16="http://schemas.microsoft.com/office/drawing/2014/main" id="{C360BBCF-5FDC-4C31-A046-07A88B905DD0}"/>
-              </a:ext>
-            </a:extLst>
-          </p:cNvPr>
+            <a:endParaRPr lang="en-US" dirty="0"/>
+          </a:p>
+        </p:txBody>
+      </p:sp>
+      <p:sp>
+        <p:nvSpPr>
+          <p:cNvPr id="3" name="Text Placeholder 2"/>
           <p:cNvSpPr>
             <a:spLocks noGrp="1"/>
           </p:cNvSpPr>
@@ -1577,16 +1622,18 @@
         </p:nvSpPr>
         <p:spPr>
           <a:xfrm>
-            <a:off x="839788" y="1681163"/>
-            <a:ext cx="5157787" cy="823912"/>
-          </a:xfrm>
-        </p:spPr>
-        <p:txBody>
-          <a:bodyPr anchor="b"/>
+            <a:off x="1207008" y="1913470"/>
+            <a:ext cx="4754880" cy="743094"/>
+          </a:xfrm>
+        </p:spPr>
+        <p:txBody>
+          <a:bodyPr anchor="ctr">
+            <a:normAutofit/>
+          </a:bodyPr>
           <a:lstStyle>
             <a:lvl1pPr marL="0" indent="0">
               <a:buNone/>
-              <a:defRPr sz="2400" b="1"/>
+              <a:defRPr sz="2100" b="1"/>
             </a:lvl1pPr>
             <a:lvl2pPr marL="457200" indent="0">
               <a:buNone/>
@@ -1632,13 +1679,7 @@
       </p:sp>
       <p:sp>
         <p:nvSpPr>
-          <p:cNvPr id="4" name="Content Placeholder 3">
-            <a:extLst>
-              <a:ext uri="{FF2B5EF4-FFF2-40B4-BE49-F238E27FC236}">
-                <a16:creationId xmlns:a16="http://schemas.microsoft.com/office/drawing/2014/main" id="{15A28150-2140-4F76-8051-25F625651297}"/>
-              </a:ext>
-            </a:extLst>
-          </p:cNvPr>
+          <p:cNvPr id="4" name="Content Placeholder 3"/>
           <p:cNvSpPr>
             <a:spLocks noGrp="1"/>
           </p:cNvSpPr>
@@ -1648,13 +1689,41 @@
         </p:nvSpPr>
         <p:spPr>
           <a:xfrm>
-            <a:off x="839788" y="2505075"/>
-            <a:ext cx="5157787" cy="3684588"/>
+            <a:off x="1207008" y="2656566"/>
+            <a:ext cx="4754880" cy="3566160"/>
           </a:xfrm>
         </p:spPr>
         <p:txBody>
           <a:bodyPr/>
-          <a:lstStyle/>
+          <a:lstStyle>
+            <a:lvl1pPr>
+              <a:defRPr sz="2200"/>
+            </a:lvl1pPr>
+            <a:lvl2pPr>
+              <a:defRPr sz="2000"/>
+            </a:lvl2pPr>
+            <a:lvl3pPr>
+              <a:defRPr sz="1800"/>
+            </a:lvl3pPr>
+            <a:lvl4pPr>
+              <a:defRPr sz="1600"/>
+            </a:lvl4pPr>
+            <a:lvl5pPr>
+              <a:defRPr sz="1600"/>
+            </a:lvl5pPr>
+            <a:lvl6pPr>
+              <a:defRPr sz="1600"/>
+            </a:lvl6pPr>
+            <a:lvl7pPr>
+              <a:defRPr sz="1600"/>
+            </a:lvl7pPr>
+            <a:lvl8pPr>
+              <a:defRPr sz="1600"/>
+            </a:lvl8pPr>
+            <a:lvl9pPr>
+              <a:defRPr sz="1600"/>
+            </a:lvl9pPr>
+          </a:lstStyle>
           <a:p>
             <a:pPr lvl="0"/>
             <a:r>
@@ -1689,18 +1758,13 @@
               <a:rPr lang="en-US"/>
               <a:t>Fifth level</a:t>
             </a:r>
-          </a:p>
-        </p:txBody>
-      </p:sp>
-      <p:sp>
-        <p:nvSpPr>
-          <p:cNvPr id="5" name="Text Placeholder 4">
-            <a:extLst>
-              <a:ext uri="{FF2B5EF4-FFF2-40B4-BE49-F238E27FC236}">
-                <a16:creationId xmlns:a16="http://schemas.microsoft.com/office/drawing/2014/main" id="{CB951E09-979A-4881-AB41-F39475DB9EE9}"/>
-              </a:ext>
-            </a:extLst>
-          </p:cNvPr>
+            <a:endParaRPr lang="en-US" dirty="0"/>
+          </a:p>
+        </p:txBody>
+      </p:sp>
+      <p:sp>
+        <p:nvSpPr>
+          <p:cNvPr id="5" name="Text Placeholder 4"/>
           <p:cNvSpPr>
             <a:spLocks noGrp="1"/>
           </p:cNvSpPr>
@@ -1710,16 +1774,18 @@
         </p:nvSpPr>
         <p:spPr>
           <a:xfrm>
-            <a:off x="6172200" y="1681163"/>
-            <a:ext cx="5183188" cy="823912"/>
-          </a:xfrm>
-        </p:spPr>
-        <p:txBody>
-          <a:bodyPr anchor="b"/>
+            <a:off x="6231230" y="1913470"/>
+            <a:ext cx="4754880" cy="743094"/>
+          </a:xfrm>
+        </p:spPr>
+        <p:txBody>
+          <a:bodyPr anchor="ctr">
+            <a:normAutofit/>
+          </a:bodyPr>
           <a:lstStyle>
             <a:lvl1pPr marL="0" indent="0">
               <a:buNone/>
-              <a:defRPr sz="2400" b="1"/>
+              <a:defRPr sz="2100" b="1"/>
             </a:lvl1pPr>
             <a:lvl2pPr marL="457200" indent="0">
               <a:buNone/>
@@ -1765,13 +1831,7 @@
       </p:sp>
       <p:sp>
         <p:nvSpPr>
-          <p:cNvPr id="6" name="Content Placeholder 5">
-            <a:extLst>
-              <a:ext uri="{FF2B5EF4-FFF2-40B4-BE49-F238E27FC236}">
-                <a16:creationId xmlns:a16="http://schemas.microsoft.com/office/drawing/2014/main" id="{A1566BBC-EB23-4F25-AA51-862B8893E331}"/>
-              </a:ext>
-            </a:extLst>
-          </p:cNvPr>
+          <p:cNvPr id="6" name="Content Placeholder 5"/>
           <p:cNvSpPr>
             <a:spLocks noGrp="1"/>
           </p:cNvSpPr>
@@ -1781,13 +1841,41 @@
         </p:nvSpPr>
         <p:spPr>
           <a:xfrm>
-            <a:off x="6172200" y="2505075"/>
-            <a:ext cx="5183188" cy="3684588"/>
+            <a:off x="6231230" y="2656564"/>
+            <a:ext cx="4754880" cy="3566160"/>
           </a:xfrm>
         </p:spPr>
         <p:txBody>
           <a:bodyPr/>
-          <a:lstStyle/>
+          <a:lstStyle>
+            <a:lvl1pPr>
+              <a:defRPr sz="2200"/>
+            </a:lvl1pPr>
+            <a:lvl2pPr>
+              <a:defRPr sz="2000"/>
+            </a:lvl2pPr>
+            <a:lvl3pPr>
+              <a:defRPr sz="1800"/>
+            </a:lvl3pPr>
+            <a:lvl4pPr>
+              <a:defRPr sz="1600"/>
+            </a:lvl4pPr>
+            <a:lvl5pPr>
+              <a:defRPr sz="1600"/>
+            </a:lvl5pPr>
+            <a:lvl6pPr>
+              <a:defRPr sz="1600"/>
+            </a:lvl6pPr>
+            <a:lvl7pPr>
+              <a:defRPr sz="1600"/>
+            </a:lvl7pPr>
+            <a:lvl8pPr>
+              <a:defRPr sz="1600"/>
+            </a:lvl8pPr>
+            <a:lvl9pPr>
+              <a:defRPr sz="1600"/>
+            </a:lvl9pPr>
+          </a:lstStyle>
           <a:p>
             <a:pPr lvl="0"/>
             <a:r>
@@ -1822,18 +1910,13 @@
               <a:rPr lang="en-US"/>
               <a:t>Fifth level</a:t>
             </a:r>
-          </a:p>
-        </p:txBody>
-      </p:sp>
-      <p:sp>
-        <p:nvSpPr>
-          <p:cNvPr id="7" name="Date Placeholder 6">
-            <a:extLst>
-              <a:ext uri="{FF2B5EF4-FFF2-40B4-BE49-F238E27FC236}">
-                <a16:creationId xmlns:a16="http://schemas.microsoft.com/office/drawing/2014/main" id="{3C07EBAC-258B-4AA5-A1EE-AC3694BC2067}"/>
-              </a:ext>
-            </a:extLst>
-          </p:cNvPr>
+            <a:endParaRPr lang="en-US" dirty="0"/>
+          </a:p>
+        </p:txBody>
+      </p:sp>
+      <p:sp>
+        <p:nvSpPr>
+          <p:cNvPr id="7" name="Date Placeholder 6"/>
           <p:cNvSpPr>
             <a:spLocks noGrp="1"/>
           </p:cNvSpPr>
@@ -1848,7 +1931,7 @@
           <a:p>
             <a:fld id="{39193EF1-A1E4-453A-86BD-07CAD0B0C234}" type="datetimeFigureOut">
               <a:rPr lang="en-US" smtClean="0"/>
-              <a:t>11/26/2020</a:t>
+              <a:t>11/27/2020</a:t>
             </a:fld>
             <a:endParaRPr lang="en-US"/>
           </a:p>
@@ -1856,13 +1939,7 @@
       </p:sp>
       <p:sp>
         <p:nvSpPr>
-          <p:cNvPr id="8" name="Footer Placeholder 7">
-            <a:extLst>
-              <a:ext uri="{FF2B5EF4-FFF2-40B4-BE49-F238E27FC236}">
-                <a16:creationId xmlns:a16="http://schemas.microsoft.com/office/drawing/2014/main" id="{0C0BBB28-57CA-41FA-8117-FD8C57FDF7C5}"/>
-              </a:ext>
-            </a:extLst>
-          </p:cNvPr>
+          <p:cNvPr id="8" name="Footer Placeholder 7"/>
           <p:cNvSpPr>
             <a:spLocks noGrp="1"/>
           </p:cNvSpPr>
@@ -1881,13 +1958,7 @@
       </p:sp>
       <p:sp>
         <p:nvSpPr>
-          <p:cNvPr id="9" name="Slide Number Placeholder 8">
-            <a:extLst>
-              <a:ext uri="{FF2B5EF4-FFF2-40B4-BE49-F238E27FC236}">
-                <a16:creationId xmlns:a16="http://schemas.microsoft.com/office/drawing/2014/main" id="{4AEDA381-BED7-42E4-B147-059A9A167E44}"/>
-              </a:ext>
-            </a:extLst>
-          </p:cNvPr>
+          <p:cNvPr id="9" name="Slide Number Placeholder 8"/>
           <p:cNvSpPr>
             <a:spLocks noGrp="1"/>
           </p:cNvSpPr>
@@ -1911,7 +1982,7 @@
     </p:spTree>
     <p:extLst>
       <p:ext uri="{BB962C8B-B14F-4D97-AF65-F5344CB8AC3E}">
-        <p14:creationId xmlns:p14="http://schemas.microsoft.com/office/powerpoint/2010/main" val="377887511"/>
+        <p14:creationId xmlns:p14="http://schemas.microsoft.com/office/powerpoint/2010/main" val="2177334026"/>
       </p:ext>
     </p:extLst>
   </p:cSld>
@@ -1940,13 +2011,7 @@
       </p:grpSpPr>
       <p:sp>
         <p:nvSpPr>
-          <p:cNvPr id="2" name="Title 1">
-            <a:extLst>
-              <a:ext uri="{FF2B5EF4-FFF2-40B4-BE49-F238E27FC236}">
-                <a16:creationId xmlns:a16="http://schemas.microsoft.com/office/drawing/2014/main" id="{63D207C4-8EE3-4A5C-9F40-BDC4E81C4A74}"/>
-              </a:ext>
-            </a:extLst>
-          </p:cNvPr>
+          <p:cNvPr id="2" name="Title 1"/>
           <p:cNvSpPr>
             <a:spLocks noGrp="1"/>
           </p:cNvSpPr>
@@ -1963,18 +2028,13 @@
               <a:rPr lang="en-US"/>
               <a:t>Click to edit Master title style</a:t>
             </a:r>
-          </a:p>
-        </p:txBody>
-      </p:sp>
-      <p:sp>
-        <p:nvSpPr>
-          <p:cNvPr id="3" name="Date Placeholder 2">
-            <a:extLst>
-              <a:ext uri="{FF2B5EF4-FFF2-40B4-BE49-F238E27FC236}">
-                <a16:creationId xmlns:a16="http://schemas.microsoft.com/office/drawing/2014/main" id="{8435929A-A7F5-4DDA-8360-1EC9815C631E}"/>
-              </a:ext>
-            </a:extLst>
-          </p:cNvPr>
+            <a:endParaRPr lang="en-US" dirty="0"/>
+          </a:p>
+        </p:txBody>
+      </p:sp>
+      <p:sp>
+        <p:nvSpPr>
+          <p:cNvPr id="3" name="Date Placeholder 2"/>
           <p:cNvSpPr>
             <a:spLocks noGrp="1"/>
           </p:cNvSpPr>
@@ -1989,7 +2049,7 @@
           <a:p>
             <a:fld id="{39193EF1-A1E4-453A-86BD-07CAD0B0C234}" type="datetimeFigureOut">
               <a:rPr lang="en-US" smtClean="0"/>
-              <a:t>11/26/2020</a:t>
+              <a:t>11/27/2020</a:t>
             </a:fld>
             <a:endParaRPr lang="en-US"/>
           </a:p>
@@ -1997,13 +2057,7 @@
       </p:sp>
       <p:sp>
         <p:nvSpPr>
-          <p:cNvPr id="4" name="Footer Placeholder 3">
-            <a:extLst>
-              <a:ext uri="{FF2B5EF4-FFF2-40B4-BE49-F238E27FC236}">
-                <a16:creationId xmlns:a16="http://schemas.microsoft.com/office/drawing/2014/main" id="{35667A9C-221A-4B5B-9F8A-F22C1697C9CB}"/>
-              </a:ext>
-            </a:extLst>
-          </p:cNvPr>
+          <p:cNvPr id="4" name="Footer Placeholder 3"/>
           <p:cNvSpPr>
             <a:spLocks noGrp="1"/>
           </p:cNvSpPr>
@@ -2022,13 +2076,7 @@
       </p:sp>
       <p:sp>
         <p:nvSpPr>
-          <p:cNvPr id="5" name="Slide Number Placeholder 4">
-            <a:extLst>
-              <a:ext uri="{FF2B5EF4-FFF2-40B4-BE49-F238E27FC236}">
-                <a16:creationId xmlns:a16="http://schemas.microsoft.com/office/drawing/2014/main" id="{A0281BC6-C0B0-4B9A-B7A5-7076CA165700}"/>
-              </a:ext>
-            </a:extLst>
-          </p:cNvPr>
+          <p:cNvPr id="5" name="Slide Number Placeholder 4"/>
           <p:cNvSpPr>
             <a:spLocks noGrp="1"/>
           </p:cNvSpPr>
@@ -2052,7 +2100,7 @@
     </p:spTree>
     <p:extLst>
       <p:ext uri="{BB962C8B-B14F-4D97-AF65-F5344CB8AC3E}">
-        <p14:creationId xmlns:p14="http://schemas.microsoft.com/office/powerpoint/2010/main" val="1301638418"/>
+        <p14:creationId xmlns:p14="http://schemas.microsoft.com/office/powerpoint/2010/main" val="1314445841"/>
       </p:ext>
     </p:extLst>
   </p:cSld>
@@ -2063,7 +2111,7 @@
 </file>
 
 <file path=ppt/slideLayouts/slideLayout7.xml><?xml version="1.0" encoding="utf-8"?>
-<p:sldLayout xmlns:a="http://schemas.openxmlformats.org/drawingml/2006/main" xmlns:r="http://schemas.openxmlformats.org/officeDocument/2006/relationships" xmlns:p="http://schemas.openxmlformats.org/presentationml/2006/main" type="blank" preserve="1">
+<p:sldLayout xmlns:a="http://schemas.openxmlformats.org/drawingml/2006/main" xmlns:r="http://schemas.openxmlformats.org/officeDocument/2006/relationships" xmlns:p="http://schemas.openxmlformats.org/presentationml/2006/main" showMasterSp="0" type="blank" preserve="1">
   <p:cSld name="Blank">
     <p:spTree>
       <p:nvGrpSpPr>
@@ -2081,13 +2129,7 @@
       </p:grpSpPr>
       <p:sp>
         <p:nvSpPr>
-          <p:cNvPr id="2" name="Date Placeholder 1">
-            <a:extLst>
-              <a:ext uri="{FF2B5EF4-FFF2-40B4-BE49-F238E27FC236}">
-                <a16:creationId xmlns:a16="http://schemas.microsoft.com/office/drawing/2014/main" id="{9719F421-ED9B-473E-9FF6-C94BA660D6DA}"/>
-              </a:ext>
-            </a:extLst>
-          </p:cNvPr>
+          <p:cNvPr id="2" name="Date Placeholder 1"/>
           <p:cNvSpPr>
             <a:spLocks noGrp="1"/>
           </p:cNvSpPr>
@@ -2102,7 +2144,7 @@
           <a:p>
             <a:fld id="{39193EF1-A1E4-453A-86BD-07CAD0B0C234}" type="datetimeFigureOut">
               <a:rPr lang="en-US" smtClean="0"/>
-              <a:t>11/26/2020</a:t>
+              <a:t>11/27/2020</a:t>
             </a:fld>
             <a:endParaRPr lang="en-US"/>
           </a:p>
@@ -2110,13 +2152,7 @@
       </p:sp>
       <p:sp>
         <p:nvSpPr>
-          <p:cNvPr id="3" name="Footer Placeholder 2">
-            <a:extLst>
-              <a:ext uri="{FF2B5EF4-FFF2-40B4-BE49-F238E27FC236}">
-                <a16:creationId xmlns:a16="http://schemas.microsoft.com/office/drawing/2014/main" id="{3B894956-A34A-4CB0-B69B-C08E01A913BC}"/>
-              </a:ext>
-            </a:extLst>
-          </p:cNvPr>
+          <p:cNvPr id="3" name="Footer Placeholder 2"/>
           <p:cNvSpPr>
             <a:spLocks noGrp="1"/>
           </p:cNvSpPr>
@@ -2135,13 +2171,7 @@
       </p:sp>
       <p:sp>
         <p:nvSpPr>
-          <p:cNvPr id="4" name="Slide Number Placeholder 3">
-            <a:extLst>
-              <a:ext uri="{FF2B5EF4-FFF2-40B4-BE49-F238E27FC236}">
-                <a16:creationId xmlns:a16="http://schemas.microsoft.com/office/drawing/2014/main" id="{677CA946-AAF2-4EB4-AE48-960FEEC10934}"/>
-              </a:ext>
-            </a:extLst>
-          </p:cNvPr>
+          <p:cNvPr id="4" name="Slide Number Placeholder 3"/>
           <p:cNvSpPr>
             <a:spLocks noGrp="1"/>
           </p:cNvSpPr>
@@ -2165,7 +2195,7 @@
     </p:spTree>
     <p:extLst>
       <p:ext uri="{BB962C8B-B14F-4D97-AF65-F5344CB8AC3E}">
-        <p14:creationId xmlns:p14="http://schemas.microsoft.com/office/powerpoint/2010/main" val="2814121979"/>
+        <p14:creationId xmlns:p14="http://schemas.microsoft.com/office/powerpoint/2010/main" val="247642048"/>
       </p:ext>
     </p:extLst>
   </p:cSld>
@@ -2194,13 +2224,7 @@
       </p:grpSpPr>
       <p:sp>
         <p:nvSpPr>
-          <p:cNvPr id="2" name="Title 1">
-            <a:extLst>
-              <a:ext uri="{FF2B5EF4-FFF2-40B4-BE49-F238E27FC236}">
-                <a16:creationId xmlns:a16="http://schemas.microsoft.com/office/drawing/2014/main" id="{8E00F15C-F7E4-42F1-A1D6-1A05129F1D4B}"/>
-              </a:ext>
-            </a:extLst>
-          </p:cNvPr>
+          <p:cNvPr id="8" name="Title 7"/>
           <p:cNvSpPr>
             <a:spLocks noGrp="1"/>
           </p:cNvSpPr>
@@ -2208,36 +2232,22 @@
             <p:ph type="title"/>
           </p:nvPr>
         </p:nvSpPr>
-        <p:spPr>
-          <a:xfrm>
-            <a:off x="839788" y="457200"/>
-            <a:ext cx="3932237" cy="1600200"/>
-          </a:xfrm>
-        </p:spPr>
-        <p:txBody>
-          <a:bodyPr anchor="b"/>
-          <a:lstStyle>
-            <a:lvl1pPr>
-              <a:defRPr sz="3200"/>
-            </a:lvl1pPr>
-          </a:lstStyle>
+        <p:spPr/>
+        <p:txBody>
+          <a:bodyPr/>
+          <a:lstStyle/>
           <a:p>
             <a:r>
               <a:rPr lang="en-US"/>
               <a:t>Click to edit Master title style</a:t>
             </a:r>
-          </a:p>
-        </p:txBody>
-      </p:sp>
-      <p:sp>
-        <p:nvSpPr>
-          <p:cNvPr id="3" name="Content Placeholder 2">
-            <a:extLst>
-              <a:ext uri="{FF2B5EF4-FFF2-40B4-BE49-F238E27FC236}">
-                <a16:creationId xmlns:a16="http://schemas.microsoft.com/office/drawing/2014/main" id="{C8EDAF3D-BF64-42C5-BE7D-27AE515E8C87}"/>
-              </a:ext>
-            </a:extLst>
-          </p:cNvPr>
+            <a:endParaRPr lang="en-US" dirty="0"/>
+          </a:p>
+        </p:txBody>
+      </p:sp>
+      <p:sp>
+        <p:nvSpPr>
+          <p:cNvPr id="3" name="Content Placeholder 2"/>
           <p:cNvSpPr>
             <a:spLocks noGrp="1"/>
           </p:cNvSpPr>
@@ -2247,8 +2257,8 @@
         </p:nvSpPr>
         <p:spPr>
           <a:xfrm>
-            <a:off x="5183188" y="987425"/>
-            <a:ext cx="6172200" cy="4873625"/>
+            <a:off x="1207008" y="2120054"/>
+            <a:ext cx="6126480" cy="4114800"/>
           </a:xfrm>
         </p:spPr>
         <p:txBody>
@@ -2316,18 +2326,13 @@
               <a:rPr lang="en-US"/>
               <a:t>Fifth level</a:t>
             </a:r>
-          </a:p>
-        </p:txBody>
-      </p:sp>
-      <p:sp>
-        <p:nvSpPr>
-          <p:cNvPr id="4" name="Text Placeholder 3">
-            <a:extLst>
-              <a:ext uri="{FF2B5EF4-FFF2-40B4-BE49-F238E27FC236}">
-                <a16:creationId xmlns:a16="http://schemas.microsoft.com/office/drawing/2014/main" id="{2353A368-6466-4C54-9E9B-D231187BF657}"/>
-              </a:ext>
-            </a:extLst>
-          </p:cNvPr>
+            <a:endParaRPr lang="en-US" dirty="0"/>
+          </a:p>
+        </p:txBody>
+      </p:sp>
+      <p:sp>
+        <p:nvSpPr>
+          <p:cNvPr id="4" name="Text Placeholder 3"/>
           <p:cNvSpPr>
             <a:spLocks noGrp="1"/>
           </p:cNvSpPr>
@@ -2337,48 +2342,53 @@
         </p:nvSpPr>
         <p:spPr>
           <a:xfrm>
-            <a:off x="839788" y="2057400"/>
-            <a:ext cx="3932237" cy="3811588"/>
-          </a:xfrm>
-        </p:spPr>
-        <p:txBody>
-          <a:bodyPr/>
+            <a:off x="7789023" y="2147486"/>
+            <a:ext cx="3200400" cy="3432319"/>
+          </a:xfrm>
+        </p:spPr>
+        <p:txBody>
+          <a:bodyPr>
+            <a:normAutofit/>
+          </a:bodyPr>
           <a:lstStyle>
             <a:lvl1pPr marL="0" indent="0">
+              <a:lnSpc>
+                <a:spcPct val="95000"/>
+              </a:lnSpc>
               <a:buNone/>
-              <a:defRPr sz="1600"/>
+              <a:defRPr sz="1800"/>
             </a:lvl1pPr>
             <a:lvl2pPr marL="457200" indent="0">
               <a:buNone/>
-              <a:defRPr sz="1400"/>
+              <a:defRPr sz="1200"/>
             </a:lvl2pPr>
             <a:lvl3pPr marL="914400" indent="0">
               <a:buNone/>
-              <a:defRPr sz="1200"/>
+              <a:defRPr sz="1000"/>
             </a:lvl3pPr>
             <a:lvl4pPr marL="1371600" indent="0">
               <a:buNone/>
-              <a:defRPr sz="1000"/>
+              <a:defRPr sz="900"/>
             </a:lvl4pPr>
             <a:lvl5pPr marL="1828800" indent="0">
               <a:buNone/>
-              <a:defRPr sz="1000"/>
+              <a:defRPr sz="900"/>
             </a:lvl5pPr>
             <a:lvl6pPr marL="2286000" indent="0">
               <a:buNone/>
-              <a:defRPr sz="1000"/>
+              <a:defRPr sz="900"/>
             </a:lvl6pPr>
             <a:lvl7pPr marL="2743200" indent="0">
               <a:buNone/>
-              <a:defRPr sz="1000"/>
+              <a:defRPr sz="900"/>
             </a:lvl7pPr>
             <a:lvl8pPr marL="3200400" indent="0">
               <a:buNone/>
-              <a:defRPr sz="1000"/>
+              <a:defRPr sz="900"/>
             </a:lvl8pPr>
             <a:lvl9pPr marL="3657600" indent="0">
               <a:buNone/>
-              <a:defRPr sz="1000"/>
+              <a:defRPr sz="900"/>
             </a:lvl9pPr>
           </a:lstStyle>
           <a:p>
@@ -2392,13 +2402,7 @@
       </p:sp>
       <p:sp>
         <p:nvSpPr>
-          <p:cNvPr id="5" name="Date Placeholder 4">
-            <a:extLst>
-              <a:ext uri="{FF2B5EF4-FFF2-40B4-BE49-F238E27FC236}">
-                <a16:creationId xmlns:a16="http://schemas.microsoft.com/office/drawing/2014/main" id="{FB02FAA3-EB6B-40AB-8A1E-2036FCBB19CB}"/>
-              </a:ext>
-            </a:extLst>
-          </p:cNvPr>
+          <p:cNvPr id="5" name="Date Placeholder 4"/>
           <p:cNvSpPr>
             <a:spLocks noGrp="1"/>
           </p:cNvSpPr>
@@ -2413,7 +2417,7 @@
           <a:p>
             <a:fld id="{39193EF1-A1E4-453A-86BD-07CAD0B0C234}" type="datetimeFigureOut">
               <a:rPr lang="en-US" smtClean="0"/>
-              <a:t>11/26/2020</a:t>
+              <a:t>11/27/2020</a:t>
             </a:fld>
             <a:endParaRPr lang="en-US"/>
           </a:p>
@@ -2421,13 +2425,7 @@
       </p:sp>
       <p:sp>
         <p:nvSpPr>
-          <p:cNvPr id="6" name="Footer Placeholder 5">
-            <a:extLst>
-              <a:ext uri="{FF2B5EF4-FFF2-40B4-BE49-F238E27FC236}">
-                <a16:creationId xmlns:a16="http://schemas.microsoft.com/office/drawing/2014/main" id="{EC4D65FF-31E2-4F9F-8B0B-46F3FAD228E6}"/>
-              </a:ext>
-            </a:extLst>
-          </p:cNvPr>
+          <p:cNvPr id="6" name="Footer Placeholder 5"/>
           <p:cNvSpPr>
             <a:spLocks noGrp="1"/>
           </p:cNvSpPr>
@@ -2446,13 +2444,7 @@
       </p:sp>
       <p:sp>
         <p:nvSpPr>
-          <p:cNvPr id="7" name="Slide Number Placeholder 6">
-            <a:extLst>
-              <a:ext uri="{FF2B5EF4-FFF2-40B4-BE49-F238E27FC236}">
-                <a16:creationId xmlns:a16="http://schemas.microsoft.com/office/drawing/2014/main" id="{7A3265A2-6812-4779-A55B-BDA0635AA590}"/>
-              </a:ext>
-            </a:extLst>
-          </p:cNvPr>
+          <p:cNvPr id="7" name="Slide Number Placeholder 6"/>
           <p:cNvSpPr>
             <a:spLocks noGrp="1"/>
           </p:cNvSpPr>
@@ -2476,7 +2468,7 @@
     </p:spTree>
     <p:extLst>
       <p:ext uri="{BB962C8B-B14F-4D97-AF65-F5344CB8AC3E}">
-        <p14:creationId xmlns:p14="http://schemas.microsoft.com/office/powerpoint/2010/main" val="1558969310"/>
+        <p14:creationId xmlns:p14="http://schemas.microsoft.com/office/powerpoint/2010/main" val="716407767"/>
       </p:ext>
     </p:extLst>
   </p:cSld>
@@ -2505,13 +2497,7 @@
       </p:grpSpPr>
       <p:sp>
         <p:nvSpPr>
-          <p:cNvPr id="2" name="Title 1">
-            <a:extLst>
-              <a:ext uri="{FF2B5EF4-FFF2-40B4-BE49-F238E27FC236}">
-                <a16:creationId xmlns:a16="http://schemas.microsoft.com/office/drawing/2014/main" id="{8A230865-E0BB-49F6-93DD-FA073B8BAB09}"/>
-              </a:ext>
-            </a:extLst>
-          </p:cNvPr>
+          <p:cNvPr id="8" name="Title 7"/>
           <p:cNvSpPr>
             <a:spLocks noGrp="1"/>
           </p:cNvSpPr>
@@ -2519,38 +2505,24 @@
             <p:ph type="title"/>
           </p:nvPr>
         </p:nvSpPr>
-        <p:spPr>
-          <a:xfrm>
-            <a:off x="839788" y="457200"/>
-            <a:ext cx="3932237" cy="1600200"/>
-          </a:xfrm>
-        </p:spPr>
-        <p:txBody>
-          <a:bodyPr anchor="b"/>
-          <a:lstStyle>
-            <a:lvl1pPr>
-              <a:defRPr sz="3200"/>
-            </a:lvl1pPr>
-          </a:lstStyle>
+        <p:spPr/>
+        <p:txBody>
+          <a:bodyPr/>
+          <a:lstStyle/>
           <a:p>
             <a:r>
               <a:rPr lang="en-US"/>
               <a:t>Click to edit Master title style</a:t>
             </a:r>
-          </a:p>
-        </p:txBody>
-      </p:sp>
-      <p:sp>
-        <p:nvSpPr>
-          <p:cNvPr id="3" name="Picture Placeholder 2">
-            <a:extLst>
-              <a:ext uri="{FF2B5EF4-FFF2-40B4-BE49-F238E27FC236}">
-                <a16:creationId xmlns:a16="http://schemas.microsoft.com/office/drawing/2014/main" id="{A861EE15-D98C-4B7D-B50C-87BB4FFC4F3A}"/>
-              </a:ext>
-            </a:extLst>
-          </p:cNvPr>
+            <a:endParaRPr lang="en-US" dirty="0"/>
+          </a:p>
+        </p:txBody>
+      </p:sp>
+      <p:sp>
+        <p:nvSpPr>
+          <p:cNvPr id="3" name="Picture Placeholder 2"/>
           <p:cNvSpPr>
-            <a:spLocks noGrp="1"/>
+            <a:spLocks noGrp="1" noChangeAspect="1"/>
           </p:cNvSpPr>
           <p:nvPr>
             <p:ph type="pic" idx="1"/>
@@ -2558,16 +2530,28 @@
         </p:nvSpPr>
         <p:spPr>
           <a:xfrm>
-            <a:off x="5183188" y="987425"/>
-            <a:ext cx="6172200" cy="4873625"/>
-          </a:xfrm>
-        </p:spPr>
-        <p:txBody>
-          <a:bodyPr/>
+            <a:off x="1280160" y="2211494"/>
+            <a:ext cx="6126480" cy="3931920"/>
+          </a:xfrm>
+          <a:solidFill>
+            <a:schemeClr val="tx2">
+              <a:lumMod val="60000"/>
+              <a:lumOff val="40000"/>
+            </a:schemeClr>
+          </a:solidFill>
+        </p:spPr>
+        <p:txBody>
+          <a:bodyPr tIns="365760" anchor="t"/>
           <a:lstStyle>
-            <a:lvl1pPr marL="0" indent="0">
+            <a:lvl1pPr marL="0" indent="0" algn="ctr">
               <a:buNone/>
-              <a:defRPr sz="3200"/>
+              <a:defRPr sz="3200">
+                <a:solidFill>
+                  <a:schemeClr val="tx1">
+                    <a:lumMod val="50000"/>
+                  </a:schemeClr>
+                </a:solidFill>
+              </a:defRPr>
             </a:lvl1pPr>
             <a:lvl2pPr marL="457200" indent="0">
               <a:buNone/>
@@ -2603,19 +2587,17 @@
             </a:lvl9pPr>
           </a:lstStyle>
           <a:p>
-            <a:endParaRPr lang="en-US"/>
-          </a:p>
-        </p:txBody>
-      </p:sp>
-      <p:sp>
-        <p:nvSpPr>
-          <p:cNvPr id="4" name="Text Placeholder 3">
-            <a:extLst>
-              <a:ext uri="{FF2B5EF4-FFF2-40B4-BE49-F238E27FC236}">
-                <a16:creationId xmlns:a16="http://schemas.microsoft.com/office/drawing/2014/main" id="{BE469037-81DB-4923-BD09-E3A31C29D8AE}"/>
-              </a:ext>
-            </a:extLst>
-          </p:cNvPr>
+            <a:r>
+              <a:rPr lang="en-US"/>
+              <a:t>Click icon to add picture</a:t>
+            </a:r>
+            <a:endParaRPr lang="en-US" dirty="0"/>
+          </a:p>
+        </p:txBody>
+      </p:sp>
+      <p:sp>
+        <p:nvSpPr>
+          <p:cNvPr id="4" name="Text Placeholder 3"/>
           <p:cNvSpPr>
             <a:spLocks noGrp="1"/>
           </p:cNvSpPr>
@@ -2625,48 +2607,53 @@
         </p:nvSpPr>
         <p:spPr>
           <a:xfrm>
-            <a:off x="839788" y="2057400"/>
-            <a:ext cx="3932237" cy="3811588"/>
-          </a:xfrm>
-        </p:spPr>
-        <p:txBody>
-          <a:bodyPr/>
+            <a:off x="7790688" y="2150621"/>
+            <a:ext cx="3200400" cy="3429000"/>
+          </a:xfrm>
+        </p:spPr>
+        <p:txBody>
+          <a:bodyPr>
+            <a:normAutofit/>
+          </a:bodyPr>
           <a:lstStyle>
             <a:lvl1pPr marL="0" indent="0">
+              <a:lnSpc>
+                <a:spcPct val="95000"/>
+              </a:lnSpc>
               <a:buNone/>
-              <a:defRPr sz="1600"/>
+              <a:defRPr sz="1800"/>
             </a:lvl1pPr>
             <a:lvl2pPr marL="457200" indent="0">
               <a:buNone/>
-              <a:defRPr sz="1400"/>
+              <a:defRPr sz="1200"/>
             </a:lvl2pPr>
             <a:lvl3pPr marL="914400" indent="0">
               <a:buNone/>
-              <a:defRPr sz="1200"/>
+              <a:defRPr sz="1000"/>
             </a:lvl3pPr>
             <a:lvl4pPr marL="1371600" indent="0">
               <a:buNone/>
-              <a:defRPr sz="1000"/>
+              <a:defRPr sz="900"/>
             </a:lvl4pPr>
             <a:lvl5pPr marL="1828800" indent="0">
               <a:buNone/>
-              <a:defRPr sz="1000"/>
+              <a:defRPr sz="900"/>
             </a:lvl5pPr>
             <a:lvl6pPr marL="2286000" indent="0">
               <a:buNone/>
-              <a:defRPr sz="1000"/>
+              <a:defRPr sz="900"/>
             </a:lvl6pPr>
             <a:lvl7pPr marL="2743200" indent="0">
               <a:buNone/>
-              <a:defRPr sz="1000"/>
+              <a:defRPr sz="900"/>
             </a:lvl7pPr>
             <a:lvl8pPr marL="3200400" indent="0">
               <a:buNone/>
-              <a:defRPr sz="1000"/>
+              <a:defRPr sz="900"/>
             </a:lvl8pPr>
             <a:lvl9pPr marL="3657600" indent="0">
               <a:buNone/>
-              <a:defRPr sz="1000"/>
+              <a:defRPr sz="900"/>
             </a:lvl9pPr>
           </a:lstStyle>
           <a:p>
@@ -2680,13 +2667,7 @@
       </p:sp>
       <p:sp>
         <p:nvSpPr>
-          <p:cNvPr id="5" name="Date Placeholder 4">
-            <a:extLst>
-              <a:ext uri="{FF2B5EF4-FFF2-40B4-BE49-F238E27FC236}">
-                <a16:creationId xmlns:a16="http://schemas.microsoft.com/office/drawing/2014/main" id="{77978320-7D1E-41DD-9861-D10E055CAE20}"/>
-              </a:ext>
-            </a:extLst>
-          </p:cNvPr>
+          <p:cNvPr id="5" name="Date Placeholder 4"/>
           <p:cNvSpPr>
             <a:spLocks noGrp="1"/>
           </p:cNvSpPr>
@@ -2701,7 +2682,7 @@
           <a:p>
             <a:fld id="{39193EF1-A1E4-453A-86BD-07CAD0B0C234}" type="datetimeFigureOut">
               <a:rPr lang="en-US" smtClean="0"/>
-              <a:t>11/26/2020</a:t>
+              <a:t>11/27/2020</a:t>
             </a:fld>
             <a:endParaRPr lang="en-US"/>
           </a:p>
@@ -2709,13 +2690,7 @@
       </p:sp>
       <p:sp>
         <p:nvSpPr>
-          <p:cNvPr id="6" name="Footer Placeholder 5">
-            <a:extLst>
-              <a:ext uri="{FF2B5EF4-FFF2-40B4-BE49-F238E27FC236}">
-                <a16:creationId xmlns:a16="http://schemas.microsoft.com/office/drawing/2014/main" id="{FAFD53D2-52D3-49F7-A5A9-EE2F8DDB9C8F}"/>
-              </a:ext>
-            </a:extLst>
-          </p:cNvPr>
+          <p:cNvPr id="6" name="Footer Placeholder 5"/>
           <p:cNvSpPr>
             <a:spLocks noGrp="1"/>
           </p:cNvSpPr>
@@ -2734,13 +2709,7 @@
       </p:sp>
       <p:sp>
         <p:nvSpPr>
-          <p:cNvPr id="7" name="Slide Number Placeholder 6">
-            <a:extLst>
-              <a:ext uri="{FF2B5EF4-FFF2-40B4-BE49-F238E27FC236}">
-                <a16:creationId xmlns:a16="http://schemas.microsoft.com/office/drawing/2014/main" id="{27EB53D7-C3A7-4232-B9DD-954002A6D627}"/>
-              </a:ext>
-            </a:extLst>
-          </p:cNvPr>
+          <p:cNvPr id="7" name="Slide Number Placeholder 6"/>
           <p:cNvSpPr>
             <a:spLocks noGrp="1"/>
           </p:cNvSpPr>
@@ -2764,7 +2733,7 @@
     </p:spTree>
     <p:extLst>
       <p:ext uri="{BB962C8B-B14F-4D97-AF65-F5344CB8AC3E}">
-        <p14:creationId xmlns:p14="http://schemas.microsoft.com/office/powerpoint/2010/main" val="3294991394"/>
+        <p14:creationId xmlns:p14="http://schemas.microsoft.com/office/powerpoint/2010/main" val="2102158864"/>
       </p:ext>
     </p:extLst>
   </p:cSld>
@@ -2779,7 +2748,7 @@
   <p:cSld>
     <p:bg>
       <p:bgRef idx="1001">
-        <a:schemeClr val="bg1"/>
+        <a:schemeClr val="bg2"/>
       </p:bgRef>
     </p:bg>
     <p:spTree>
@@ -2798,13 +2767,45 @@
       </p:grpSpPr>
       <p:sp>
         <p:nvSpPr>
-          <p:cNvPr id="2" name="Title Placeholder 1">
-            <a:extLst>
-              <a:ext uri="{FF2B5EF4-FFF2-40B4-BE49-F238E27FC236}">
-                <a16:creationId xmlns:a16="http://schemas.microsoft.com/office/drawing/2014/main" id="{E00AFD1A-7F85-4F80-8670-C8DB190A162C}"/>
-              </a:ext>
-            </a:extLst>
-          </p:cNvPr>
+          <p:cNvPr id="7" name="Rectangle 6"/>
+          <p:cNvSpPr/>
+          <p:nvPr/>
+        </p:nvSpPr>
+        <p:spPr>
+          <a:xfrm>
+            <a:off x="483" y="176109"/>
+            <a:ext cx="12188952" cy="1645919"/>
+          </a:xfrm>
+          <a:prstGeom prst="rect">
+            <a:avLst/>
+          </a:prstGeom>
+          <a:solidFill>
+            <a:schemeClr val="tx1"/>
+          </a:solidFill>
+          <a:ln>
+            <a:noFill/>
+          </a:ln>
+        </p:spPr>
+        <p:style>
+          <a:lnRef idx="2">
+            <a:schemeClr val="accent1">
+              <a:shade val="50000"/>
+            </a:schemeClr>
+          </a:lnRef>
+          <a:fillRef idx="1">
+            <a:schemeClr val="accent1"/>
+          </a:fillRef>
+          <a:effectRef idx="0">
+            <a:schemeClr val="accent1"/>
+          </a:effectRef>
+          <a:fontRef idx="minor">
+            <a:schemeClr val="lt1"/>
+          </a:fontRef>
+        </p:style>
+      </p:sp>
+      <p:sp>
+        <p:nvSpPr>
+          <p:cNvPr id="2" name="Title Placeholder 1"/>
           <p:cNvSpPr>
             <a:spLocks noGrp="1"/>
           </p:cNvSpPr>
@@ -2814,8 +2815,8 @@
         </p:nvSpPr>
         <p:spPr>
           <a:xfrm>
-            <a:off x="838200" y="365125"/>
-            <a:ext cx="10515600" cy="1325563"/>
+            <a:off x="1202919" y="284176"/>
+            <a:ext cx="9784080" cy="1508760"/>
           </a:xfrm>
           <a:prstGeom prst="rect">
             <a:avLst/>
@@ -2831,18 +2832,13 @@
               <a:rPr lang="en-US"/>
               <a:t>Click to edit Master title style</a:t>
             </a:r>
-          </a:p>
-        </p:txBody>
-      </p:sp>
-      <p:sp>
-        <p:nvSpPr>
-          <p:cNvPr id="3" name="Text Placeholder 2">
-            <a:extLst>
-              <a:ext uri="{FF2B5EF4-FFF2-40B4-BE49-F238E27FC236}">
-                <a16:creationId xmlns:a16="http://schemas.microsoft.com/office/drawing/2014/main" id="{CBD20907-AFF7-4DCC-8A0F-EB176538C5F2}"/>
-              </a:ext>
-            </a:extLst>
-          </p:cNvPr>
+            <a:endParaRPr lang="en-US" dirty="0"/>
+          </a:p>
+        </p:txBody>
+      </p:sp>
+      <p:sp>
+        <p:nvSpPr>
+          <p:cNvPr id="3" name="Text Placeholder 2"/>
           <p:cNvSpPr>
             <a:spLocks noGrp="1"/>
           </p:cNvSpPr>
@@ -2852,8 +2848,8 @@
         </p:nvSpPr>
         <p:spPr>
           <a:xfrm>
-            <a:off x="838200" y="1825625"/>
-            <a:ext cx="10515600" cy="4351338"/>
+            <a:off x="1202919" y="2011680"/>
+            <a:ext cx="9784080" cy="4206240"/>
           </a:xfrm>
           <a:prstGeom prst="rect">
             <a:avLst/>
@@ -2898,18 +2894,13 @@
               <a:rPr lang="en-US"/>
               <a:t>Fifth level</a:t>
             </a:r>
-          </a:p>
-        </p:txBody>
-      </p:sp>
-      <p:sp>
-        <p:nvSpPr>
-          <p:cNvPr id="4" name="Date Placeholder 3">
-            <a:extLst>
-              <a:ext uri="{FF2B5EF4-FFF2-40B4-BE49-F238E27FC236}">
-                <a16:creationId xmlns:a16="http://schemas.microsoft.com/office/drawing/2014/main" id="{81B9A0AB-040E-4FF9-AB31-5C5179C9E70C}"/>
-              </a:ext>
-            </a:extLst>
-          </p:cNvPr>
+            <a:endParaRPr lang="en-US" dirty="0"/>
+          </a:p>
+        </p:txBody>
+      </p:sp>
+      <p:sp>
+        <p:nvSpPr>
+          <p:cNvPr id="4" name="Date Placeholder 3"/>
           <p:cNvSpPr>
             <a:spLocks noGrp="1"/>
           </p:cNvSpPr>
@@ -2919,22 +2910,20 @@
         </p:nvSpPr>
         <p:spPr>
           <a:xfrm>
-            <a:off x="838200" y="6356350"/>
-            <a:ext cx="2743200" cy="365125"/>
-          </a:xfrm>
-          <a:prstGeom prst="rect">
-            <a:avLst/>
-          </a:prstGeom>
-        </p:spPr>
-        <p:txBody>
-          <a:bodyPr vert="horz" lIns="91440" tIns="45720" rIns="91440" bIns="45720" rtlCol="0" anchor="ctr"/>
+            <a:off x="1202266" y="6422854"/>
+            <a:ext cx="3000894" cy="365125"/>
+          </a:xfrm>
+          <a:prstGeom prst="rect">
+            <a:avLst/>
+          </a:prstGeom>
+        </p:spPr>
+        <p:txBody>
+          <a:bodyPr vert="horz" lIns="91440" tIns="45720" rIns="45720" bIns="45720" rtlCol="0" anchor="ctr"/>
           <a:lstStyle>
             <a:lvl1pPr algn="l">
-              <a:defRPr sz="1200">
+              <a:defRPr sz="1050">
                 <a:solidFill>
-                  <a:schemeClr val="tx1">
-                    <a:tint val="75000"/>
-                  </a:schemeClr>
+                  <a:schemeClr val="tx1"/>
                 </a:solidFill>
               </a:defRPr>
             </a:lvl1pPr>
@@ -2942,7 +2931,7 @@
           <a:p>
             <a:fld id="{39193EF1-A1E4-453A-86BD-07CAD0B0C234}" type="datetimeFigureOut">
               <a:rPr lang="en-US" smtClean="0"/>
-              <a:t>11/26/2020</a:t>
+              <a:t>11/27/2020</a:t>
             </a:fld>
             <a:endParaRPr lang="en-US"/>
           </a:p>
@@ -2950,13 +2939,7 @@
       </p:sp>
       <p:sp>
         <p:nvSpPr>
-          <p:cNvPr id="5" name="Footer Placeholder 4">
-            <a:extLst>
-              <a:ext uri="{FF2B5EF4-FFF2-40B4-BE49-F238E27FC236}">
-                <a16:creationId xmlns:a16="http://schemas.microsoft.com/office/drawing/2014/main" id="{B4AE02A2-09FA-4BAA-939D-774620D33369}"/>
-              </a:ext>
-            </a:extLst>
-          </p:cNvPr>
+          <p:cNvPr id="5" name="Footer Placeholder 4"/>
           <p:cNvSpPr>
             <a:spLocks noGrp="1"/>
           </p:cNvSpPr>
@@ -2966,8 +2949,8 @@
         </p:nvSpPr>
         <p:spPr>
           <a:xfrm>
-            <a:off x="4038600" y="6356350"/>
-            <a:ext cx="4114800" cy="365125"/>
+            <a:off x="5596471" y="6422854"/>
+            <a:ext cx="5044440" cy="365125"/>
           </a:xfrm>
           <a:prstGeom prst="rect">
             <a:avLst/>
@@ -2976,12 +2959,10 @@
         <p:txBody>
           <a:bodyPr vert="horz" lIns="91440" tIns="45720" rIns="91440" bIns="45720" rtlCol="0" anchor="ctr"/>
           <a:lstStyle>
-            <a:lvl1pPr algn="ctr">
-              <a:defRPr sz="1200">
+            <a:lvl1pPr algn="r">
+              <a:defRPr sz="1050">
                 <a:solidFill>
-                  <a:schemeClr val="tx1">
-                    <a:tint val="75000"/>
-                  </a:schemeClr>
+                  <a:schemeClr val="tx1"/>
                 </a:solidFill>
               </a:defRPr>
             </a:lvl1pPr>
@@ -2993,13 +2974,7 @@
       </p:sp>
       <p:sp>
         <p:nvSpPr>
-          <p:cNvPr id="6" name="Slide Number Placeholder 5">
-            <a:extLst>
-              <a:ext uri="{FF2B5EF4-FFF2-40B4-BE49-F238E27FC236}">
-                <a16:creationId xmlns:a16="http://schemas.microsoft.com/office/drawing/2014/main" id="{7C0358EC-100C-4D01-A83B-8E7B6E706AE6}"/>
-              </a:ext>
-            </a:extLst>
-          </p:cNvPr>
+          <p:cNvPr id="6" name="Slide Number Placeholder 5"/>
           <p:cNvSpPr>
             <a:spLocks noGrp="1"/>
           </p:cNvSpPr>
@@ -3009,22 +2984,20 @@
         </p:nvSpPr>
         <p:spPr>
           <a:xfrm>
-            <a:off x="8610600" y="6356350"/>
-            <a:ext cx="2743200" cy="365125"/>
-          </a:xfrm>
-          <a:prstGeom prst="rect">
-            <a:avLst/>
-          </a:prstGeom>
-        </p:spPr>
-        <p:txBody>
-          <a:bodyPr vert="horz" lIns="91440" tIns="45720" rIns="91440" bIns="45720" rtlCol="0" anchor="ctr"/>
+            <a:off x="10658927" y="6422854"/>
+            <a:ext cx="946264" cy="365125"/>
+          </a:xfrm>
+          <a:prstGeom prst="rect">
+            <a:avLst/>
+          </a:prstGeom>
+        </p:spPr>
+        <p:txBody>
+          <a:bodyPr vert="horz" lIns="45720" tIns="45720" rIns="91440" bIns="45720" rtlCol="0" anchor="ctr"/>
           <a:lstStyle>
-            <a:lvl1pPr algn="r">
-              <a:defRPr sz="1200">
+            <a:lvl1pPr algn="l">
+              <a:defRPr sz="1200" b="0">
                 <a:solidFill>
-                  <a:schemeClr val="tx1">
-                    <a:tint val="75000"/>
-                  </a:schemeClr>
+                  <a:schemeClr val="tx1"/>
                 </a:solidFill>
               </a:defRPr>
             </a:lvl1pPr>
@@ -3041,37 +3014,37 @@
     </p:spTree>
     <p:extLst>
       <p:ext uri="{BB962C8B-B14F-4D97-AF65-F5344CB8AC3E}">
-        <p14:creationId xmlns:p14="http://schemas.microsoft.com/office/powerpoint/2010/main" val="211907481"/>
+        <p14:creationId xmlns:p14="http://schemas.microsoft.com/office/powerpoint/2010/main" val="895353177"/>
       </p:ext>
     </p:extLst>
   </p:cSld>
-  <p:clrMap bg1="lt1" tx1="dk1" bg2="lt2" tx2="dk2" accent1="accent1" accent2="accent2" accent3="accent3" accent4="accent4" accent5="accent5" accent6="accent6" hlink="hlink" folHlink="folHlink"/>
+  <p:clrMap bg1="dk1" tx1="lt1" bg2="dk2" tx2="lt2" accent1="accent1" accent2="accent2" accent3="accent3" accent4="accent4" accent5="accent5" accent6="accent6" hlink="hlink" folHlink="folHlink"/>
   <p:sldLayoutIdLst>
-    <p:sldLayoutId id="2147483649" r:id="rId1"/>
-    <p:sldLayoutId id="2147483650" r:id="rId2"/>
-    <p:sldLayoutId id="2147483651" r:id="rId3"/>
-    <p:sldLayoutId id="2147483652" r:id="rId4"/>
-    <p:sldLayoutId id="2147483653" r:id="rId5"/>
-    <p:sldLayoutId id="2147483654" r:id="rId6"/>
-    <p:sldLayoutId id="2147483655" r:id="rId7"/>
-    <p:sldLayoutId id="2147483656" r:id="rId8"/>
-    <p:sldLayoutId id="2147483657" r:id="rId9"/>
-    <p:sldLayoutId id="2147483658" r:id="rId10"/>
-    <p:sldLayoutId id="2147483659" r:id="rId11"/>
+    <p:sldLayoutId id="2147483678" r:id="rId1"/>
+    <p:sldLayoutId id="2147483679" r:id="rId2"/>
+    <p:sldLayoutId id="2147483680" r:id="rId3"/>
+    <p:sldLayoutId id="2147483681" r:id="rId4"/>
+    <p:sldLayoutId id="2147483682" r:id="rId5"/>
+    <p:sldLayoutId id="2147483683" r:id="rId6"/>
+    <p:sldLayoutId id="2147483684" r:id="rId7"/>
+    <p:sldLayoutId id="2147483685" r:id="rId8"/>
+    <p:sldLayoutId id="2147483686" r:id="rId9"/>
+    <p:sldLayoutId id="2147483687" r:id="rId10"/>
+    <p:sldLayoutId id="2147483688" r:id="rId11"/>
   </p:sldLayoutIdLst>
   <p:txStyles>
     <p:titleStyle>
       <a:lvl1pPr algn="l" defTabSz="914400" rtl="0" eaLnBrk="1" latinLnBrk="0" hangingPunct="1">
         <a:lnSpc>
-          <a:spcPct val="90000"/>
+          <a:spcPct val="85000"/>
         </a:lnSpc>
         <a:spcBef>
           <a:spcPct val="0"/>
         </a:spcBef>
         <a:buNone/>
-        <a:defRPr sz="4400" kern="1200">
+        <a:defRPr sz="4000" kern="1200" cap="all" baseline="0">
           <a:solidFill>
-            <a:schemeClr val="tx1"/>
+            <a:schemeClr val="bg2"/>
           </a:solidFill>
           <a:latin typeface="+mj-lt"/>
           <a:ea typeface="+mj-ea"/>
@@ -3080,16 +3053,22 @@
       </a:lvl1pPr>
     </p:titleStyle>
     <p:bodyStyle>
-      <a:lvl1pPr marL="228600" indent="-228600" algn="l" defTabSz="914400" rtl="0" eaLnBrk="1" latinLnBrk="0" hangingPunct="1">
+      <a:lvl1pPr marL="182880" indent="-182880" algn="l" defTabSz="914400" rtl="0" eaLnBrk="1" latinLnBrk="0" hangingPunct="1">
         <a:lnSpc>
           <a:spcPct val="90000"/>
         </a:lnSpc>
         <a:spcBef>
-          <a:spcPts val="1000"/>
+          <a:spcPts val="1200"/>
         </a:spcBef>
-        <a:buFont typeface="Arial" panose="020B0604020202020204" pitchFamily="34" charset="0"/>
-        <a:buChar char="•"/>
-        <a:defRPr sz="2800" kern="1200">
+        <a:spcAft>
+          <a:spcPts val="200"/>
+        </a:spcAft>
+        <a:buClr>
+          <a:schemeClr val="tx1"/>
+        </a:buClr>
+        <a:buFont typeface="Wingdings" pitchFamily="2" charset="2"/>
+        <a:buChar char=""/>
+        <a:defRPr sz="2200" kern="1200">
           <a:solidFill>
             <a:schemeClr val="tx1"/>
           </a:solidFill>
@@ -3098,16 +3077,22 @@
           <a:cs typeface="+mn-cs"/>
         </a:defRPr>
       </a:lvl1pPr>
-      <a:lvl2pPr marL="685800" indent="-228600" algn="l" defTabSz="914400" rtl="0" eaLnBrk="1" latinLnBrk="0" hangingPunct="1">
+      <a:lvl2pPr marL="411480" indent="-182880" algn="l" defTabSz="914400" rtl="0" eaLnBrk="1" latinLnBrk="0" hangingPunct="1">
         <a:lnSpc>
           <a:spcPct val="90000"/>
         </a:lnSpc>
         <a:spcBef>
-          <a:spcPts val="500"/>
+          <a:spcPts val="200"/>
         </a:spcBef>
-        <a:buFont typeface="Arial" panose="020B0604020202020204" pitchFamily="34" charset="0"/>
-        <a:buChar char="•"/>
-        <a:defRPr sz="2400" kern="1200">
+        <a:spcAft>
+          <a:spcPts val="400"/>
+        </a:spcAft>
+        <a:buClr>
+          <a:schemeClr val="tx1"/>
+        </a:buClr>
+        <a:buFont typeface="Wingdings" pitchFamily="2" charset="2"/>
+        <a:buChar char=""/>
+        <a:defRPr sz="2000" kern="1200">
           <a:solidFill>
             <a:schemeClr val="tx1"/>
           </a:solidFill>
@@ -3116,16 +3101,22 @@
           <a:cs typeface="+mn-cs"/>
         </a:defRPr>
       </a:lvl2pPr>
-      <a:lvl3pPr marL="1143000" indent="-228600" algn="l" defTabSz="914400" rtl="0" eaLnBrk="1" latinLnBrk="0" hangingPunct="1">
+      <a:lvl3pPr marL="640080" indent="-182880" algn="l" defTabSz="914400" rtl="0" eaLnBrk="1" latinLnBrk="0" hangingPunct="1">
         <a:lnSpc>
           <a:spcPct val="90000"/>
         </a:lnSpc>
         <a:spcBef>
-          <a:spcPts val="500"/>
+          <a:spcPts val="200"/>
         </a:spcBef>
-        <a:buFont typeface="Arial" panose="020B0604020202020204" pitchFamily="34" charset="0"/>
-        <a:buChar char="•"/>
-        <a:defRPr sz="2000" kern="1200">
+        <a:spcAft>
+          <a:spcPts val="400"/>
+        </a:spcAft>
+        <a:buClr>
+          <a:schemeClr val="tx1"/>
+        </a:buClr>
+        <a:buFont typeface="Wingdings" pitchFamily="2" charset="2"/>
+        <a:buChar char=""/>
+        <a:defRPr sz="1800" kern="1200">
           <a:solidFill>
             <a:schemeClr val="tx1"/>
           </a:solidFill>
@@ -3134,16 +3125,22 @@
           <a:cs typeface="+mn-cs"/>
         </a:defRPr>
       </a:lvl3pPr>
-      <a:lvl4pPr marL="1600200" indent="-228600" algn="l" defTabSz="914400" rtl="0" eaLnBrk="1" latinLnBrk="0" hangingPunct="1">
+      <a:lvl4pPr marL="868680" indent="-182880" algn="l" defTabSz="914400" rtl="0" eaLnBrk="1" latinLnBrk="0" hangingPunct="1">
         <a:lnSpc>
           <a:spcPct val="90000"/>
         </a:lnSpc>
         <a:spcBef>
-          <a:spcPts val="500"/>
+          <a:spcPts val="200"/>
         </a:spcBef>
-        <a:buFont typeface="Arial" panose="020B0604020202020204" pitchFamily="34" charset="0"/>
-        <a:buChar char="•"/>
-        <a:defRPr sz="1800" kern="1200">
+        <a:spcAft>
+          <a:spcPts val="400"/>
+        </a:spcAft>
+        <a:buClr>
+          <a:schemeClr val="tx1"/>
+        </a:buClr>
+        <a:buFont typeface="Wingdings" pitchFamily="2" charset="2"/>
+        <a:buChar char=""/>
+        <a:defRPr sz="1600" kern="1200">
           <a:solidFill>
             <a:schemeClr val="tx1"/>
           </a:solidFill>
@@ -3152,16 +3149,22 @@
           <a:cs typeface="+mn-cs"/>
         </a:defRPr>
       </a:lvl4pPr>
-      <a:lvl5pPr marL="2057400" indent="-228600" algn="l" defTabSz="914400" rtl="0" eaLnBrk="1" latinLnBrk="0" hangingPunct="1">
+      <a:lvl5pPr marL="1097280" indent="-182880" algn="l" defTabSz="914400" rtl="0" eaLnBrk="1" latinLnBrk="0" hangingPunct="1">
         <a:lnSpc>
           <a:spcPct val="90000"/>
         </a:lnSpc>
         <a:spcBef>
-          <a:spcPts val="500"/>
+          <a:spcPts val="200"/>
         </a:spcBef>
-        <a:buFont typeface="Arial" panose="020B0604020202020204" pitchFamily="34" charset="0"/>
-        <a:buChar char="•"/>
-        <a:defRPr sz="1800" kern="1200">
+        <a:spcAft>
+          <a:spcPts val="400"/>
+        </a:spcAft>
+        <a:buClr>
+          <a:schemeClr val="tx1"/>
+        </a:buClr>
+        <a:buFont typeface="Wingdings" pitchFamily="2" charset="2"/>
+        <a:buChar char=""/>
+        <a:defRPr sz="1600" kern="1200">
           <a:solidFill>
             <a:schemeClr val="tx1"/>
           </a:solidFill>
@@ -3170,16 +3173,22 @@
           <a:cs typeface="+mn-cs"/>
         </a:defRPr>
       </a:lvl5pPr>
-      <a:lvl6pPr marL="2514600" indent="-228600" algn="l" defTabSz="914400" rtl="0" eaLnBrk="1" latinLnBrk="0" hangingPunct="1">
+      <a:lvl6pPr marL="1284600" indent="-228600" algn="l" defTabSz="914400" rtl="0" eaLnBrk="1" latinLnBrk="0" hangingPunct="1">
         <a:lnSpc>
           <a:spcPct val="90000"/>
         </a:lnSpc>
         <a:spcBef>
-          <a:spcPts val="500"/>
+          <a:spcPts val="200"/>
         </a:spcBef>
-        <a:buFont typeface="Arial" panose="020B0604020202020204" pitchFamily="34" charset="0"/>
-        <a:buChar char="•"/>
-        <a:defRPr sz="1800" kern="1200">
+        <a:spcAft>
+          <a:spcPts val="400"/>
+        </a:spcAft>
+        <a:buClr>
+          <a:schemeClr val="tx1"/>
+        </a:buClr>
+        <a:buFont typeface="Wingdings" pitchFamily="2" charset="2"/>
+        <a:buChar char=""/>
+        <a:defRPr sz="1600" kern="1200">
           <a:solidFill>
             <a:schemeClr val="tx1"/>
           </a:solidFill>
@@ -3188,16 +3197,22 @@
           <a:cs typeface="+mn-cs"/>
         </a:defRPr>
       </a:lvl6pPr>
-      <a:lvl7pPr marL="2971800" indent="-228600" algn="l" defTabSz="914400" rtl="0" eaLnBrk="1" latinLnBrk="0" hangingPunct="1">
+      <a:lvl7pPr marL="1471800" indent="-228600" algn="l" defTabSz="914400" rtl="0" eaLnBrk="1" latinLnBrk="0" hangingPunct="1">
         <a:lnSpc>
           <a:spcPct val="90000"/>
         </a:lnSpc>
         <a:spcBef>
-          <a:spcPts val="500"/>
+          <a:spcPts val="200"/>
         </a:spcBef>
-        <a:buFont typeface="Arial" panose="020B0604020202020204" pitchFamily="34" charset="0"/>
-        <a:buChar char="•"/>
-        <a:defRPr sz="1800" kern="1200">
+        <a:spcAft>
+          <a:spcPts val="400"/>
+        </a:spcAft>
+        <a:buClr>
+          <a:schemeClr val="tx1"/>
+        </a:buClr>
+        <a:buFont typeface="Wingdings" pitchFamily="2" charset="2"/>
+        <a:buChar char=""/>
+        <a:defRPr sz="1600" kern="1200">
           <a:solidFill>
             <a:schemeClr val="tx1"/>
           </a:solidFill>
@@ -3206,16 +3221,22 @@
           <a:cs typeface="+mn-cs"/>
         </a:defRPr>
       </a:lvl7pPr>
-      <a:lvl8pPr marL="3429000" indent="-228600" algn="l" defTabSz="914400" rtl="0" eaLnBrk="1" latinLnBrk="0" hangingPunct="1">
+      <a:lvl8pPr marL="1629000" indent="-228600" algn="l" defTabSz="914400" rtl="0" eaLnBrk="1" latinLnBrk="0" hangingPunct="1">
         <a:lnSpc>
           <a:spcPct val="90000"/>
         </a:lnSpc>
         <a:spcBef>
-          <a:spcPts val="500"/>
+          <a:spcPts val="200"/>
         </a:spcBef>
-        <a:buFont typeface="Arial" panose="020B0604020202020204" pitchFamily="34" charset="0"/>
-        <a:buChar char="•"/>
-        <a:defRPr sz="1800" kern="1200">
+        <a:spcAft>
+          <a:spcPts val="400"/>
+        </a:spcAft>
+        <a:buClr>
+          <a:schemeClr val="tx1"/>
+        </a:buClr>
+        <a:buFont typeface="Wingdings" pitchFamily="2" charset="2"/>
+        <a:buChar char=""/>
+        <a:defRPr sz="1600" kern="1200">
           <a:solidFill>
             <a:schemeClr val="tx1"/>
           </a:solidFill>
@@ -3224,16 +3245,22 @@
           <a:cs typeface="+mn-cs"/>
         </a:defRPr>
       </a:lvl8pPr>
-      <a:lvl9pPr marL="3886200" indent="-228600" algn="l" defTabSz="914400" rtl="0" eaLnBrk="1" latinLnBrk="0" hangingPunct="1">
+      <a:lvl9pPr marL="1806200" indent="-228600" algn="l" defTabSz="914400" rtl="0" eaLnBrk="1" latinLnBrk="0" hangingPunct="1">
         <a:lnSpc>
           <a:spcPct val="90000"/>
         </a:lnSpc>
         <a:spcBef>
-          <a:spcPts val="500"/>
+          <a:spcPts val="200"/>
         </a:spcBef>
-        <a:buFont typeface="Arial" panose="020B0604020202020204" pitchFamily="34" charset="0"/>
-        <a:buChar char="•"/>
-        <a:defRPr sz="1800" kern="1200">
+        <a:spcAft>
+          <a:spcPts val="400"/>
+        </a:spcAft>
+        <a:buClr>
+          <a:schemeClr val="tx1"/>
+        </a:buClr>
+        <a:buFont typeface="Wingdings" pitchFamily="2" charset="2"/>
+        <a:buChar char=""/>
+        <a:defRPr sz="1600" kern="1200">
           <a:solidFill>
             <a:schemeClr val="tx1"/>
           </a:solidFill>
@@ -3405,10 +3432,35 @@
         </p:nvSpPr>
         <p:spPr/>
         <p:txBody>
-          <a:bodyPr/>
-          <a:lstStyle/>
-          <a:p>
-            <a:endParaRPr lang="en-US" dirty="0"/>
+          <a:bodyPr>
+            <a:normAutofit/>
+          </a:bodyPr>
+          <a:lstStyle/>
+          <a:p>
+            <a:r>
+              <a:rPr lang="en-US" dirty="0" err="1"/>
+              <a:t>Hangyu</a:t>
+            </a:r>
+            <a:r>
+              <a:rPr lang="en-US" dirty="0"/>
+              <a:t> Kang, </a:t>
+            </a:r>
+            <a:r>
+              <a:rPr lang="en-US" dirty="0" err="1"/>
+              <a:t>Xiangyu</a:t>
+            </a:r>
+            <a:r>
+              <a:rPr lang="en-US" dirty="0"/>
+              <a:t> Wang, </a:t>
+            </a:r>
+            <a:r>
+              <a:rPr lang="en-US" dirty="0" err="1"/>
+              <a:t>Ruyan</a:t>
+            </a:r>
+            <a:r>
+              <a:rPr lang="en-US" dirty="0"/>
+              <a:t> Zhou</a:t>
+            </a:r>
           </a:p>
         </p:txBody>
       </p:sp>
@@ -3416,6 +3468,2845 @@
     <p:extLst>
       <p:ext uri="{BB962C8B-B14F-4D97-AF65-F5344CB8AC3E}">
         <p14:creationId xmlns:p14="http://schemas.microsoft.com/office/powerpoint/2010/main" val="1723577024"/>
+      </p:ext>
+    </p:extLst>
+  </p:cSld>
+  <p:clrMapOvr>
+    <a:masterClrMapping/>
+  </p:clrMapOvr>
+</p:sld>
+</file>
+
+<file path=ppt/slides/slide10.xml><?xml version="1.0" encoding="utf-8"?>
+<p:sld xmlns:a="http://schemas.openxmlformats.org/drawingml/2006/main" xmlns:r="http://schemas.openxmlformats.org/officeDocument/2006/relationships" xmlns:p="http://schemas.openxmlformats.org/presentationml/2006/main">
+  <p:cSld>
+    <p:spTree>
+      <p:nvGrpSpPr>
+        <p:cNvPr id="1" name=""/>
+        <p:cNvGrpSpPr/>
+        <p:nvPr/>
+      </p:nvGrpSpPr>
+      <p:grpSpPr>
+        <a:xfrm>
+          <a:off x="0" y="0"/>
+          <a:ext cx="0" cy="0"/>
+          <a:chOff x="0" y="0"/>
+          <a:chExt cx="0" cy="0"/>
+        </a:xfrm>
+      </p:grpSpPr>
+      <p:sp>
+        <p:nvSpPr>
+          <p:cNvPr id="2" name="Title 1">
+            <a:extLst>
+              <a:ext uri="{FF2B5EF4-FFF2-40B4-BE49-F238E27FC236}">
+                <a16:creationId xmlns:a16="http://schemas.microsoft.com/office/drawing/2014/main" id="{417E78FE-553A-426A-9575-6CD0E7C8D12E}"/>
+              </a:ext>
+            </a:extLst>
+          </p:cNvPr>
+          <p:cNvSpPr>
+            <a:spLocks noGrp="1"/>
+          </p:cNvSpPr>
+          <p:nvPr>
+            <p:ph type="title"/>
+          </p:nvPr>
+        </p:nvSpPr>
+        <p:spPr/>
+        <p:txBody>
+          <a:bodyPr>
+            <a:normAutofit/>
+          </a:bodyPr>
+          <a:lstStyle/>
+          <a:p>
+            <a:r>
+              <a:rPr lang="en-US" sz="3600" dirty="0"/>
+              <a:t>Data Analysis Process (EDA)</a:t>
+            </a:r>
+          </a:p>
+        </p:txBody>
+      </p:sp>
+      <p:sp>
+        <p:nvSpPr>
+          <p:cNvPr id="24" name="TextBox 23">
+            <a:extLst>
+              <a:ext uri="{FF2B5EF4-FFF2-40B4-BE49-F238E27FC236}">
+                <a16:creationId xmlns:a16="http://schemas.microsoft.com/office/drawing/2014/main" id="{CA75F733-33E9-49E0-87F1-2AB4E5D66952}"/>
+              </a:ext>
+            </a:extLst>
+          </p:cNvPr>
+          <p:cNvSpPr txBox="1"/>
+          <p:nvPr/>
+        </p:nvSpPr>
+        <p:spPr>
+          <a:xfrm>
+            <a:off x="831576" y="1906072"/>
+            <a:ext cx="3577818" cy="369332"/>
+          </a:xfrm>
+          <a:prstGeom prst="rect">
+            <a:avLst/>
+          </a:prstGeom>
+          <a:noFill/>
+        </p:spPr>
+        <p:txBody>
+          <a:bodyPr wrap="square" rtlCol="0">
+            <a:spAutoFit/>
+          </a:bodyPr>
+          <a:lstStyle/>
+          <a:p>
+            <a:r>
+              <a:rPr lang="en-US" dirty="0"/>
+              <a:t>3. Words associated with location</a:t>
+            </a:r>
+          </a:p>
+        </p:txBody>
+      </p:sp>
+      <p:sp>
+        <p:nvSpPr>
+          <p:cNvPr id="28" name="TextBox 27">
+            <a:extLst>
+              <a:ext uri="{FF2B5EF4-FFF2-40B4-BE49-F238E27FC236}">
+                <a16:creationId xmlns:a16="http://schemas.microsoft.com/office/drawing/2014/main" id="{AB4AD9B7-A2DB-434E-8DD7-98C0C3063B0B}"/>
+              </a:ext>
+            </a:extLst>
+          </p:cNvPr>
+          <p:cNvSpPr txBox="1"/>
+          <p:nvPr/>
+        </p:nvSpPr>
+        <p:spPr>
+          <a:xfrm>
+            <a:off x="1169773" y="2217301"/>
+            <a:ext cx="4926227" cy="646331"/>
+          </a:xfrm>
+          <a:prstGeom prst="rect">
+            <a:avLst/>
+          </a:prstGeom>
+          <a:noFill/>
+        </p:spPr>
+        <p:txBody>
+          <a:bodyPr wrap="square" rtlCol="0">
+            <a:spAutoFit/>
+          </a:bodyPr>
+          <a:lstStyle/>
+          <a:p>
+            <a:r>
+              <a:rPr lang="en-US" dirty="0"/>
+              <a:t>Shuttle, downtown, airport, distance, bar, location, restaurant, park, near, club</a:t>
+            </a:r>
+          </a:p>
+        </p:txBody>
+      </p:sp>
+      <p:pic>
+        <p:nvPicPr>
+          <p:cNvPr id="5" name="Picture 4">
+            <a:extLst>
+              <a:ext uri="{FF2B5EF4-FFF2-40B4-BE49-F238E27FC236}">
+                <a16:creationId xmlns:a16="http://schemas.microsoft.com/office/drawing/2014/main" id="{0C490AC2-0E38-4FEE-A41D-92F00AD0693C}"/>
+              </a:ext>
+            </a:extLst>
+          </p:cNvPr>
+          <p:cNvPicPr>
+            <a:picLocks noChangeAspect="1"/>
+          </p:cNvPicPr>
+          <p:nvPr/>
+        </p:nvPicPr>
+        <p:blipFill>
+          <a:blip r:embed="rId2"/>
+          <a:stretch>
+            <a:fillRect/>
+          </a:stretch>
+        </p:blipFill>
+        <p:spPr>
+          <a:xfrm>
+            <a:off x="8291453" y="2090738"/>
+            <a:ext cx="3462397" cy="4383656"/>
+          </a:xfrm>
+          <a:prstGeom prst="rect">
+            <a:avLst/>
+          </a:prstGeom>
+        </p:spPr>
+      </p:pic>
+    </p:spTree>
+    <p:extLst>
+      <p:ext uri="{BB962C8B-B14F-4D97-AF65-F5344CB8AC3E}">
+        <p14:creationId xmlns:p14="http://schemas.microsoft.com/office/powerpoint/2010/main" val="348139102"/>
+      </p:ext>
+    </p:extLst>
+  </p:cSld>
+  <p:clrMapOvr>
+    <a:masterClrMapping/>
+  </p:clrMapOvr>
+</p:sld>
+</file>
+
+<file path=ppt/slides/slide11.xml><?xml version="1.0" encoding="utf-8"?>
+<p:sld xmlns:a="http://schemas.openxmlformats.org/drawingml/2006/main" xmlns:r="http://schemas.openxmlformats.org/officeDocument/2006/relationships" xmlns:p="http://schemas.openxmlformats.org/presentationml/2006/main">
+  <p:cSld>
+    <p:spTree>
+      <p:nvGrpSpPr>
+        <p:cNvPr id="1" name=""/>
+        <p:cNvGrpSpPr/>
+        <p:nvPr/>
+      </p:nvGrpSpPr>
+      <p:grpSpPr>
+        <a:xfrm>
+          <a:off x="0" y="0"/>
+          <a:ext cx="0" cy="0"/>
+          <a:chOff x="0" y="0"/>
+          <a:chExt cx="0" cy="0"/>
+        </a:xfrm>
+      </p:grpSpPr>
+      <p:sp>
+        <p:nvSpPr>
+          <p:cNvPr id="2" name="Title 1">
+            <a:extLst>
+              <a:ext uri="{FF2B5EF4-FFF2-40B4-BE49-F238E27FC236}">
+                <a16:creationId xmlns:a16="http://schemas.microsoft.com/office/drawing/2014/main" id="{417E78FE-553A-426A-9575-6CD0E7C8D12E}"/>
+              </a:ext>
+            </a:extLst>
+          </p:cNvPr>
+          <p:cNvSpPr>
+            <a:spLocks noGrp="1"/>
+          </p:cNvSpPr>
+          <p:nvPr>
+            <p:ph type="title"/>
+          </p:nvPr>
+        </p:nvSpPr>
+        <p:spPr/>
+        <p:txBody>
+          <a:bodyPr>
+            <a:normAutofit/>
+          </a:bodyPr>
+          <a:lstStyle/>
+          <a:p>
+            <a:r>
+              <a:rPr lang="en-US" sz="3600" dirty="0"/>
+              <a:t>Data Analysis Process (EDA)</a:t>
+            </a:r>
+          </a:p>
+        </p:txBody>
+      </p:sp>
+      <p:sp>
+        <p:nvSpPr>
+          <p:cNvPr id="25" name="TextBox 24">
+            <a:extLst>
+              <a:ext uri="{FF2B5EF4-FFF2-40B4-BE49-F238E27FC236}">
+                <a16:creationId xmlns:a16="http://schemas.microsoft.com/office/drawing/2014/main" id="{D1D21CF0-AEBF-431A-B7B3-250145EF0BAE}"/>
+              </a:ext>
+            </a:extLst>
+          </p:cNvPr>
+          <p:cNvSpPr txBox="1"/>
+          <p:nvPr/>
+        </p:nvSpPr>
+        <p:spPr>
+          <a:xfrm>
+            <a:off x="838992" y="1792936"/>
+            <a:ext cx="4837907" cy="369332"/>
+          </a:xfrm>
+          <a:prstGeom prst="rect">
+            <a:avLst/>
+          </a:prstGeom>
+          <a:noFill/>
+        </p:spPr>
+        <p:txBody>
+          <a:bodyPr wrap="square" rtlCol="0">
+            <a:spAutoFit/>
+          </a:bodyPr>
+          <a:lstStyle/>
+          <a:p>
+            <a:r>
+              <a:rPr lang="en-US" dirty="0"/>
+              <a:t>4. Words associated with atmosphere of hotels</a:t>
+            </a:r>
+          </a:p>
+        </p:txBody>
+      </p:sp>
+      <p:sp>
+        <p:nvSpPr>
+          <p:cNvPr id="29" name="TextBox 28">
+            <a:extLst>
+              <a:ext uri="{FF2B5EF4-FFF2-40B4-BE49-F238E27FC236}">
+                <a16:creationId xmlns:a16="http://schemas.microsoft.com/office/drawing/2014/main" id="{FEACDEF4-A496-470B-B3C7-ACC58C934482}"/>
+              </a:ext>
+            </a:extLst>
+          </p:cNvPr>
+          <p:cNvSpPr txBox="1"/>
+          <p:nvPr/>
+        </p:nvSpPr>
+        <p:spPr>
+          <a:xfrm>
+            <a:off x="1177190" y="2157548"/>
+            <a:ext cx="4926227" cy="923330"/>
+          </a:xfrm>
+          <a:prstGeom prst="rect">
+            <a:avLst/>
+          </a:prstGeom>
+          <a:noFill/>
+        </p:spPr>
+        <p:txBody>
+          <a:bodyPr wrap="square" rtlCol="0">
+            <a:spAutoFit/>
+          </a:bodyPr>
+          <a:lstStyle/>
+          <a:p>
+            <a:r>
+              <a:rPr lang="en-US" dirty="0"/>
+              <a:t>Family, kid, business, clean, comfortable, small, pretty, quiet, beautiful, spacious, modern, noise, smell, comfy, week, weekend, dirty</a:t>
+            </a:r>
+          </a:p>
+        </p:txBody>
+      </p:sp>
+      <p:pic>
+        <p:nvPicPr>
+          <p:cNvPr id="5" name="Picture 4">
+            <a:extLst>
+              <a:ext uri="{FF2B5EF4-FFF2-40B4-BE49-F238E27FC236}">
+                <a16:creationId xmlns:a16="http://schemas.microsoft.com/office/drawing/2014/main" id="{D919D5C5-69BC-412D-A78D-65E135E2453E}"/>
+              </a:ext>
+            </a:extLst>
+          </p:cNvPr>
+          <p:cNvPicPr>
+            <a:picLocks noChangeAspect="1"/>
+          </p:cNvPicPr>
+          <p:nvPr/>
+        </p:nvPicPr>
+        <p:blipFill>
+          <a:blip r:embed="rId2"/>
+          <a:stretch>
+            <a:fillRect/>
+          </a:stretch>
+        </p:blipFill>
+        <p:spPr>
+          <a:xfrm>
+            <a:off x="5475835" y="3097739"/>
+            <a:ext cx="3709240" cy="3589310"/>
+          </a:xfrm>
+          <a:prstGeom prst="rect">
+            <a:avLst/>
+          </a:prstGeom>
+        </p:spPr>
+      </p:pic>
+      <p:pic>
+        <p:nvPicPr>
+          <p:cNvPr id="7" name="Picture 6">
+            <a:extLst>
+              <a:ext uri="{FF2B5EF4-FFF2-40B4-BE49-F238E27FC236}">
+                <a16:creationId xmlns:a16="http://schemas.microsoft.com/office/drawing/2014/main" id="{C92D93B9-3273-4D58-A1AE-C091BE348FE5}"/>
+              </a:ext>
+            </a:extLst>
+          </p:cNvPr>
+          <p:cNvPicPr>
+            <a:picLocks noChangeAspect="1"/>
+          </p:cNvPicPr>
+          <p:nvPr/>
+        </p:nvPicPr>
+        <p:blipFill>
+          <a:blip r:embed="rId3"/>
+          <a:stretch>
+            <a:fillRect/>
+          </a:stretch>
+        </p:blipFill>
+        <p:spPr>
+          <a:xfrm>
+            <a:off x="1202919" y="3097739"/>
+            <a:ext cx="3709241" cy="3569599"/>
+          </a:xfrm>
+          <a:prstGeom prst="rect">
+            <a:avLst/>
+          </a:prstGeom>
+        </p:spPr>
+      </p:pic>
+    </p:spTree>
+    <p:extLst>
+      <p:ext uri="{BB962C8B-B14F-4D97-AF65-F5344CB8AC3E}">
+        <p14:creationId xmlns:p14="http://schemas.microsoft.com/office/powerpoint/2010/main" val="1027375951"/>
+      </p:ext>
+    </p:extLst>
+  </p:cSld>
+  <p:clrMapOvr>
+    <a:masterClrMapping/>
+  </p:clrMapOvr>
+</p:sld>
+</file>
+
+<file path=ppt/slides/slide12.xml><?xml version="1.0" encoding="utf-8"?>
+<p:sld xmlns:a="http://schemas.openxmlformats.org/drawingml/2006/main" xmlns:r="http://schemas.openxmlformats.org/officeDocument/2006/relationships" xmlns:p="http://schemas.openxmlformats.org/presentationml/2006/main">
+  <p:cSld>
+    <p:spTree>
+      <p:nvGrpSpPr>
+        <p:cNvPr id="1" name=""/>
+        <p:cNvGrpSpPr/>
+        <p:nvPr/>
+      </p:nvGrpSpPr>
+      <p:grpSpPr>
+        <a:xfrm>
+          <a:off x="0" y="0"/>
+          <a:ext cx="0" cy="0"/>
+          <a:chOff x="0" y="0"/>
+          <a:chExt cx="0" cy="0"/>
+        </a:xfrm>
+      </p:grpSpPr>
+      <p:sp>
+        <p:nvSpPr>
+          <p:cNvPr id="4" name="Title 1">
+            <a:extLst>
+              <a:ext uri="{FF2B5EF4-FFF2-40B4-BE49-F238E27FC236}">
+                <a16:creationId xmlns:a16="http://schemas.microsoft.com/office/drawing/2014/main" id="{2FF090D0-F99F-4C3B-8440-C4079F3DA72E}"/>
+              </a:ext>
+            </a:extLst>
+          </p:cNvPr>
+          <p:cNvSpPr>
+            <a:spLocks noGrp="1"/>
+          </p:cNvSpPr>
+          <p:nvPr>
+            <p:ph type="title"/>
+          </p:nvPr>
+        </p:nvSpPr>
+        <p:spPr/>
+        <p:txBody>
+          <a:bodyPr>
+            <a:normAutofit/>
+          </a:bodyPr>
+          <a:lstStyle/>
+          <a:p>
+            <a:r>
+              <a:rPr lang="en-US" sz="3600" dirty="0"/>
+              <a:t>Statistical Test For the Chosen Words</a:t>
+            </a:r>
+          </a:p>
+        </p:txBody>
+      </p:sp>
+      <p:pic>
+        <p:nvPicPr>
+          <p:cNvPr id="6" name="Picture 5">
+            <a:extLst>
+              <a:ext uri="{FF2B5EF4-FFF2-40B4-BE49-F238E27FC236}">
+                <a16:creationId xmlns:a16="http://schemas.microsoft.com/office/drawing/2014/main" id="{646346C0-3036-462C-9DB7-9BC64747EEE8}"/>
+              </a:ext>
+            </a:extLst>
+          </p:cNvPr>
+          <p:cNvPicPr>
+            <a:picLocks noChangeAspect="1"/>
+          </p:cNvPicPr>
+          <p:nvPr/>
+        </p:nvPicPr>
+        <p:blipFill>
+          <a:blip r:embed="rId2"/>
+          <a:stretch>
+            <a:fillRect/>
+          </a:stretch>
+        </p:blipFill>
+        <p:spPr>
+          <a:xfrm>
+            <a:off x="838200" y="2890814"/>
+            <a:ext cx="3516721" cy="700088"/>
+          </a:xfrm>
+          <a:prstGeom prst="rect">
+            <a:avLst/>
+          </a:prstGeom>
+        </p:spPr>
+      </p:pic>
+      <p:pic>
+        <p:nvPicPr>
+          <p:cNvPr id="8" name="Picture 7">
+            <a:extLst>
+              <a:ext uri="{FF2B5EF4-FFF2-40B4-BE49-F238E27FC236}">
+                <a16:creationId xmlns:a16="http://schemas.microsoft.com/office/drawing/2014/main" id="{AA1CBE20-6BB5-4C53-99D7-88F18740A67B}"/>
+              </a:ext>
+            </a:extLst>
+          </p:cNvPr>
+          <p:cNvPicPr>
+            <a:picLocks noChangeAspect="1"/>
+          </p:cNvPicPr>
+          <p:nvPr/>
+        </p:nvPicPr>
+        <p:blipFill>
+          <a:blip r:embed="rId3"/>
+          <a:stretch>
+            <a:fillRect/>
+          </a:stretch>
+        </p:blipFill>
+        <p:spPr>
+          <a:xfrm>
+            <a:off x="4719637" y="3038687"/>
+            <a:ext cx="5562293" cy="409575"/>
+          </a:xfrm>
+          <a:prstGeom prst="rect">
+            <a:avLst/>
+          </a:prstGeom>
+        </p:spPr>
+      </p:pic>
+      <p:sp>
+        <p:nvSpPr>
+          <p:cNvPr id="3" name="TextBox 2">
+            <a:extLst>
+              <a:ext uri="{FF2B5EF4-FFF2-40B4-BE49-F238E27FC236}">
+                <a16:creationId xmlns:a16="http://schemas.microsoft.com/office/drawing/2014/main" id="{B8FA55BE-2507-45B8-A9AB-B36038923945}"/>
+              </a:ext>
+            </a:extLst>
+          </p:cNvPr>
+          <p:cNvSpPr txBox="1"/>
+          <p:nvPr/>
+        </p:nvSpPr>
+        <p:spPr>
+          <a:xfrm>
+            <a:off x="939800" y="2418352"/>
+            <a:ext cx="3657600" cy="369332"/>
+          </a:xfrm>
+          <a:prstGeom prst="rect">
+            <a:avLst/>
+          </a:prstGeom>
+          <a:noFill/>
+        </p:spPr>
+        <p:txBody>
+          <a:bodyPr wrap="square" rtlCol="0">
+            <a:spAutoFit/>
+          </a:bodyPr>
+          <a:lstStyle/>
+          <a:p>
+            <a:r>
+              <a:rPr lang="en-US" dirty="0"/>
+              <a:t>1. Multinomial Logistic Regression</a:t>
+            </a:r>
+          </a:p>
+        </p:txBody>
+      </p:sp>
+      <p:sp>
+        <p:nvSpPr>
+          <p:cNvPr id="9" name="TextBox 8">
+            <a:extLst>
+              <a:ext uri="{FF2B5EF4-FFF2-40B4-BE49-F238E27FC236}">
+                <a16:creationId xmlns:a16="http://schemas.microsoft.com/office/drawing/2014/main" id="{7F521487-C9EF-436C-89B8-C5340CFFB653}"/>
+              </a:ext>
+            </a:extLst>
+          </p:cNvPr>
+          <p:cNvSpPr txBox="1"/>
+          <p:nvPr/>
+        </p:nvSpPr>
+        <p:spPr>
+          <a:xfrm>
+            <a:off x="939800" y="3938550"/>
+            <a:ext cx="3657600" cy="369332"/>
+          </a:xfrm>
+          <a:prstGeom prst="rect">
+            <a:avLst/>
+          </a:prstGeom>
+          <a:noFill/>
+        </p:spPr>
+        <p:txBody>
+          <a:bodyPr wrap="square" rtlCol="0">
+            <a:spAutoFit/>
+          </a:bodyPr>
+          <a:lstStyle/>
+          <a:p>
+            <a:r>
+              <a:rPr lang="en-US" dirty="0"/>
+              <a:t>2. Backward AIC</a:t>
+            </a:r>
+          </a:p>
+        </p:txBody>
+      </p:sp>
+      <p:pic>
+        <p:nvPicPr>
+          <p:cNvPr id="10" name="Picture 9">
+            <a:extLst>
+              <a:ext uri="{FF2B5EF4-FFF2-40B4-BE49-F238E27FC236}">
+                <a16:creationId xmlns:a16="http://schemas.microsoft.com/office/drawing/2014/main" id="{3F703F32-43DD-464A-AD4E-65AF928036CB}"/>
+              </a:ext>
+            </a:extLst>
+          </p:cNvPr>
+          <p:cNvPicPr>
+            <a:picLocks noChangeAspect="1"/>
+          </p:cNvPicPr>
+          <p:nvPr/>
+        </p:nvPicPr>
+        <p:blipFill>
+          <a:blip r:embed="rId4"/>
+          <a:stretch>
+            <a:fillRect/>
+          </a:stretch>
+        </p:blipFill>
+        <p:spPr>
+          <a:xfrm>
+            <a:off x="888128" y="4339345"/>
+            <a:ext cx="7663017" cy="1271803"/>
+          </a:xfrm>
+          <a:prstGeom prst="rect">
+            <a:avLst/>
+          </a:prstGeom>
+        </p:spPr>
+      </p:pic>
+      <p:sp>
+        <p:nvSpPr>
+          <p:cNvPr id="11" name="TextBox 10">
+            <a:extLst>
+              <a:ext uri="{FF2B5EF4-FFF2-40B4-BE49-F238E27FC236}">
+                <a16:creationId xmlns:a16="http://schemas.microsoft.com/office/drawing/2014/main" id="{F3AE5A90-69F0-48A7-9972-2DC334FF3048}"/>
+              </a:ext>
+            </a:extLst>
+          </p:cNvPr>
+          <p:cNvSpPr txBox="1"/>
+          <p:nvPr/>
+        </p:nvSpPr>
+        <p:spPr>
+          <a:xfrm>
+            <a:off x="838200" y="5931074"/>
+            <a:ext cx="6844716" cy="369332"/>
+          </a:xfrm>
+          <a:prstGeom prst="rect">
+            <a:avLst/>
+          </a:prstGeom>
+          <a:noFill/>
+        </p:spPr>
+        <p:txBody>
+          <a:bodyPr wrap="square" rtlCol="0">
+            <a:spAutoFit/>
+          </a:bodyPr>
+          <a:lstStyle/>
+          <a:p>
+            <a:pPr algn="just"/>
+            <a:r>
+              <a:rPr lang="en-US" dirty="0"/>
+              <a:t>Select out influential words for determining star rating  </a:t>
+            </a:r>
+          </a:p>
+        </p:txBody>
+      </p:sp>
+      <p:sp>
+        <p:nvSpPr>
+          <p:cNvPr id="12" name="TextBox 11">
+            <a:extLst>
+              <a:ext uri="{FF2B5EF4-FFF2-40B4-BE49-F238E27FC236}">
+                <a16:creationId xmlns:a16="http://schemas.microsoft.com/office/drawing/2014/main" id="{C79DC3CB-F77A-47E3-93E8-94D189E262FC}"/>
+              </a:ext>
+            </a:extLst>
+          </p:cNvPr>
+          <p:cNvSpPr txBox="1"/>
+          <p:nvPr/>
+        </p:nvSpPr>
+        <p:spPr>
+          <a:xfrm>
+            <a:off x="838200" y="1844908"/>
+            <a:ext cx="5068886" cy="369332"/>
+          </a:xfrm>
+          <a:prstGeom prst="rect">
+            <a:avLst/>
+          </a:prstGeom>
+          <a:noFill/>
+        </p:spPr>
+        <p:txBody>
+          <a:bodyPr wrap="square" rtlCol="0">
+            <a:spAutoFit/>
+          </a:bodyPr>
+          <a:lstStyle/>
+          <a:p>
+            <a:r>
+              <a:rPr lang="en-US" dirty="0"/>
+              <a:t>Separate Word Embedding Dataset into 4 Datasets</a:t>
+            </a:r>
+          </a:p>
+        </p:txBody>
+      </p:sp>
+    </p:spTree>
+    <p:extLst>
+      <p:ext uri="{BB962C8B-B14F-4D97-AF65-F5344CB8AC3E}">
+        <p14:creationId xmlns:p14="http://schemas.microsoft.com/office/powerpoint/2010/main" val="2895167090"/>
+      </p:ext>
+    </p:extLst>
+  </p:cSld>
+  <p:clrMapOvr>
+    <a:masterClrMapping/>
+  </p:clrMapOvr>
+</p:sld>
+</file>
+
+<file path=ppt/slides/slide13.xml><?xml version="1.0" encoding="utf-8"?>
+<p:sld xmlns:a="http://schemas.openxmlformats.org/drawingml/2006/main" xmlns:r="http://schemas.openxmlformats.org/officeDocument/2006/relationships" xmlns:p="http://schemas.openxmlformats.org/presentationml/2006/main">
+  <p:cSld>
+    <p:spTree>
+      <p:nvGrpSpPr>
+        <p:cNvPr id="1" name=""/>
+        <p:cNvGrpSpPr/>
+        <p:nvPr/>
+      </p:nvGrpSpPr>
+      <p:grpSpPr>
+        <a:xfrm>
+          <a:off x="0" y="0"/>
+          <a:ext cx="0" cy="0"/>
+          <a:chOff x="0" y="0"/>
+          <a:chExt cx="0" cy="0"/>
+        </a:xfrm>
+      </p:grpSpPr>
+      <p:sp>
+        <p:nvSpPr>
+          <p:cNvPr id="4" name="Title 1">
+            <a:extLst>
+              <a:ext uri="{FF2B5EF4-FFF2-40B4-BE49-F238E27FC236}">
+                <a16:creationId xmlns:a16="http://schemas.microsoft.com/office/drawing/2014/main" id="{2FF090D0-F99F-4C3B-8440-C4079F3DA72E}"/>
+              </a:ext>
+            </a:extLst>
+          </p:cNvPr>
+          <p:cNvSpPr>
+            <a:spLocks noGrp="1"/>
+          </p:cNvSpPr>
+          <p:nvPr>
+            <p:ph type="title"/>
+          </p:nvPr>
+        </p:nvSpPr>
+        <p:spPr/>
+        <p:txBody>
+          <a:bodyPr>
+            <a:normAutofit/>
+          </a:bodyPr>
+          <a:lstStyle/>
+          <a:p>
+            <a:r>
+              <a:rPr lang="en-US" sz="3600" dirty="0"/>
+              <a:t>SELECTED Words</a:t>
+            </a:r>
+          </a:p>
+        </p:txBody>
+      </p:sp>
+      <p:sp>
+        <p:nvSpPr>
+          <p:cNvPr id="12" name="TextBox 11">
+            <a:extLst>
+              <a:ext uri="{FF2B5EF4-FFF2-40B4-BE49-F238E27FC236}">
+                <a16:creationId xmlns:a16="http://schemas.microsoft.com/office/drawing/2014/main" id="{29116E2B-9C50-4E98-8AF7-37E156839303}"/>
+              </a:ext>
+            </a:extLst>
+          </p:cNvPr>
+          <p:cNvSpPr txBox="1"/>
+          <p:nvPr/>
+        </p:nvSpPr>
+        <p:spPr>
+          <a:xfrm>
+            <a:off x="939800" y="2130599"/>
+            <a:ext cx="6844716" cy="646331"/>
+          </a:xfrm>
+          <a:prstGeom prst="rect">
+            <a:avLst/>
+          </a:prstGeom>
+          <a:noFill/>
+        </p:spPr>
+        <p:txBody>
+          <a:bodyPr wrap="square" rtlCol="0">
+            <a:spAutoFit/>
+          </a:bodyPr>
+          <a:lstStyle/>
+          <a:p>
+            <a:pPr algn="just"/>
+            <a:r>
+              <a:rPr lang="en-US" dirty="0"/>
+              <a:t>1. Words Associated With Service</a:t>
+            </a:r>
+          </a:p>
+          <a:p>
+            <a:pPr algn="just"/>
+            <a:r>
+              <a:rPr lang="en-US" dirty="0"/>
+              <a:t>Staff, Manager, Breakfast, Booked, Money, and Desk</a:t>
+            </a:r>
+          </a:p>
+        </p:txBody>
+      </p:sp>
+      <p:sp>
+        <p:nvSpPr>
+          <p:cNvPr id="13" name="TextBox 12">
+            <a:extLst>
+              <a:ext uri="{FF2B5EF4-FFF2-40B4-BE49-F238E27FC236}">
+                <a16:creationId xmlns:a16="http://schemas.microsoft.com/office/drawing/2014/main" id="{65D0E1CE-54A8-46C6-AA27-2C9D32544B45}"/>
+              </a:ext>
+            </a:extLst>
+          </p:cNvPr>
+          <p:cNvSpPr txBox="1"/>
+          <p:nvPr/>
+        </p:nvSpPr>
+        <p:spPr>
+          <a:xfrm>
+            <a:off x="939800" y="3059668"/>
+            <a:ext cx="6844716" cy="646331"/>
+          </a:xfrm>
+          <a:prstGeom prst="rect">
+            <a:avLst/>
+          </a:prstGeom>
+          <a:noFill/>
+        </p:spPr>
+        <p:txBody>
+          <a:bodyPr wrap="square" rtlCol="0">
+            <a:spAutoFit/>
+          </a:bodyPr>
+          <a:lstStyle/>
+          <a:p>
+            <a:pPr algn="just"/>
+            <a:r>
+              <a:rPr lang="en-US" dirty="0"/>
+              <a:t>2. Words Associated With Facility</a:t>
+            </a:r>
+          </a:p>
+          <a:p>
+            <a:pPr algn="just"/>
+            <a:r>
+              <a:rPr lang="en-US" dirty="0"/>
+              <a:t>Wall and Parking</a:t>
+            </a:r>
+          </a:p>
+        </p:txBody>
+      </p:sp>
+      <p:sp>
+        <p:nvSpPr>
+          <p:cNvPr id="14" name="TextBox 13">
+            <a:extLst>
+              <a:ext uri="{FF2B5EF4-FFF2-40B4-BE49-F238E27FC236}">
+                <a16:creationId xmlns:a16="http://schemas.microsoft.com/office/drawing/2014/main" id="{D342A983-2FB8-42DF-B31E-D8DC451D8898}"/>
+              </a:ext>
+            </a:extLst>
+          </p:cNvPr>
+          <p:cNvSpPr txBox="1"/>
+          <p:nvPr/>
+        </p:nvSpPr>
+        <p:spPr>
+          <a:xfrm>
+            <a:off x="939800" y="3988737"/>
+            <a:ext cx="6844716" cy="646331"/>
+          </a:xfrm>
+          <a:prstGeom prst="rect">
+            <a:avLst/>
+          </a:prstGeom>
+          <a:noFill/>
+        </p:spPr>
+        <p:txBody>
+          <a:bodyPr wrap="square" rtlCol="0">
+            <a:spAutoFit/>
+          </a:bodyPr>
+          <a:lstStyle/>
+          <a:p>
+            <a:pPr algn="just"/>
+            <a:r>
+              <a:rPr lang="en-US" dirty="0"/>
+              <a:t>3. Words Associated With Location</a:t>
+            </a:r>
+          </a:p>
+          <a:p>
+            <a:pPr algn="just"/>
+            <a:r>
+              <a:rPr lang="en-US" dirty="0"/>
+              <a:t>Restaurant, Downtown, Bar and Location</a:t>
+            </a:r>
+          </a:p>
+        </p:txBody>
+      </p:sp>
+      <p:sp>
+        <p:nvSpPr>
+          <p:cNvPr id="15" name="TextBox 14">
+            <a:extLst>
+              <a:ext uri="{FF2B5EF4-FFF2-40B4-BE49-F238E27FC236}">
+                <a16:creationId xmlns:a16="http://schemas.microsoft.com/office/drawing/2014/main" id="{A821D9D0-5697-4602-BF3C-9A167559DCA0}"/>
+              </a:ext>
+            </a:extLst>
+          </p:cNvPr>
+          <p:cNvSpPr txBox="1"/>
+          <p:nvPr/>
+        </p:nvSpPr>
+        <p:spPr>
+          <a:xfrm>
+            <a:off x="939800" y="4917806"/>
+            <a:ext cx="7556500" cy="646331"/>
+          </a:xfrm>
+          <a:prstGeom prst="rect">
+            <a:avLst/>
+          </a:prstGeom>
+          <a:noFill/>
+        </p:spPr>
+        <p:txBody>
+          <a:bodyPr wrap="square" rtlCol="0">
+            <a:spAutoFit/>
+          </a:bodyPr>
+          <a:lstStyle/>
+          <a:p>
+            <a:pPr algn="just"/>
+            <a:r>
+              <a:rPr lang="en-US" dirty="0"/>
+              <a:t>4. Words Associated With Atmosphere</a:t>
+            </a:r>
+          </a:p>
+          <a:p>
+            <a:pPr algn="just"/>
+            <a:r>
+              <a:rPr lang="en-US" dirty="0"/>
+              <a:t>Modern, Clean, Pretty, Comfortable, Spacious, Quiet, Comfy, Smell and Dirty</a:t>
+            </a:r>
+          </a:p>
+        </p:txBody>
+      </p:sp>
+    </p:spTree>
+    <p:extLst>
+      <p:ext uri="{BB962C8B-B14F-4D97-AF65-F5344CB8AC3E}">
+        <p14:creationId xmlns:p14="http://schemas.microsoft.com/office/powerpoint/2010/main" val="2553903838"/>
+      </p:ext>
+    </p:extLst>
+  </p:cSld>
+  <p:clrMapOvr>
+    <a:masterClrMapping/>
+  </p:clrMapOvr>
+</p:sld>
+</file>
+
+<file path=ppt/slides/slide14.xml><?xml version="1.0" encoding="utf-8"?>
+<p:sld xmlns:a="http://schemas.openxmlformats.org/drawingml/2006/main" xmlns:r="http://schemas.openxmlformats.org/officeDocument/2006/relationships" xmlns:p="http://schemas.openxmlformats.org/presentationml/2006/main">
+  <p:cSld>
+    <p:spTree>
+      <p:nvGrpSpPr>
+        <p:cNvPr id="1" name=""/>
+        <p:cNvGrpSpPr/>
+        <p:nvPr/>
+      </p:nvGrpSpPr>
+      <p:grpSpPr>
+        <a:xfrm>
+          <a:off x="0" y="0"/>
+          <a:ext cx="0" cy="0"/>
+          <a:chOff x="0" y="0"/>
+          <a:chExt cx="0" cy="0"/>
+        </a:xfrm>
+      </p:grpSpPr>
+      <p:sp>
+        <p:nvSpPr>
+          <p:cNvPr id="4" name="Title 1">
+            <a:extLst>
+              <a:ext uri="{FF2B5EF4-FFF2-40B4-BE49-F238E27FC236}">
+                <a16:creationId xmlns:a16="http://schemas.microsoft.com/office/drawing/2014/main" id="{2FF090D0-F99F-4C3B-8440-C4079F3DA72E}"/>
+              </a:ext>
+            </a:extLst>
+          </p:cNvPr>
+          <p:cNvSpPr>
+            <a:spLocks noGrp="1"/>
+          </p:cNvSpPr>
+          <p:nvPr>
+            <p:ph type="title"/>
+          </p:nvPr>
+        </p:nvSpPr>
+        <p:spPr/>
+        <p:txBody>
+          <a:bodyPr>
+            <a:normAutofit/>
+          </a:bodyPr>
+          <a:lstStyle/>
+          <a:p>
+            <a:r>
+              <a:rPr lang="en-US" sz="3600" dirty="0"/>
+              <a:t>What Makes Differences Between Low Rated Hotels and High Rated Hotels?</a:t>
+            </a:r>
+          </a:p>
+        </p:txBody>
+      </p:sp>
+      <p:sp>
+        <p:nvSpPr>
+          <p:cNvPr id="8" name="TextBox 7">
+            <a:extLst>
+              <a:ext uri="{FF2B5EF4-FFF2-40B4-BE49-F238E27FC236}">
+                <a16:creationId xmlns:a16="http://schemas.microsoft.com/office/drawing/2014/main" id="{6334F845-2FBF-421E-8916-EB400A184E65}"/>
+              </a:ext>
+            </a:extLst>
+          </p:cNvPr>
+          <p:cNvSpPr txBox="1"/>
+          <p:nvPr/>
+        </p:nvSpPr>
+        <p:spPr>
+          <a:xfrm>
+            <a:off x="939800" y="2130599"/>
+            <a:ext cx="7594600" cy="923330"/>
+          </a:xfrm>
+          <a:prstGeom prst="rect">
+            <a:avLst/>
+          </a:prstGeom>
+          <a:noFill/>
+        </p:spPr>
+        <p:txBody>
+          <a:bodyPr wrap="square" rtlCol="0">
+            <a:spAutoFit/>
+          </a:bodyPr>
+          <a:lstStyle/>
+          <a:p>
+            <a:pPr algn="just"/>
+            <a:r>
+              <a:rPr lang="en-US" dirty="0"/>
+              <a:t>How to determine low rated and high rated hotels?</a:t>
+            </a:r>
+          </a:p>
+          <a:p>
+            <a:pPr algn="just"/>
+            <a:r>
+              <a:rPr lang="en-US" dirty="0"/>
+              <a:t>	Average rates &gt; 3.5 (Median of Average Rate) =&gt; High Rated Hotels</a:t>
+            </a:r>
+          </a:p>
+          <a:p>
+            <a:pPr algn="just"/>
+            <a:r>
+              <a:rPr lang="en-US" dirty="0"/>
+              <a:t>	Average rates &lt; 3.5 =&gt; Low Rated Hotels</a:t>
+            </a:r>
+          </a:p>
+        </p:txBody>
+      </p:sp>
+      <p:pic>
+        <p:nvPicPr>
+          <p:cNvPr id="3" name="Picture 2">
+            <a:extLst>
+              <a:ext uri="{FF2B5EF4-FFF2-40B4-BE49-F238E27FC236}">
+                <a16:creationId xmlns:a16="http://schemas.microsoft.com/office/drawing/2014/main" id="{6D3F17DB-24DD-4303-B134-DF733B8F5FAA}"/>
+              </a:ext>
+            </a:extLst>
+          </p:cNvPr>
+          <p:cNvPicPr>
+            <a:picLocks noChangeAspect="1"/>
+          </p:cNvPicPr>
+          <p:nvPr/>
+        </p:nvPicPr>
+        <p:blipFill>
+          <a:blip r:embed="rId2"/>
+          <a:stretch>
+            <a:fillRect/>
+          </a:stretch>
+        </p:blipFill>
+        <p:spPr>
+          <a:xfrm>
+            <a:off x="939800" y="3053929"/>
+            <a:ext cx="5476505" cy="788988"/>
+          </a:xfrm>
+          <a:prstGeom prst="rect">
+            <a:avLst/>
+          </a:prstGeom>
+        </p:spPr>
+      </p:pic>
+      <p:sp>
+        <p:nvSpPr>
+          <p:cNvPr id="11" name="TextBox 10">
+            <a:extLst>
+              <a:ext uri="{FF2B5EF4-FFF2-40B4-BE49-F238E27FC236}">
+                <a16:creationId xmlns:a16="http://schemas.microsoft.com/office/drawing/2014/main" id="{80CDB275-3E1E-4709-A3E5-E29D59428A69}"/>
+              </a:ext>
+            </a:extLst>
+          </p:cNvPr>
+          <p:cNvSpPr txBox="1"/>
+          <p:nvPr/>
+        </p:nvSpPr>
+        <p:spPr>
+          <a:xfrm>
+            <a:off x="939800" y="4105223"/>
+            <a:ext cx="7594600" cy="923330"/>
+          </a:xfrm>
+          <a:prstGeom prst="rect">
+            <a:avLst/>
+          </a:prstGeom>
+          <a:noFill/>
+        </p:spPr>
+        <p:txBody>
+          <a:bodyPr wrap="square" rtlCol="0">
+            <a:spAutoFit/>
+          </a:bodyPr>
+          <a:lstStyle/>
+          <a:p>
+            <a:pPr algn="just"/>
+            <a:r>
+              <a:rPr lang="en-US" dirty="0"/>
+              <a:t>Low Rated Hotel </a:t>
+            </a:r>
+          </a:p>
+          <a:p>
+            <a:pPr algn="just"/>
+            <a:r>
+              <a:rPr lang="en-US" dirty="0"/>
+              <a:t>22 Hotels</a:t>
+            </a:r>
+          </a:p>
+          <a:p>
+            <a:pPr algn="just"/>
+            <a:r>
+              <a:rPr lang="en-US" dirty="0"/>
+              <a:t>567 Reviews</a:t>
+            </a:r>
+          </a:p>
+        </p:txBody>
+      </p:sp>
+      <p:sp>
+        <p:nvSpPr>
+          <p:cNvPr id="16" name="TextBox 15">
+            <a:extLst>
+              <a:ext uri="{FF2B5EF4-FFF2-40B4-BE49-F238E27FC236}">
+                <a16:creationId xmlns:a16="http://schemas.microsoft.com/office/drawing/2014/main" id="{C217554D-AADA-480A-B00C-307021D3394E}"/>
+              </a:ext>
+            </a:extLst>
+          </p:cNvPr>
+          <p:cNvSpPr txBox="1"/>
+          <p:nvPr/>
+        </p:nvSpPr>
+        <p:spPr>
+          <a:xfrm>
+            <a:off x="939800" y="5255882"/>
+            <a:ext cx="7594600" cy="923330"/>
+          </a:xfrm>
+          <a:prstGeom prst="rect">
+            <a:avLst/>
+          </a:prstGeom>
+          <a:noFill/>
+        </p:spPr>
+        <p:txBody>
+          <a:bodyPr wrap="square" rtlCol="0">
+            <a:spAutoFit/>
+          </a:bodyPr>
+          <a:lstStyle/>
+          <a:p>
+            <a:pPr algn="just"/>
+            <a:r>
+              <a:rPr lang="en-US" dirty="0"/>
+              <a:t>High Rated Hotel </a:t>
+            </a:r>
+          </a:p>
+          <a:p>
+            <a:pPr algn="just"/>
+            <a:r>
+              <a:rPr lang="en-US" dirty="0"/>
+              <a:t>23 Hotels</a:t>
+            </a:r>
+          </a:p>
+          <a:p>
+            <a:pPr algn="just"/>
+            <a:r>
+              <a:rPr lang="en-US" dirty="0"/>
+              <a:t>965 Reviews</a:t>
+            </a:r>
+          </a:p>
+        </p:txBody>
+      </p:sp>
+    </p:spTree>
+    <p:extLst>
+      <p:ext uri="{BB962C8B-B14F-4D97-AF65-F5344CB8AC3E}">
+        <p14:creationId xmlns:p14="http://schemas.microsoft.com/office/powerpoint/2010/main" val="4238825616"/>
+      </p:ext>
+    </p:extLst>
+  </p:cSld>
+  <p:clrMapOvr>
+    <a:masterClrMapping/>
+  </p:clrMapOvr>
+</p:sld>
+</file>
+
+<file path=ppt/slides/slide15.xml><?xml version="1.0" encoding="utf-8"?>
+<p:sld xmlns:a="http://schemas.openxmlformats.org/drawingml/2006/main" xmlns:r="http://schemas.openxmlformats.org/officeDocument/2006/relationships" xmlns:p="http://schemas.openxmlformats.org/presentationml/2006/main">
+  <p:cSld>
+    <p:spTree>
+      <p:nvGrpSpPr>
+        <p:cNvPr id="1" name=""/>
+        <p:cNvGrpSpPr/>
+        <p:nvPr/>
+      </p:nvGrpSpPr>
+      <p:grpSpPr>
+        <a:xfrm>
+          <a:off x="0" y="0"/>
+          <a:ext cx="0" cy="0"/>
+          <a:chOff x="0" y="0"/>
+          <a:chExt cx="0" cy="0"/>
+        </a:xfrm>
+      </p:grpSpPr>
+      <p:sp>
+        <p:nvSpPr>
+          <p:cNvPr id="4" name="Title 1">
+            <a:extLst>
+              <a:ext uri="{FF2B5EF4-FFF2-40B4-BE49-F238E27FC236}">
+                <a16:creationId xmlns:a16="http://schemas.microsoft.com/office/drawing/2014/main" id="{2FF090D0-F99F-4C3B-8440-C4079F3DA72E}"/>
+              </a:ext>
+            </a:extLst>
+          </p:cNvPr>
+          <p:cNvSpPr>
+            <a:spLocks noGrp="1"/>
+          </p:cNvSpPr>
+          <p:nvPr>
+            <p:ph type="title"/>
+          </p:nvPr>
+        </p:nvSpPr>
+        <p:spPr/>
+        <p:txBody>
+          <a:bodyPr>
+            <a:normAutofit/>
+          </a:bodyPr>
+          <a:lstStyle/>
+          <a:p>
+            <a:r>
+              <a:rPr lang="en-US" sz="3600" dirty="0"/>
+              <a:t>What Makes Differences Between Low Rated Hotels and High Rated Hotels?</a:t>
+            </a:r>
+          </a:p>
+        </p:txBody>
+      </p:sp>
+      <p:pic>
+        <p:nvPicPr>
+          <p:cNvPr id="6" name="Picture 5">
+            <a:extLst>
+              <a:ext uri="{FF2B5EF4-FFF2-40B4-BE49-F238E27FC236}">
+                <a16:creationId xmlns:a16="http://schemas.microsoft.com/office/drawing/2014/main" id="{2E93FAC4-DA83-4622-8EF8-CC43BDD02337}"/>
+              </a:ext>
+            </a:extLst>
+          </p:cNvPr>
+          <p:cNvPicPr>
+            <a:picLocks noChangeAspect="1"/>
+          </p:cNvPicPr>
+          <p:nvPr/>
+        </p:nvPicPr>
+        <p:blipFill>
+          <a:blip r:embed="rId2"/>
+          <a:stretch>
+            <a:fillRect/>
+          </a:stretch>
+        </p:blipFill>
+        <p:spPr>
+          <a:xfrm>
+            <a:off x="939800" y="3066193"/>
+            <a:ext cx="2618459" cy="2378861"/>
+          </a:xfrm>
+          <a:prstGeom prst="rect">
+            <a:avLst/>
+          </a:prstGeom>
+        </p:spPr>
+      </p:pic>
+      <p:pic>
+        <p:nvPicPr>
+          <p:cNvPr id="10" name="Picture 9">
+            <a:extLst>
+              <a:ext uri="{FF2B5EF4-FFF2-40B4-BE49-F238E27FC236}">
+                <a16:creationId xmlns:a16="http://schemas.microsoft.com/office/drawing/2014/main" id="{9851809A-0C86-4C85-8AC2-506B72A2E8D1}"/>
+              </a:ext>
+            </a:extLst>
+          </p:cNvPr>
+          <p:cNvPicPr>
+            <a:picLocks noChangeAspect="1"/>
+          </p:cNvPicPr>
+          <p:nvPr/>
+        </p:nvPicPr>
+        <p:blipFill>
+          <a:blip r:embed="rId3"/>
+          <a:stretch>
+            <a:fillRect/>
+          </a:stretch>
+        </p:blipFill>
+        <p:spPr>
+          <a:xfrm>
+            <a:off x="3771900" y="3021029"/>
+            <a:ext cx="2618459" cy="2469188"/>
+          </a:xfrm>
+          <a:prstGeom prst="rect">
+            <a:avLst/>
+          </a:prstGeom>
+        </p:spPr>
+      </p:pic>
+      <p:sp>
+        <p:nvSpPr>
+          <p:cNvPr id="17" name="TextBox 16">
+            <a:extLst>
+              <a:ext uri="{FF2B5EF4-FFF2-40B4-BE49-F238E27FC236}">
+                <a16:creationId xmlns:a16="http://schemas.microsoft.com/office/drawing/2014/main" id="{A10AEF13-AF4F-4117-8835-48C05FB14628}"/>
+              </a:ext>
+            </a:extLst>
+          </p:cNvPr>
+          <p:cNvSpPr txBox="1"/>
+          <p:nvPr/>
+        </p:nvSpPr>
+        <p:spPr>
+          <a:xfrm>
+            <a:off x="1256754" y="2660349"/>
+            <a:ext cx="2301505" cy="369332"/>
+          </a:xfrm>
+          <a:prstGeom prst="rect">
+            <a:avLst/>
+          </a:prstGeom>
+          <a:noFill/>
+        </p:spPr>
+        <p:txBody>
+          <a:bodyPr wrap="square" rtlCol="0">
+            <a:spAutoFit/>
+          </a:bodyPr>
+          <a:lstStyle/>
+          <a:p>
+            <a:r>
+              <a:rPr lang="en-US" dirty="0"/>
+              <a:t>Low Rated Hotels</a:t>
+            </a:r>
+          </a:p>
+        </p:txBody>
+      </p:sp>
+      <p:sp>
+        <p:nvSpPr>
+          <p:cNvPr id="18" name="TextBox 17">
+            <a:extLst>
+              <a:ext uri="{FF2B5EF4-FFF2-40B4-BE49-F238E27FC236}">
+                <a16:creationId xmlns:a16="http://schemas.microsoft.com/office/drawing/2014/main" id="{790BA785-BD8D-405A-94D7-99ABD54BDB85}"/>
+              </a:ext>
+            </a:extLst>
+          </p:cNvPr>
+          <p:cNvSpPr txBox="1"/>
+          <p:nvPr/>
+        </p:nvSpPr>
+        <p:spPr>
+          <a:xfrm>
+            <a:off x="4088854" y="2660349"/>
+            <a:ext cx="2301505" cy="369332"/>
+          </a:xfrm>
+          <a:prstGeom prst="rect">
+            <a:avLst/>
+          </a:prstGeom>
+          <a:noFill/>
+        </p:spPr>
+        <p:txBody>
+          <a:bodyPr wrap="square" rtlCol="0">
+            <a:spAutoFit/>
+          </a:bodyPr>
+          <a:lstStyle/>
+          <a:p>
+            <a:r>
+              <a:rPr lang="en-US" dirty="0"/>
+              <a:t>High Rated Hotels</a:t>
+            </a:r>
+          </a:p>
+        </p:txBody>
+      </p:sp>
+      <p:pic>
+        <p:nvPicPr>
+          <p:cNvPr id="5" name="Picture 4">
+            <a:extLst>
+              <a:ext uri="{FF2B5EF4-FFF2-40B4-BE49-F238E27FC236}">
+                <a16:creationId xmlns:a16="http://schemas.microsoft.com/office/drawing/2014/main" id="{84EF939E-5C3E-461A-8D11-8F5C89426382}"/>
+              </a:ext>
+            </a:extLst>
+          </p:cNvPr>
+          <p:cNvPicPr>
+            <a:picLocks noChangeAspect="1"/>
+          </p:cNvPicPr>
+          <p:nvPr/>
+        </p:nvPicPr>
+        <p:blipFill>
+          <a:blip r:embed="rId4"/>
+          <a:stretch>
+            <a:fillRect/>
+          </a:stretch>
+        </p:blipFill>
+        <p:spPr>
+          <a:xfrm>
+            <a:off x="7300824" y="2407035"/>
+            <a:ext cx="3686175" cy="3390900"/>
+          </a:xfrm>
+          <a:prstGeom prst="rect">
+            <a:avLst/>
+          </a:prstGeom>
+        </p:spPr>
+      </p:pic>
+    </p:spTree>
+    <p:extLst>
+      <p:ext uri="{BB962C8B-B14F-4D97-AF65-F5344CB8AC3E}">
+        <p14:creationId xmlns:p14="http://schemas.microsoft.com/office/powerpoint/2010/main" val="3586211144"/>
+      </p:ext>
+    </p:extLst>
+  </p:cSld>
+  <p:clrMapOvr>
+    <a:masterClrMapping/>
+  </p:clrMapOvr>
+</p:sld>
+</file>
+
+<file path=ppt/slides/slide16.xml><?xml version="1.0" encoding="utf-8"?>
+<p:sld xmlns:a="http://schemas.openxmlformats.org/drawingml/2006/main" xmlns:r="http://schemas.openxmlformats.org/officeDocument/2006/relationships" xmlns:p="http://schemas.openxmlformats.org/presentationml/2006/main">
+  <p:cSld>
+    <p:spTree>
+      <p:nvGrpSpPr>
+        <p:cNvPr id="1" name=""/>
+        <p:cNvGrpSpPr/>
+        <p:nvPr/>
+      </p:nvGrpSpPr>
+      <p:grpSpPr>
+        <a:xfrm>
+          <a:off x="0" y="0"/>
+          <a:ext cx="0" cy="0"/>
+          <a:chOff x="0" y="0"/>
+          <a:chExt cx="0" cy="0"/>
+        </a:xfrm>
+      </p:grpSpPr>
+      <p:sp>
+        <p:nvSpPr>
+          <p:cNvPr id="4" name="Title 1">
+            <a:extLst>
+              <a:ext uri="{FF2B5EF4-FFF2-40B4-BE49-F238E27FC236}">
+                <a16:creationId xmlns:a16="http://schemas.microsoft.com/office/drawing/2014/main" id="{2FF090D0-F99F-4C3B-8440-C4079F3DA72E}"/>
+              </a:ext>
+            </a:extLst>
+          </p:cNvPr>
+          <p:cNvSpPr>
+            <a:spLocks noGrp="1"/>
+          </p:cNvSpPr>
+          <p:nvPr>
+            <p:ph type="title"/>
+          </p:nvPr>
+        </p:nvSpPr>
+        <p:spPr/>
+        <p:txBody>
+          <a:bodyPr>
+            <a:normAutofit/>
+          </a:bodyPr>
+          <a:lstStyle/>
+          <a:p>
+            <a:r>
+              <a:rPr lang="en-US" sz="3600" dirty="0"/>
+              <a:t>SELECTED Words</a:t>
+            </a:r>
+          </a:p>
+        </p:txBody>
+      </p:sp>
+      <p:sp>
+        <p:nvSpPr>
+          <p:cNvPr id="12" name="TextBox 11">
+            <a:extLst>
+              <a:ext uri="{FF2B5EF4-FFF2-40B4-BE49-F238E27FC236}">
+                <a16:creationId xmlns:a16="http://schemas.microsoft.com/office/drawing/2014/main" id="{29116E2B-9C50-4E98-8AF7-37E156839303}"/>
+              </a:ext>
+            </a:extLst>
+          </p:cNvPr>
+          <p:cNvSpPr txBox="1"/>
+          <p:nvPr/>
+        </p:nvSpPr>
+        <p:spPr>
+          <a:xfrm>
+            <a:off x="939800" y="2130599"/>
+            <a:ext cx="6844716" cy="646331"/>
+          </a:xfrm>
+          <a:prstGeom prst="rect">
+            <a:avLst/>
+          </a:prstGeom>
+          <a:noFill/>
+        </p:spPr>
+        <p:txBody>
+          <a:bodyPr wrap="square" rtlCol="0">
+            <a:spAutoFit/>
+          </a:bodyPr>
+          <a:lstStyle/>
+          <a:p>
+            <a:pPr algn="just"/>
+            <a:r>
+              <a:rPr lang="en-US" dirty="0"/>
+              <a:t>1. Words Associated With Service</a:t>
+            </a:r>
+          </a:p>
+          <a:p>
+            <a:pPr algn="just"/>
+            <a:r>
+              <a:rPr lang="en-US" dirty="0"/>
+              <a:t>Staff, Manager, Breakfast, Booked, Money, and Desk</a:t>
+            </a:r>
+          </a:p>
+        </p:txBody>
+      </p:sp>
+      <p:sp>
+        <p:nvSpPr>
+          <p:cNvPr id="13" name="TextBox 12">
+            <a:extLst>
+              <a:ext uri="{FF2B5EF4-FFF2-40B4-BE49-F238E27FC236}">
+                <a16:creationId xmlns:a16="http://schemas.microsoft.com/office/drawing/2014/main" id="{65D0E1CE-54A8-46C6-AA27-2C9D32544B45}"/>
+              </a:ext>
+            </a:extLst>
+          </p:cNvPr>
+          <p:cNvSpPr txBox="1"/>
+          <p:nvPr/>
+        </p:nvSpPr>
+        <p:spPr>
+          <a:xfrm>
+            <a:off x="939800" y="3059668"/>
+            <a:ext cx="6844716" cy="646331"/>
+          </a:xfrm>
+          <a:prstGeom prst="rect">
+            <a:avLst/>
+          </a:prstGeom>
+          <a:noFill/>
+        </p:spPr>
+        <p:txBody>
+          <a:bodyPr wrap="square" rtlCol="0">
+            <a:spAutoFit/>
+          </a:bodyPr>
+          <a:lstStyle/>
+          <a:p>
+            <a:pPr algn="just"/>
+            <a:r>
+              <a:rPr lang="en-US" dirty="0"/>
+              <a:t>2. Words Associated With Facility</a:t>
+            </a:r>
+          </a:p>
+          <a:p>
+            <a:pPr algn="just"/>
+            <a:r>
+              <a:rPr lang="en-US" dirty="0"/>
+              <a:t>Wall, Parking and Toilet</a:t>
+            </a:r>
+          </a:p>
+        </p:txBody>
+      </p:sp>
+      <p:sp>
+        <p:nvSpPr>
+          <p:cNvPr id="14" name="TextBox 13">
+            <a:extLst>
+              <a:ext uri="{FF2B5EF4-FFF2-40B4-BE49-F238E27FC236}">
+                <a16:creationId xmlns:a16="http://schemas.microsoft.com/office/drawing/2014/main" id="{D342A983-2FB8-42DF-B31E-D8DC451D8898}"/>
+              </a:ext>
+            </a:extLst>
+          </p:cNvPr>
+          <p:cNvSpPr txBox="1"/>
+          <p:nvPr/>
+        </p:nvSpPr>
+        <p:spPr>
+          <a:xfrm>
+            <a:off x="939800" y="3988737"/>
+            <a:ext cx="6844716" cy="646331"/>
+          </a:xfrm>
+          <a:prstGeom prst="rect">
+            <a:avLst/>
+          </a:prstGeom>
+          <a:noFill/>
+        </p:spPr>
+        <p:txBody>
+          <a:bodyPr wrap="square" rtlCol="0">
+            <a:spAutoFit/>
+          </a:bodyPr>
+          <a:lstStyle/>
+          <a:p>
+            <a:pPr algn="just"/>
+            <a:r>
+              <a:rPr lang="en-US" dirty="0"/>
+              <a:t>3. Words Associated With Location</a:t>
+            </a:r>
+          </a:p>
+          <a:p>
+            <a:pPr algn="just"/>
+            <a:r>
+              <a:rPr lang="en-US" dirty="0"/>
+              <a:t>Restaurant, Downtown, Bar and Location</a:t>
+            </a:r>
+          </a:p>
+        </p:txBody>
+      </p:sp>
+      <p:sp>
+        <p:nvSpPr>
+          <p:cNvPr id="15" name="TextBox 14">
+            <a:extLst>
+              <a:ext uri="{FF2B5EF4-FFF2-40B4-BE49-F238E27FC236}">
+                <a16:creationId xmlns:a16="http://schemas.microsoft.com/office/drawing/2014/main" id="{A821D9D0-5697-4602-BF3C-9A167559DCA0}"/>
+              </a:ext>
+            </a:extLst>
+          </p:cNvPr>
+          <p:cNvSpPr txBox="1"/>
+          <p:nvPr/>
+        </p:nvSpPr>
+        <p:spPr>
+          <a:xfrm>
+            <a:off x="939800" y="4917806"/>
+            <a:ext cx="7556500" cy="646331"/>
+          </a:xfrm>
+          <a:prstGeom prst="rect">
+            <a:avLst/>
+          </a:prstGeom>
+          <a:noFill/>
+        </p:spPr>
+        <p:txBody>
+          <a:bodyPr wrap="square" rtlCol="0">
+            <a:spAutoFit/>
+          </a:bodyPr>
+          <a:lstStyle/>
+          <a:p>
+            <a:pPr algn="just"/>
+            <a:r>
+              <a:rPr lang="en-US" dirty="0"/>
+              <a:t>4. Words Associated With Atmosphere</a:t>
+            </a:r>
+          </a:p>
+          <a:p>
+            <a:pPr algn="just"/>
+            <a:r>
+              <a:rPr lang="en-US" dirty="0"/>
+              <a:t>Modern, Clean, Pretty, Comfortable, Spacious, Quiet, Comfy, Smell and Dirty</a:t>
+            </a:r>
+          </a:p>
+        </p:txBody>
+      </p:sp>
+    </p:spTree>
+    <p:extLst>
+      <p:ext uri="{BB962C8B-B14F-4D97-AF65-F5344CB8AC3E}">
+        <p14:creationId xmlns:p14="http://schemas.microsoft.com/office/powerpoint/2010/main" val="1399951200"/>
+      </p:ext>
+    </p:extLst>
+  </p:cSld>
+  <p:clrMapOvr>
+    <a:masterClrMapping/>
+  </p:clrMapOvr>
+</p:sld>
+</file>
+
+<file path=ppt/slides/slide17.xml><?xml version="1.0" encoding="utf-8"?>
+<p:sld xmlns:a="http://schemas.openxmlformats.org/drawingml/2006/main" xmlns:r="http://schemas.openxmlformats.org/officeDocument/2006/relationships" xmlns:p="http://schemas.openxmlformats.org/presentationml/2006/main">
+  <p:cSld>
+    <p:spTree>
+      <p:nvGrpSpPr>
+        <p:cNvPr id="1" name=""/>
+        <p:cNvGrpSpPr/>
+        <p:nvPr/>
+      </p:nvGrpSpPr>
+      <p:grpSpPr>
+        <a:xfrm>
+          <a:off x="0" y="0"/>
+          <a:ext cx="0" cy="0"/>
+          <a:chOff x="0" y="0"/>
+          <a:chExt cx="0" cy="0"/>
+        </a:xfrm>
+      </p:grpSpPr>
+      <p:sp>
+        <p:nvSpPr>
+          <p:cNvPr id="4" name="Title 1">
+            <a:extLst>
+              <a:ext uri="{FF2B5EF4-FFF2-40B4-BE49-F238E27FC236}">
+                <a16:creationId xmlns:a16="http://schemas.microsoft.com/office/drawing/2014/main" id="{2FF090D0-F99F-4C3B-8440-C4079F3DA72E}"/>
+              </a:ext>
+            </a:extLst>
+          </p:cNvPr>
+          <p:cNvSpPr>
+            <a:spLocks noGrp="1"/>
+          </p:cNvSpPr>
+          <p:nvPr>
+            <p:ph type="title"/>
+          </p:nvPr>
+        </p:nvSpPr>
+        <p:spPr/>
+        <p:txBody>
+          <a:bodyPr>
+            <a:normAutofit/>
+          </a:bodyPr>
+          <a:lstStyle/>
+          <a:p>
+            <a:r>
+              <a:rPr lang="en-US" sz="3600" dirty="0"/>
+              <a:t>The words that makes difference</a:t>
+            </a:r>
+          </a:p>
+        </p:txBody>
+      </p:sp>
+      <p:pic>
+        <p:nvPicPr>
+          <p:cNvPr id="6" name="Picture 5">
+            <a:extLst>
+              <a:ext uri="{FF2B5EF4-FFF2-40B4-BE49-F238E27FC236}">
+                <a16:creationId xmlns:a16="http://schemas.microsoft.com/office/drawing/2014/main" id="{1B1B1FA3-66B5-486A-B7B8-3F25E42F87A6}"/>
+              </a:ext>
+            </a:extLst>
+          </p:cNvPr>
+          <p:cNvPicPr>
+            <a:picLocks noChangeAspect="1"/>
+          </p:cNvPicPr>
+          <p:nvPr/>
+        </p:nvPicPr>
+        <p:blipFill>
+          <a:blip r:embed="rId2"/>
+          <a:stretch>
+            <a:fillRect/>
+          </a:stretch>
+        </p:blipFill>
+        <p:spPr>
+          <a:xfrm>
+            <a:off x="236134" y="2748506"/>
+            <a:ext cx="3202391" cy="2183448"/>
+          </a:xfrm>
+          <a:prstGeom prst="rect">
+            <a:avLst/>
+          </a:prstGeom>
+        </p:spPr>
+      </p:pic>
+      <p:pic>
+        <p:nvPicPr>
+          <p:cNvPr id="19" name="Picture 18">
+            <a:extLst>
+              <a:ext uri="{FF2B5EF4-FFF2-40B4-BE49-F238E27FC236}">
+                <a16:creationId xmlns:a16="http://schemas.microsoft.com/office/drawing/2014/main" id="{02E8DF6F-480B-4B9B-8EF8-5F2CD44FD968}"/>
+              </a:ext>
+            </a:extLst>
+          </p:cNvPr>
+          <p:cNvPicPr>
+            <a:picLocks noChangeAspect="1"/>
+          </p:cNvPicPr>
+          <p:nvPr/>
+        </p:nvPicPr>
+        <p:blipFill>
+          <a:blip r:embed="rId3"/>
+          <a:stretch>
+            <a:fillRect/>
+          </a:stretch>
+        </p:blipFill>
+        <p:spPr>
+          <a:xfrm>
+            <a:off x="3700060" y="1898292"/>
+            <a:ext cx="3748490" cy="1125433"/>
+          </a:xfrm>
+          <a:prstGeom prst="rect">
+            <a:avLst/>
+          </a:prstGeom>
+        </p:spPr>
+      </p:pic>
+      <p:pic>
+        <p:nvPicPr>
+          <p:cNvPr id="21" name="Picture 20">
+            <a:extLst>
+              <a:ext uri="{FF2B5EF4-FFF2-40B4-BE49-F238E27FC236}">
+                <a16:creationId xmlns:a16="http://schemas.microsoft.com/office/drawing/2014/main" id="{B2E69D6E-8DBD-471E-B1EE-D4F619D80840}"/>
+              </a:ext>
+            </a:extLst>
+          </p:cNvPr>
+          <p:cNvPicPr>
+            <a:picLocks noChangeAspect="1"/>
+          </p:cNvPicPr>
+          <p:nvPr/>
+        </p:nvPicPr>
+        <p:blipFill>
+          <a:blip r:embed="rId4"/>
+          <a:stretch>
+            <a:fillRect/>
+          </a:stretch>
+        </p:blipFill>
+        <p:spPr>
+          <a:xfrm>
+            <a:off x="3700060" y="3112158"/>
+            <a:ext cx="3748490" cy="1225293"/>
+          </a:xfrm>
+          <a:prstGeom prst="rect">
+            <a:avLst/>
+          </a:prstGeom>
+        </p:spPr>
+      </p:pic>
+      <p:pic>
+        <p:nvPicPr>
+          <p:cNvPr id="23" name="Picture 22">
+            <a:extLst>
+              <a:ext uri="{FF2B5EF4-FFF2-40B4-BE49-F238E27FC236}">
+                <a16:creationId xmlns:a16="http://schemas.microsoft.com/office/drawing/2014/main" id="{D69F5332-4C61-42A5-9A8E-2758FD3699D1}"/>
+              </a:ext>
+            </a:extLst>
+          </p:cNvPr>
+          <p:cNvPicPr>
+            <a:picLocks noChangeAspect="1"/>
+          </p:cNvPicPr>
+          <p:nvPr/>
+        </p:nvPicPr>
+        <p:blipFill>
+          <a:blip r:embed="rId5"/>
+          <a:stretch>
+            <a:fillRect/>
+          </a:stretch>
+        </p:blipFill>
+        <p:spPr>
+          <a:xfrm>
+            <a:off x="3700060" y="4430504"/>
+            <a:ext cx="3748490" cy="1149172"/>
+          </a:xfrm>
+          <a:prstGeom prst="rect">
+            <a:avLst/>
+          </a:prstGeom>
+        </p:spPr>
+      </p:pic>
+      <p:pic>
+        <p:nvPicPr>
+          <p:cNvPr id="25" name="Picture 24">
+            <a:extLst>
+              <a:ext uri="{FF2B5EF4-FFF2-40B4-BE49-F238E27FC236}">
+                <a16:creationId xmlns:a16="http://schemas.microsoft.com/office/drawing/2014/main" id="{6696E618-DC60-4482-9FB0-2DD4A993C589}"/>
+              </a:ext>
+            </a:extLst>
+          </p:cNvPr>
+          <p:cNvPicPr>
+            <a:picLocks noChangeAspect="1"/>
+          </p:cNvPicPr>
+          <p:nvPr/>
+        </p:nvPicPr>
+        <p:blipFill>
+          <a:blip r:embed="rId6"/>
+          <a:stretch>
+            <a:fillRect/>
+          </a:stretch>
+        </p:blipFill>
+        <p:spPr>
+          <a:xfrm>
+            <a:off x="7615238" y="1898292"/>
+            <a:ext cx="3624425" cy="1125433"/>
+          </a:xfrm>
+          <a:prstGeom prst="rect">
+            <a:avLst/>
+          </a:prstGeom>
+        </p:spPr>
+      </p:pic>
+      <p:pic>
+        <p:nvPicPr>
+          <p:cNvPr id="27" name="Picture 26">
+            <a:extLst>
+              <a:ext uri="{FF2B5EF4-FFF2-40B4-BE49-F238E27FC236}">
+                <a16:creationId xmlns:a16="http://schemas.microsoft.com/office/drawing/2014/main" id="{3E3DBBD4-C8D1-4F19-BC8B-D84CC61A5100}"/>
+              </a:ext>
+            </a:extLst>
+          </p:cNvPr>
+          <p:cNvPicPr>
+            <a:picLocks noChangeAspect="1"/>
+          </p:cNvPicPr>
+          <p:nvPr/>
+        </p:nvPicPr>
+        <p:blipFill>
+          <a:blip r:embed="rId7"/>
+          <a:stretch>
+            <a:fillRect/>
+          </a:stretch>
+        </p:blipFill>
+        <p:spPr>
+          <a:xfrm>
+            <a:off x="7615238" y="3129082"/>
+            <a:ext cx="3624425" cy="1134832"/>
+          </a:xfrm>
+          <a:prstGeom prst="rect">
+            <a:avLst/>
+          </a:prstGeom>
+        </p:spPr>
+      </p:pic>
+      <p:pic>
+        <p:nvPicPr>
+          <p:cNvPr id="29" name="Picture 28">
+            <a:extLst>
+              <a:ext uri="{FF2B5EF4-FFF2-40B4-BE49-F238E27FC236}">
+                <a16:creationId xmlns:a16="http://schemas.microsoft.com/office/drawing/2014/main" id="{0FD719CC-211B-48F0-ACC4-3F4DB7BF8795}"/>
+              </a:ext>
+            </a:extLst>
+          </p:cNvPr>
+          <p:cNvPicPr>
+            <a:picLocks noChangeAspect="1"/>
+          </p:cNvPicPr>
+          <p:nvPr/>
+        </p:nvPicPr>
+        <p:blipFill>
+          <a:blip r:embed="rId8"/>
+          <a:stretch>
+            <a:fillRect/>
+          </a:stretch>
+        </p:blipFill>
+        <p:spPr>
+          <a:xfrm>
+            <a:off x="7615238" y="4430504"/>
+            <a:ext cx="3624425" cy="1137075"/>
+          </a:xfrm>
+          <a:prstGeom prst="rect">
+            <a:avLst/>
+          </a:prstGeom>
+        </p:spPr>
+      </p:pic>
+      <p:sp>
+        <p:nvSpPr>
+          <p:cNvPr id="30" name="TextBox 29">
+            <a:extLst>
+              <a:ext uri="{FF2B5EF4-FFF2-40B4-BE49-F238E27FC236}">
+                <a16:creationId xmlns:a16="http://schemas.microsoft.com/office/drawing/2014/main" id="{56EC4783-3625-4DEC-9C67-7DF53C06539F}"/>
+              </a:ext>
+            </a:extLst>
+          </p:cNvPr>
+          <p:cNvSpPr txBox="1"/>
+          <p:nvPr/>
+        </p:nvSpPr>
+        <p:spPr>
+          <a:xfrm>
+            <a:off x="2899321" y="5851013"/>
+            <a:ext cx="6391275" cy="369332"/>
+          </a:xfrm>
+          <a:prstGeom prst="rect">
+            <a:avLst/>
+          </a:prstGeom>
+          <a:noFill/>
+        </p:spPr>
+        <p:txBody>
+          <a:bodyPr wrap="square" rtlCol="0">
+            <a:spAutoFit/>
+          </a:bodyPr>
+          <a:lstStyle/>
+          <a:p>
+            <a:r>
+              <a:rPr lang="en-US" dirty="0"/>
+              <a:t>Money, breakfast, parking, location, comfortable, spacious</a:t>
+            </a:r>
+          </a:p>
+        </p:txBody>
+      </p:sp>
+    </p:spTree>
+    <p:extLst>
+      <p:ext uri="{BB962C8B-B14F-4D97-AF65-F5344CB8AC3E}">
+        <p14:creationId xmlns:p14="http://schemas.microsoft.com/office/powerpoint/2010/main" val="3731418940"/>
+      </p:ext>
+    </p:extLst>
+  </p:cSld>
+  <p:clrMapOvr>
+    <a:masterClrMapping/>
+  </p:clrMapOvr>
+</p:sld>
+</file>
+
+<file path=ppt/slides/slide18.xml><?xml version="1.0" encoding="utf-8"?>
+<p:sld xmlns:a="http://schemas.openxmlformats.org/drawingml/2006/main" xmlns:r="http://schemas.openxmlformats.org/officeDocument/2006/relationships" xmlns:p="http://schemas.openxmlformats.org/presentationml/2006/main">
+  <p:cSld>
+    <p:spTree>
+      <p:nvGrpSpPr>
+        <p:cNvPr id="1" name=""/>
+        <p:cNvGrpSpPr/>
+        <p:nvPr/>
+      </p:nvGrpSpPr>
+      <p:grpSpPr>
+        <a:xfrm>
+          <a:off x="0" y="0"/>
+          <a:ext cx="0" cy="0"/>
+          <a:chOff x="0" y="0"/>
+          <a:chExt cx="0" cy="0"/>
+        </a:xfrm>
+      </p:grpSpPr>
+      <p:sp>
+        <p:nvSpPr>
+          <p:cNvPr id="4" name="Title 1">
+            <a:extLst>
+              <a:ext uri="{FF2B5EF4-FFF2-40B4-BE49-F238E27FC236}">
+                <a16:creationId xmlns:a16="http://schemas.microsoft.com/office/drawing/2014/main" id="{2FF090D0-F99F-4C3B-8440-C4079F3DA72E}"/>
+              </a:ext>
+            </a:extLst>
+          </p:cNvPr>
+          <p:cNvSpPr>
+            <a:spLocks noGrp="1"/>
+          </p:cNvSpPr>
+          <p:nvPr>
+            <p:ph type="title"/>
+          </p:nvPr>
+        </p:nvSpPr>
+        <p:spPr/>
+        <p:txBody>
+          <a:bodyPr>
+            <a:normAutofit/>
+          </a:bodyPr>
+          <a:lstStyle/>
+          <a:p>
+            <a:r>
+              <a:rPr lang="en-US" sz="3600" dirty="0"/>
+              <a:t>The words that makes difference</a:t>
+            </a:r>
+          </a:p>
+        </p:txBody>
+      </p:sp>
+      <p:sp>
+        <p:nvSpPr>
+          <p:cNvPr id="30" name="TextBox 29">
+            <a:extLst>
+              <a:ext uri="{FF2B5EF4-FFF2-40B4-BE49-F238E27FC236}">
+                <a16:creationId xmlns:a16="http://schemas.microsoft.com/office/drawing/2014/main" id="{56EC4783-3625-4DEC-9C67-7DF53C06539F}"/>
+              </a:ext>
+            </a:extLst>
+          </p:cNvPr>
+          <p:cNvSpPr txBox="1"/>
+          <p:nvPr/>
+        </p:nvSpPr>
+        <p:spPr>
+          <a:xfrm>
+            <a:off x="394246" y="2041013"/>
+            <a:ext cx="6391275" cy="369332"/>
+          </a:xfrm>
+          <a:prstGeom prst="rect">
+            <a:avLst/>
+          </a:prstGeom>
+          <a:noFill/>
+        </p:spPr>
+        <p:txBody>
+          <a:bodyPr wrap="square" rtlCol="0">
+            <a:spAutoFit/>
+          </a:bodyPr>
+          <a:lstStyle/>
+          <a:p>
+            <a:r>
+              <a:rPr lang="en-US" dirty="0"/>
+              <a:t>Money, breakfast, parking, location, comfortable, spacious</a:t>
+            </a:r>
+          </a:p>
+        </p:txBody>
+      </p:sp>
+      <p:graphicFrame>
+        <p:nvGraphicFramePr>
+          <p:cNvPr id="2" name="Table 2">
+            <a:extLst>
+              <a:ext uri="{FF2B5EF4-FFF2-40B4-BE49-F238E27FC236}">
+                <a16:creationId xmlns:a16="http://schemas.microsoft.com/office/drawing/2014/main" id="{DFCC3B94-F0E2-4F00-A77C-0DC044B220D1}"/>
+              </a:ext>
+            </a:extLst>
+          </p:cNvPr>
+          <p:cNvGraphicFramePr>
+            <a:graphicFrameLocks noGrp="1"/>
+          </p:cNvGraphicFramePr>
+          <p:nvPr>
+            <p:extLst>
+              <p:ext uri="{D42A27DB-BD31-4B8C-83A1-F6EECF244321}">
+                <p14:modId xmlns:p14="http://schemas.microsoft.com/office/powerpoint/2010/main" val="324770275"/>
+              </p:ext>
+            </p:extLst>
+          </p:nvPr>
+        </p:nvGraphicFramePr>
+        <p:xfrm>
+          <a:off x="1708696" y="2874109"/>
+          <a:ext cx="5528368" cy="2589489"/>
+        </p:xfrm>
+        <a:graphic>
+          <a:graphicData uri="http://schemas.openxmlformats.org/drawingml/2006/table">
+            <a:tbl>
+              <a:tblPr firstRow="1" bandRow="1">
+                <a:tableStyleId>{21E4AEA4-8DFA-4A89-87EB-49C32662AFE0}</a:tableStyleId>
+              </a:tblPr>
+              <a:tblGrid>
+                <a:gridCol w="1382092">
+                  <a:extLst>
+                    <a:ext uri="{9D8B030D-6E8A-4147-A177-3AD203B41FA5}">
+                      <a16:colId xmlns:a16="http://schemas.microsoft.com/office/drawing/2014/main" val="2257105138"/>
+                    </a:ext>
+                  </a:extLst>
+                </a:gridCol>
+                <a:gridCol w="1382092">
+                  <a:extLst>
+                    <a:ext uri="{9D8B030D-6E8A-4147-A177-3AD203B41FA5}">
+                      <a16:colId xmlns:a16="http://schemas.microsoft.com/office/drawing/2014/main" val="385332343"/>
+                    </a:ext>
+                  </a:extLst>
+                </a:gridCol>
+                <a:gridCol w="1382092">
+                  <a:extLst>
+                    <a:ext uri="{9D8B030D-6E8A-4147-A177-3AD203B41FA5}">
+                      <a16:colId xmlns:a16="http://schemas.microsoft.com/office/drawing/2014/main" val="3795536337"/>
+                    </a:ext>
+                  </a:extLst>
+                </a:gridCol>
+                <a:gridCol w="1382092">
+                  <a:extLst>
+                    <a:ext uri="{9D8B030D-6E8A-4147-A177-3AD203B41FA5}">
+                      <a16:colId xmlns:a16="http://schemas.microsoft.com/office/drawing/2014/main" val="1838484444"/>
+                    </a:ext>
+                  </a:extLst>
+                </a:gridCol>
+              </a:tblGrid>
+              <a:tr h="369927">
+                <a:tc>
+                  <a:txBody>
+                    <a:bodyPr/>
+                    <a:lstStyle/>
+                    <a:p>
+                      <a:pPr algn="ctr"/>
+                      <a:r>
+                        <a:rPr lang="en-US" dirty="0"/>
+                        <a:t>Star</a:t>
+                      </a:r>
+                    </a:p>
+                  </a:txBody>
+                  <a:tcPr/>
+                </a:tc>
+                <a:tc>
+                  <a:txBody>
+                    <a:bodyPr/>
+                    <a:lstStyle/>
+                    <a:p>
+                      <a:pPr algn="ctr"/>
+                      <a:r>
+                        <a:rPr lang="en-US" dirty="0"/>
+                        <a:t>3</a:t>
+                      </a:r>
+                    </a:p>
+                  </a:txBody>
+                  <a:tcPr/>
+                </a:tc>
+                <a:tc>
+                  <a:txBody>
+                    <a:bodyPr/>
+                    <a:lstStyle/>
+                    <a:p>
+                      <a:pPr algn="ctr"/>
+                      <a:r>
+                        <a:rPr lang="en-US" dirty="0"/>
+                        <a:t>4</a:t>
+                      </a:r>
+                    </a:p>
+                  </a:txBody>
+                  <a:tcPr/>
+                </a:tc>
+                <a:tc>
+                  <a:txBody>
+                    <a:bodyPr/>
+                    <a:lstStyle/>
+                    <a:p>
+                      <a:pPr algn="ctr"/>
+                      <a:r>
+                        <a:rPr lang="en-US" dirty="0"/>
+                        <a:t>5</a:t>
+                      </a:r>
+                    </a:p>
+                  </a:txBody>
+                  <a:tcPr/>
+                </a:tc>
+                <a:extLst>
+                  <a:ext uri="{0D108BD9-81ED-4DB2-BD59-A6C34878D82A}">
+                    <a16:rowId xmlns:a16="http://schemas.microsoft.com/office/drawing/2014/main" val="2656688294"/>
+                  </a:ext>
+                </a:extLst>
+              </a:tr>
+              <a:tr h="369927">
+                <a:tc>
+                  <a:txBody>
+                    <a:bodyPr/>
+                    <a:lstStyle/>
+                    <a:p>
+                      <a:pPr algn="ctr"/>
+                      <a:r>
+                        <a:rPr lang="en-US" dirty="0"/>
+                        <a:t>Money</a:t>
+                      </a:r>
+                    </a:p>
+                  </a:txBody>
+                  <a:tcPr/>
+                </a:tc>
+                <a:tc>
+                  <a:txBody>
+                    <a:bodyPr/>
+                    <a:lstStyle/>
+                    <a:p>
+                      <a:pPr algn="ctr"/>
+                      <a:r>
+                        <a:rPr lang="en-US" dirty="0"/>
+                        <a:t>0.03809</a:t>
+                      </a:r>
+                    </a:p>
+                  </a:txBody>
+                  <a:tcPr/>
+                </a:tc>
+                <a:tc>
+                  <a:txBody>
+                    <a:bodyPr/>
+                    <a:lstStyle/>
+                    <a:p>
+                      <a:pPr algn="ctr"/>
+                      <a:r>
+                        <a:rPr lang="en-US" dirty="0"/>
+                        <a:t>1</a:t>
+                      </a:r>
+                    </a:p>
+                  </a:txBody>
+                  <a:tcPr/>
+                </a:tc>
+                <a:tc>
+                  <a:txBody>
+                    <a:bodyPr/>
+                    <a:lstStyle/>
+                    <a:p>
+                      <a:pPr algn="ctr"/>
+                      <a:r>
+                        <a:rPr lang="en-US" dirty="0"/>
+                        <a:t>1</a:t>
+                      </a:r>
+                    </a:p>
+                  </a:txBody>
+                  <a:tcPr/>
+                </a:tc>
+                <a:extLst>
+                  <a:ext uri="{0D108BD9-81ED-4DB2-BD59-A6C34878D82A}">
+                    <a16:rowId xmlns:a16="http://schemas.microsoft.com/office/drawing/2014/main" val="3213751148"/>
+                  </a:ext>
+                </a:extLst>
+              </a:tr>
+              <a:tr h="369927">
+                <a:tc>
+                  <a:txBody>
+                    <a:bodyPr/>
+                    <a:lstStyle/>
+                    <a:p>
+                      <a:pPr algn="ctr"/>
+                      <a:r>
+                        <a:rPr lang="en-US" dirty="0"/>
+                        <a:t>Breakfast</a:t>
+                      </a:r>
+                    </a:p>
+                  </a:txBody>
+                  <a:tcPr/>
+                </a:tc>
+                <a:tc>
+                  <a:txBody>
+                    <a:bodyPr/>
+                    <a:lstStyle/>
+                    <a:p>
+                      <a:pPr algn="ctr"/>
+                      <a:r>
+                        <a:rPr lang="en-US" dirty="0"/>
+                        <a:t>0.06923</a:t>
+                      </a:r>
+                    </a:p>
+                  </a:txBody>
+                  <a:tcPr/>
+                </a:tc>
+                <a:tc>
+                  <a:txBody>
+                    <a:bodyPr/>
+                    <a:lstStyle/>
+                    <a:p>
+                      <a:pPr algn="ctr"/>
+                      <a:r>
+                        <a:rPr lang="en-US" dirty="0"/>
+                        <a:t>0.002298</a:t>
+                      </a:r>
+                    </a:p>
+                  </a:txBody>
+                  <a:tcPr/>
+                </a:tc>
+                <a:tc>
+                  <a:txBody>
+                    <a:bodyPr/>
+                    <a:lstStyle/>
+                    <a:p>
+                      <a:pPr algn="ctr"/>
+                      <a:r>
+                        <a:rPr lang="en-US" dirty="0"/>
+                        <a:t>0.002886</a:t>
+                      </a:r>
+                    </a:p>
+                  </a:txBody>
+                  <a:tcPr/>
+                </a:tc>
+                <a:extLst>
+                  <a:ext uri="{0D108BD9-81ED-4DB2-BD59-A6C34878D82A}">
+                    <a16:rowId xmlns:a16="http://schemas.microsoft.com/office/drawing/2014/main" val="4291118329"/>
+                  </a:ext>
+                </a:extLst>
+              </a:tr>
+              <a:tr h="369927">
+                <a:tc>
+                  <a:txBody>
+                    <a:bodyPr/>
+                    <a:lstStyle/>
+                    <a:p>
+                      <a:pPr algn="ctr"/>
+                      <a:r>
+                        <a:rPr lang="en-US" dirty="0"/>
+                        <a:t>Parking</a:t>
+                      </a:r>
+                    </a:p>
+                  </a:txBody>
+                  <a:tcPr/>
+                </a:tc>
+                <a:tc>
+                  <a:txBody>
+                    <a:bodyPr/>
+                    <a:lstStyle/>
+                    <a:p>
+                      <a:pPr algn="ctr"/>
+                      <a:r>
+                        <a:rPr lang="en-US" dirty="0"/>
+                        <a:t>0.1259</a:t>
+                      </a:r>
+                    </a:p>
+                  </a:txBody>
+                  <a:tcPr/>
+                </a:tc>
+                <a:tc>
+                  <a:txBody>
+                    <a:bodyPr/>
+                    <a:lstStyle/>
+                    <a:p>
+                      <a:pPr algn="ctr"/>
+                      <a:r>
+                        <a:rPr lang="en-US" dirty="0"/>
+                        <a:t>0.004478</a:t>
+                      </a:r>
+                    </a:p>
+                  </a:txBody>
+                  <a:tcPr/>
+                </a:tc>
+                <a:tc>
+                  <a:txBody>
+                    <a:bodyPr/>
+                    <a:lstStyle/>
+                    <a:p>
+                      <a:pPr algn="ctr"/>
+                      <a:r>
+                        <a:rPr lang="en-US" dirty="0"/>
+                        <a:t>0.6172</a:t>
+                      </a:r>
+                    </a:p>
+                  </a:txBody>
+                  <a:tcPr/>
+                </a:tc>
+                <a:extLst>
+                  <a:ext uri="{0D108BD9-81ED-4DB2-BD59-A6C34878D82A}">
+                    <a16:rowId xmlns:a16="http://schemas.microsoft.com/office/drawing/2014/main" val="3607766360"/>
+                  </a:ext>
+                </a:extLst>
+              </a:tr>
+              <a:tr h="369927">
+                <a:tc>
+                  <a:txBody>
+                    <a:bodyPr/>
+                    <a:lstStyle/>
+                    <a:p>
+                      <a:pPr algn="ctr"/>
+                      <a:r>
+                        <a:rPr lang="en-US" dirty="0"/>
+                        <a:t>Location</a:t>
+                      </a:r>
+                    </a:p>
+                  </a:txBody>
+                  <a:tcPr/>
+                </a:tc>
+                <a:tc>
+                  <a:txBody>
+                    <a:bodyPr/>
+                    <a:lstStyle/>
+                    <a:p>
+                      <a:pPr algn="ctr"/>
+                      <a:r>
+                        <a:rPr lang="en-US" dirty="0"/>
+                        <a:t>0.04102</a:t>
+                      </a:r>
+                    </a:p>
+                  </a:txBody>
+                  <a:tcPr/>
+                </a:tc>
+                <a:tc>
+                  <a:txBody>
+                    <a:bodyPr/>
+                    <a:lstStyle/>
+                    <a:p>
+                      <a:pPr algn="ctr"/>
+                      <a:r>
+                        <a:rPr lang="en-US" dirty="0"/>
+                        <a:t>0.008122</a:t>
+                      </a:r>
+                    </a:p>
+                  </a:txBody>
+                  <a:tcPr/>
+                </a:tc>
+                <a:tc>
+                  <a:txBody>
+                    <a:bodyPr/>
+                    <a:lstStyle/>
+                    <a:p>
+                      <a:pPr algn="ctr"/>
+                      <a:r>
+                        <a:rPr lang="en-US" dirty="0"/>
+                        <a:t>0.09249</a:t>
+                      </a:r>
+                    </a:p>
+                  </a:txBody>
+                  <a:tcPr/>
+                </a:tc>
+                <a:extLst>
+                  <a:ext uri="{0D108BD9-81ED-4DB2-BD59-A6C34878D82A}">
+                    <a16:rowId xmlns:a16="http://schemas.microsoft.com/office/drawing/2014/main" val="4286826167"/>
+                  </a:ext>
+                </a:extLst>
+              </a:tr>
+              <a:tr h="369927">
+                <a:tc>
+                  <a:txBody>
+                    <a:bodyPr/>
+                    <a:lstStyle/>
+                    <a:p>
+                      <a:pPr algn="ctr"/>
+                      <a:r>
+                        <a:rPr lang="en-US" dirty="0"/>
+                        <a:t>Comfortable</a:t>
+                      </a:r>
+                    </a:p>
+                  </a:txBody>
+                  <a:tcPr/>
+                </a:tc>
+                <a:tc>
+                  <a:txBody>
+                    <a:bodyPr/>
+                    <a:lstStyle/>
+                    <a:p>
+                      <a:pPr algn="ctr"/>
+                      <a:r>
+                        <a:rPr lang="en-US" dirty="0"/>
+                        <a:t>0.02812</a:t>
+                      </a:r>
+                    </a:p>
+                  </a:txBody>
+                  <a:tcPr/>
+                </a:tc>
+                <a:tc>
+                  <a:txBody>
+                    <a:bodyPr/>
+                    <a:lstStyle/>
+                    <a:p>
+                      <a:pPr algn="ctr"/>
+                      <a:r>
+                        <a:rPr lang="en-US" dirty="0"/>
+                        <a:t>0.8634</a:t>
+                      </a:r>
+                    </a:p>
+                  </a:txBody>
+                  <a:tcPr/>
+                </a:tc>
+                <a:tc>
+                  <a:txBody>
+                    <a:bodyPr/>
+                    <a:lstStyle/>
+                    <a:p>
+                      <a:pPr algn="ctr"/>
+                      <a:r>
+                        <a:rPr lang="en-US" dirty="0"/>
+                        <a:t>0.9627</a:t>
+                      </a:r>
+                    </a:p>
+                  </a:txBody>
+                  <a:tcPr/>
+                </a:tc>
+                <a:extLst>
+                  <a:ext uri="{0D108BD9-81ED-4DB2-BD59-A6C34878D82A}">
+                    <a16:rowId xmlns:a16="http://schemas.microsoft.com/office/drawing/2014/main" val="1652915674"/>
+                  </a:ext>
+                </a:extLst>
+              </a:tr>
+              <a:tr h="369927">
+                <a:tc>
+                  <a:txBody>
+                    <a:bodyPr/>
+                    <a:lstStyle/>
+                    <a:p>
+                      <a:pPr algn="ctr"/>
+                      <a:r>
+                        <a:rPr lang="en-US" dirty="0"/>
+                        <a:t>Spacious</a:t>
+                      </a:r>
+                    </a:p>
+                  </a:txBody>
+                  <a:tcPr/>
+                </a:tc>
+                <a:tc>
+                  <a:txBody>
+                    <a:bodyPr/>
+                    <a:lstStyle/>
+                    <a:p>
+                      <a:pPr algn="ctr"/>
+                      <a:r>
+                        <a:rPr lang="en-US" dirty="0"/>
+                        <a:t>1</a:t>
+                      </a:r>
+                    </a:p>
+                  </a:txBody>
+                  <a:tcPr/>
+                </a:tc>
+                <a:tc>
+                  <a:txBody>
+                    <a:bodyPr/>
+                    <a:lstStyle/>
+                    <a:p>
+                      <a:pPr algn="ctr"/>
+                      <a:r>
+                        <a:rPr lang="en-US" dirty="0"/>
+                        <a:t>0.021</a:t>
+                      </a:r>
+                    </a:p>
+                  </a:txBody>
+                  <a:tcPr/>
+                </a:tc>
+                <a:tc>
+                  <a:txBody>
+                    <a:bodyPr/>
+                    <a:lstStyle/>
+                    <a:p>
+                      <a:pPr algn="ctr"/>
+                      <a:r>
+                        <a:rPr lang="en-US" dirty="0"/>
+                        <a:t>0.7003</a:t>
+                      </a:r>
+                    </a:p>
+                  </a:txBody>
+                  <a:tcPr/>
+                </a:tc>
+                <a:extLst>
+                  <a:ext uri="{0D108BD9-81ED-4DB2-BD59-A6C34878D82A}">
+                    <a16:rowId xmlns:a16="http://schemas.microsoft.com/office/drawing/2014/main" val="1373214385"/>
+                  </a:ext>
+                </a:extLst>
+              </a:tr>
+            </a:tbl>
+          </a:graphicData>
+        </a:graphic>
+      </p:graphicFrame>
+      <p:sp>
+        <p:nvSpPr>
+          <p:cNvPr id="3" name="TextBox 2">
+            <a:extLst>
+              <a:ext uri="{FF2B5EF4-FFF2-40B4-BE49-F238E27FC236}">
+                <a16:creationId xmlns:a16="http://schemas.microsoft.com/office/drawing/2014/main" id="{C231279E-026D-4623-9EA8-EE003A607B72}"/>
+              </a:ext>
+            </a:extLst>
+          </p:cNvPr>
+          <p:cNvSpPr txBox="1"/>
+          <p:nvPr/>
+        </p:nvSpPr>
+        <p:spPr>
+          <a:xfrm>
+            <a:off x="1708696" y="2437244"/>
+            <a:ext cx="3457572" cy="369332"/>
+          </a:xfrm>
+          <a:prstGeom prst="rect">
+            <a:avLst/>
+          </a:prstGeom>
+          <a:noFill/>
+        </p:spPr>
+        <p:txBody>
+          <a:bodyPr wrap="square" rtlCol="0">
+            <a:spAutoFit/>
+          </a:bodyPr>
+          <a:lstStyle/>
+          <a:p>
+            <a:r>
+              <a:rPr lang="en-US" dirty="0"/>
+              <a:t>Proportion Test P-values</a:t>
+            </a:r>
+          </a:p>
+        </p:txBody>
+      </p:sp>
+      <p:pic>
+        <p:nvPicPr>
+          <p:cNvPr id="14" name="Picture 13">
+            <a:extLst>
+              <a:ext uri="{FF2B5EF4-FFF2-40B4-BE49-F238E27FC236}">
+                <a16:creationId xmlns:a16="http://schemas.microsoft.com/office/drawing/2014/main" id="{580222D0-1970-4FE7-B148-EEC3CDE5E9EC}"/>
+              </a:ext>
+            </a:extLst>
+          </p:cNvPr>
+          <p:cNvPicPr>
+            <a:picLocks noChangeAspect="1"/>
+          </p:cNvPicPr>
+          <p:nvPr/>
+        </p:nvPicPr>
+        <p:blipFill>
+          <a:blip r:embed="rId2"/>
+          <a:stretch>
+            <a:fillRect/>
+          </a:stretch>
+        </p:blipFill>
+        <p:spPr>
+          <a:xfrm>
+            <a:off x="8173089" y="2410345"/>
+            <a:ext cx="3228336" cy="969264"/>
+          </a:xfrm>
+          <a:prstGeom prst="rect">
+            <a:avLst/>
+          </a:prstGeom>
+        </p:spPr>
+      </p:pic>
+      <p:sp>
+        <p:nvSpPr>
+          <p:cNvPr id="5" name="TextBox 4">
+            <a:extLst>
+              <a:ext uri="{FF2B5EF4-FFF2-40B4-BE49-F238E27FC236}">
+                <a16:creationId xmlns:a16="http://schemas.microsoft.com/office/drawing/2014/main" id="{E78CBA94-AEF8-443C-A3DE-14825BCD23C1}"/>
+              </a:ext>
+            </a:extLst>
+          </p:cNvPr>
+          <p:cNvSpPr txBox="1"/>
+          <p:nvPr/>
+        </p:nvSpPr>
+        <p:spPr>
+          <a:xfrm>
+            <a:off x="7982589" y="4325034"/>
+            <a:ext cx="3094986" cy="646331"/>
+          </a:xfrm>
+          <a:prstGeom prst="rect">
+            <a:avLst/>
+          </a:prstGeom>
+          <a:noFill/>
+        </p:spPr>
+        <p:txBody>
+          <a:bodyPr wrap="square" rtlCol="0">
+            <a:spAutoFit/>
+          </a:bodyPr>
+          <a:lstStyle/>
+          <a:p>
+            <a:r>
+              <a:rPr lang="en-US" dirty="0"/>
+              <a:t>p-</a:t>
+            </a:r>
+            <a:r>
+              <a:rPr lang="en-US" dirty="0" err="1"/>
+              <a:t>val</a:t>
+            </a:r>
+            <a:r>
+              <a:rPr lang="en-US" dirty="0"/>
+              <a:t> &lt; 0.05</a:t>
+            </a:r>
+          </a:p>
+          <a:p>
+            <a:r>
+              <a:rPr lang="en-US" dirty="0"/>
+              <a:t>There is significant difference</a:t>
+            </a:r>
+          </a:p>
+        </p:txBody>
+      </p:sp>
+    </p:spTree>
+    <p:extLst>
+      <p:ext uri="{BB962C8B-B14F-4D97-AF65-F5344CB8AC3E}">
+        <p14:creationId xmlns:p14="http://schemas.microsoft.com/office/powerpoint/2010/main" val="3513168067"/>
+      </p:ext>
+    </p:extLst>
+  </p:cSld>
+  <p:clrMapOvr>
+    <a:masterClrMapping/>
+  </p:clrMapOvr>
+</p:sld>
+</file>
+
+<file path=ppt/slides/slide19.xml><?xml version="1.0" encoding="utf-8"?>
+<p:sld xmlns:a="http://schemas.openxmlformats.org/drawingml/2006/main" xmlns:r="http://schemas.openxmlformats.org/officeDocument/2006/relationships" xmlns:p="http://schemas.openxmlformats.org/presentationml/2006/main">
+  <p:cSld>
+    <p:spTree>
+      <p:nvGrpSpPr>
+        <p:cNvPr id="1" name=""/>
+        <p:cNvGrpSpPr/>
+        <p:nvPr/>
+      </p:nvGrpSpPr>
+      <p:grpSpPr>
+        <a:xfrm>
+          <a:off x="0" y="0"/>
+          <a:ext cx="0" cy="0"/>
+          <a:chOff x="0" y="0"/>
+          <a:chExt cx="0" cy="0"/>
+        </a:xfrm>
+      </p:grpSpPr>
+      <p:sp>
+        <p:nvSpPr>
+          <p:cNvPr id="4" name="Title 1">
+            <a:extLst>
+              <a:ext uri="{FF2B5EF4-FFF2-40B4-BE49-F238E27FC236}">
+                <a16:creationId xmlns:a16="http://schemas.microsoft.com/office/drawing/2014/main" id="{2FF090D0-F99F-4C3B-8440-C4079F3DA72E}"/>
+              </a:ext>
+            </a:extLst>
+          </p:cNvPr>
+          <p:cNvSpPr>
+            <a:spLocks noGrp="1"/>
+          </p:cNvSpPr>
+          <p:nvPr>
+            <p:ph type="title"/>
+          </p:nvPr>
+        </p:nvSpPr>
+        <p:spPr/>
+        <p:txBody>
+          <a:bodyPr>
+            <a:normAutofit/>
+          </a:bodyPr>
+          <a:lstStyle/>
+          <a:p>
+            <a:r>
+              <a:rPr lang="en-US" sz="3600" dirty="0"/>
+              <a:t>The words that makes difference</a:t>
+            </a:r>
+          </a:p>
+        </p:txBody>
+      </p:sp>
+      <p:sp>
+        <p:nvSpPr>
+          <p:cNvPr id="30" name="TextBox 29">
+            <a:extLst>
+              <a:ext uri="{FF2B5EF4-FFF2-40B4-BE49-F238E27FC236}">
+                <a16:creationId xmlns:a16="http://schemas.microsoft.com/office/drawing/2014/main" id="{56EC4783-3625-4DEC-9C67-7DF53C06539F}"/>
+              </a:ext>
+            </a:extLst>
+          </p:cNvPr>
+          <p:cNvSpPr txBox="1"/>
+          <p:nvPr/>
+        </p:nvSpPr>
+        <p:spPr>
+          <a:xfrm>
+            <a:off x="380867" y="2117061"/>
+            <a:ext cx="1644104" cy="369332"/>
+          </a:xfrm>
+          <a:prstGeom prst="rect">
+            <a:avLst/>
+          </a:prstGeom>
+          <a:noFill/>
+        </p:spPr>
+        <p:txBody>
+          <a:bodyPr wrap="square" rtlCol="0">
+            <a:spAutoFit/>
+          </a:bodyPr>
+          <a:lstStyle/>
+          <a:p>
+            <a:r>
+              <a:rPr lang="en-US" dirty="0"/>
+              <a:t>Money</a:t>
+            </a:r>
+          </a:p>
+        </p:txBody>
+      </p:sp>
+      <p:pic>
+        <p:nvPicPr>
+          <p:cNvPr id="8" name="Picture 7">
+            <a:extLst>
+              <a:ext uri="{FF2B5EF4-FFF2-40B4-BE49-F238E27FC236}">
+                <a16:creationId xmlns:a16="http://schemas.microsoft.com/office/drawing/2014/main" id="{4ECBAF3F-C492-42FC-A02B-CF75A7DEB8B8}"/>
+              </a:ext>
+            </a:extLst>
+          </p:cNvPr>
+          <p:cNvPicPr>
+            <a:picLocks noChangeAspect="1"/>
+          </p:cNvPicPr>
+          <p:nvPr/>
+        </p:nvPicPr>
+        <p:blipFill>
+          <a:blip r:embed="rId2"/>
+          <a:stretch>
+            <a:fillRect/>
+          </a:stretch>
+        </p:blipFill>
+        <p:spPr>
+          <a:xfrm>
+            <a:off x="380867" y="2488670"/>
+            <a:ext cx="3180398" cy="3900488"/>
+          </a:xfrm>
+          <a:prstGeom prst="rect">
+            <a:avLst/>
+          </a:prstGeom>
+        </p:spPr>
+      </p:pic>
+      <p:sp>
+        <p:nvSpPr>
+          <p:cNvPr id="12" name="TextBox 11">
+            <a:extLst>
+              <a:ext uri="{FF2B5EF4-FFF2-40B4-BE49-F238E27FC236}">
+                <a16:creationId xmlns:a16="http://schemas.microsoft.com/office/drawing/2014/main" id="{C47DD5EB-7FB8-4165-A478-AB1395620B63}"/>
+              </a:ext>
+            </a:extLst>
+          </p:cNvPr>
+          <p:cNvSpPr txBox="1"/>
+          <p:nvPr/>
+        </p:nvSpPr>
+        <p:spPr>
+          <a:xfrm>
+            <a:off x="4009415" y="2049754"/>
+            <a:ext cx="1104901" cy="369332"/>
+          </a:xfrm>
+          <a:prstGeom prst="rect">
+            <a:avLst/>
+          </a:prstGeom>
+          <a:noFill/>
+        </p:spPr>
+        <p:txBody>
+          <a:bodyPr wrap="square">
+            <a:spAutoFit/>
+          </a:bodyPr>
+          <a:lstStyle/>
+          <a:p>
+            <a:r>
+              <a:rPr lang="en-US" dirty="0"/>
+              <a:t>Breakfast</a:t>
+            </a:r>
+          </a:p>
+        </p:txBody>
+      </p:sp>
+      <p:sp>
+        <p:nvSpPr>
+          <p:cNvPr id="13" name="TextBox 12">
+            <a:extLst>
+              <a:ext uri="{FF2B5EF4-FFF2-40B4-BE49-F238E27FC236}">
+                <a16:creationId xmlns:a16="http://schemas.microsoft.com/office/drawing/2014/main" id="{9495F89F-041B-4F8F-B6CF-0345FF099959}"/>
+              </a:ext>
+            </a:extLst>
+          </p:cNvPr>
+          <p:cNvSpPr txBox="1"/>
+          <p:nvPr/>
+        </p:nvSpPr>
+        <p:spPr>
+          <a:xfrm>
+            <a:off x="7758888" y="1971234"/>
+            <a:ext cx="1054506" cy="369332"/>
+          </a:xfrm>
+          <a:prstGeom prst="rect">
+            <a:avLst/>
+          </a:prstGeom>
+          <a:noFill/>
+        </p:spPr>
+        <p:txBody>
+          <a:bodyPr wrap="square">
+            <a:spAutoFit/>
+          </a:bodyPr>
+          <a:lstStyle/>
+          <a:p>
+            <a:r>
+              <a:rPr lang="en-US" dirty="0"/>
+              <a:t>Parking</a:t>
+            </a:r>
+          </a:p>
+        </p:txBody>
+      </p:sp>
+      <p:pic>
+        <p:nvPicPr>
+          <p:cNvPr id="11" name="Picture 10">
+            <a:extLst>
+              <a:ext uri="{FF2B5EF4-FFF2-40B4-BE49-F238E27FC236}">
+                <a16:creationId xmlns:a16="http://schemas.microsoft.com/office/drawing/2014/main" id="{F01D5DA1-B3AC-4C1F-A91D-4B8AE6FDC2FE}"/>
+              </a:ext>
+            </a:extLst>
+          </p:cNvPr>
+          <p:cNvPicPr>
+            <a:picLocks noChangeAspect="1"/>
+          </p:cNvPicPr>
+          <p:nvPr/>
+        </p:nvPicPr>
+        <p:blipFill>
+          <a:blip r:embed="rId3"/>
+          <a:stretch>
+            <a:fillRect/>
+          </a:stretch>
+        </p:blipFill>
+        <p:spPr>
+          <a:xfrm>
+            <a:off x="4009415" y="2419087"/>
+            <a:ext cx="3326647" cy="3970072"/>
+          </a:xfrm>
+          <a:prstGeom prst="rect">
+            <a:avLst/>
+          </a:prstGeom>
+        </p:spPr>
+      </p:pic>
+      <p:pic>
+        <p:nvPicPr>
+          <p:cNvPr id="3" name="Picture 2">
+            <a:extLst>
+              <a:ext uri="{FF2B5EF4-FFF2-40B4-BE49-F238E27FC236}">
+                <a16:creationId xmlns:a16="http://schemas.microsoft.com/office/drawing/2014/main" id="{1A442B82-5823-40A8-A37B-C4A0AC33F91B}"/>
+              </a:ext>
+            </a:extLst>
+          </p:cNvPr>
+          <p:cNvPicPr>
+            <a:picLocks noChangeAspect="1"/>
+          </p:cNvPicPr>
+          <p:nvPr/>
+        </p:nvPicPr>
+        <p:blipFill>
+          <a:blip r:embed="rId4"/>
+          <a:stretch>
+            <a:fillRect/>
+          </a:stretch>
+        </p:blipFill>
+        <p:spPr>
+          <a:xfrm>
+            <a:off x="7758889" y="2340566"/>
+            <a:ext cx="3326648" cy="4014201"/>
+          </a:xfrm>
+          <a:prstGeom prst="rect">
+            <a:avLst/>
+          </a:prstGeom>
+        </p:spPr>
+      </p:pic>
+    </p:spTree>
+    <p:extLst>
+      <p:ext uri="{BB962C8B-B14F-4D97-AF65-F5344CB8AC3E}">
+        <p14:creationId xmlns:p14="http://schemas.microsoft.com/office/powerpoint/2010/main" val="2845311764"/>
       </p:ext>
     </p:extLst>
   </p:cSld>
@@ -3493,7 +6384,7 @@
         </p:nvSpPr>
         <p:spPr>
           <a:xfrm>
-            <a:off x="838200" y="1795198"/>
+            <a:off x="838200" y="1922198"/>
             <a:ext cx="10515600" cy="3225536"/>
           </a:xfrm>
         </p:spPr>
@@ -3525,7 +6416,7 @@
             </a:r>
             <a:r>
               <a:rPr lang="en-US" dirty="0"/>
-              <a:t> by corresponding business id</a:t>
+              <a:t> according to the corresponding business id</a:t>
             </a:r>
           </a:p>
           <a:p>
@@ -3564,6 +6455,1680 @@
     <p:extLst>
       <p:ext uri="{BB962C8B-B14F-4D97-AF65-F5344CB8AC3E}">
         <p14:creationId xmlns:p14="http://schemas.microsoft.com/office/powerpoint/2010/main" val="2164620010"/>
+      </p:ext>
+    </p:extLst>
+  </p:cSld>
+  <p:clrMapOvr>
+    <a:masterClrMapping/>
+  </p:clrMapOvr>
+</p:sld>
+</file>
+
+<file path=ppt/slides/slide20.xml><?xml version="1.0" encoding="utf-8"?>
+<p:sld xmlns:a="http://schemas.openxmlformats.org/drawingml/2006/main" xmlns:r="http://schemas.openxmlformats.org/officeDocument/2006/relationships" xmlns:p="http://schemas.openxmlformats.org/presentationml/2006/main">
+  <p:cSld>
+    <p:spTree>
+      <p:nvGrpSpPr>
+        <p:cNvPr id="1" name=""/>
+        <p:cNvGrpSpPr/>
+        <p:nvPr/>
+      </p:nvGrpSpPr>
+      <p:grpSpPr>
+        <a:xfrm>
+          <a:off x="0" y="0"/>
+          <a:ext cx="0" cy="0"/>
+          <a:chOff x="0" y="0"/>
+          <a:chExt cx="0" cy="0"/>
+        </a:xfrm>
+      </p:grpSpPr>
+      <p:sp>
+        <p:nvSpPr>
+          <p:cNvPr id="4" name="Title 1">
+            <a:extLst>
+              <a:ext uri="{FF2B5EF4-FFF2-40B4-BE49-F238E27FC236}">
+                <a16:creationId xmlns:a16="http://schemas.microsoft.com/office/drawing/2014/main" id="{2FF090D0-F99F-4C3B-8440-C4079F3DA72E}"/>
+              </a:ext>
+            </a:extLst>
+          </p:cNvPr>
+          <p:cNvSpPr>
+            <a:spLocks noGrp="1"/>
+          </p:cNvSpPr>
+          <p:nvPr>
+            <p:ph type="title"/>
+          </p:nvPr>
+        </p:nvSpPr>
+        <p:spPr/>
+        <p:txBody>
+          <a:bodyPr>
+            <a:normAutofit/>
+          </a:bodyPr>
+          <a:lstStyle/>
+          <a:p>
+            <a:r>
+              <a:rPr lang="en-US" sz="3600" dirty="0"/>
+              <a:t>The words that makes difference</a:t>
+            </a:r>
+          </a:p>
+        </p:txBody>
+      </p:sp>
+      <p:sp>
+        <p:nvSpPr>
+          <p:cNvPr id="15" name="TextBox 14">
+            <a:extLst>
+              <a:ext uri="{FF2B5EF4-FFF2-40B4-BE49-F238E27FC236}">
+                <a16:creationId xmlns:a16="http://schemas.microsoft.com/office/drawing/2014/main" id="{B1037958-472A-45D0-8D30-30BF833FA9A8}"/>
+              </a:ext>
+            </a:extLst>
+          </p:cNvPr>
+          <p:cNvSpPr txBox="1"/>
+          <p:nvPr/>
+        </p:nvSpPr>
+        <p:spPr>
+          <a:xfrm>
+            <a:off x="421869" y="2105543"/>
+            <a:ext cx="1073556" cy="369332"/>
+          </a:xfrm>
+          <a:prstGeom prst="rect">
+            <a:avLst/>
+          </a:prstGeom>
+          <a:noFill/>
+        </p:spPr>
+        <p:txBody>
+          <a:bodyPr wrap="square">
+            <a:spAutoFit/>
+          </a:bodyPr>
+          <a:lstStyle/>
+          <a:p>
+            <a:r>
+              <a:rPr lang="en-US" dirty="0"/>
+              <a:t>Location</a:t>
+            </a:r>
+          </a:p>
+        </p:txBody>
+      </p:sp>
+      <p:sp>
+        <p:nvSpPr>
+          <p:cNvPr id="16" name="TextBox 15">
+            <a:extLst>
+              <a:ext uri="{FF2B5EF4-FFF2-40B4-BE49-F238E27FC236}">
+                <a16:creationId xmlns:a16="http://schemas.microsoft.com/office/drawing/2014/main" id="{6F09CC98-22B5-4C3E-8719-49E57A8C2E36}"/>
+              </a:ext>
+            </a:extLst>
+          </p:cNvPr>
+          <p:cNvSpPr txBox="1"/>
+          <p:nvPr/>
+        </p:nvSpPr>
+        <p:spPr>
+          <a:xfrm>
+            <a:off x="4198531" y="2105543"/>
+            <a:ext cx="1511706" cy="369332"/>
+          </a:xfrm>
+          <a:prstGeom prst="rect">
+            <a:avLst/>
+          </a:prstGeom>
+          <a:noFill/>
+        </p:spPr>
+        <p:txBody>
+          <a:bodyPr wrap="square">
+            <a:spAutoFit/>
+          </a:bodyPr>
+          <a:lstStyle/>
+          <a:p>
+            <a:r>
+              <a:rPr lang="en-US" dirty="0"/>
+              <a:t>Comfortable</a:t>
+            </a:r>
+          </a:p>
+        </p:txBody>
+      </p:sp>
+      <p:sp>
+        <p:nvSpPr>
+          <p:cNvPr id="17" name="TextBox 16">
+            <a:extLst>
+              <a:ext uri="{FF2B5EF4-FFF2-40B4-BE49-F238E27FC236}">
+                <a16:creationId xmlns:a16="http://schemas.microsoft.com/office/drawing/2014/main" id="{3E0DE61D-F01B-4ECC-A91D-27C6FEBD081E}"/>
+              </a:ext>
+            </a:extLst>
+          </p:cNvPr>
+          <p:cNvSpPr txBox="1"/>
+          <p:nvPr/>
+        </p:nvSpPr>
+        <p:spPr>
+          <a:xfrm>
+            <a:off x="7947569" y="2105543"/>
+            <a:ext cx="1102131" cy="369332"/>
+          </a:xfrm>
+          <a:prstGeom prst="rect">
+            <a:avLst/>
+          </a:prstGeom>
+          <a:noFill/>
+        </p:spPr>
+        <p:txBody>
+          <a:bodyPr wrap="square">
+            <a:spAutoFit/>
+          </a:bodyPr>
+          <a:lstStyle/>
+          <a:p>
+            <a:r>
+              <a:rPr lang="en-US" dirty="0"/>
+              <a:t>Spacious</a:t>
+            </a:r>
+          </a:p>
+        </p:txBody>
+      </p:sp>
+      <p:pic>
+        <p:nvPicPr>
+          <p:cNvPr id="19" name="Picture 18">
+            <a:extLst>
+              <a:ext uri="{FF2B5EF4-FFF2-40B4-BE49-F238E27FC236}">
+                <a16:creationId xmlns:a16="http://schemas.microsoft.com/office/drawing/2014/main" id="{EAE6CF73-75F1-4C53-96B9-2192C96C5D60}"/>
+              </a:ext>
+            </a:extLst>
+          </p:cNvPr>
+          <p:cNvPicPr>
+            <a:picLocks noChangeAspect="1"/>
+          </p:cNvPicPr>
+          <p:nvPr/>
+        </p:nvPicPr>
+        <p:blipFill>
+          <a:blip r:embed="rId2"/>
+          <a:stretch>
+            <a:fillRect/>
+          </a:stretch>
+        </p:blipFill>
+        <p:spPr>
+          <a:xfrm>
+            <a:off x="397229" y="2474875"/>
+            <a:ext cx="3415879" cy="4057650"/>
+          </a:xfrm>
+          <a:prstGeom prst="rect">
+            <a:avLst/>
+          </a:prstGeom>
+        </p:spPr>
+      </p:pic>
+      <p:pic>
+        <p:nvPicPr>
+          <p:cNvPr id="21" name="Picture 20">
+            <a:extLst>
+              <a:ext uri="{FF2B5EF4-FFF2-40B4-BE49-F238E27FC236}">
+                <a16:creationId xmlns:a16="http://schemas.microsoft.com/office/drawing/2014/main" id="{5DE7A0D6-E8D1-4B38-ADDF-6F139527FFD2}"/>
+              </a:ext>
+            </a:extLst>
+          </p:cNvPr>
+          <p:cNvPicPr>
+            <a:picLocks noChangeAspect="1"/>
+          </p:cNvPicPr>
+          <p:nvPr/>
+        </p:nvPicPr>
+        <p:blipFill>
+          <a:blip r:embed="rId3"/>
+          <a:stretch>
+            <a:fillRect/>
+          </a:stretch>
+        </p:blipFill>
+        <p:spPr>
+          <a:xfrm>
+            <a:off x="4198531" y="2474875"/>
+            <a:ext cx="3458865" cy="4057650"/>
+          </a:xfrm>
+          <a:prstGeom prst="rect">
+            <a:avLst/>
+          </a:prstGeom>
+        </p:spPr>
+      </p:pic>
+      <p:pic>
+        <p:nvPicPr>
+          <p:cNvPr id="23" name="Picture 22">
+            <a:extLst>
+              <a:ext uri="{FF2B5EF4-FFF2-40B4-BE49-F238E27FC236}">
+                <a16:creationId xmlns:a16="http://schemas.microsoft.com/office/drawing/2014/main" id="{EAA42D02-2202-4B11-9932-299B436D4566}"/>
+              </a:ext>
+            </a:extLst>
+          </p:cNvPr>
+          <p:cNvPicPr>
+            <a:picLocks noChangeAspect="1"/>
+          </p:cNvPicPr>
+          <p:nvPr/>
+        </p:nvPicPr>
+        <p:blipFill>
+          <a:blip r:embed="rId4"/>
+          <a:stretch>
+            <a:fillRect/>
+          </a:stretch>
+        </p:blipFill>
+        <p:spPr>
+          <a:xfrm>
+            <a:off x="7957094" y="2474875"/>
+            <a:ext cx="3458865" cy="4012003"/>
+          </a:xfrm>
+          <a:prstGeom prst="rect">
+            <a:avLst/>
+          </a:prstGeom>
+        </p:spPr>
+      </p:pic>
+    </p:spTree>
+    <p:extLst>
+      <p:ext uri="{BB962C8B-B14F-4D97-AF65-F5344CB8AC3E}">
+        <p14:creationId xmlns:p14="http://schemas.microsoft.com/office/powerpoint/2010/main" val="3772652622"/>
+      </p:ext>
+    </p:extLst>
+  </p:cSld>
+  <p:clrMapOvr>
+    <a:masterClrMapping/>
+  </p:clrMapOvr>
+</p:sld>
+</file>
+
+<file path=ppt/slides/slide21.xml><?xml version="1.0" encoding="utf-8"?>
+<p:sld xmlns:a="http://schemas.openxmlformats.org/drawingml/2006/main" xmlns:r="http://schemas.openxmlformats.org/officeDocument/2006/relationships" xmlns:p="http://schemas.openxmlformats.org/presentationml/2006/main">
+  <p:cSld>
+    <p:spTree>
+      <p:nvGrpSpPr>
+        <p:cNvPr id="1" name=""/>
+        <p:cNvGrpSpPr/>
+        <p:nvPr/>
+      </p:nvGrpSpPr>
+      <p:grpSpPr>
+        <a:xfrm>
+          <a:off x="0" y="0"/>
+          <a:ext cx="0" cy="0"/>
+          <a:chOff x="0" y="0"/>
+          <a:chExt cx="0" cy="0"/>
+        </a:xfrm>
+      </p:grpSpPr>
+      <p:sp>
+        <p:nvSpPr>
+          <p:cNvPr id="4" name="Title 1">
+            <a:extLst>
+              <a:ext uri="{FF2B5EF4-FFF2-40B4-BE49-F238E27FC236}">
+                <a16:creationId xmlns:a16="http://schemas.microsoft.com/office/drawing/2014/main" id="{2FF090D0-F99F-4C3B-8440-C4079F3DA72E}"/>
+              </a:ext>
+            </a:extLst>
+          </p:cNvPr>
+          <p:cNvSpPr>
+            <a:spLocks noGrp="1"/>
+          </p:cNvSpPr>
+          <p:nvPr>
+            <p:ph type="title"/>
+          </p:nvPr>
+        </p:nvSpPr>
+        <p:spPr/>
+        <p:txBody>
+          <a:bodyPr>
+            <a:normAutofit/>
+          </a:bodyPr>
+          <a:lstStyle/>
+          <a:p>
+            <a:r>
+              <a:rPr lang="en-US" sz="3600" dirty="0"/>
+              <a:t>About AC hotel by Marriott in downtown </a:t>
+            </a:r>
+            <a:r>
+              <a:rPr lang="en-US" sz="3600" dirty="0" err="1"/>
+              <a:t>madison</a:t>
+            </a:r>
+            <a:endParaRPr lang="en-US" sz="3600" dirty="0"/>
+          </a:p>
+        </p:txBody>
+      </p:sp>
+      <p:sp>
+        <p:nvSpPr>
+          <p:cNvPr id="2" name="TextBox 1">
+            <a:extLst>
+              <a:ext uri="{FF2B5EF4-FFF2-40B4-BE49-F238E27FC236}">
+                <a16:creationId xmlns:a16="http://schemas.microsoft.com/office/drawing/2014/main" id="{7FA781DD-3D89-49DB-9FB1-BA8BE653D709}"/>
+              </a:ext>
+            </a:extLst>
+          </p:cNvPr>
+          <p:cNvSpPr txBox="1"/>
+          <p:nvPr/>
+        </p:nvSpPr>
+        <p:spPr>
+          <a:xfrm>
+            <a:off x="759072" y="2160344"/>
+            <a:ext cx="3660527" cy="369332"/>
+          </a:xfrm>
+          <a:prstGeom prst="rect">
+            <a:avLst/>
+          </a:prstGeom>
+          <a:noFill/>
+        </p:spPr>
+        <p:txBody>
+          <a:bodyPr wrap="square" rtlCol="0">
+            <a:spAutoFit/>
+          </a:bodyPr>
+          <a:lstStyle/>
+          <a:p>
+            <a:r>
+              <a:rPr lang="en-US" dirty="0"/>
+              <a:t>Average Rate : 3.4545 ≈ 3.46</a:t>
+            </a:r>
+          </a:p>
+        </p:txBody>
+      </p:sp>
+      <p:sp>
+        <p:nvSpPr>
+          <p:cNvPr id="10" name="TextBox 9">
+            <a:extLst>
+              <a:ext uri="{FF2B5EF4-FFF2-40B4-BE49-F238E27FC236}">
+                <a16:creationId xmlns:a16="http://schemas.microsoft.com/office/drawing/2014/main" id="{B01CC69A-0090-43AD-8D00-A7683D028E8A}"/>
+              </a:ext>
+            </a:extLst>
+          </p:cNvPr>
+          <p:cNvSpPr txBox="1"/>
+          <p:nvPr/>
+        </p:nvSpPr>
+        <p:spPr>
+          <a:xfrm>
+            <a:off x="759071" y="2529676"/>
+            <a:ext cx="3660527" cy="369332"/>
+          </a:xfrm>
+          <a:prstGeom prst="rect">
+            <a:avLst/>
+          </a:prstGeom>
+          <a:noFill/>
+        </p:spPr>
+        <p:txBody>
+          <a:bodyPr wrap="square" rtlCol="0">
+            <a:spAutoFit/>
+          </a:bodyPr>
+          <a:lstStyle/>
+          <a:p>
+            <a:r>
+              <a:rPr lang="en-US" dirty="0"/>
+              <a:t>44 Reviews</a:t>
+            </a:r>
+          </a:p>
+        </p:txBody>
+      </p:sp>
+      <p:pic>
+        <p:nvPicPr>
+          <p:cNvPr id="5" name="Picture 4">
+            <a:extLst>
+              <a:ext uri="{FF2B5EF4-FFF2-40B4-BE49-F238E27FC236}">
+                <a16:creationId xmlns:a16="http://schemas.microsoft.com/office/drawing/2014/main" id="{9FAB1804-07A4-4B26-9C82-8A0CD2B622C3}"/>
+              </a:ext>
+            </a:extLst>
+          </p:cNvPr>
+          <p:cNvPicPr>
+            <a:picLocks noChangeAspect="1"/>
+          </p:cNvPicPr>
+          <p:nvPr/>
+        </p:nvPicPr>
+        <p:blipFill>
+          <a:blip r:embed="rId2"/>
+          <a:stretch>
+            <a:fillRect/>
+          </a:stretch>
+        </p:blipFill>
+        <p:spPr>
+          <a:xfrm>
+            <a:off x="759071" y="2897084"/>
+            <a:ext cx="3594293" cy="3475051"/>
+          </a:xfrm>
+          <a:prstGeom prst="rect">
+            <a:avLst/>
+          </a:prstGeom>
+        </p:spPr>
+      </p:pic>
+      <p:pic>
+        <p:nvPicPr>
+          <p:cNvPr id="9" name="Picture 8">
+            <a:extLst>
+              <a:ext uri="{FF2B5EF4-FFF2-40B4-BE49-F238E27FC236}">
+                <a16:creationId xmlns:a16="http://schemas.microsoft.com/office/drawing/2014/main" id="{1088FC65-9654-4726-8FD8-C1BD2BCA47A7}"/>
+              </a:ext>
+            </a:extLst>
+          </p:cNvPr>
+          <p:cNvPicPr>
+            <a:picLocks noChangeAspect="1"/>
+          </p:cNvPicPr>
+          <p:nvPr/>
+        </p:nvPicPr>
+        <p:blipFill>
+          <a:blip r:embed="rId3"/>
+          <a:stretch>
+            <a:fillRect/>
+          </a:stretch>
+        </p:blipFill>
+        <p:spPr>
+          <a:xfrm>
+            <a:off x="4571770" y="2897083"/>
+            <a:ext cx="3266868" cy="3475051"/>
+          </a:xfrm>
+          <a:prstGeom prst="rect">
+            <a:avLst/>
+          </a:prstGeom>
+        </p:spPr>
+      </p:pic>
+      <p:pic>
+        <p:nvPicPr>
+          <p:cNvPr id="12" name="Picture 11">
+            <a:extLst>
+              <a:ext uri="{FF2B5EF4-FFF2-40B4-BE49-F238E27FC236}">
+                <a16:creationId xmlns:a16="http://schemas.microsoft.com/office/drawing/2014/main" id="{E87AEAF4-4FE9-4166-B44E-5310593EBCFB}"/>
+              </a:ext>
+            </a:extLst>
+          </p:cNvPr>
+          <p:cNvPicPr>
+            <a:picLocks noChangeAspect="1"/>
+          </p:cNvPicPr>
+          <p:nvPr/>
+        </p:nvPicPr>
+        <p:blipFill>
+          <a:blip r:embed="rId4"/>
+          <a:stretch>
+            <a:fillRect/>
+          </a:stretch>
+        </p:blipFill>
+        <p:spPr>
+          <a:xfrm>
+            <a:off x="8057044" y="2897083"/>
+            <a:ext cx="3223236" cy="3475051"/>
+          </a:xfrm>
+          <a:prstGeom prst="rect">
+            <a:avLst/>
+          </a:prstGeom>
+        </p:spPr>
+      </p:pic>
+    </p:spTree>
+    <p:extLst>
+      <p:ext uri="{BB962C8B-B14F-4D97-AF65-F5344CB8AC3E}">
+        <p14:creationId xmlns:p14="http://schemas.microsoft.com/office/powerpoint/2010/main" val="3340897741"/>
+      </p:ext>
+    </p:extLst>
+  </p:cSld>
+  <p:clrMapOvr>
+    <a:masterClrMapping/>
+  </p:clrMapOvr>
+</p:sld>
+</file>
+
+<file path=ppt/slides/slide22.xml><?xml version="1.0" encoding="utf-8"?>
+<p:sld xmlns:a="http://schemas.openxmlformats.org/drawingml/2006/main" xmlns:r="http://schemas.openxmlformats.org/officeDocument/2006/relationships" xmlns:p="http://schemas.openxmlformats.org/presentationml/2006/main">
+  <p:cSld>
+    <p:spTree>
+      <p:nvGrpSpPr>
+        <p:cNvPr id="1" name=""/>
+        <p:cNvGrpSpPr/>
+        <p:nvPr/>
+      </p:nvGrpSpPr>
+      <p:grpSpPr>
+        <a:xfrm>
+          <a:off x="0" y="0"/>
+          <a:ext cx="0" cy="0"/>
+          <a:chOff x="0" y="0"/>
+          <a:chExt cx="0" cy="0"/>
+        </a:xfrm>
+      </p:grpSpPr>
+      <p:sp>
+        <p:nvSpPr>
+          <p:cNvPr id="4" name="Title 1">
+            <a:extLst>
+              <a:ext uri="{FF2B5EF4-FFF2-40B4-BE49-F238E27FC236}">
+                <a16:creationId xmlns:a16="http://schemas.microsoft.com/office/drawing/2014/main" id="{2FF090D0-F99F-4C3B-8440-C4079F3DA72E}"/>
+              </a:ext>
+            </a:extLst>
+          </p:cNvPr>
+          <p:cNvSpPr>
+            <a:spLocks noGrp="1"/>
+          </p:cNvSpPr>
+          <p:nvPr>
+            <p:ph type="title"/>
+          </p:nvPr>
+        </p:nvSpPr>
+        <p:spPr/>
+        <p:txBody>
+          <a:bodyPr>
+            <a:normAutofit/>
+          </a:bodyPr>
+          <a:lstStyle/>
+          <a:p>
+            <a:r>
+              <a:rPr lang="en-US" sz="3600" dirty="0"/>
+              <a:t>How to achieve improvement?</a:t>
+            </a:r>
+          </a:p>
+        </p:txBody>
+      </p:sp>
+      <p:sp>
+        <p:nvSpPr>
+          <p:cNvPr id="13" name="TextBox 12">
+            <a:extLst>
+              <a:ext uri="{FF2B5EF4-FFF2-40B4-BE49-F238E27FC236}">
+                <a16:creationId xmlns:a16="http://schemas.microsoft.com/office/drawing/2014/main" id="{C09E7228-201D-4768-B85F-E1ED4F76E008}"/>
+              </a:ext>
+            </a:extLst>
+          </p:cNvPr>
+          <p:cNvSpPr txBox="1"/>
+          <p:nvPr/>
+        </p:nvSpPr>
+        <p:spPr>
+          <a:xfrm>
+            <a:off x="939800" y="2130599"/>
+            <a:ext cx="6844716" cy="646331"/>
+          </a:xfrm>
+          <a:prstGeom prst="rect">
+            <a:avLst/>
+          </a:prstGeom>
+          <a:noFill/>
+        </p:spPr>
+        <p:txBody>
+          <a:bodyPr wrap="square" rtlCol="0">
+            <a:spAutoFit/>
+          </a:bodyPr>
+          <a:lstStyle/>
+          <a:p>
+            <a:pPr algn="just"/>
+            <a:r>
+              <a:rPr lang="en-US" dirty="0"/>
+              <a:t>1. Words Associated With Service</a:t>
+            </a:r>
+          </a:p>
+          <a:p>
+            <a:pPr algn="just"/>
+            <a:r>
+              <a:rPr lang="en-US" dirty="0"/>
+              <a:t>Staff, Manager, Breakfast, Booked, Money, and Desk</a:t>
+            </a:r>
+          </a:p>
+        </p:txBody>
+      </p:sp>
+      <p:sp>
+        <p:nvSpPr>
+          <p:cNvPr id="14" name="TextBox 13">
+            <a:extLst>
+              <a:ext uri="{FF2B5EF4-FFF2-40B4-BE49-F238E27FC236}">
+                <a16:creationId xmlns:a16="http://schemas.microsoft.com/office/drawing/2014/main" id="{08BE4210-D82B-44D3-812C-2FBB91073D1E}"/>
+              </a:ext>
+            </a:extLst>
+          </p:cNvPr>
+          <p:cNvSpPr txBox="1"/>
+          <p:nvPr/>
+        </p:nvSpPr>
+        <p:spPr>
+          <a:xfrm>
+            <a:off x="939800" y="3059668"/>
+            <a:ext cx="6844716" cy="646331"/>
+          </a:xfrm>
+          <a:prstGeom prst="rect">
+            <a:avLst/>
+          </a:prstGeom>
+          <a:noFill/>
+        </p:spPr>
+        <p:txBody>
+          <a:bodyPr wrap="square" rtlCol="0">
+            <a:spAutoFit/>
+          </a:bodyPr>
+          <a:lstStyle/>
+          <a:p>
+            <a:pPr algn="just"/>
+            <a:r>
+              <a:rPr lang="en-US" dirty="0"/>
+              <a:t>2. Words Associated With Facility</a:t>
+            </a:r>
+          </a:p>
+          <a:p>
+            <a:pPr algn="just"/>
+            <a:r>
+              <a:rPr lang="en-US" dirty="0"/>
+              <a:t>Wall and Parking</a:t>
+            </a:r>
+          </a:p>
+        </p:txBody>
+      </p:sp>
+      <p:sp>
+        <p:nvSpPr>
+          <p:cNvPr id="15" name="TextBox 14">
+            <a:extLst>
+              <a:ext uri="{FF2B5EF4-FFF2-40B4-BE49-F238E27FC236}">
+                <a16:creationId xmlns:a16="http://schemas.microsoft.com/office/drawing/2014/main" id="{51EB7676-3C61-4380-9C81-B0AF3C6BD1A2}"/>
+              </a:ext>
+            </a:extLst>
+          </p:cNvPr>
+          <p:cNvSpPr txBox="1"/>
+          <p:nvPr/>
+        </p:nvSpPr>
+        <p:spPr>
+          <a:xfrm>
+            <a:off x="939800" y="3988737"/>
+            <a:ext cx="6844716" cy="646331"/>
+          </a:xfrm>
+          <a:prstGeom prst="rect">
+            <a:avLst/>
+          </a:prstGeom>
+          <a:noFill/>
+        </p:spPr>
+        <p:txBody>
+          <a:bodyPr wrap="square" rtlCol="0">
+            <a:spAutoFit/>
+          </a:bodyPr>
+          <a:lstStyle/>
+          <a:p>
+            <a:pPr algn="just"/>
+            <a:r>
+              <a:rPr lang="en-US" dirty="0"/>
+              <a:t>3. Words Associated With Location</a:t>
+            </a:r>
+          </a:p>
+          <a:p>
+            <a:pPr algn="just"/>
+            <a:r>
+              <a:rPr lang="en-US" dirty="0"/>
+              <a:t>Restaurant, Downtown, Bar and Location</a:t>
+            </a:r>
+          </a:p>
+        </p:txBody>
+      </p:sp>
+      <p:sp>
+        <p:nvSpPr>
+          <p:cNvPr id="16" name="TextBox 15">
+            <a:extLst>
+              <a:ext uri="{FF2B5EF4-FFF2-40B4-BE49-F238E27FC236}">
+                <a16:creationId xmlns:a16="http://schemas.microsoft.com/office/drawing/2014/main" id="{A5387F18-5FEA-4456-9914-0644EE67A501}"/>
+              </a:ext>
+            </a:extLst>
+          </p:cNvPr>
+          <p:cNvSpPr txBox="1"/>
+          <p:nvPr/>
+        </p:nvSpPr>
+        <p:spPr>
+          <a:xfrm>
+            <a:off x="939800" y="4917806"/>
+            <a:ext cx="7556500" cy="646331"/>
+          </a:xfrm>
+          <a:prstGeom prst="rect">
+            <a:avLst/>
+          </a:prstGeom>
+          <a:noFill/>
+        </p:spPr>
+        <p:txBody>
+          <a:bodyPr wrap="square" rtlCol="0">
+            <a:spAutoFit/>
+          </a:bodyPr>
+          <a:lstStyle/>
+          <a:p>
+            <a:pPr algn="just"/>
+            <a:r>
+              <a:rPr lang="en-US" dirty="0"/>
+              <a:t>4. Words Associated With Atmosphere</a:t>
+            </a:r>
+          </a:p>
+          <a:p>
+            <a:pPr algn="just"/>
+            <a:r>
+              <a:rPr lang="en-US" dirty="0"/>
+              <a:t>Modern, Clean, Pretty, Comfortable, Spacious, Quiet, Comfy, Smell and Dirty</a:t>
+            </a:r>
+          </a:p>
+        </p:txBody>
+      </p:sp>
+    </p:spTree>
+    <p:extLst>
+      <p:ext uri="{BB962C8B-B14F-4D97-AF65-F5344CB8AC3E}">
+        <p14:creationId xmlns:p14="http://schemas.microsoft.com/office/powerpoint/2010/main" val="2426794621"/>
+      </p:ext>
+    </p:extLst>
+  </p:cSld>
+  <p:clrMapOvr>
+    <a:masterClrMapping/>
+  </p:clrMapOvr>
+</p:sld>
+</file>
+
+<file path=ppt/slides/slide23.xml><?xml version="1.0" encoding="utf-8"?>
+<p:sld xmlns:a="http://schemas.openxmlformats.org/drawingml/2006/main" xmlns:r="http://schemas.openxmlformats.org/officeDocument/2006/relationships" xmlns:p="http://schemas.openxmlformats.org/presentationml/2006/main">
+  <p:cSld>
+    <p:spTree>
+      <p:nvGrpSpPr>
+        <p:cNvPr id="1" name=""/>
+        <p:cNvGrpSpPr/>
+        <p:nvPr/>
+      </p:nvGrpSpPr>
+      <p:grpSpPr>
+        <a:xfrm>
+          <a:off x="0" y="0"/>
+          <a:ext cx="0" cy="0"/>
+          <a:chOff x="0" y="0"/>
+          <a:chExt cx="0" cy="0"/>
+        </a:xfrm>
+      </p:grpSpPr>
+      <p:sp>
+        <p:nvSpPr>
+          <p:cNvPr id="4" name="Title 1">
+            <a:extLst>
+              <a:ext uri="{FF2B5EF4-FFF2-40B4-BE49-F238E27FC236}">
+                <a16:creationId xmlns:a16="http://schemas.microsoft.com/office/drawing/2014/main" id="{2FF090D0-F99F-4C3B-8440-C4079F3DA72E}"/>
+              </a:ext>
+            </a:extLst>
+          </p:cNvPr>
+          <p:cNvSpPr>
+            <a:spLocks noGrp="1"/>
+          </p:cNvSpPr>
+          <p:nvPr>
+            <p:ph type="title"/>
+          </p:nvPr>
+        </p:nvSpPr>
+        <p:spPr/>
+        <p:txBody>
+          <a:bodyPr>
+            <a:normAutofit/>
+          </a:bodyPr>
+          <a:lstStyle/>
+          <a:p>
+            <a:r>
+              <a:rPr lang="en-US" sz="3600" dirty="0"/>
+              <a:t>How to achieve improvement?</a:t>
+            </a:r>
+          </a:p>
+        </p:txBody>
+      </p:sp>
+      <p:sp>
+        <p:nvSpPr>
+          <p:cNvPr id="13" name="TextBox 12">
+            <a:extLst>
+              <a:ext uri="{FF2B5EF4-FFF2-40B4-BE49-F238E27FC236}">
+                <a16:creationId xmlns:a16="http://schemas.microsoft.com/office/drawing/2014/main" id="{C09E7228-201D-4768-B85F-E1ED4F76E008}"/>
+              </a:ext>
+            </a:extLst>
+          </p:cNvPr>
+          <p:cNvSpPr txBox="1"/>
+          <p:nvPr/>
+        </p:nvSpPr>
+        <p:spPr>
+          <a:xfrm>
+            <a:off x="939800" y="2130599"/>
+            <a:ext cx="6844716" cy="646331"/>
+          </a:xfrm>
+          <a:prstGeom prst="rect">
+            <a:avLst/>
+          </a:prstGeom>
+          <a:noFill/>
+        </p:spPr>
+        <p:txBody>
+          <a:bodyPr wrap="square" rtlCol="0">
+            <a:spAutoFit/>
+          </a:bodyPr>
+          <a:lstStyle/>
+          <a:p>
+            <a:pPr algn="just"/>
+            <a:r>
+              <a:rPr lang="en-US" dirty="0"/>
+              <a:t>1. Words Associated With Service</a:t>
+            </a:r>
+          </a:p>
+          <a:p>
+            <a:pPr algn="just"/>
+            <a:r>
+              <a:rPr lang="en-US" dirty="0"/>
+              <a:t>Staff, Manager, Breakfast, Booked, Money, and Desk</a:t>
+            </a:r>
+          </a:p>
+        </p:txBody>
+      </p:sp>
+      <p:pic>
+        <p:nvPicPr>
+          <p:cNvPr id="3" name="Picture 2">
+            <a:extLst>
+              <a:ext uri="{FF2B5EF4-FFF2-40B4-BE49-F238E27FC236}">
+                <a16:creationId xmlns:a16="http://schemas.microsoft.com/office/drawing/2014/main" id="{07090345-A6E5-4B3C-B3F8-FE27CABCEA1A}"/>
+              </a:ext>
+            </a:extLst>
+          </p:cNvPr>
+          <p:cNvPicPr>
+            <a:picLocks noChangeAspect="1"/>
+          </p:cNvPicPr>
+          <p:nvPr/>
+        </p:nvPicPr>
+        <p:blipFill>
+          <a:blip r:embed="rId2"/>
+          <a:stretch>
+            <a:fillRect/>
+          </a:stretch>
+        </p:blipFill>
+        <p:spPr>
+          <a:xfrm>
+            <a:off x="277666" y="2957238"/>
+            <a:ext cx="3560909" cy="2247666"/>
+          </a:xfrm>
+          <a:prstGeom prst="rect">
+            <a:avLst/>
+          </a:prstGeom>
+        </p:spPr>
+      </p:pic>
+      <p:pic>
+        <p:nvPicPr>
+          <p:cNvPr id="6" name="Picture 5">
+            <a:extLst>
+              <a:ext uri="{FF2B5EF4-FFF2-40B4-BE49-F238E27FC236}">
+                <a16:creationId xmlns:a16="http://schemas.microsoft.com/office/drawing/2014/main" id="{AE6DE09F-30D6-496B-BF99-4E1288C4C99F}"/>
+              </a:ext>
+            </a:extLst>
+          </p:cNvPr>
+          <p:cNvPicPr>
+            <a:picLocks noChangeAspect="1"/>
+          </p:cNvPicPr>
+          <p:nvPr/>
+        </p:nvPicPr>
+        <p:blipFill>
+          <a:blip r:embed="rId3"/>
+          <a:stretch>
+            <a:fillRect/>
+          </a:stretch>
+        </p:blipFill>
+        <p:spPr>
+          <a:xfrm>
+            <a:off x="4090988" y="2926141"/>
+            <a:ext cx="3448050" cy="2309859"/>
+          </a:xfrm>
+          <a:prstGeom prst="rect">
+            <a:avLst/>
+          </a:prstGeom>
+        </p:spPr>
+      </p:pic>
+      <p:pic>
+        <p:nvPicPr>
+          <p:cNvPr id="8" name="Picture 7">
+            <a:extLst>
+              <a:ext uri="{FF2B5EF4-FFF2-40B4-BE49-F238E27FC236}">
+                <a16:creationId xmlns:a16="http://schemas.microsoft.com/office/drawing/2014/main" id="{BD8A6DFA-5073-4B07-9091-BE0B6BAD8B52}"/>
+              </a:ext>
+            </a:extLst>
+          </p:cNvPr>
+          <p:cNvPicPr>
+            <a:picLocks noChangeAspect="1"/>
+          </p:cNvPicPr>
+          <p:nvPr/>
+        </p:nvPicPr>
+        <p:blipFill>
+          <a:blip r:embed="rId4"/>
+          <a:stretch>
+            <a:fillRect/>
+          </a:stretch>
+        </p:blipFill>
+        <p:spPr>
+          <a:xfrm>
+            <a:off x="7784516" y="2926142"/>
+            <a:ext cx="3664534" cy="2349984"/>
+          </a:xfrm>
+          <a:prstGeom prst="rect">
+            <a:avLst/>
+          </a:prstGeom>
+        </p:spPr>
+      </p:pic>
+    </p:spTree>
+    <p:extLst>
+      <p:ext uri="{BB962C8B-B14F-4D97-AF65-F5344CB8AC3E}">
+        <p14:creationId xmlns:p14="http://schemas.microsoft.com/office/powerpoint/2010/main" val="627291765"/>
+      </p:ext>
+    </p:extLst>
+  </p:cSld>
+  <p:clrMapOvr>
+    <a:masterClrMapping/>
+  </p:clrMapOvr>
+</p:sld>
+</file>
+
+<file path=ppt/slides/slide24.xml><?xml version="1.0" encoding="utf-8"?>
+<p:sld xmlns:a="http://schemas.openxmlformats.org/drawingml/2006/main" xmlns:r="http://schemas.openxmlformats.org/officeDocument/2006/relationships" xmlns:p="http://schemas.openxmlformats.org/presentationml/2006/main">
+  <p:cSld>
+    <p:spTree>
+      <p:nvGrpSpPr>
+        <p:cNvPr id="1" name=""/>
+        <p:cNvGrpSpPr/>
+        <p:nvPr/>
+      </p:nvGrpSpPr>
+      <p:grpSpPr>
+        <a:xfrm>
+          <a:off x="0" y="0"/>
+          <a:ext cx="0" cy="0"/>
+          <a:chOff x="0" y="0"/>
+          <a:chExt cx="0" cy="0"/>
+        </a:xfrm>
+      </p:grpSpPr>
+      <p:sp>
+        <p:nvSpPr>
+          <p:cNvPr id="4" name="Title 1">
+            <a:extLst>
+              <a:ext uri="{FF2B5EF4-FFF2-40B4-BE49-F238E27FC236}">
+                <a16:creationId xmlns:a16="http://schemas.microsoft.com/office/drawing/2014/main" id="{2FF090D0-F99F-4C3B-8440-C4079F3DA72E}"/>
+              </a:ext>
+            </a:extLst>
+          </p:cNvPr>
+          <p:cNvSpPr>
+            <a:spLocks noGrp="1"/>
+          </p:cNvSpPr>
+          <p:nvPr>
+            <p:ph type="title"/>
+          </p:nvPr>
+        </p:nvSpPr>
+        <p:spPr/>
+        <p:txBody>
+          <a:bodyPr>
+            <a:normAutofit/>
+          </a:bodyPr>
+          <a:lstStyle/>
+          <a:p>
+            <a:r>
+              <a:rPr lang="en-US" sz="3600" dirty="0"/>
+              <a:t>How to achieve improvement?</a:t>
+            </a:r>
+          </a:p>
+        </p:txBody>
+      </p:sp>
+      <p:sp>
+        <p:nvSpPr>
+          <p:cNvPr id="7" name="TextBox 6">
+            <a:extLst>
+              <a:ext uri="{FF2B5EF4-FFF2-40B4-BE49-F238E27FC236}">
+                <a16:creationId xmlns:a16="http://schemas.microsoft.com/office/drawing/2014/main" id="{A5D9D437-D372-4E25-B515-2390013A74C6}"/>
+              </a:ext>
+            </a:extLst>
+          </p:cNvPr>
+          <p:cNvSpPr txBox="1"/>
+          <p:nvPr/>
+        </p:nvSpPr>
+        <p:spPr>
+          <a:xfrm>
+            <a:off x="939800" y="2097643"/>
+            <a:ext cx="6844716" cy="646331"/>
+          </a:xfrm>
+          <a:prstGeom prst="rect">
+            <a:avLst/>
+          </a:prstGeom>
+          <a:noFill/>
+        </p:spPr>
+        <p:txBody>
+          <a:bodyPr wrap="square" rtlCol="0">
+            <a:spAutoFit/>
+          </a:bodyPr>
+          <a:lstStyle/>
+          <a:p>
+            <a:pPr algn="just"/>
+            <a:r>
+              <a:rPr lang="en-US" dirty="0"/>
+              <a:t>2. Words Associated With Facility</a:t>
+            </a:r>
+          </a:p>
+          <a:p>
+            <a:pPr algn="just"/>
+            <a:r>
+              <a:rPr lang="en-US" dirty="0"/>
+              <a:t>Wall and Parking</a:t>
+            </a:r>
+          </a:p>
+        </p:txBody>
+      </p:sp>
+      <p:pic>
+        <p:nvPicPr>
+          <p:cNvPr id="5" name="Picture 4">
+            <a:extLst>
+              <a:ext uri="{FF2B5EF4-FFF2-40B4-BE49-F238E27FC236}">
+                <a16:creationId xmlns:a16="http://schemas.microsoft.com/office/drawing/2014/main" id="{9145C407-BDF2-4D49-8147-861008514D66}"/>
+              </a:ext>
+            </a:extLst>
+          </p:cNvPr>
+          <p:cNvPicPr>
+            <a:picLocks noChangeAspect="1"/>
+          </p:cNvPicPr>
+          <p:nvPr/>
+        </p:nvPicPr>
+        <p:blipFill>
+          <a:blip r:embed="rId2"/>
+          <a:stretch>
+            <a:fillRect/>
+          </a:stretch>
+        </p:blipFill>
+        <p:spPr>
+          <a:xfrm>
+            <a:off x="939800" y="2842439"/>
+            <a:ext cx="5587192" cy="3577411"/>
+          </a:xfrm>
+          <a:prstGeom prst="rect">
+            <a:avLst/>
+          </a:prstGeom>
+        </p:spPr>
+      </p:pic>
+    </p:spTree>
+    <p:extLst>
+      <p:ext uri="{BB962C8B-B14F-4D97-AF65-F5344CB8AC3E}">
+        <p14:creationId xmlns:p14="http://schemas.microsoft.com/office/powerpoint/2010/main" val="759450345"/>
+      </p:ext>
+    </p:extLst>
+  </p:cSld>
+  <p:clrMapOvr>
+    <a:masterClrMapping/>
+  </p:clrMapOvr>
+</p:sld>
+</file>
+
+<file path=ppt/slides/slide25.xml><?xml version="1.0" encoding="utf-8"?>
+<p:sld xmlns:a="http://schemas.openxmlformats.org/drawingml/2006/main" xmlns:r="http://schemas.openxmlformats.org/officeDocument/2006/relationships" xmlns:p="http://schemas.openxmlformats.org/presentationml/2006/main">
+  <p:cSld>
+    <p:spTree>
+      <p:nvGrpSpPr>
+        <p:cNvPr id="1" name=""/>
+        <p:cNvGrpSpPr/>
+        <p:nvPr/>
+      </p:nvGrpSpPr>
+      <p:grpSpPr>
+        <a:xfrm>
+          <a:off x="0" y="0"/>
+          <a:ext cx="0" cy="0"/>
+          <a:chOff x="0" y="0"/>
+          <a:chExt cx="0" cy="0"/>
+        </a:xfrm>
+      </p:grpSpPr>
+      <p:sp>
+        <p:nvSpPr>
+          <p:cNvPr id="4" name="Title 1">
+            <a:extLst>
+              <a:ext uri="{FF2B5EF4-FFF2-40B4-BE49-F238E27FC236}">
+                <a16:creationId xmlns:a16="http://schemas.microsoft.com/office/drawing/2014/main" id="{2FF090D0-F99F-4C3B-8440-C4079F3DA72E}"/>
+              </a:ext>
+            </a:extLst>
+          </p:cNvPr>
+          <p:cNvSpPr>
+            <a:spLocks noGrp="1"/>
+          </p:cNvSpPr>
+          <p:nvPr>
+            <p:ph type="title"/>
+          </p:nvPr>
+        </p:nvSpPr>
+        <p:spPr/>
+        <p:txBody>
+          <a:bodyPr>
+            <a:normAutofit/>
+          </a:bodyPr>
+          <a:lstStyle/>
+          <a:p>
+            <a:r>
+              <a:rPr lang="en-US" sz="3600" dirty="0"/>
+              <a:t>How to achieve improvement?</a:t>
+            </a:r>
+          </a:p>
+        </p:txBody>
+      </p:sp>
+      <p:sp>
+        <p:nvSpPr>
+          <p:cNvPr id="6" name="TextBox 5">
+            <a:extLst>
+              <a:ext uri="{FF2B5EF4-FFF2-40B4-BE49-F238E27FC236}">
+                <a16:creationId xmlns:a16="http://schemas.microsoft.com/office/drawing/2014/main" id="{62D290B9-8429-4174-8878-13A8704EB28F}"/>
+              </a:ext>
+            </a:extLst>
+          </p:cNvPr>
+          <p:cNvSpPr txBox="1"/>
+          <p:nvPr/>
+        </p:nvSpPr>
+        <p:spPr>
+          <a:xfrm>
+            <a:off x="939800" y="1994522"/>
+            <a:ext cx="6844716" cy="646331"/>
+          </a:xfrm>
+          <a:prstGeom prst="rect">
+            <a:avLst/>
+          </a:prstGeom>
+          <a:noFill/>
+        </p:spPr>
+        <p:txBody>
+          <a:bodyPr wrap="square" rtlCol="0">
+            <a:spAutoFit/>
+          </a:bodyPr>
+          <a:lstStyle/>
+          <a:p>
+            <a:pPr algn="just"/>
+            <a:r>
+              <a:rPr lang="en-US" dirty="0"/>
+              <a:t>3. Words Associated With Location</a:t>
+            </a:r>
+          </a:p>
+          <a:p>
+            <a:pPr algn="just"/>
+            <a:r>
+              <a:rPr lang="en-US" dirty="0"/>
+              <a:t>Restaurant, Downtown, Bar and Location</a:t>
+            </a:r>
+          </a:p>
+        </p:txBody>
+      </p:sp>
+      <p:pic>
+        <p:nvPicPr>
+          <p:cNvPr id="3" name="Picture 2">
+            <a:extLst>
+              <a:ext uri="{FF2B5EF4-FFF2-40B4-BE49-F238E27FC236}">
+                <a16:creationId xmlns:a16="http://schemas.microsoft.com/office/drawing/2014/main" id="{523D37D2-33C2-429C-B7E0-C1909FCB0E31}"/>
+              </a:ext>
+            </a:extLst>
+          </p:cNvPr>
+          <p:cNvPicPr>
+            <a:picLocks noChangeAspect="1"/>
+          </p:cNvPicPr>
+          <p:nvPr/>
+        </p:nvPicPr>
+        <p:blipFill>
+          <a:blip r:embed="rId2"/>
+          <a:stretch>
+            <a:fillRect/>
+          </a:stretch>
+        </p:blipFill>
+        <p:spPr>
+          <a:xfrm>
+            <a:off x="787400" y="2842439"/>
+            <a:ext cx="4349274" cy="3024188"/>
+          </a:xfrm>
+          <a:prstGeom prst="rect">
+            <a:avLst/>
+          </a:prstGeom>
+        </p:spPr>
+      </p:pic>
+      <p:pic>
+        <p:nvPicPr>
+          <p:cNvPr id="9" name="Picture 8">
+            <a:extLst>
+              <a:ext uri="{FF2B5EF4-FFF2-40B4-BE49-F238E27FC236}">
+                <a16:creationId xmlns:a16="http://schemas.microsoft.com/office/drawing/2014/main" id="{C86465DD-03BC-404B-AC15-8350A6391276}"/>
+              </a:ext>
+            </a:extLst>
+          </p:cNvPr>
+          <p:cNvPicPr>
+            <a:picLocks noChangeAspect="1"/>
+          </p:cNvPicPr>
+          <p:nvPr/>
+        </p:nvPicPr>
+        <p:blipFill>
+          <a:blip r:embed="rId3"/>
+          <a:stretch>
+            <a:fillRect/>
+          </a:stretch>
+        </p:blipFill>
+        <p:spPr>
+          <a:xfrm>
+            <a:off x="5524499" y="2842439"/>
+            <a:ext cx="4609357" cy="3024188"/>
+          </a:xfrm>
+          <a:prstGeom prst="rect">
+            <a:avLst/>
+          </a:prstGeom>
+        </p:spPr>
+      </p:pic>
+    </p:spTree>
+    <p:extLst>
+      <p:ext uri="{BB962C8B-B14F-4D97-AF65-F5344CB8AC3E}">
+        <p14:creationId xmlns:p14="http://schemas.microsoft.com/office/powerpoint/2010/main" val="1983814825"/>
+      </p:ext>
+    </p:extLst>
+  </p:cSld>
+  <p:clrMapOvr>
+    <a:masterClrMapping/>
+  </p:clrMapOvr>
+</p:sld>
+</file>
+
+<file path=ppt/slides/slide26.xml><?xml version="1.0" encoding="utf-8"?>
+<p:sld xmlns:a="http://schemas.openxmlformats.org/drawingml/2006/main" xmlns:r="http://schemas.openxmlformats.org/officeDocument/2006/relationships" xmlns:p="http://schemas.openxmlformats.org/presentationml/2006/main">
+  <p:cSld>
+    <p:spTree>
+      <p:nvGrpSpPr>
+        <p:cNvPr id="1" name=""/>
+        <p:cNvGrpSpPr/>
+        <p:nvPr/>
+      </p:nvGrpSpPr>
+      <p:grpSpPr>
+        <a:xfrm>
+          <a:off x="0" y="0"/>
+          <a:ext cx="0" cy="0"/>
+          <a:chOff x="0" y="0"/>
+          <a:chExt cx="0" cy="0"/>
+        </a:xfrm>
+      </p:grpSpPr>
+      <p:sp>
+        <p:nvSpPr>
+          <p:cNvPr id="4" name="Title 1">
+            <a:extLst>
+              <a:ext uri="{FF2B5EF4-FFF2-40B4-BE49-F238E27FC236}">
+                <a16:creationId xmlns:a16="http://schemas.microsoft.com/office/drawing/2014/main" id="{2FF090D0-F99F-4C3B-8440-C4079F3DA72E}"/>
+              </a:ext>
+            </a:extLst>
+          </p:cNvPr>
+          <p:cNvSpPr>
+            <a:spLocks noGrp="1"/>
+          </p:cNvSpPr>
+          <p:nvPr>
+            <p:ph type="title"/>
+          </p:nvPr>
+        </p:nvSpPr>
+        <p:spPr/>
+        <p:txBody>
+          <a:bodyPr>
+            <a:normAutofit/>
+          </a:bodyPr>
+          <a:lstStyle/>
+          <a:p>
+            <a:r>
+              <a:rPr lang="en-US" sz="3600" dirty="0"/>
+              <a:t>How to achieve improvement?</a:t>
+            </a:r>
+          </a:p>
+        </p:txBody>
+      </p:sp>
+      <p:sp>
+        <p:nvSpPr>
+          <p:cNvPr id="7" name="TextBox 6">
+            <a:extLst>
+              <a:ext uri="{FF2B5EF4-FFF2-40B4-BE49-F238E27FC236}">
+                <a16:creationId xmlns:a16="http://schemas.microsoft.com/office/drawing/2014/main" id="{64D70596-2DB6-4791-B949-1B117B7B571A}"/>
+              </a:ext>
+            </a:extLst>
+          </p:cNvPr>
+          <p:cNvSpPr txBox="1"/>
+          <p:nvPr/>
+        </p:nvSpPr>
+        <p:spPr>
+          <a:xfrm>
+            <a:off x="939800" y="1870697"/>
+            <a:ext cx="7556500" cy="646331"/>
+          </a:xfrm>
+          <a:prstGeom prst="rect">
+            <a:avLst/>
+          </a:prstGeom>
+          <a:noFill/>
+        </p:spPr>
+        <p:txBody>
+          <a:bodyPr wrap="square" rtlCol="0">
+            <a:spAutoFit/>
+          </a:bodyPr>
+          <a:lstStyle/>
+          <a:p>
+            <a:pPr algn="just"/>
+            <a:r>
+              <a:rPr lang="en-US" dirty="0"/>
+              <a:t>4. Words Associated With Atmosphere</a:t>
+            </a:r>
+          </a:p>
+          <a:p>
+            <a:pPr algn="just"/>
+            <a:r>
+              <a:rPr lang="en-US" dirty="0"/>
+              <a:t>Modern, Clean, Pretty, Comfortable, Spacious, Quiet, Comfy, Smell and Dirty</a:t>
+            </a:r>
+          </a:p>
+        </p:txBody>
+      </p:sp>
+      <p:pic>
+        <p:nvPicPr>
+          <p:cNvPr id="5" name="Picture 4">
+            <a:extLst>
+              <a:ext uri="{FF2B5EF4-FFF2-40B4-BE49-F238E27FC236}">
+                <a16:creationId xmlns:a16="http://schemas.microsoft.com/office/drawing/2014/main" id="{978634A1-9120-4073-8FDF-17B8F8EB8CA6}"/>
+              </a:ext>
+            </a:extLst>
+          </p:cNvPr>
+          <p:cNvPicPr>
+            <a:picLocks noChangeAspect="1"/>
+          </p:cNvPicPr>
+          <p:nvPr/>
+        </p:nvPicPr>
+        <p:blipFill>
+          <a:blip r:embed="rId2"/>
+          <a:stretch>
+            <a:fillRect/>
+          </a:stretch>
+        </p:blipFill>
+        <p:spPr>
+          <a:xfrm>
+            <a:off x="423863" y="2517028"/>
+            <a:ext cx="3216146" cy="2054971"/>
+          </a:xfrm>
+          <a:prstGeom prst="rect">
+            <a:avLst/>
+          </a:prstGeom>
+        </p:spPr>
+      </p:pic>
+      <p:pic>
+        <p:nvPicPr>
+          <p:cNvPr id="10" name="Picture 9">
+            <a:extLst>
+              <a:ext uri="{FF2B5EF4-FFF2-40B4-BE49-F238E27FC236}">
+                <a16:creationId xmlns:a16="http://schemas.microsoft.com/office/drawing/2014/main" id="{DB1873B4-624A-4FE8-AE9A-667EE5AE4AB5}"/>
+              </a:ext>
+            </a:extLst>
+          </p:cNvPr>
+          <p:cNvPicPr>
+            <a:picLocks noChangeAspect="1"/>
+          </p:cNvPicPr>
+          <p:nvPr/>
+        </p:nvPicPr>
+        <p:blipFill>
+          <a:blip r:embed="rId3"/>
+          <a:stretch>
+            <a:fillRect/>
+          </a:stretch>
+        </p:blipFill>
+        <p:spPr>
+          <a:xfrm>
+            <a:off x="3895900" y="2517029"/>
+            <a:ext cx="3005667" cy="2054970"/>
+          </a:xfrm>
+          <a:prstGeom prst="rect">
+            <a:avLst/>
+          </a:prstGeom>
+        </p:spPr>
+      </p:pic>
+      <p:pic>
+        <p:nvPicPr>
+          <p:cNvPr id="12" name="Picture 11">
+            <a:extLst>
+              <a:ext uri="{FF2B5EF4-FFF2-40B4-BE49-F238E27FC236}">
+                <a16:creationId xmlns:a16="http://schemas.microsoft.com/office/drawing/2014/main" id="{7550B94B-542C-4B40-9217-F673CC68F9F8}"/>
+              </a:ext>
+            </a:extLst>
+          </p:cNvPr>
+          <p:cNvPicPr>
+            <a:picLocks noChangeAspect="1"/>
+          </p:cNvPicPr>
+          <p:nvPr/>
+        </p:nvPicPr>
+        <p:blipFill>
+          <a:blip r:embed="rId4"/>
+          <a:stretch>
+            <a:fillRect/>
+          </a:stretch>
+        </p:blipFill>
+        <p:spPr>
+          <a:xfrm>
+            <a:off x="7157458" y="2517029"/>
+            <a:ext cx="3005667" cy="1994003"/>
+          </a:xfrm>
+          <a:prstGeom prst="rect">
+            <a:avLst/>
+          </a:prstGeom>
+        </p:spPr>
+      </p:pic>
+      <p:pic>
+        <p:nvPicPr>
+          <p:cNvPr id="14" name="Picture 13">
+            <a:extLst>
+              <a:ext uri="{FF2B5EF4-FFF2-40B4-BE49-F238E27FC236}">
+                <a16:creationId xmlns:a16="http://schemas.microsoft.com/office/drawing/2014/main" id="{5B23AE12-1B20-4BA1-A4E8-B3D57F08CFEE}"/>
+              </a:ext>
+            </a:extLst>
+          </p:cNvPr>
+          <p:cNvPicPr>
+            <a:picLocks noChangeAspect="1"/>
+          </p:cNvPicPr>
+          <p:nvPr/>
+        </p:nvPicPr>
+        <p:blipFill>
+          <a:blip r:embed="rId5"/>
+          <a:stretch>
+            <a:fillRect/>
+          </a:stretch>
+        </p:blipFill>
+        <p:spPr>
+          <a:xfrm>
+            <a:off x="423863" y="4610752"/>
+            <a:ext cx="3216145" cy="2112332"/>
+          </a:xfrm>
+          <a:prstGeom prst="rect">
+            <a:avLst/>
+          </a:prstGeom>
+        </p:spPr>
+      </p:pic>
+      <p:pic>
+        <p:nvPicPr>
+          <p:cNvPr id="16" name="Picture 15">
+            <a:extLst>
+              <a:ext uri="{FF2B5EF4-FFF2-40B4-BE49-F238E27FC236}">
+                <a16:creationId xmlns:a16="http://schemas.microsoft.com/office/drawing/2014/main" id="{725375CA-A9B9-4E4D-A3B7-ACD4DC390BFC}"/>
+              </a:ext>
+            </a:extLst>
+          </p:cNvPr>
+          <p:cNvPicPr>
+            <a:picLocks noChangeAspect="1"/>
+          </p:cNvPicPr>
+          <p:nvPr/>
+        </p:nvPicPr>
+        <p:blipFill>
+          <a:blip r:embed="rId6"/>
+          <a:stretch>
+            <a:fillRect/>
+          </a:stretch>
+        </p:blipFill>
+        <p:spPr>
+          <a:xfrm>
+            <a:off x="3895900" y="4610752"/>
+            <a:ext cx="3005667" cy="2097607"/>
+          </a:xfrm>
+          <a:prstGeom prst="rect">
+            <a:avLst/>
+          </a:prstGeom>
+        </p:spPr>
+      </p:pic>
+      <p:pic>
+        <p:nvPicPr>
+          <p:cNvPr id="18" name="Picture 17">
+            <a:extLst>
+              <a:ext uri="{FF2B5EF4-FFF2-40B4-BE49-F238E27FC236}">
+                <a16:creationId xmlns:a16="http://schemas.microsoft.com/office/drawing/2014/main" id="{0C2AB30A-E653-4F5F-A6EB-D9BE05036982}"/>
+              </a:ext>
+            </a:extLst>
+          </p:cNvPr>
+          <p:cNvPicPr>
+            <a:picLocks noChangeAspect="1"/>
+          </p:cNvPicPr>
+          <p:nvPr/>
+        </p:nvPicPr>
+        <p:blipFill>
+          <a:blip r:embed="rId7"/>
+          <a:stretch>
+            <a:fillRect/>
+          </a:stretch>
+        </p:blipFill>
+        <p:spPr>
+          <a:xfrm>
+            <a:off x="7157458" y="4610753"/>
+            <a:ext cx="3005667" cy="1018748"/>
+          </a:xfrm>
+          <a:prstGeom prst="rect">
+            <a:avLst/>
+          </a:prstGeom>
+        </p:spPr>
+      </p:pic>
+    </p:spTree>
+    <p:extLst>
+      <p:ext uri="{BB962C8B-B14F-4D97-AF65-F5344CB8AC3E}">
+        <p14:creationId xmlns:p14="http://schemas.microsoft.com/office/powerpoint/2010/main" val="2764878155"/>
+      </p:ext>
+    </p:extLst>
+  </p:cSld>
+  <p:clrMapOvr>
+    <a:masterClrMapping/>
+  </p:clrMapOvr>
+</p:sld>
+</file>
+
+<file path=ppt/slides/slide27.xml><?xml version="1.0" encoding="utf-8"?>
+<p:sld xmlns:a="http://schemas.openxmlformats.org/drawingml/2006/main" xmlns:r="http://schemas.openxmlformats.org/officeDocument/2006/relationships" xmlns:p="http://schemas.openxmlformats.org/presentationml/2006/main">
+  <p:cSld>
+    <p:spTree>
+      <p:nvGrpSpPr>
+        <p:cNvPr id="1" name=""/>
+        <p:cNvGrpSpPr/>
+        <p:nvPr/>
+      </p:nvGrpSpPr>
+      <p:grpSpPr>
+        <a:xfrm>
+          <a:off x="0" y="0"/>
+          <a:ext cx="0" cy="0"/>
+          <a:chOff x="0" y="0"/>
+          <a:chExt cx="0" cy="0"/>
+        </a:xfrm>
+      </p:grpSpPr>
+      <p:sp>
+        <p:nvSpPr>
+          <p:cNvPr id="4" name="Title 1">
+            <a:extLst>
+              <a:ext uri="{FF2B5EF4-FFF2-40B4-BE49-F238E27FC236}">
+                <a16:creationId xmlns:a16="http://schemas.microsoft.com/office/drawing/2014/main" id="{2FF090D0-F99F-4C3B-8440-C4079F3DA72E}"/>
+              </a:ext>
+            </a:extLst>
+          </p:cNvPr>
+          <p:cNvSpPr>
+            <a:spLocks noGrp="1"/>
+          </p:cNvSpPr>
+          <p:nvPr>
+            <p:ph type="title"/>
+          </p:nvPr>
+        </p:nvSpPr>
+        <p:spPr/>
+        <p:txBody>
+          <a:bodyPr>
+            <a:normAutofit/>
+          </a:bodyPr>
+          <a:lstStyle/>
+          <a:p>
+            <a:r>
+              <a:rPr lang="en-US" sz="3600" dirty="0"/>
+              <a:t>How to achieve improvement?</a:t>
+            </a:r>
+          </a:p>
+        </p:txBody>
+      </p:sp>
+      <p:pic>
+        <p:nvPicPr>
+          <p:cNvPr id="3" name="Picture 2">
+            <a:extLst>
+              <a:ext uri="{FF2B5EF4-FFF2-40B4-BE49-F238E27FC236}">
+                <a16:creationId xmlns:a16="http://schemas.microsoft.com/office/drawing/2014/main" id="{27522364-473E-4E17-BEF3-963EE89C9220}"/>
+              </a:ext>
+            </a:extLst>
+          </p:cNvPr>
+          <p:cNvPicPr>
+            <a:picLocks noChangeAspect="1"/>
+          </p:cNvPicPr>
+          <p:nvPr/>
+        </p:nvPicPr>
+        <p:blipFill>
+          <a:blip r:embed="rId2"/>
+          <a:stretch>
+            <a:fillRect/>
+          </a:stretch>
+        </p:blipFill>
+        <p:spPr>
+          <a:xfrm>
+            <a:off x="1799143" y="2282810"/>
+            <a:ext cx="3512850" cy="4291013"/>
+          </a:xfrm>
+          <a:prstGeom prst="rect">
+            <a:avLst/>
+          </a:prstGeom>
+        </p:spPr>
+      </p:pic>
+      <p:pic>
+        <p:nvPicPr>
+          <p:cNvPr id="8" name="Picture 7">
+            <a:extLst>
+              <a:ext uri="{FF2B5EF4-FFF2-40B4-BE49-F238E27FC236}">
+                <a16:creationId xmlns:a16="http://schemas.microsoft.com/office/drawing/2014/main" id="{B219E3A8-177F-481E-9A9D-442DA709CAFC}"/>
+              </a:ext>
+            </a:extLst>
+          </p:cNvPr>
+          <p:cNvPicPr>
+            <a:picLocks noChangeAspect="1"/>
+          </p:cNvPicPr>
+          <p:nvPr/>
+        </p:nvPicPr>
+        <p:blipFill>
+          <a:blip r:embed="rId3"/>
+          <a:stretch>
+            <a:fillRect/>
+          </a:stretch>
+        </p:blipFill>
+        <p:spPr>
+          <a:xfrm>
+            <a:off x="6557962" y="2282810"/>
+            <a:ext cx="3478601" cy="4291013"/>
+          </a:xfrm>
+          <a:prstGeom prst="rect">
+            <a:avLst/>
+          </a:prstGeom>
+        </p:spPr>
+      </p:pic>
+      <p:sp>
+        <p:nvSpPr>
+          <p:cNvPr id="9" name="TextBox 8">
+            <a:extLst>
+              <a:ext uri="{FF2B5EF4-FFF2-40B4-BE49-F238E27FC236}">
+                <a16:creationId xmlns:a16="http://schemas.microsoft.com/office/drawing/2014/main" id="{C0B68644-FC2E-4712-96F6-182DAB9DC874}"/>
+              </a:ext>
+            </a:extLst>
+          </p:cNvPr>
+          <p:cNvSpPr txBox="1"/>
+          <p:nvPr/>
+        </p:nvSpPr>
+        <p:spPr>
+          <a:xfrm>
+            <a:off x="3031331" y="1853207"/>
+            <a:ext cx="2562225" cy="369332"/>
+          </a:xfrm>
+          <a:prstGeom prst="rect">
+            <a:avLst/>
+          </a:prstGeom>
+          <a:noFill/>
+        </p:spPr>
+        <p:txBody>
+          <a:bodyPr wrap="square" rtlCol="0">
+            <a:spAutoFit/>
+          </a:bodyPr>
+          <a:lstStyle/>
+          <a:p>
+            <a:r>
+              <a:rPr lang="en-US" dirty="0"/>
+              <a:t>Breakfast</a:t>
+            </a:r>
+          </a:p>
+        </p:txBody>
+      </p:sp>
+      <p:sp>
+        <p:nvSpPr>
+          <p:cNvPr id="15" name="TextBox 14">
+            <a:extLst>
+              <a:ext uri="{FF2B5EF4-FFF2-40B4-BE49-F238E27FC236}">
+                <a16:creationId xmlns:a16="http://schemas.microsoft.com/office/drawing/2014/main" id="{CB101040-E985-44CE-8F52-30C73FC909B1}"/>
+              </a:ext>
+            </a:extLst>
+          </p:cNvPr>
+          <p:cNvSpPr txBox="1"/>
+          <p:nvPr/>
+        </p:nvSpPr>
+        <p:spPr>
+          <a:xfrm>
+            <a:off x="7689056" y="1853207"/>
+            <a:ext cx="2562225" cy="369332"/>
+          </a:xfrm>
+          <a:prstGeom prst="rect">
+            <a:avLst/>
+          </a:prstGeom>
+          <a:noFill/>
+        </p:spPr>
+        <p:txBody>
+          <a:bodyPr wrap="square" rtlCol="0">
+            <a:spAutoFit/>
+          </a:bodyPr>
+          <a:lstStyle/>
+          <a:p>
+            <a:r>
+              <a:rPr lang="en-US" dirty="0"/>
+              <a:t>Desk</a:t>
+            </a:r>
+          </a:p>
+        </p:txBody>
+      </p:sp>
+    </p:spTree>
+    <p:extLst>
+      <p:ext uri="{BB962C8B-B14F-4D97-AF65-F5344CB8AC3E}">
+        <p14:creationId xmlns:p14="http://schemas.microsoft.com/office/powerpoint/2010/main" val="2131698534"/>
       </p:ext>
     </p:extLst>
   </p:cSld>
@@ -3641,7 +8206,7 @@
         </p:nvSpPr>
         <p:spPr>
           <a:xfrm>
-            <a:off x="838200" y="1253331"/>
+            <a:off x="838200" y="1862931"/>
             <a:ext cx="10515600" cy="4351338"/>
           </a:xfrm>
         </p:spPr>
@@ -3779,6 +8344,77 @@
           </a:p>
         </p:txBody>
       </p:sp>
+      <p:sp>
+        <p:nvSpPr>
+          <p:cNvPr id="6" name="Content Placeholder 5">
+            <a:extLst>
+              <a:ext uri="{FF2B5EF4-FFF2-40B4-BE49-F238E27FC236}">
+                <a16:creationId xmlns:a16="http://schemas.microsoft.com/office/drawing/2014/main" id="{CD1678C4-48FF-4118-A818-91AD1E08575A}"/>
+              </a:ext>
+            </a:extLst>
+          </p:cNvPr>
+          <p:cNvSpPr>
+            <a:spLocks noGrp="1"/>
+          </p:cNvSpPr>
+          <p:nvPr>
+            <p:ph idx="1"/>
+          </p:nvPr>
+        </p:nvSpPr>
+        <p:spPr>
+          <a:xfrm>
+            <a:off x="838200" y="4667440"/>
+            <a:ext cx="10114503" cy="2038683"/>
+          </a:xfrm>
+        </p:spPr>
+        <p:txBody>
+          <a:bodyPr>
+            <a:normAutofit/>
+          </a:bodyPr>
+          <a:lstStyle/>
+          <a:p>
+            <a:pPr marL="0" indent="0">
+              <a:buNone/>
+            </a:pPr>
+            <a:r>
+              <a:rPr lang="en-US" dirty="0"/>
+              <a:t>1532 x 1405</a:t>
+            </a:r>
+          </a:p>
+          <a:p>
+            <a:pPr marL="0" indent="0">
+              <a:buNone/>
+            </a:pPr>
+            <a:r>
+              <a:rPr lang="en-US" dirty="0"/>
+              <a:t>1532 rows =&gt; reviews about hotels in Madison</a:t>
+            </a:r>
+          </a:p>
+          <a:p>
+            <a:pPr marL="0" indent="0">
+              <a:buNone/>
+            </a:pPr>
+            <a:r>
+              <a:rPr lang="en-US" dirty="0"/>
+              <a:t>1395 columns =&gt; Word Frequency</a:t>
+            </a:r>
+          </a:p>
+          <a:p>
+            <a:pPr marL="0" indent="0">
+              <a:buNone/>
+            </a:pPr>
+            <a:r>
+              <a:rPr lang="en-US" dirty="0"/>
+              <a:t>10 columns =&gt; About business </a:t>
+            </a:r>
+          </a:p>
+          <a:p>
+            <a:pPr marL="0" indent="0">
+              <a:buNone/>
+            </a:pPr>
+            <a:endParaRPr lang="en-US" dirty="0"/>
+          </a:p>
+        </p:txBody>
+      </p:sp>
       <p:pic>
         <p:nvPicPr>
           <p:cNvPr id="4" name="Picture 3">
@@ -3801,7 +8437,7 @@
         </p:blipFill>
         <p:spPr>
           <a:xfrm>
-            <a:off x="838200" y="1419382"/>
+            <a:off x="838200" y="1867057"/>
             <a:ext cx="8299363" cy="2790877"/>
           </a:xfrm>
           <a:prstGeom prst="rect">
@@ -3809,77 +8445,6 @@
           </a:prstGeom>
         </p:spPr>
       </p:pic>
-      <p:sp>
-        <p:nvSpPr>
-          <p:cNvPr id="6" name="Content Placeholder 5">
-            <a:extLst>
-              <a:ext uri="{FF2B5EF4-FFF2-40B4-BE49-F238E27FC236}">
-                <a16:creationId xmlns:a16="http://schemas.microsoft.com/office/drawing/2014/main" id="{CD1678C4-48FF-4118-A818-91AD1E08575A}"/>
-              </a:ext>
-            </a:extLst>
-          </p:cNvPr>
-          <p:cNvSpPr>
-            <a:spLocks noGrp="1"/>
-          </p:cNvSpPr>
-          <p:nvPr>
-            <p:ph idx="1"/>
-          </p:nvPr>
-        </p:nvSpPr>
-        <p:spPr>
-          <a:xfrm>
-            <a:off x="838200" y="4372165"/>
-            <a:ext cx="10114503" cy="2038683"/>
-          </a:xfrm>
-        </p:spPr>
-        <p:txBody>
-          <a:bodyPr>
-            <a:normAutofit/>
-          </a:bodyPr>
-          <a:lstStyle/>
-          <a:p>
-            <a:pPr marL="0" indent="0">
-              <a:buNone/>
-            </a:pPr>
-            <a:r>
-              <a:rPr lang="en-US" dirty="0"/>
-              <a:t>1532 x 1405</a:t>
-            </a:r>
-          </a:p>
-          <a:p>
-            <a:pPr marL="0" indent="0">
-              <a:buNone/>
-            </a:pPr>
-            <a:r>
-              <a:rPr lang="en-US" dirty="0"/>
-              <a:t>1532 rows =&gt; reviews about hotels in Madison</a:t>
-            </a:r>
-          </a:p>
-          <a:p>
-            <a:pPr marL="0" indent="0">
-              <a:buNone/>
-            </a:pPr>
-            <a:r>
-              <a:rPr lang="en-US" dirty="0"/>
-              <a:t>1395 columns =&gt; Word Frequency</a:t>
-            </a:r>
-          </a:p>
-          <a:p>
-            <a:pPr marL="0" indent="0">
-              <a:buNone/>
-            </a:pPr>
-            <a:r>
-              <a:rPr lang="en-US" dirty="0"/>
-              <a:t>10 columns =&gt; About business </a:t>
-            </a:r>
-          </a:p>
-          <a:p>
-            <a:pPr marL="0" indent="0">
-              <a:buNone/>
-            </a:pPr>
-            <a:endParaRPr lang="en-US" dirty="0"/>
-          </a:p>
-        </p:txBody>
-      </p:sp>
     </p:spTree>
     <p:extLst>
       <p:ext uri="{BB962C8B-B14F-4D97-AF65-F5344CB8AC3E}">
@@ -3962,7 +8527,7 @@
         </p:blipFill>
         <p:spPr>
           <a:xfrm>
-            <a:off x="838201" y="1419382"/>
+            <a:off x="838201" y="2028982"/>
             <a:ext cx="6832140" cy="2297485"/>
           </a:xfrm>
           <a:prstGeom prst="rect">
@@ -3992,7 +8557,7 @@
         </p:blipFill>
         <p:spPr>
           <a:xfrm>
-            <a:off x="1183217" y="4042461"/>
+            <a:off x="1183217" y="4652061"/>
             <a:ext cx="9334500" cy="1457325"/>
           </a:xfrm>
           <a:prstGeom prst="rect">
@@ -4014,7 +8579,7 @@
         </p:nvSpPr>
         <p:spPr>
           <a:xfrm>
-            <a:off x="9417820" y="2563189"/>
+            <a:off x="9417820" y="3172789"/>
             <a:ext cx="813917" cy="403155"/>
           </a:xfrm>
           <a:prstGeom prst="rightArrow">
@@ -4060,7 +8625,7 @@
         </p:nvSpPr>
         <p:spPr>
           <a:xfrm>
-            <a:off x="7841347" y="2580101"/>
+            <a:off x="7841347" y="3189701"/>
             <a:ext cx="1405467" cy="369332"/>
           </a:xfrm>
           <a:prstGeom prst="rect">
@@ -4098,7 +8663,7 @@
         </p:nvSpPr>
         <p:spPr>
           <a:xfrm>
-            <a:off x="5147733" y="5699308"/>
+            <a:off x="5147733" y="6308908"/>
             <a:ext cx="1405467" cy="369332"/>
           </a:xfrm>
           <a:prstGeom prst="rect">
@@ -4196,7 +8761,7 @@
         </p:nvSpPr>
         <p:spPr>
           <a:xfrm>
-            <a:off x="4845998" y="1547621"/>
+            <a:off x="4644387" y="2022129"/>
             <a:ext cx="813917" cy="403155"/>
           </a:xfrm>
           <a:prstGeom prst="rightArrow">
@@ -4242,7 +8807,7 @@
         </p:nvSpPr>
         <p:spPr>
           <a:xfrm>
-            <a:off x="1931614" y="1615267"/>
+            <a:off x="1931614" y="1815292"/>
             <a:ext cx="1405467" cy="369332"/>
           </a:xfrm>
           <a:prstGeom prst="rect">
@@ -4280,7 +8845,7 @@
         </p:nvSpPr>
         <p:spPr>
           <a:xfrm>
-            <a:off x="6255650" y="1581444"/>
+            <a:off x="6255650" y="1781469"/>
             <a:ext cx="1405467" cy="369332"/>
           </a:xfrm>
           <a:prstGeom prst="rect">
@@ -4326,7 +8891,7 @@
         </p:blipFill>
         <p:spPr>
           <a:xfrm>
-            <a:off x="1684870" y="3529876"/>
+            <a:off x="1684870" y="3729901"/>
             <a:ext cx="6822917" cy="1996439"/>
           </a:xfrm>
           <a:prstGeom prst="rect">
@@ -4348,7 +8913,7 @@
         </p:nvSpPr>
         <p:spPr>
           <a:xfrm>
-            <a:off x="3089116" y="3171945"/>
+            <a:off x="3089116" y="3371970"/>
             <a:ext cx="4361551" cy="369332"/>
           </a:xfrm>
           <a:prstGeom prst="rect">
@@ -4391,7 +8956,7 @@
         </p:blipFill>
         <p:spPr>
           <a:xfrm>
-            <a:off x="1231899" y="2079206"/>
+            <a:off x="1231899" y="2279231"/>
             <a:ext cx="3124200" cy="981075"/>
           </a:xfrm>
           <a:prstGeom prst="rect">
@@ -4421,7 +8986,7 @@
         </p:blipFill>
         <p:spPr>
           <a:xfrm>
-            <a:off x="5746592" y="2098980"/>
+            <a:off x="5746592" y="2299005"/>
             <a:ext cx="3829050" cy="1000125"/>
           </a:xfrm>
           <a:prstGeom prst="rect">
@@ -4443,7 +9008,7 @@
         </p:nvSpPr>
         <p:spPr>
           <a:xfrm>
-            <a:off x="2106983" y="5535847"/>
+            <a:off x="2106983" y="5735872"/>
             <a:ext cx="6822917" cy="646331"/>
           </a:xfrm>
           <a:prstGeom prst="rect">
@@ -4467,7 +9032,7 @@
             </a:r>
             <a:r>
               <a:rPr lang="en-US" dirty="0"/>
-              <a:t> quantile()reduced the repeated count to 1 </a:t>
+              <a:t> quantile(53.00)reduced the repeated count to 1 </a:t>
             </a:r>
           </a:p>
         </p:txBody>
@@ -4494,7 +9059,7 @@
         </p:blipFill>
         <p:spPr>
           <a:xfrm>
-            <a:off x="3793484" y="6134882"/>
+            <a:off x="3793484" y="6334907"/>
             <a:ext cx="3019425" cy="361950"/>
           </a:xfrm>
           <a:prstGeom prst="rect">
@@ -4557,7 +9122,7 @@
           <a:p>
             <a:r>
               <a:rPr lang="en-US" sz="3600" dirty="0"/>
-              <a:t>Data Analysis Process (EDA)</a:t>
+              <a:t>Data Analysis Process (Exploratory Data Analysis)</a:t>
             </a:r>
           </a:p>
         </p:txBody>
@@ -4584,8 +9149,8 @@
         </p:blipFill>
         <p:spPr>
           <a:xfrm>
-            <a:off x="973192" y="1534319"/>
-            <a:ext cx="4400567" cy="2873430"/>
+            <a:off x="459683" y="2661962"/>
+            <a:ext cx="5252273" cy="3429567"/>
           </a:xfrm>
           <a:prstGeom prst="rect">
             <a:avLst/>
@@ -4606,8 +9171,8 @@
         </p:nvSpPr>
         <p:spPr>
           <a:xfrm>
-            <a:off x="6480044" y="1320353"/>
-            <a:ext cx="4542181" cy="369332"/>
+            <a:off x="6480044" y="1882328"/>
+            <a:ext cx="4542181" cy="307777"/>
           </a:xfrm>
           <a:prstGeom prst="rect">
             <a:avLst/>
@@ -4621,7 +9186,7 @@
           <a:lstStyle/>
           <a:p>
             <a:r>
-              <a:rPr lang="en-US" dirty="0"/>
+              <a:rPr lang="en-US" sz="1400" dirty="0"/>
               <a:t>1. Words associated with service and furniture</a:t>
             </a:r>
           </a:p>
@@ -4641,8 +9206,8 @@
         </p:nvSpPr>
         <p:spPr>
           <a:xfrm>
-            <a:off x="6480045" y="2878139"/>
-            <a:ext cx="3577818" cy="369332"/>
+            <a:off x="6480045" y="2963864"/>
+            <a:ext cx="3577818" cy="307777"/>
           </a:xfrm>
           <a:prstGeom prst="rect">
             <a:avLst/>
@@ -4656,7 +9221,7 @@
           <a:lstStyle/>
           <a:p>
             <a:r>
-              <a:rPr lang="en-US" dirty="0"/>
+              <a:rPr lang="en-US" sz="1400" dirty="0"/>
               <a:t>2. Words associated with facility</a:t>
             </a:r>
           </a:p>
@@ -4676,8 +9241,8 @@
         </p:nvSpPr>
         <p:spPr>
           <a:xfrm>
-            <a:off x="6480045" y="4223083"/>
-            <a:ext cx="3577818" cy="369332"/>
+            <a:off x="6480045" y="4023058"/>
+            <a:ext cx="3577818" cy="307777"/>
           </a:xfrm>
           <a:prstGeom prst="rect">
             <a:avLst/>
@@ -4691,7 +9256,7 @@
           <a:lstStyle/>
           <a:p>
             <a:r>
-              <a:rPr lang="en-US" dirty="0"/>
+              <a:rPr lang="en-US" sz="1400" dirty="0"/>
               <a:t>3. Words associated with location</a:t>
             </a:r>
           </a:p>
@@ -4711,8 +9276,8 @@
         </p:nvSpPr>
         <p:spPr>
           <a:xfrm>
-            <a:off x="6480045" y="5208102"/>
-            <a:ext cx="4542182" cy="369332"/>
+            <a:off x="6480045" y="5027127"/>
+            <a:ext cx="4542182" cy="307777"/>
           </a:xfrm>
           <a:prstGeom prst="rect">
             <a:avLst/>
@@ -4726,7 +9291,7 @@
           <a:lstStyle/>
           <a:p>
             <a:r>
-              <a:rPr lang="en-US" dirty="0"/>
+              <a:rPr lang="en-US" sz="1400" dirty="0"/>
               <a:t>4. Words associated with atmosphere of hotels</a:t>
             </a:r>
           </a:p>
@@ -4746,8 +9311,8 @@
         </p:nvSpPr>
         <p:spPr>
           <a:xfrm>
-            <a:off x="6818242" y="1649898"/>
-            <a:ext cx="4926227" cy="1200329"/>
+            <a:off x="6818242" y="2211873"/>
+            <a:ext cx="4926227" cy="738664"/>
           </a:xfrm>
           <a:prstGeom prst="rect">
             <a:avLst/>
@@ -4761,15 +9326,15 @@
           <a:lstStyle/>
           <a:p>
             <a:r>
-              <a:rPr lang="en-US" dirty="0"/>
+              <a:rPr lang="en-US" sz="1400" dirty="0"/>
               <a:t>Staff, service, manager, reservation, breakfast, coffee, drink, price, suite, bed, desk, </a:t>
             </a:r>
             <a:r>
-              <a:rPr lang="en-US" dirty="0" err="1"/>
+              <a:rPr lang="en-US" sz="1400" dirty="0" err="1"/>
               <a:t>wifi</a:t>
             </a:r>
             <a:r>
-              <a:rPr lang="en-US" dirty="0"/>
+              <a:rPr lang="en-US" sz="1400" dirty="0"/>
               <a:t>, tv, fridge, pillow, towel, booked, food, microwave, dinner, money, fruit, buffet, beer</a:t>
             </a:r>
           </a:p>
@@ -4789,8 +9354,8 @@
         </p:nvSpPr>
         <p:spPr>
           <a:xfrm>
-            <a:off x="6818242" y="3273612"/>
-            <a:ext cx="4926227" cy="923330"/>
+            <a:off x="6818242" y="3359337"/>
+            <a:ext cx="4926227" cy="523220"/>
           </a:xfrm>
           <a:prstGeom prst="rect">
             <a:avLst/>
@@ -4804,7 +9369,7 @@
           <a:lstStyle/>
           <a:p>
             <a:r>
-              <a:rPr lang="en-US" dirty="0"/>
+              <a:rPr lang="en-US" sz="1400" dirty="0"/>
               <a:t>Room, bathroom, pool, tub, shower, lobby, elevator, wall, parking, gym, amenity, size, light, car</a:t>
             </a:r>
           </a:p>
@@ -4824,8 +9389,8 @@
         </p:nvSpPr>
         <p:spPr>
           <a:xfrm>
-            <a:off x="6818242" y="4534312"/>
-            <a:ext cx="4926227" cy="646331"/>
+            <a:off x="6818242" y="4334287"/>
+            <a:ext cx="4926227" cy="523220"/>
           </a:xfrm>
           <a:prstGeom prst="rect">
             <a:avLst/>
@@ -4839,7 +9404,7 @@
           <a:lstStyle/>
           <a:p>
             <a:r>
-              <a:rPr lang="en-US" dirty="0"/>
+              <a:rPr lang="en-US" sz="1400" dirty="0"/>
               <a:t>Shuttle, downtown, airport, distance, bar, location, restaurant, park, near, club</a:t>
             </a:r>
           </a:p>
@@ -4859,8 +9424,8 @@
         </p:nvSpPr>
         <p:spPr>
           <a:xfrm>
-            <a:off x="6818242" y="5629864"/>
-            <a:ext cx="4926227" cy="923330"/>
+            <a:off x="6818242" y="5448889"/>
+            <a:ext cx="4926227" cy="738664"/>
           </a:xfrm>
           <a:prstGeom prst="rect">
             <a:avLst/>
@@ -4874,7 +9439,7 @@
           <a:lstStyle/>
           <a:p>
             <a:r>
-              <a:rPr lang="en-US" dirty="0"/>
+              <a:rPr lang="en-US" sz="1400" dirty="0"/>
               <a:t>Family, kid, business, clean, comfortable, small, pretty, quiet, beautiful, spacious, modern, noise, smell, comfy, week, weekend, dirty</a:t>
             </a:r>
           </a:p>
@@ -4954,7 +9519,7 @@
         </p:nvSpPr>
         <p:spPr>
           <a:xfrm>
-            <a:off x="831578" y="1320353"/>
+            <a:off x="141330" y="1899126"/>
             <a:ext cx="4542181" cy="369332"/>
           </a:xfrm>
           <a:prstGeom prst="rect">
@@ -4977,10 +9542,10 @@
       </p:sp>
       <p:sp>
         <p:nvSpPr>
-          <p:cNvPr id="23" name="TextBox 22">
-            <a:extLst>
-              <a:ext uri="{FF2B5EF4-FFF2-40B4-BE49-F238E27FC236}">
-                <a16:creationId xmlns:a16="http://schemas.microsoft.com/office/drawing/2014/main" id="{600D631E-83FD-44B9-8A55-C4E2B03F3B26}"/>
+          <p:cNvPr id="26" name="TextBox 25">
+            <a:extLst>
+              <a:ext uri="{FF2B5EF4-FFF2-40B4-BE49-F238E27FC236}">
+                <a16:creationId xmlns:a16="http://schemas.microsoft.com/office/drawing/2014/main" id="{8FAE4647-5ED4-44E3-8599-AA0AA4109DC2}"/>
               </a:ext>
             </a:extLst>
           </p:cNvPr>
@@ -4989,8 +9554,8 @@
         </p:nvSpPr>
         <p:spPr>
           <a:xfrm>
-            <a:off x="6480045" y="2878139"/>
-            <a:ext cx="3577818" cy="369332"/>
+            <a:off x="284191" y="2228671"/>
+            <a:ext cx="4926227" cy="1200329"/>
           </a:xfrm>
           <a:prstGeom prst="rect">
             <a:avLst/>
@@ -5005,111 +9570,6 @@
           <a:p>
             <a:r>
               <a:rPr lang="en-US" dirty="0"/>
-              <a:t>2. Words associated with facility</a:t>
-            </a:r>
-          </a:p>
-        </p:txBody>
-      </p:sp>
-      <p:sp>
-        <p:nvSpPr>
-          <p:cNvPr id="24" name="TextBox 23">
-            <a:extLst>
-              <a:ext uri="{FF2B5EF4-FFF2-40B4-BE49-F238E27FC236}">
-                <a16:creationId xmlns:a16="http://schemas.microsoft.com/office/drawing/2014/main" id="{CA75F733-33E9-49E0-87F1-2AB4E5D66952}"/>
-              </a:ext>
-            </a:extLst>
-          </p:cNvPr>
-          <p:cNvSpPr txBox="1"/>
-          <p:nvPr/>
-        </p:nvSpPr>
-        <p:spPr>
-          <a:xfrm>
-            <a:off x="6480045" y="4223083"/>
-            <a:ext cx="3577818" cy="369332"/>
-          </a:xfrm>
-          <a:prstGeom prst="rect">
-            <a:avLst/>
-          </a:prstGeom>
-          <a:noFill/>
-        </p:spPr>
-        <p:txBody>
-          <a:bodyPr wrap="square" rtlCol="0">
-            <a:spAutoFit/>
-          </a:bodyPr>
-          <a:lstStyle/>
-          <a:p>
-            <a:r>
-              <a:rPr lang="en-US" dirty="0"/>
-              <a:t>3. Words associated with location</a:t>
-            </a:r>
-          </a:p>
-        </p:txBody>
-      </p:sp>
-      <p:sp>
-        <p:nvSpPr>
-          <p:cNvPr id="25" name="TextBox 24">
-            <a:extLst>
-              <a:ext uri="{FF2B5EF4-FFF2-40B4-BE49-F238E27FC236}">
-                <a16:creationId xmlns:a16="http://schemas.microsoft.com/office/drawing/2014/main" id="{D1D21CF0-AEBF-431A-B7B3-250145EF0BAE}"/>
-              </a:ext>
-            </a:extLst>
-          </p:cNvPr>
-          <p:cNvSpPr txBox="1"/>
-          <p:nvPr/>
-        </p:nvSpPr>
-        <p:spPr>
-          <a:xfrm>
-            <a:off x="6480045" y="5208102"/>
-            <a:ext cx="4542182" cy="369332"/>
-          </a:xfrm>
-          <a:prstGeom prst="rect">
-            <a:avLst/>
-          </a:prstGeom>
-          <a:noFill/>
-        </p:spPr>
-        <p:txBody>
-          <a:bodyPr wrap="square" rtlCol="0">
-            <a:spAutoFit/>
-          </a:bodyPr>
-          <a:lstStyle/>
-          <a:p>
-            <a:r>
-              <a:rPr lang="en-US" dirty="0"/>
-              <a:t>4. Words associated with atmosphere of hotels</a:t>
-            </a:r>
-          </a:p>
-        </p:txBody>
-      </p:sp>
-      <p:sp>
-        <p:nvSpPr>
-          <p:cNvPr id="26" name="TextBox 25">
-            <a:extLst>
-              <a:ext uri="{FF2B5EF4-FFF2-40B4-BE49-F238E27FC236}">
-                <a16:creationId xmlns:a16="http://schemas.microsoft.com/office/drawing/2014/main" id="{8FAE4647-5ED4-44E3-8599-AA0AA4109DC2}"/>
-              </a:ext>
-            </a:extLst>
-          </p:cNvPr>
-          <p:cNvSpPr txBox="1"/>
-          <p:nvPr/>
-        </p:nvSpPr>
-        <p:spPr>
-          <a:xfrm>
-            <a:off x="974439" y="1649898"/>
-            <a:ext cx="4926227" cy="1200329"/>
-          </a:xfrm>
-          <a:prstGeom prst="rect">
-            <a:avLst/>
-          </a:prstGeom>
-          <a:noFill/>
-        </p:spPr>
-        <p:txBody>
-          <a:bodyPr wrap="square" rtlCol="0">
-            <a:spAutoFit/>
-          </a:bodyPr>
-          <a:lstStyle/>
-          <a:p>
-            <a:r>
-              <a:rPr lang="en-US" dirty="0"/>
               <a:t>Staff, service, manager, reservation, breakfast, coffee, drink, price, suite, bed, desk, </a:t>
             </a:r>
             <a:r>
@@ -5123,117 +9583,12 @@
           </a:p>
         </p:txBody>
       </p:sp>
-      <p:sp>
-        <p:nvSpPr>
-          <p:cNvPr id="27" name="TextBox 26">
-            <a:extLst>
-              <a:ext uri="{FF2B5EF4-FFF2-40B4-BE49-F238E27FC236}">
-                <a16:creationId xmlns:a16="http://schemas.microsoft.com/office/drawing/2014/main" id="{C924AF83-926D-4DA7-B41B-48A3ECFE0F16}"/>
-              </a:ext>
-            </a:extLst>
-          </p:cNvPr>
-          <p:cNvSpPr txBox="1"/>
-          <p:nvPr/>
-        </p:nvSpPr>
-        <p:spPr>
-          <a:xfrm>
-            <a:off x="6818242" y="3273612"/>
-            <a:ext cx="4926227" cy="923330"/>
-          </a:xfrm>
-          <a:prstGeom prst="rect">
-            <a:avLst/>
-          </a:prstGeom>
-          <a:noFill/>
-        </p:spPr>
-        <p:txBody>
-          <a:bodyPr wrap="square" rtlCol="0">
-            <a:spAutoFit/>
-          </a:bodyPr>
-          <a:lstStyle/>
-          <a:p>
-            <a:r>
-              <a:rPr lang="en-US" dirty="0"/>
-              <a:t>Room, bathroom, pool, tub, shower, lobby, elevator, wall, parking, gym, amenity, size, light, car</a:t>
-            </a:r>
-          </a:p>
-        </p:txBody>
-      </p:sp>
-      <p:sp>
-        <p:nvSpPr>
-          <p:cNvPr id="28" name="TextBox 27">
-            <a:extLst>
-              <a:ext uri="{FF2B5EF4-FFF2-40B4-BE49-F238E27FC236}">
-                <a16:creationId xmlns:a16="http://schemas.microsoft.com/office/drawing/2014/main" id="{AB4AD9B7-A2DB-434E-8DD7-98C0C3063B0B}"/>
-              </a:ext>
-            </a:extLst>
-          </p:cNvPr>
-          <p:cNvSpPr txBox="1"/>
-          <p:nvPr/>
-        </p:nvSpPr>
-        <p:spPr>
-          <a:xfrm>
-            <a:off x="6818242" y="4534312"/>
-            <a:ext cx="4926227" cy="646331"/>
-          </a:xfrm>
-          <a:prstGeom prst="rect">
-            <a:avLst/>
-          </a:prstGeom>
-          <a:noFill/>
-        </p:spPr>
-        <p:txBody>
-          <a:bodyPr wrap="square" rtlCol="0">
-            <a:spAutoFit/>
-          </a:bodyPr>
-          <a:lstStyle/>
-          <a:p>
-            <a:r>
-              <a:rPr lang="en-US" dirty="0"/>
-              <a:t>Shuttle, downtown, airport, distance, bar, location, restaurant, park, near, club</a:t>
-            </a:r>
-          </a:p>
-        </p:txBody>
-      </p:sp>
-      <p:sp>
-        <p:nvSpPr>
-          <p:cNvPr id="29" name="TextBox 28">
-            <a:extLst>
-              <a:ext uri="{FF2B5EF4-FFF2-40B4-BE49-F238E27FC236}">
-                <a16:creationId xmlns:a16="http://schemas.microsoft.com/office/drawing/2014/main" id="{FEACDEF4-A496-470B-B3C7-ACC58C934482}"/>
-              </a:ext>
-            </a:extLst>
-          </p:cNvPr>
-          <p:cNvSpPr txBox="1"/>
-          <p:nvPr/>
-        </p:nvSpPr>
-        <p:spPr>
-          <a:xfrm>
-            <a:off x="6818242" y="5629864"/>
-            <a:ext cx="4926227" cy="923330"/>
-          </a:xfrm>
-          <a:prstGeom prst="rect">
-            <a:avLst/>
-          </a:prstGeom>
-          <a:noFill/>
-        </p:spPr>
-        <p:txBody>
-          <a:bodyPr wrap="square" rtlCol="0">
-            <a:spAutoFit/>
-          </a:bodyPr>
-          <a:lstStyle/>
-          <a:p>
-            <a:r>
-              <a:rPr lang="en-US" dirty="0"/>
-              <a:t>Family, kid, business, clean, comfortable, small, pretty, quiet, beautiful, spacious, modern, noise, smell, comfy, week, weekend, dirty</a:t>
-            </a:r>
-          </a:p>
-        </p:txBody>
-      </p:sp>
       <p:pic>
         <p:nvPicPr>
-          <p:cNvPr id="4" name="Picture 3">
-            <a:extLst>
-              <a:ext uri="{FF2B5EF4-FFF2-40B4-BE49-F238E27FC236}">
-                <a16:creationId xmlns:a16="http://schemas.microsoft.com/office/drawing/2014/main" id="{C6E0EFEB-E1E0-4C88-88FB-DA851246A602}"/>
+          <p:cNvPr id="9" name="Picture 8">
+            <a:extLst>
+              <a:ext uri="{FF2B5EF4-FFF2-40B4-BE49-F238E27FC236}">
+                <a16:creationId xmlns:a16="http://schemas.microsoft.com/office/drawing/2014/main" id="{F09490B1-B075-449A-A8DD-397447B140CD}"/>
               </a:ext>
             </a:extLst>
           </p:cNvPr>
@@ -5250,8 +9605,68 @@
         </p:blipFill>
         <p:spPr>
           <a:xfrm>
-            <a:off x="838200" y="3002123"/>
-            <a:ext cx="3218072" cy="3248648"/>
+            <a:off x="8003345" y="900316"/>
+            <a:ext cx="3339742" cy="3169663"/>
+          </a:xfrm>
+          <a:prstGeom prst="rect">
+            <a:avLst/>
+          </a:prstGeom>
+        </p:spPr>
+      </p:pic>
+      <p:pic>
+        <p:nvPicPr>
+          <p:cNvPr id="11" name="Picture 10">
+            <a:extLst>
+              <a:ext uri="{FF2B5EF4-FFF2-40B4-BE49-F238E27FC236}">
+                <a16:creationId xmlns:a16="http://schemas.microsoft.com/office/drawing/2014/main" id="{A293DEDB-3B6F-4C96-804E-5859E151143F}"/>
+              </a:ext>
+            </a:extLst>
+          </p:cNvPr>
+          <p:cNvPicPr>
+            <a:picLocks noChangeAspect="1"/>
+          </p:cNvPicPr>
+          <p:nvPr/>
+        </p:nvPicPr>
+        <p:blipFill>
+          <a:blip r:embed="rId3"/>
+          <a:stretch>
+            <a:fillRect/>
+          </a:stretch>
+        </p:blipFill>
+        <p:spPr>
+          <a:xfrm>
+            <a:off x="3891205" y="3177359"/>
+            <a:ext cx="3652595" cy="3509191"/>
+          </a:xfrm>
+          <a:prstGeom prst="rect">
+            <a:avLst/>
+          </a:prstGeom>
+        </p:spPr>
+      </p:pic>
+      <p:pic>
+        <p:nvPicPr>
+          <p:cNvPr id="13" name="Picture 12">
+            <a:extLst>
+              <a:ext uri="{FF2B5EF4-FFF2-40B4-BE49-F238E27FC236}">
+                <a16:creationId xmlns:a16="http://schemas.microsoft.com/office/drawing/2014/main" id="{0E1E65A7-61C3-4AE4-A387-AC7D7A846BC2}"/>
+              </a:ext>
+            </a:extLst>
+          </p:cNvPr>
+          <p:cNvPicPr>
+            <a:picLocks noChangeAspect="1"/>
+          </p:cNvPicPr>
+          <p:nvPr/>
+        </p:nvPicPr>
+        <p:blipFill>
+          <a:blip r:embed="rId4"/>
+          <a:stretch>
+            <a:fillRect/>
+          </a:stretch>
+        </p:blipFill>
+        <p:spPr>
+          <a:xfrm>
+            <a:off x="7912858" y="4285358"/>
+            <a:ext cx="3520717" cy="2288466"/>
           </a:xfrm>
           <a:prstGeom prst="rect">
             <a:avLst/>
@@ -5271,111 +9686,249 @@
 </p:sld>
 </file>
 
+<file path=ppt/slides/slide9.xml><?xml version="1.0" encoding="utf-8"?>
+<p:sld xmlns:a="http://schemas.openxmlformats.org/drawingml/2006/main" xmlns:r="http://schemas.openxmlformats.org/officeDocument/2006/relationships" xmlns:p="http://schemas.openxmlformats.org/presentationml/2006/main">
+  <p:cSld>
+    <p:spTree>
+      <p:nvGrpSpPr>
+        <p:cNvPr id="1" name=""/>
+        <p:cNvGrpSpPr/>
+        <p:nvPr/>
+      </p:nvGrpSpPr>
+      <p:grpSpPr>
+        <a:xfrm>
+          <a:off x="0" y="0"/>
+          <a:ext cx="0" cy="0"/>
+          <a:chOff x="0" y="0"/>
+          <a:chExt cx="0" cy="0"/>
+        </a:xfrm>
+      </p:grpSpPr>
+      <p:sp>
+        <p:nvSpPr>
+          <p:cNvPr id="2" name="Title 1">
+            <a:extLst>
+              <a:ext uri="{FF2B5EF4-FFF2-40B4-BE49-F238E27FC236}">
+                <a16:creationId xmlns:a16="http://schemas.microsoft.com/office/drawing/2014/main" id="{417E78FE-553A-426A-9575-6CD0E7C8D12E}"/>
+              </a:ext>
+            </a:extLst>
+          </p:cNvPr>
+          <p:cNvSpPr>
+            <a:spLocks noGrp="1"/>
+          </p:cNvSpPr>
+          <p:nvPr>
+            <p:ph type="title"/>
+          </p:nvPr>
+        </p:nvSpPr>
+        <p:spPr/>
+        <p:txBody>
+          <a:bodyPr>
+            <a:normAutofit/>
+          </a:bodyPr>
+          <a:lstStyle/>
+          <a:p>
+            <a:r>
+              <a:rPr lang="en-US" sz="3600" dirty="0"/>
+              <a:t>Data Analysis Process (EDA)</a:t>
+            </a:r>
+          </a:p>
+        </p:txBody>
+      </p:sp>
+      <p:sp>
+        <p:nvSpPr>
+          <p:cNvPr id="23" name="TextBox 22">
+            <a:extLst>
+              <a:ext uri="{FF2B5EF4-FFF2-40B4-BE49-F238E27FC236}">
+                <a16:creationId xmlns:a16="http://schemas.microsoft.com/office/drawing/2014/main" id="{600D631E-83FD-44B9-8A55-C4E2B03F3B26}"/>
+              </a:ext>
+            </a:extLst>
+          </p:cNvPr>
+          <p:cNvSpPr txBox="1"/>
+          <p:nvPr/>
+        </p:nvSpPr>
+        <p:spPr>
+          <a:xfrm>
+            <a:off x="831576" y="1920754"/>
+            <a:ext cx="3577818" cy="369332"/>
+          </a:xfrm>
+          <a:prstGeom prst="rect">
+            <a:avLst/>
+          </a:prstGeom>
+          <a:noFill/>
+        </p:spPr>
+        <p:txBody>
+          <a:bodyPr wrap="square" rtlCol="0">
+            <a:spAutoFit/>
+          </a:bodyPr>
+          <a:lstStyle/>
+          <a:p>
+            <a:r>
+              <a:rPr lang="en-US" dirty="0"/>
+              <a:t>2. Words associated with facility</a:t>
+            </a:r>
+          </a:p>
+        </p:txBody>
+      </p:sp>
+      <p:sp>
+        <p:nvSpPr>
+          <p:cNvPr id="27" name="TextBox 26">
+            <a:extLst>
+              <a:ext uri="{FF2B5EF4-FFF2-40B4-BE49-F238E27FC236}">
+                <a16:creationId xmlns:a16="http://schemas.microsoft.com/office/drawing/2014/main" id="{C924AF83-926D-4DA7-B41B-48A3ECFE0F16}"/>
+              </a:ext>
+            </a:extLst>
+          </p:cNvPr>
+          <p:cNvSpPr txBox="1"/>
+          <p:nvPr/>
+        </p:nvSpPr>
+        <p:spPr>
+          <a:xfrm>
+            <a:off x="1169773" y="2316227"/>
+            <a:ext cx="4926227" cy="923330"/>
+          </a:xfrm>
+          <a:prstGeom prst="rect">
+            <a:avLst/>
+          </a:prstGeom>
+          <a:noFill/>
+        </p:spPr>
+        <p:txBody>
+          <a:bodyPr wrap="square" rtlCol="0">
+            <a:spAutoFit/>
+          </a:bodyPr>
+          <a:lstStyle/>
+          <a:p>
+            <a:r>
+              <a:rPr lang="en-US" dirty="0"/>
+              <a:t>Room, bathroom, pool, tub, shower, lobby, elevator, wall, parking, gym, amenity, size, light, car</a:t>
+            </a:r>
+          </a:p>
+        </p:txBody>
+      </p:sp>
+      <p:pic>
+        <p:nvPicPr>
+          <p:cNvPr id="5" name="Picture 4">
+            <a:extLst>
+              <a:ext uri="{FF2B5EF4-FFF2-40B4-BE49-F238E27FC236}">
+                <a16:creationId xmlns:a16="http://schemas.microsoft.com/office/drawing/2014/main" id="{933088DC-6089-4772-9F78-636C6B3C9DD8}"/>
+              </a:ext>
+            </a:extLst>
+          </p:cNvPr>
+          <p:cNvPicPr>
+            <a:picLocks noChangeAspect="1"/>
+          </p:cNvPicPr>
+          <p:nvPr/>
+        </p:nvPicPr>
+        <p:blipFill>
+          <a:blip r:embed="rId2"/>
+          <a:stretch>
+            <a:fillRect/>
+          </a:stretch>
+        </p:blipFill>
+        <p:spPr>
+          <a:xfrm>
+            <a:off x="6829425" y="2218685"/>
+            <a:ext cx="4414837" cy="4220215"/>
+          </a:xfrm>
+          <a:prstGeom prst="rect">
+            <a:avLst/>
+          </a:prstGeom>
+        </p:spPr>
+      </p:pic>
+      <p:pic>
+        <p:nvPicPr>
+          <p:cNvPr id="7" name="Picture 6">
+            <a:extLst>
+              <a:ext uri="{FF2B5EF4-FFF2-40B4-BE49-F238E27FC236}">
+                <a16:creationId xmlns:a16="http://schemas.microsoft.com/office/drawing/2014/main" id="{3EBE35E9-5451-465D-A0E5-9275ED9965E1}"/>
+              </a:ext>
+            </a:extLst>
+          </p:cNvPr>
+          <p:cNvPicPr>
+            <a:picLocks noChangeAspect="1"/>
+          </p:cNvPicPr>
+          <p:nvPr/>
+        </p:nvPicPr>
+        <p:blipFill>
+          <a:blip r:embed="rId3"/>
+          <a:stretch>
+            <a:fillRect/>
+          </a:stretch>
+        </p:blipFill>
+        <p:spPr>
+          <a:xfrm>
+            <a:off x="1833562" y="3429000"/>
+            <a:ext cx="4414838" cy="2875252"/>
+          </a:xfrm>
+          <a:prstGeom prst="rect">
+            <a:avLst/>
+          </a:prstGeom>
+        </p:spPr>
+      </p:pic>
+    </p:spTree>
+    <p:extLst>
+      <p:ext uri="{BB962C8B-B14F-4D97-AF65-F5344CB8AC3E}">
+        <p14:creationId xmlns:p14="http://schemas.microsoft.com/office/powerpoint/2010/main" val="597724257"/>
+      </p:ext>
+    </p:extLst>
+  </p:cSld>
+  <p:clrMapOvr>
+    <a:masterClrMapping/>
+  </p:clrMapOvr>
+</p:sld>
+</file>
+
 <file path=ppt/theme/theme1.xml><?xml version="1.0" encoding="utf-8"?>
-<a:theme xmlns:a="http://schemas.openxmlformats.org/drawingml/2006/main" name="Office Theme">
+<a:theme xmlns:a="http://schemas.openxmlformats.org/drawingml/2006/main" name="Banded">
   <a:themeElements>
-    <a:clrScheme name="Office">
+    <a:clrScheme name="Banded">
       <a:dk1>
-        <a:sysClr val="windowText" lastClr="000000"/>
+        <a:srgbClr val="2C2C2C"/>
       </a:dk1>
       <a:lt1>
-        <a:sysClr val="window" lastClr="FFFFFF"/>
+        <a:srgbClr val="FFFFFF"/>
       </a:lt1>
       <a:dk2>
-        <a:srgbClr val="44546A"/>
+        <a:srgbClr val="099BDD"/>
       </a:dk2>
       <a:lt2>
-        <a:srgbClr val="E7E6E6"/>
+        <a:srgbClr val="F2F2F2"/>
       </a:lt2>
       <a:accent1>
-        <a:srgbClr val="4472C4"/>
+        <a:srgbClr val="FFC000"/>
       </a:accent1>
       <a:accent2>
-        <a:srgbClr val="ED7D31"/>
+        <a:srgbClr val="A5D028"/>
       </a:accent2>
       <a:accent3>
-        <a:srgbClr val="A5A5A5"/>
+        <a:srgbClr val="08CC78"/>
       </a:accent3>
       <a:accent4>
-        <a:srgbClr val="FFC000"/>
+        <a:srgbClr val="F24099"/>
       </a:accent4>
       <a:accent5>
-        <a:srgbClr val="5B9BD5"/>
+        <a:srgbClr val="828288"/>
       </a:accent5>
       <a:accent6>
-        <a:srgbClr val="70AD47"/>
+        <a:srgbClr val="F56617"/>
       </a:accent6>
       <a:hlink>
-        <a:srgbClr val="0563C1"/>
+        <a:srgbClr val="005DBA"/>
       </a:hlink>
       <a:folHlink>
-        <a:srgbClr val="954F72"/>
+        <a:srgbClr val="6C606A"/>
       </a:folHlink>
     </a:clrScheme>
-    <a:fontScheme name="Office">
+    <a:fontScheme name="Banded">
       <a:majorFont>
-        <a:latin typeface="Calibri Light" panose="020F0302020204030204"/>
+        <a:latin typeface="Corbel" panose="020B0503020204020204"/>
         <a:ea typeface=""/>
         <a:cs typeface=""/>
-        <a:font script="Jpan" typeface="游ゴシック Light"/>
+        <a:font script="Jpan" typeface="ＭＳ ゴシック"/>
         <a:font script="Hang" typeface="맑은 고딕"/>
-        <a:font script="Hans" typeface="等线 Light"/>
+        <a:font script="Hans" typeface="宋体"/>
         <a:font script="Hant" typeface="新細明體"/>
-        <a:font script="Arab" typeface="Times New Roman"/>
-        <a:font script="Hebr" typeface="Times New Roman"/>
-        <a:font script="Thai" typeface="Angsana New"/>
-        <a:font script="Ethi" typeface="Nyala"/>
-        <a:font script="Beng" typeface="Vrinda"/>
-        <a:font script="Gujr" typeface="Shruti"/>
-        <a:font script="Khmr" typeface="MoolBoran"/>
-        <a:font script="Knda" typeface="Tunga"/>
-        <a:font script="Guru" typeface="Raavi"/>
-        <a:font script="Cans" typeface="Euphemia"/>
-        <a:font script="Cher" typeface="Plantagenet Cherokee"/>
-        <a:font script="Yiii" typeface="Microsoft Yi Baiti"/>
-        <a:font script="Tibt" typeface="Microsoft Himalaya"/>
-        <a:font script="Thaa" typeface="MV Boli"/>
-        <a:font script="Deva" typeface="Mangal"/>
-        <a:font script="Telu" typeface="Gautami"/>
-        <a:font script="Taml" typeface="Latha"/>
-        <a:font script="Syrc" typeface="Estrangelo Edessa"/>
-        <a:font script="Orya" typeface="Kalinga"/>
-        <a:font script="Mlym" typeface="Kartika"/>
-        <a:font script="Laoo" typeface="DokChampa"/>
-        <a:font script="Sinh" typeface="Iskoola Pota"/>
-        <a:font script="Mong" typeface="Mongolian Baiti"/>
-        <a:font script="Viet" typeface="Times New Roman"/>
-        <a:font script="Uigh" typeface="Microsoft Uighur"/>
-        <a:font script="Geor" typeface="Sylfaen"/>
-        <a:font script="Armn" typeface="Arial"/>
-        <a:font script="Bugi" typeface="Leelawadee UI"/>
-        <a:font script="Bopo" typeface="Microsoft JhengHei"/>
-        <a:font script="Java" typeface="Javanese Text"/>
-        <a:font script="Lisu" typeface="Segoe UI"/>
-        <a:font script="Mymr" typeface="Myanmar Text"/>
-        <a:font script="Nkoo" typeface="Ebrima"/>
-        <a:font script="Olck" typeface="Nirmala UI"/>
-        <a:font script="Osma" typeface="Ebrima"/>
-        <a:font script="Phag" typeface="Phagspa"/>
-        <a:font script="Syrn" typeface="Estrangelo Edessa"/>
-        <a:font script="Syrj" typeface="Estrangelo Edessa"/>
-        <a:font script="Syre" typeface="Estrangelo Edessa"/>
-        <a:font script="Sora" typeface="Nirmala UI"/>
-        <a:font script="Tale" typeface="Microsoft Tai Le"/>
-        <a:font script="Talu" typeface="Microsoft New Tai Lue"/>
-        <a:font script="Tfng" typeface="Ebrima"/>
-      </a:majorFont>
-      <a:minorFont>
-        <a:latin typeface="Calibri" panose="020F0502020204030204"/>
-        <a:ea typeface=""/>
-        <a:cs typeface=""/>
-        <a:font script="Jpan" typeface="游ゴシック"/>
-        <a:font script="Hang" typeface="맑은 고딕"/>
-        <a:font script="Hans" typeface="等线"/>
-        <a:font script="Hant" typeface="新細明體"/>
-        <a:font script="Arab" typeface="Arial"/>
-        <a:font script="Hebr" typeface="Arial"/>
-        <a:font script="Thai" typeface="Cordia New"/>
+        <a:font script="Arab" typeface="Tahoma"/>
+        <a:font script="Hebr" typeface="Gisha"/>
+        <a:font script="Thai" typeface="DilleniaUPC"/>
         <a:font script="Ethi" typeface="Nyala"/>
         <a:font script="Beng" typeface="Vrinda"/>
         <a:font script="Gujr" typeface="Shruti"/>
@@ -5396,29 +9949,47 @@
         <a:font script="Laoo" typeface="DokChampa"/>
         <a:font script="Sinh" typeface="Iskoola Pota"/>
         <a:font script="Mong" typeface="Mongolian Baiti"/>
-        <a:font script="Viet" typeface="Arial"/>
+        <a:font script="Viet" typeface="Tahoma"/>
         <a:font script="Uigh" typeface="Microsoft Uighur"/>
         <a:font script="Geor" typeface="Sylfaen"/>
-        <a:font script="Armn" typeface="Arial"/>
-        <a:font script="Bugi" typeface="Leelawadee UI"/>
-        <a:font script="Bopo" typeface="Microsoft JhengHei"/>
-        <a:font script="Java" typeface="Javanese Text"/>
-        <a:font script="Lisu" typeface="Segoe UI"/>
-        <a:font script="Mymr" typeface="Myanmar Text"/>
-        <a:font script="Nkoo" typeface="Ebrima"/>
-        <a:font script="Olck" typeface="Nirmala UI"/>
-        <a:font script="Osma" typeface="Ebrima"/>
-        <a:font script="Phag" typeface="Phagspa"/>
-        <a:font script="Syrn" typeface="Estrangelo Edessa"/>
-        <a:font script="Syrj" typeface="Estrangelo Edessa"/>
-        <a:font script="Syre" typeface="Estrangelo Edessa"/>
-        <a:font script="Sora" typeface="Nirmala UI"/>
-        <a:font script="Tale" typeface="Microsoft Tai Le"/>
-        <a:font script="Talu" typeface="Microsoft New Tai Lue"/>
-        <a:font script="Tfng" typeface="Ebrima"/>
+      </a:majorFont>
+      <a:minorFont>
+        <a:latin typeface="Corbel" panose="020B0503020204020204"/>
+        <a:ea typeface=""/>
+        <a:cs typeface=""/>
+        <a:font script="Jpan" typeface="ＭＳ ゴシック"/>
+        <a:font script="Hang" typeface="맑은 고딕"/>
+        <a:font script="Hans" typeface="宋体"/>
+        <a:font script="Hant" typeface="新細明體"/>
+        <a:font script="Arab" typeface="Tahoma"/>
+        <a:font script="Hebr" typeface="Gisha"/>
+        <a:font script="Thai" typeface="DilleniaUPC"/>
+        <a:font script="Ethi" typeface="Nyala"/>
+        <a:font script="Beng" typeface="Vrinda"/>
+        <a:font script="Gujr" typeface="Shruti"/>
+        <a:font script="Khmr" typeface="DaunPenh"/>
+        <a:font script="Knda" typeface="Tunga"/>
+        <a:font script="Guru" typeface="Raavi"/>
+        <a:font script="Cans" typeface="Euphemia"/>
+        <a:font script="Cher" typeface="Plantagenet Cherokee"/>
+        <a:font script="Yiii" typeface="Microsoft Yi Baiti"/>
+        <a:font script="Tibt" typeface="Microsoft Himalaya"/>
+        <a:font script="Thaa" typeface="MV Boli"/>
+        <a:font script="Deva" typeface="Mangal"/>
+        <a:font script="Telu" typeface="Gautami"/>
+        <a:font script="Taml" typeface="Latha"/>
+        <a:font script="Syrc" typeface="Estrangelo Edessa"/>
+        <a:font script="Orya" typeface="Kalinga"/>
+        <a:font script="Mlym" typeface="Kartika"/>
+        <a:font script="Laoo" typeface="DokChampa"/>
+        <a:font script="Sinh" typeface="Iskoola Pota"/>
+        <a:font script="Mong" typeface="Mongolian Baiti"/>
+        <a:font script="Viet" typeface="Verdana"/>
+        <a:font script="Uigh" typeface="Microsoft Uighur"/>
+        <a:font script="Geor" typeface="Sylfaen"/>
       </a:minorFont>
     </a:fontScheme>
-    <a:fmtScheme name="Office">
+    <a:fmtScheme name="Banded">
       <a:fillStyleLst>
         <a:solidFill>
           <a:schemeClr val="phClr"/>
@@ -5427,23 +9998,23 @@
           <a:gsLst>
             <a:gs pos="0">
               <a:schemeClr val="phClr">
-                <a:lumMod val="110000"/>
-                <a:satMod val="105000"/>
-                <a:tint val="67000"/>
+                <a:tint val="65000"/>
+                <a:satMod val="120000"/>
+                <a:lumMod val="107000"/>
               </a:schemeClr>
             </a:gs>
             <a:gs pos="50000">
               <a:schemeClr val="phClr">
-                <a:lumMod val="105000"/>
-                <a:satMod val="103000"/>
-                <a:tint val="73000"/>
+                <a:tint val="70000"/>
+                <a:satMod val="124000"/>
+                <a:lumMod val="103000"/>
               </a:schemeClr>
             </a:gs>
             <a:gs pos="100000">
               <a:schemeClr val="phClr">
-                <a:lumMod val="105000"/>
-                <a:satMod val="109000"/>
-                <a:tint val="81000"/>
+                <a:tint val="85000"/>
+                <a:satMod val="120000"/>
+                <a:lumMod val="100000"/>
               </a:schemeClr>
             </a:gs>
           </a:gsLst>
@@ -5453,23 +10024,24 @@
           <a:gsLst>
             <a:gs pos="0">
               <a:schemeClr val="phClr">
-                <a:satMod val="103000"/>
-                <a:lumMod val="102000"/>
-                <a:tint val="94000"/>
+                <a:tint val="85000"/>
+                <a:shade val="98000"/>
+                <a:satMod val="110000"/>
+                <a:lumMod val="103000"/>
               </a:schemeClr>
             </a:gs>
             <a:gs pos="50000">
               <a:schemeClr val="phClr">
-                <a:satMod val="110000"/>
+                <a:shade val="85000"/>
+                <a:satMod val="105000"/>
                 <a:lumMod val="100000"/>
-                <a:shade val="100000"/>
               </a:schemeClr>
             </a:gs>
             <a:gs pos="100000">
               <a:schemeClr val="phClr">
-                <a:lumMod val="99000"/>
+                <a:shade val="60000"/>
                 <a:satMod val="120000"/>
-                <a:shade val="78000"/>
+                <a:lumMod val="100000"/>
               </a:schemeClr>
             </a:gs>
           </a:gsLst>
@@ -5477,26 +10049,23 @@
         </a:gradFill>
       </a:fillStyleLst>
       <a:lnStyleLst>
-        <a:ln w="6350" cap="flat" cmpd="sng" algn="ctr">
+        <a:ln w="9525" cap="flat" cmpd="sng" algn="ctr">
           <a:solidFill>
             <a:schemeClr val="phClr"/>
           </a:solidFill>
           <a:prstDash val="solid"/>
-          <a:miter lim="800000"/>
         </a:ln>
         <a:ln w="12700" cap="flat" cmpd="sng" algn="ctr">
           <a:solidFill>
             <a:schemeClr val="phClr"/>
           </a:solidFill>
           <a:prstDash val="solid"/>
-          <a:miter lim="800000"/>
         </a:ln>
-        <a:ln w="19050" cap="flat" cmpd="sng" algn="ctr">
+        <a:ln w="25400" cap="flat" cmpd="sng" algn="ctr">
           <a:solidFill>
             <a:schemeClr val="phClr"/>
           </a:solidFill>
           <a:prstDash val="solid"/>
-          <a:miter lim="800000"/>
         </a:ln>
       </a:lnStyleLst>
       <a:effectStyleLst>
@@ -5504,11 +10073,17 @@
           <a:effectLst/>
         </a:effectStyle>
         <a:effectStyle>
-          <a:effectLst/>
+          <a:effectLst>
+            <a:outerShdw blurRad="50800" dist="15875" dir="5400000" algn="ctr" rotWithShape="0">
+              <a:srgbClr val="000000">
+                <a:alpha val="68000"/>
+              </a:srgbClr>
+            </a:outerShdw>
+          </a:effectLst>
         </a:effectStyle>
         <a:effectStyle>
           <a:effectLst>
-            <a:outerShdw blurRad="57150" dist="19050" dir="5400000" algn="ctr" rotWithShape="0">
+            <a:outerShdw blurRad="88900" dist="27940" dir="5400000" algn="ctr" rotWithShape="0">
               <a:srgbClr val="000000">
                 <a:alpha val="63000"/>
               </a:srgbClr>
@@ -5520,34 +10095,31 @@
         <a:solidFill>
           <a:schemeClr val="phClr"/>
         </a:solidFill>
-        <a:solidFill>
-          <a:schemeClr val="phClr">
-            <a:tint val="95000"/>
-            <a:satMod val="170000"/>
-          </a:schemeClr>
-        </a:solidFill>
+        <a:blipFill rotWithShape="1">
+          <a:blip xmlns:r="http://schemas.openxmlformats.org/officeDocument/2006/relationships" r:embed="rId1">
+            <a:duotone>
+              <a:schemeClr val="phClr"/>
+              <a:schemeClr val="phClr">
+                <a:shade val="91000"/>
+                <a:satMod val="105000"/>
+              </a:schemeClr>
+            </a:duotone>
+          </a:blip>
+          <a:tile tx="0" ty="0" sx="100000" sy="100000" flip="none" algn="tl"/>
+        </a:blipFill>
         <a:gradFill rotWithShape="1">
           <a:gsLst>
             <a:gs pos="0">
               <a:schemeClr val="phClr">
-                <a:tint val="93000"/>
-                <a:satMod val="150000"/>
-                <a:shade val="98000"/>
-                <a:lumMod val="102000"/>
-              </a:schemeClr>
-            </a:gs>
-            <a:gs pos="50000">
-              <a:schemeClr val="phClr">
-                <a:tint val="98000"/>
-                <a:satMod val="130000"/>
-                <a:shade val="90000"/>
-                <a:lumMod val="103000"/>
+                <a:tint val="100000"/>
+                <a:shade val="0"/>
+                <a:satMod val="100000"/>
               </a:schemeClr>
             </a:gs>
             <a:gs pos="100000">
               <a:schemeClr val="phClr">
-                <a:shade val="63000"/>
-                <a:satMod val="120000"/>
+                <a:shade val="100000"/>
+                <a:satMod val="100000"/>
               </a:schemeClr>
             </a:gs>
           </a:gsLst>
@@ -5560,7 +10132,7 @@
   <a:extraClrSchemeLst/>
   <a:extLst>
     <a:ext uri="{05A4C25C-085E-4340-85A3-A5531E510DB2}">
-      <thm15:themeFamily xmlns:thm15="http://schemas.microsoft.com/office/thememl/2012/main" name="Office Theme" id="{62F939B6-93AF-4DB8-9C6B-D6C7DFDC589F}" vid="{4A3C46E8-61CC-4603-A589-7422A47A8E4A}"/>
+      <thm15:themeFamily xmlns:thm15="http://schemas.microsoft.com/office/thememl/2012/main" name="Banded" id="{98DFF888-2449-4D28-977C-6306C017633E}" vid="{9792607F-9579-4224-82FF-9C88C3E1E53D}"/>
     </a:ext>
   </a:extLst>
 </a:theme>

--- a/Hotels in Madison Area.pptx
+++ b/Hotels in Madison Area.pptx
@@ -8104,8 +8104,8 @@
         </p:nvSpPr>
         <p:spPr>
           <a:xfrm>
-            <a:off x="7689056" y="1853207"/>
-            <a:ext cx="2562225" cy="369332"/>
+            <a:off x="7874590" y="1835281"/>
+            <a:ext cx="845344" cy="369332"/>
           </a:xfrm>
           <a:prstGeom prst="rect">
             <a:avLst/>

--- a/Hotels in Madison Area.pptx
+++ b/Hotels in Madison Area.pptx
@@ -326,7 +326,7 @@
           <a:p>
             <a:fld id="{39193EF1-A1E4-453A-86BD-07CAD0B0C234}" type="datetimeFigureOut">
               <a:rPr lang="en-US" smtClean="0"/>
-              <a:t>11/27/2020</a:t>
+              <a:t>11/28/2020</a:t>
             </a:fld>
             <a:endParaRPr lang="en-US"/>
           </a:p>
@@ -496,7 +496,7 @@
           <a:p>
             <a:fld id="{39193EF1-A1E4-453A-86BD-07CAD0B0C234}" type="datetimeFigureOut">
               <a:rPr lang="en-US" smtClean="0"/>
-              <a:t>11/27/2020</a:t>
+              <a:t>11/28/2020</a:t>
             </a:fld>
             <a:endParaRPr lang="en-US"/>
           </a:p>
@@ -719,7 +719,7 @@
           <a:p>
             <a:fld id="{39193EF1-A1E4-453A-86BD-07CAD0B0C234}" type="datetimeFigureOut">
               <a:rPr lang="en-US" smtClean="0"/>
-              <a:t>11/27/2020</a:t>
+              <a:t>11/28/2020</a:t>
             </a:fld>
             <a:endParaRPr lang="en-US"/>
           </a:p>
@@ -899,7 +899,7 @@
           <a:p>
             <a:fld id="{39193EF1-A1E4-453A-86BD-07CAD0B0C234}" type="datetimeFigureOut">
               <a:rPr lang="en-US" smtClean="0"/>
-              <a:t>11/27/2020</a:t>
+              <a:t>11/28/2020</a:t>
             </a:fld>
             <a:endParaRPr lang="en-US"/>
           </a:p>
@@ -1205,7 +1205,7 @@
           <a:p>
             <a:fld id="{39193EF1-A1E4-453A-86BD-07CAD0B0C234}" type="datetimeFigureOut">
               <a:rPr lang="en-US" smtClean="0"/>
-              <a:t>11/27/2020</a:t>
+              <a:t>11/28/2020</a:t>
             </a:fld>
             <a:endParaRPr lang="en-US"/>
           </a:p>
@@ -1509,7 +1509,7 @@
           <a:p>
             <a:fld id="{39193EF1-A1E4-453A-86BD-07CAD0B0C234}" type="datetimeFigureOut">
               <a:rPr lang="en-US" smtClean="0"/>
-              <a:t>11/27/2020</a:t>
+              <a:t>11/28/2020</a:t>
             </a:fld>
             <a:endParaRPr lang="en-US"/>
           </a:p>
@@ -1931,7 +1931,7 @@
           <a:p>
             <a:fld id="{39193EF1-A1E4-453A-86BD-07CAD0B0C234}" type="datetimeFigureOut">
               <a:rPr lang="en-US" smtClean="0"/>
-              <a:t>11/27/2020</a:t>
+              <a:t>11/28/2020</a:t>
             </a:fld>
             <a:endParaRPr lang="en-US"/>
           </a:p>
@@ -2049,7 +2049,7 @@
           <a:p>
             <a:fld id="{39193EF1-A1E4-453A-86BD-07CAD0B0C234}" type="datetimeFigureOut">
               <a:rPr lang="en-US" smtClean="0"/>
-              <a:t>11/27/2020</a:t>
+              <a:t>11/28/2020</a:t>
             </a:fld>
             <a:endParaRPr lang="en-US"/>
           </a:p>
@@ -2144,7 +2144,7 @@
           <a:p>
             <a:fld id="{39193EF1-A1E4-453A-86BD-07CAD0B0C234}" type="datetimeFigureOut">
               <a:rPr lang="en-US" smtClean="0"/>
-              <a:t>11/27/2020</a:t>
+              <a:t>11/28/2020</a:t>
             </a:fld>
             <a:endParaRPr lang="en-US"/>
           </a:p>
@@ -2417,7 +2417,7 @@
           <a:p>
             <a:fld id="{39193EF1-A1E4-453A-86BD-07CAD0B0C234}" type="datetimeFigureOut">
               <a:rPr lang="en-US" smtClean="0"/>
-              <a:t>11/27/2020</a:t>
+              <a:t>11/28/2020</a:t>
             </a:fld>
             <a:endParaRPr lang="en-US"/>
           </a:p>
@@ -2682,7 +2682,7 @@
           <a:p>
             <a:fld id="{39193EF1-A1E4-453A-86BD-07CAD0B0C234}" type="datetimeFigureOut">
               <a:rPr lang="en-US" smtClean="0"/>
-              <a:t>11/27/2020</a:t>
+              <a:t>11/28/2020</a:t>
             </a:fld>
             <a:endParaRPr lang="en-US"/>
           </a:p>
@@ -2931,7 +2931,7 @@
           <a:p>
             <a:fld id="{39193EF1-A1E4-453A-86BD-07CAD0B0C234}" type="datetimeFigureOut">
               <a:rPr lang="en-US" smtClean="0"/>
-              <a:t>11/27/2020</a:t>
+              <a:t>11/28/2020</a:t>
             </a:fld>
             <a:endParaRPr lang="en-US"/>
           </a:p>
@@ -6426,7 +6426,7 @@
             </a:pPr>
             <a:r>
               <a:rPr lang="en-US" dirty="0"/>
-              <a:t>Select out the categories that contains hotels</a:t>
+              <a:t>Select out the row according to the categories that contains hotels</a:t>
             </a:r>
           </a:p>
           <a:p>
@@ -6436,7 +6436,7 @@
             </a:pPr>
             <a:r>
               <a:rPr lang="en-US" dirty="0"/>
-              <a:t>Select out the business name that contains hotel, inn, Hilton, Courtyard, Edge, Place, Graduate, Wyndham, Suites, Motel, Lodge</a:t>
+              <a:t>Select out the row according to the business name that contains hotel, inn, Hilton, Courtyard, Edge, Place, Graduate, Wyndham, Suites, Motel, Lodge</a:t>
             </a:r>
           </a:p>
           <a:p>
@@ -8222,7 +8222,7 @@
             </a:pPr>
             <a:r>
               <a:rPr lang="en-US" dirty="0"/>
-              <a:t>Drop all columns except rated star, review text, name, address, postal code, average a, attributes of business, categories of business.</a:t>
+              <a:t>Drop all columns except rated star, review text, name, address, postal code, average rates, attributes of businesses, categories of business.</a:t>
             </a:r>
           </a:p>
           <a:p>
@@ -8232,7 +8232,7 @@
             </a:pPr>
             <a:r>
               <a:rPr lang="en-US" dirty="0"/>
-              <a:t>Break the review text into word by word and get rid of stop words and special characters make it into matrix form.</a:t>
+              <a:t>Break the review text into word by word, get rid of stop words and special characters and make it into matrix form.</a:t>
             </a:r>
           </a:p>
           <a:p>
@@ -9024,7 +9024,7 @@
           <a:p>
             <a:r>
               <a:rPr lang="en-US" dirty="0"/>
-              <a:t>Second, we removed unmeaningful words, by selected out the words more used than 3</a:t>
+              <a:t>Second, we excluded unmeaningful words, by selecting out the words more used than 3</a:t>
             </a:r>
             <a:r>
               <a:rPr lang="en-US" baseline="30000" dirty="0"/>
@@ -9032,7 +9032,7 @@
             </a:r>
             <a:r>
               <a:rPr lang="en-US" dirty="0"/>
-              <a:t> quantile(53.00)reduced the repeated count to 1 </a:t>
+              <a:t> quantile(53.00)</a:t>
             </a:r>
           </a:p>
         </p:txBody>
